--- a/Replicated.pptx
+++ b/Replicated.pptx
@@ -894,7 +894,7 @@
         <p:txBody>
           <a:bodyPr/>
           <a:p>
-            <a:fld id="{A3E0E15C-2E5E-4920-BCEB-E0820087C959}" type="slidenum">
+            <a:fld id="{01F85EE8-EF87-4218-A867-3A9A1EF57637}" type="slidenum">
               <a:t>&lt;#&gt;</a:t>
             </a:fld>
           </a:p>
@@ -1057,7 +1057,7 @@
         <p:txBody>
           <a:bodyPr/>
           <a:p>
-            <a:fld id="{EC15B95E-5795-42FB-9E37-EE8A48FD86AE}" type="slidenum">
+            <a:fld id="{CD5CEA4B-A396-4C65-8630-46D03F9A99E5}" type="slidenum">
               <a:t>&lt;#&gt;</a:t>
             </a:fld>
           </a:p>
@@ -1217,7 +1217,7 @@
         <p:txBody>
           <a:bodyPr/>
           <a:p>
-            <a:fld id="{EACE0AC2-BD41-45E5-A445-CC176181AF7F}" type="slidenum">
+            <a:fld id="{7F0DD997-F927-4149-958F-EAD7C6649E29}" type="slidenum">
               <a:t>&lt;#&gt;</a:t>
             </a:fld>
           </a:p>
@@ -1414,7 +1414,7 @@
         <p:txBody>
           <a:bodyPr/>
           <a:p>
-            <a:fld id="{3C44B54C-5F52-4303-9134-AC2494733E17}" type="slidenum">
+            <a:fld id="{50F0BBA2-832C-4B7F-A020-ADE7339E3749}" type="slidenum">
               <a:t>&lt;#&gt;</a:t>
             </a:fld>
           </a:p>
@@ -1537,7 +1537,7 @@
         <p:txBody>
           <a:bodyPr/>
           <a:p>
-            <a:fld id="{7FD8F5E5-F6A5-47D8-9933-5C2D8E966AD7}" type="slidenum">
+            <a:fld id="{5FF45F3E-5A7E-4891-96C5-A55C364F9E70}" type="slidenum">
               <a:t>&lt;#&gt;</a:t>
             </a:fld>
           </a:p>
@@ -1660,7 +1660,7 @@
         <p:txBody>
           <a:bodyPr/>
           <a:p>
-            <a:fld id="{4C02BC76-7988-4E7B-B6BD-94E119954092}" type="slidenum">
+            <a:fld id="{E6DBE6BA-C57F-4A49-B9ED-9EEF29D74A0C}" type="slidenum">
               <a:t>&lt;#&gt;</a:t>
             </a:fld>
           </a:p>
@@ -1894,7 +1894,7 @@
         <p:txBody>
           <a:bodyPr/>
           <a:p>
-            <a:fld id="{0581A070-68A0-4D71-B77B-9FC272FC5093}" type="slidenum">
+            <a:fld id="{821AE1AC-8C40-4A53-9BE2-47E3F2C83CDD}" type="slidenum">
               <a:t>&lt;#&gt;</a:t>
             </a:fld>
           </a:p>
@@ -2271,7 +2271,7 @@
         <p:txBody>
           <a:bodyPr/>
           <a:p>
-            <a:fld id="{49D9D2E0-B5C4-4A99-9159-EE2107CBA5DB}" type="slidenum">
+            <a:fld id="{906FE2D5-4EF9-4F01-9AA6-021C17CE87BD}" type="slidenum">
               <a:t>&lt;#&gt;</a:t>
             </a:fld>
           </a:p>
@@ -2505,7 +2505,7 @@
         <p:txBody>
           <a:bodyPr/>
           <a:p>
-            <a:fld id="{A224F0BF-7747-4458-BDCC-FB389EC13011}" type="slidenum">
+            <a:fld id="{3622124F-9F69-41C8-81E0-39CBD2F27B3F}" type="slidenum">
               <a:t>&lt;#&gt;</a:t>
             </a:fld>
           </a:p>
@@ -2702,7 +2702,7 @@
         <p:txBody>
           <a:bodyPr/>
           <a:p>
-            <a:fld id="{638F543C-63E2-43E4-9673-F44388259FBD}" type="slidenum">
+            <a:fld id="{6E350811-2A95-48E2-896B-F48DF6C3DB88}" type="slidenum">
               <a:t>&lt;#&gt;</a:t>
             </a:fld>
           </a:p>
@@ -2973,7 +2973,7 @@
         <p:txBody>
           <a:bodyPr/>
           <a:p>
-            <a:fld id="{9881A3A8-39F6-4725-908F-11ACD2B27150}" type="slidenum">
+            <a:fld id="{72953A41-7DE8-427B-ACB3-E31C6AE65E68}" type="slidenum">
               <a:t>&lt;#&gt;</a:t>
             </a:fld>
           </a:p>
@@ -3318,7 +3318,7 @@
         <p:txBody>
           <a:bodyPr/>
           <a:p>
-            <a:fld id="{65BF1D8D-46ED-4A14-BAAF-0CC5F7732324}" type="slidenum">
+            <a:fld id="{B882CA1C-BDC7-40D1-B2FB-FB8FC732606F}" type="slidenum">
               <a:t>&lt;#&gt;</a:t>
             </a:fld>
           </a:p>
@@ -3401,7 +3401,7 @@
         <p:txBody>
           <a:bodyPr/>
           <a:p>
-            <a:fld id="{CA8CF9C0-9584-4A8B-A71B-DD02688146C6}" type="slidenum">
+            <a:fld id="{C542CC1A-4290-4A27-9EE3-86B4BE7A1D79}" type="slidenum">
               <a:t>&lt;#&gt;</a:t>
             </a:fld>
           </a:p>
@@ -3564,7 +3564,7 @@
         <p:txBody>
           <a:bodyPr/>
           <a:p>
-            <a:fld id="{D95B7D5E-8B2C-4E05-BD52-F0F991157375}" type="slidenum">
+            <a:fld id="{F98F5F0A-1CD1-4D04-9FAC-AA2BEBA10DE4}" type="slidenum">
               <a:t>&lt;#&gt;</a:t>
             </a:fld>
           </a:p>
@@ -3724,7 +3724,7 @@
         <p:txBody>
           <a:bodyPr/>
           <a:p>
-            <a:fld id="{1401FE77-1D9C-4E4A-819A-7289FDDCE763}" type="slidenum">
+            <a:fld id="{231F9D53-8D87-4CF4-9839-0F284CB174A6}" type="slidenum">
               <a:t>&lt;#&gt;</a:t>
             </a:fld>
           </a:p>
@@ -3921,7 +3921,7 @@
         <p:txBody>
           <a:bodyPr/>
           <a:p>
-            <a:fld id="{E908220F-CA72-466B-8532-EE38A4499485}" type="slidenum">
+            <a:fld id="{27199320-BA3B-4D79-9040-FF38D3F084DD}" type="slidenum">
               <a:t>&lt;#&gt;</a:t>
             </a:fld>
           </a:p>
@@ -4044,7 +4044,7 @@
         <p:txBody>
           <a:bodyPr/>
           <a:p>
-            <a:fld id="{EFAD6CD7-30EB-46E2-A4A7-9E997561176B}" type="slidenum">
+            <a:fld id="{B89CB3AF-B581-4E26-AA7F-569090300486}" type="slidenum">
               <a:t>&lt;#&gt;</a:t>
             </a:fld>
           </a:p>
@@ -4307,7 +4307,7 @@
         <p:txBody>
           <a:bodyPr/>
           <a:p>
-            <a:fld id="{DAB55616-4FAD-4773-9C73-2F845C1C6716}" type="slidenum">
+            <a:fld id="{647DB31E-9B9A-4A16-BACF-4AF14EB1A215}" type="slidenum">
               <a:t>&lt;#&gt;</a:t>
             </a:fld>
           </a:p>
@@ -4541,7 +4541,7 @@
         <p:txBody>
           <a:bodyPr/>
           <a:p>
-            <a:fld id="{24FC1A30-51A9-454C-908F-3504103AC196}" type="slidenum">
+            <a:fld id="{7DA7751F-8E5C-4A8B-A8B9-666C57C0356F}" type="slidenum">
               <a:t>&lt;#&gt;</a:t>
             </a:fld>
           </a:p>
@@ -4775,7 +4775,7 @@
         <p:txBody>
           <a:bodyPr/>
           <a:p>
-            <a:fld id="{57185642-A12B-49ED-904F-7E2F68E663F7}" type="slidenum">
+            <a:fld id="{DFD45E21-C742-4B05-9037-B286A4F0C0F3}" type="slidenum">
               <a:t>&lt;#&gt;</a:t>
             </a:fld>
           </a:p>
@@ -5009,7 +5009,7 @@
         <p:txBody>
           <a:bodyPr/>
           <a:p>
-            <a:fld id="{03E11968-B8F2-4DFF-8996-D4A031BC7903}" type="slidenum">
+            <a:fld id="{2FF5E680-1A98-4002-883F-D35E92FD7A04}" type="slidenum">
               <a:t>&lt;#&gt;</a:t>
             </a:fld>
           </a:p>
@@ -5206,7 +5206,7 @@
         <p:txBody>
           <a:bodyPr/>
           <a:p>
-            <a:fld id="{9A37BADE-00A4-4600-9B8F-C4EBE8C71D8D}" type="slidenum">
+            <a:fld id="{C51BFCE4-E1A5-42CB-A250-967423F3127E}" type="slidenum">
               <a:t>&lt;#&gt;</a:t>
             </a:fld>
           </a:p>
@@ -5477,7 +5477,7 @@
         <p:txBody>
           <a:bodyPr/>
           <a:p>
-            <a:fld id="{18D6F7CB-9A48-4CF5-9763-686D367442E0}" type="slidenum">
+            <a:fld id="{98AB77CD-221F-494E-8FF4-FCEBE08EBE24}" type="slidenum">
               <a:t>&lt;#&gt;</a:t>
             </a:fld>
           </a:p>
@@ -5822,7 +5822,7 @@
         <p:txBody>
           <a:bodyPr/>
           <a:p>
-            <a:fld id="{B8A64106-338B-47B7-AE71-2BFC19995103}" type="slidenum">
+            <a:fld id="{68012F81-529B-47B4-B45E-F0ABABEC675A}" type="slidenum">
               <a:t>&lt;#&gt;</a:t>
             </a:fld>
           </a:p>
@@ -7397,7 +7397,7 @@
             <a:pPr algn="ctr">
               <a:buNone/>
             </a:pPr>
-            <a:fld id="{540F9F87-D599-49DB-9EA7-0186E85BEF5F}" type="slidenum">
+            <a:fld id="{1A05948E-5EDC-4A62-A42A-538023122BD0}" type="slidenum">
               <a:rPr b="1" lang="en-US" sz="1800" spc="-1" strike="noStrike">
                 <a:solidFill>
                   <a:srgbClr val="ffffff"/>
@@ -7904,7 +7904,7 @@
             <a:pPr algn="ctr">
               <a:buNone/>
             </a:pPr>
-            <a:fld id="{B9AA01A8-79FD-40B4-BA60-0B1BCABF966A}" type="slidenum">
+            <a:fld id="{865E9178-7BFA-4B1F-B49C-D69552D5F74D}" type="slidenum">
               <a:rPr b="1" lang="en-US" sz="1800" spc="-1" strike="noStrike">
                 <a:solidFill>
                   <a:srgbClr val="ffffff"/>
@@ -8411,7 +8411,7 @@
             <a:pPr algn="ctr">
               <a:buNone/>
             </a:pPr>
-            <a:fld id="{512C92D9-2A6E-4203-88BF-1E0031670CBE}" type="slidenum">
+            <a:fld id="{B311103D-0F7E-44D7-8A84-D0EE7F7CC52B}" type="slidenum">
               <a:rPr b="1" lang="en-US" sz="1800" spc="-1" strike="noStrike">
                 <a:solidFill>
                   <a:srgbClr val="ffffff"/>
@@ -8507,106 +8507,7 @@
                 </a:solidFill>
                 <a:latin typeface="Noto Sans"/>
               </a:rPr>
-              <a:t>Re</a:t>
-            </a:r>
-            <a:r>
-              <a:rPr b="1" lang="en-US" sz="2700" spc="-1" strike="noStrike">
-                <a:solidFill>
-                  <a:srgbClr val="ffffff"/>
-                </a:solidFill>
-                <a:latin typeface="Noto Sans"/>
-              </a:rPr>
-              <a:t>plic</a:t>
-            </a:r>
-            <a:r>
-              <a:rPr b="1" lang="en-US" sz="2700" spc="-1" strike="noStrike">
-                <a:solidFill>
-                  <a:srgbClr val="ffffff"/>
-                </a:solidFill>
-                <a:latin typeface="Noto Sans"/>
-              </a:rPr>
-              <a:t>ate</a:t>
-            </a:r>
-            <a:r>
-              <a:rPr b="1" lang="en-US" sz="2700" spc="-1" strike="noStrike">
-                <a:solidFill>
-                  <a:srgbClr val="ffffff"/>
-                </a:solidFill>
-                <a:latin typeface="Noto Sans"/>
-              </a:rPr>
-              <a:t>d </a:t>
-            </a:r>
-            <a:r>
-              <a:rPr b="1" lang="en-US" sz="2700" spc="-1" strike="noStrike">
-                <a:solidFill>
-                  <a:srgbClr val="ffffff"/>
-                </a:solidFill>
-                <a:latin typeface="Noto Sans"/>
-              </a:rPr>
-              <a:t>Virt</a:t>
-            </a:r>
-            <a:r>
-              <a:rPr b="1" lang="en-US" sz="2700" spc="-1" strike="noStrike">
-                <a:solidFill>
-                  <a:srgbClr val="ffffff"/>
-                </a:solidFill>
-                <a:latin typeface="Noto Sans"/>
-              </a:rPr>
-              <a:t>ual </a:t>
-            </a:r>
-            <a:r>
-              <a:rPr b="1" lang="en-US" sz="2700" spc="-1" strike="noStrike">
-                <a:solidFill>
-                  <a:srgbClr val="ffffff"/>
-                </a:solidFill>
-                <a:latin typeface="Noto Sans"/>
-              </a:rPr>
-              <a:t>Dri</a:t>
-            </a:r>
-            <a:r>
-              <a:rPr b="1" lang="en-US" sz="2700" spc="-1" strike="noStrike">
-                <a:solidFill>
-                  <a:srgbClr val="ffffff"/>
-                </a:solidFill>
-                <a:latin typeface="Noto Sans"/>
-              </a:rPr>
-              <a:t>ver </a:t>
-            </a:r>
-            <a:r>
-              <a:rPr b="1" lang="en-US" sz="2700" spc="-1" strike="noStrike">
-                <a:solidFill>
-                  <a:srgbClr val="ffffff"/>
-                </a:solidFill>
-                <a:latin typeface="Noto Sans"/>
-              </a:rPr>
-              <a:t>Arc</a:t>
-            </a:r>
-            <a:r>
-              <a:rPr b="1" lang="en-US" sz="2700" spc="-1" strike="noStrike">
-                <a:solidFill>
-                  <a:srgbClr val="ffffff"/>
-                </a:solidFill>
-                <a:latin typeface="Noto Sans"/>
-              </a:rPr>
-              <a:t>hit</a:t>
-            </a:r>
-            <a:r>
-              <a:rPr b="1" lang="en-US" sz="2700" spc="-1" strike="noStrike">
-                <a:solidFill>
-                  <a:srgbClr val="ffffff"/>
-                </a:solidFill>
-                <a:latin typeface="Noto Sans"/>
-              </a:rPr>
-              <a:t>ect</a:t>
-            </a:r>
-            <a:r>
-              <a:rPr b="1" lang="en-US" sz="2700" spc="-1" strike="noStrike">
-                <a:solidFill>
-                  <a:srgbClr val="ffffff"/>
-                </a:solidFill>
-                <a:latin typeface="Noto Sans"/>
-              </a:rPr>
-              <a:t>ure</a:t>
+              <a:t>Replicated Virtual Driver Architecture</a:t>
             </a:r>
             <a:endParaRPr b="1" lang="en-US" sz="2700" spc="-1" strike="noStrike">
               <a:solidFill>
@@ -9632,7 +9533,7 @@
                 </a:solidFill>
                 <a:latin typeface="Noto Sans"/>
               </a:rPr>
-              <a:t>We can compile the driver for ANY kernel for ANY architecture</a:t>
+              <a:t>-We can compile the driver for ANY kernel for ANY architecture</a:t>
             </a:r>
             <a:endParaRPr b="1" lang="en-US" sz="2400" spc="-1" strike="noStrike">
               <a:solidFill>
@@ -10039,7 +9940,7 @@
         <p:txBody>
           <a:bodyPr/>
           <a:p>
-            <a:fld id="{E371B526-75CA-4AEF-BA44-8DBA408AA267}" type="slidenum">
+            <a:fld id="{AA6780A3-7249-4B62-84FB-B287FFC7CC81}" type="slidenum">
               <a:t>14</a:t>
             </a:fld>
           </a:p>
@@ -10345,70 +10246,7 @@
                 </a:solidFill>
                 <a:latin typeface="Noto Sans"/>
               </a:rPr>
-              <a:t>Replic</a:t>
-            </a:r>
-            <a:r>
-              <a:rPr b="1" lang="en-US" sz="2700" spc="-1" strike="noStrike">
-                <a:solidFill>
-                  <a:srgbClr val="ffffff"/>
-                </a:solidFill>
-                <a:latin typeface="Noto Sans"/>
-              </a:rPr>
-              <a:t>ated </a:t>
-            </a:r>
-            <a:r>
-              <a:rPr b="1" lang="en-US" sz="2700" spc="-1" strike="noStrike">
-                <a:solidFill>
-                  <a:srgbClr val="ffffff"/>
-                </a:solidFill>
-                <a:latin typeface="Noto Sans"/>
-              </a:rPr>
-              <a:t>Virtua</a:t>
-            </a:r>
-            <a:r>
-              <a:rPr b="1" lang="en-US" sz="2700" spc="-1" strike="noStrike">
-                <a:solidFill>
-                  <a:srgbClr val="ffffff"/>
-                </a:solidFill>
-                <a:latin typeface="Noto Sans"/>
-              </a:rPr>
-              <a:t>l </a:t>
-            </a:r>
-            <a:r>
-              <a:rPr b="1" lang="en-US" sz="2700" spc="-1" strike="noStrike">
-                <a:solidFill>
-                  <a:srgbClr val="ffffff"/>
-                </a:solidFill>
-                <a:latin typeface="Noto Sans"/>
-              </a:rPr>
-              <a:t>Driver </a:t>
-            </a:r>
-            <a:r>
-              <a:rPr b="1" lang="en-US" sz="2700" spc="-1" strike="noStrike">
-                <a:solidFill>
-                  <a:srgbClr val="ffffff"/>
-                </a:solidFill>
-                <a:latin typeface="Noto Sans"/>
-              </a:rPr>
-              <a:t>Archit</a:t>
-            </a:r>
-            <a:r>
-              <a:rPr b="1" lang="en-US" sz="2700" spc="-1" strike="noStrike">
-                <a:solidFill>
-                  <a:srgbClr val="ffffff"/>
-                </a:solidFill>
-                <a:latin typeface="Noto Sans"/>
-              </a:rPr>
-              <a:t>ectur</a:t>
-            </a:r>
-            <a:r>
-              <a:rPr b="1" lang="en-US" sz="2700" spc="-1" strike="noStrike">
-                <a:solidFill>
-                  <a:srgbClr val="ffffff"/>
-                </a:solidFill>
-                <a:latin typeface="Noto Sans"/>
-              </a:rPr>
-              <a:t>e</a:t>
+              <a:t>Replicated Virtual Driver Architecture</a:t>
             </a:r>
             <a:endParaRPr b="1" lang="en-US" sz="2700" spc="-1" strike="noStrike">
               <a:solidFill>
@@ -10493,16 +10331,7 @@
                 </a:solidFill>
                 <a:latin typeface="Noto Sans"/>
               </a:rPr>
-              <a:t>All drivers are kernel modules, but not all kernel </a:t>
-            </a:r>
-            <a:r>
-              <a:rPr b="1" lang="en-US" sz="2400" spc="-1" strike="noStrike">
-                <a:solidFill>
-                  <a:srgbClr val="2c3e50"/>
-                </a:solidFill>
-                <a:latin typeface="Noto Sans"/>
-              </a:rPr>
-              <a:t>modules are drivers!</a:t>
+              <a:t>All drivers are kernel modules, but not all kernel modules are drivers!</a:t>
             </a:r>
             <a:endParaRPr b="1" lang="en-US" sz="2400" spc="-1" strike="noStrike">
               <a:solidFill>
@@ -10990,7 +10819,16 @@
                 </a:solidFill>
                 <a:latin typeface="Noto Sans"/>
               </a:rPr>
-              <a:t>Hardware</a:t>
+              <a:t>Hardw</a:t>
+            </a:r>
+            <a:r>
+              <a:rPr b="0" lang="en-US" sz="1800" spc="-1" strike="noStrike">
+                <a:solidFill>
+                  <a:srgbClr val="2c3e50"/>
+                </a:solidFill>
+                <a:latin typeface="Noto Sans"/>
+              </a:rPr>
+              <a:t>are</a:t>
             </a:r>
             <a:endParaRPr b="0" lang="en-US" sz="1800" spc="-1" strike="noStrike">
               <a:solidFill>

--- a/Replicated.pptx
+++ b/Replicated.pptx
@@ -23,7 +23,7 @@
     <p:sldId id="269" r:id="rId18"/>
   </p:sldIdLst>
   <p:sldSz cx="10080625" cy="5670550"/>
-  <p:notesSz cx="7559675" cy="10691813"/>
+  <p:notesSz cx="7772400" cy="10058400"/>
 </p:presentation>
 </file>
 
@@ -51,7 +51,7 @@
             <a:spLocks noGrp="1"/>
           </p:cNvSpPr>
           <p:nvPr>
-            <p:ph type="ftr" idx="2"/>
+            <p:ph type="ftr" idx="1"/>
           </p:nvPr>
         </p:nvSpPr>
         <p:spPr/>
@@ -71,7 +71,27 @@
             <a:spLocks noGrp="1"/>
           </p:cNvSpPr>
           <p:nvPr>
-            <p:ph type="dt" idx="1"/>
+            <p:ph type="sldNum" idx="2"/>
+          </p:nvPr>
+        </p:nvSpPr>
+        <p:spPr/>
+        <p:txBody>
+          <a:bodyPr/>
+          <a:p>
+            <a:fld id="{D2E5A0D5-01A1-4DF9-A006-27B8A7C48EFE}" type="slidenum">
+              <a:t>&lt;#&gt;</a:t>
+            </a:fld>
+          </a:p>
+        </p:txBody>
+      </p:sp>
+      <p:sp>
+        <p:nvSpPr>
+          <p:cNvPr id="4" name="PlaceHolder 3"/>
+          <p:cNvSpPr>
+            <a:spLocks noGrp="1"/>
+          </p:cNvSpPr>
+          <p:nvPr>
+            <p:ph type="dt" idx="3"/>
           </p:nvPr>
         </p:nvSpPr>
         <p:spPr/>
@@ -109,7 +129,7 @@
       </p:grpSpPr>
       <p:sp>
         <p:nvSpPr>
-          <p:cNvPr id="29" name="PlaceHolder 1"/>
+          <p:cNvPr id="28" name="PlaceHolder 1"/>
           <p:cNvSpPr>
             <a:spLocks noGrp="1"/>
           </p:cNvSpPr>
@@ -120,7 +140,7 @@
         <p:spPr>
           <a:xfrm>
             <a:off x="2700000" y="1485000"/>
-            <a:ext cx="4680000" cy="1620000"/>
+            <a:ext cx="4679640" cy="1619640"/>
           </a:xfrm>
           <a:prstGeom prst="rect">
             <a:avLst/>
@@ -131,25 +151,22 @@
           </a:ln>
         </p:spPr>
         <p:txBody>
-          <a:bodyPr lIns="0" rIns="0" tIns="0" bIns="0" anchor="ctr" anchorCtr="1">
+          <a:bodyPr lIns="0" rIns="0" tIns="0" bIns="0" anchor="ctr">
             <a:noAutofit/>
           </a:bodyPr>
           <a:p>
             <a:pPr algn="ctr">
               <a:buNone/>
             </a:pPr>
-            <a:endParaRPr b="1" lang="en-US" sz="2700" spc="-1" strike="noStrike">
-              <a:solidFill>
-                <a:srgbClr val="2c3e50"/>
-              </a:solidFill>
-              <a:latin typeface="Noto Sans"/>
-            </a:endParaRPr>
-          </a:p>
-        </p:txBody>
-      </p:sp>
-      <p:sp>
-        <p:nvSpPr>
-          <p:cNvPr id="30" name="PlaceHolder 2"/>
+            <a:endParaRPr b="0" lang="en-US" sz="4400" spc="-1" strike="noStrike">
+              <a:latin typeface="Arial"/>
+            </a:endParaRPr>
+          </a:p>
+        </p:txBody>
+      </p:sp>
+      <p:sp>
+        <p:nvSpPr>
+          <p:cNvPr id="29" name="PlaceHolder 2"/>
           <p:cNvSpPr>
             <a:spLocks noGrp="1"/>
           </p:cNvSpPr>
@@ -160,7 +177,7 @@
         <p:spPr>
           <a:xfrm>
             <a:off x="3420000" y="3240000"/>
-            <a:ext cx="6300000" cy="772560"/>
+            <a:ext cx="6299640" cy="772560"/>
           </a:xfrm>
           <a:prstGeom prst="rect">
             <a:avLst/>
@@ -175,18 +192,15 @@
             <a:normAutofit/>
           </a:bodyPr>
           <a:p>
-            <a:endParaRPr b="0" lang="en-US" sz="1500" spc="-1" strike="noStrike">
-              <a:solidFill>
-                <a:srgbClr val="ffffff"/>
-              </a:solidFill>
-              <a:latin typeface="Noto Sans"/>
-            </a:endParaRPr>
-          </a:p>
-        </p:txBody>
-      </p:sp>
-      <p:sp>
-        <p:nvSpPr>
-          <p:cNvPr id="31" name="PlaceHolder 3"/>
+            <a:endParaRPr b="0" lang="en-US" sz="3200" spc="-1" strike="noStrike">
+              <a:latin typeface="Arial"/>
+            </a:endParaRPr>
+          </a:p>
+        </p:txBody>
+      </p:sp>
+      <p:sp>
+        <p:nvSpPr>
+          <p:cNvPr id="30" name="PlaceHolder 3"/>
           <p:cNvSpPr>
             <a:spLocks noGrp="1"/>
           </p:cNvSpPr>
@@ -197,7 +211,7 @@
         <p:spPr>
           <a:xfrm>
             <a:off x="3420000" y="4086360"/>
-            <a:ext cx="6300000" cy="772560"/>
+            <a:ext cx="6299640" cy="772560"/>
           </a:xfrm>
           <a:prstGeom prst="rect">
             <a:avLst/>
@@ -212,11 +226,8 @@
             <a:normAutofit/>
           </a:bodyPr>
           <a:p>
-            <a:endParaRPr b="0" lang="en-US" sz="1500" spc="-1" strike="noStrike">
-              <a:solidFill>
-                <a:srgbClr val="ffffff"/>
-              </a:solidFill>
-              <a:latin typeface="Noto Sans"/>
+            <a:endParaRPr b="0" lang="en-US" sz="3200" spc="-1" strike="noStrike">
+              <a:latin typeface="Arial"/>
             </a:endParaRPr>
           </a:p>
         </p:txBody>
@@ -228,7 +239,7 @@
             <a:spLocks noGrp="1"/>
           </p:cNvSpPr>
           <p:nvPr>
-            <p:ph type="ftr" idx="2"/>
+            <p:ph type="ftr" idx="1"/>
           </p:nvPr>
         </p:nvSpPr>
         <p:spPr/>
@@ -248,7 +259,27 @@
             <a:spLocks noGrp="1"/>
           </p:cNvSpPr>
           <p:nvPr>
-            <p:ph type="dt" idx="1"/>
+            <p:ph type="sldNum" idx="2"/>
+          </p:nvPr>
+        </p:nvSpPr>
+        <p:spPr/>
+        <p:txBody>
+          <a:bodyPr/>
+          <a:p>
+            <a:fld id="{FD1EB83A-14C7-4CC5-B9EA-C62FA41130BE}" type="slidenum">
+              <a:t>&lt;#&gt;</a:t>
+            </a:fld>
+          </a:p>
+        </p:txBody>
+      </p:sp>
+      <p:sp>
+        <p:nvSpPr>
+          <p:cNvPr id="7" name="PlaceHolder 6"/>
+          <p:cNvSpPr>
+            <a:spLocks noGrp="1"/>
+          </p:cNvSpPr>
+          <p:nvPr>
+            <p:ph type="dt" idx="3"/>
           </p:nvPr>
         </p:nvSpPr>
         <p:spPr/>
@@ -286,7 +317,7 @@
       </p:grpSpPr>
       <p:sp>
         <p:nvSpPr>
-          <p:cNvPr id="32" name="PlaceHolder 1"/>
+          <p:cNvPr id="31" name="PlaceHolder 1"/>
           <p:cNvSpPr>
             <a:spLocks noGrp="1"/>
           </p:cNvSpPr>
@@ -297,7 +328,7 @@
         <p:spPr>
           <a:xfrm>
             <a:off x="2700000" y="1485000"/>
-            <a:ext cx="4680000" cy="1620000"/>
+            <a:ext cx="4679640" cy="1619640"/>
           </a:xfrm>
           <a:prstGeom prst="rect">
             <a:avLst/>
@@ -308,25 +339,22 @@
           </a:ln>
         </p:spPr>
         <p:txBody>
-          <a:bodyPr lIns="0" rIns="0" tIns="0" bIns="0" anchor="ctr" anchorCtr="1">
+          <a:bodyPr lIns="0" rIns="0" tIns="0" bIns="0" anchor="ctr">
             <a:noAutofit/>
           </a:bodyPr>
           <a:p>
             <a:pPr algn="ctr">
               <a:buNone/>
             </a:pPr>
-            <a:endParaRPr b="1" lang="en-US" sz="2700" spc="-1" strike="noStrike">
-              <a:solidFill>
-                <a:srgbClr val="2c3e50"/>
-              </a:solidFill>
-              <a:latin typeface="Noto Sans"/>
-            </a:endParaRPr>
-          </a:p>
-        </p:txBody>
-      </p:sp>
-      <p:sp>
-        <p:nvSpPr>
-          <p:cNvPr id="33" name="PlaceHolder 2"/>
+            <a:endParaRPr b="0" lang="en-US" sz="4400" spc="-1" strike="noStrike">
+              <a:latin typeface="Arial"/>
+            </a:endParaRPr>
+          </a:p>
+        </p:txBody>
+      </p:sp>
+      <p:sp>
+        <p:nvSpPr>
+          <p:cNvPr id="32" name="PlaceHolder 2"/>
           <p:cNvSpPr>
             <a:spLocks noGrp="1"/>
           </p:cNvSpPr>
@@ -349,21 +377,18 @@
         </p:spPr>
         <p:txBody>
           <a:bodyPr lIns="0" rIns="0" tIns="0" bIns="0" anchor="t">
-            <a:normAutofit/>
-          </a:bodyPr>
-          <a:p>
-            <a:endParaRPr b="0" lang="en-US" sz="1500" spc="-1" strike="noStrike">
-              <a:solidFill>
-                <a:srgbClr val="ffffff"/>
-              </a:solidFill>
-              <a:latin typeface="Noto Sans"/>
-            </a:endParaRPr>
-          </a:p>
-        </p:txBody>
-      </p:sp>
-      <p:sp>
-        <p:nvSpPr>
-          <p:cNvPr id="34" name="PlaceHolder 3"/>
+            <a:normAutofit fontScale="88000"/>
+          </a:bodyPr>
+          <a:p>
+            <a:endParaRPr b="0" lang="en-US" sz="3200" spc="-1" strike="noStrike">
+              <a:latin typeface="Arial"/>
+            </a:endParaRPr>
+          </a:p>
+        </p:txBody>
+      </p:sp>
+      <p:sp>
+        <p:nvSpPr>
+          <p:cNvPr id="33" name="PlaceHolder 3"/>
           <p:cNvSpPr>
             <a:spLocks noGrp="1"/>
           </p:cNvSpPr>
@@ -386,21 +411,18 @@
         </p:spPr>
         <p:txBody>
           <a:bodyPr lIns="0" rIns="0" tIns="0" bIns="0" anchor="t">
-            <a:normAutofit/>
-          </a:bodyPr>
-          <a:p>
-            <a:endParaRPr b="0" lang="en-US" sz="1500" spc="-1" strike="noStrike">
-              <a:solidFill>
-                <a:srgbClr val="ffffff"/>
-              </a:solidFill>
-              <a:latin typeface="Noto Sans"/>
-            </a:endParaRPr>
-          </a:p>
-        </p:txBody>
-      </p:sp>
-      <p:sp>
-        <p:nvSpPr>
-          <p:cNvPr id="35" name="PlaceHolder 4"/>
+            <a:normAutofit fontScale="88000"/>
+          </a:bodyPr>
+          <a:p>
+            <a:endParaRPr b="0" lang="en-US" sz="3200" spc="-1" strike="noStrike">
+              <a:latin typeface="Arial"/>
+            </a:endParaRPr>
+          </a:p>
+        </p:txBody>
+      </p:sp>
+      <p:sp>
+        <p:nvSpPr>
+          <p:cNvPr id="34" name="PlaceHolder 4"/>
           <p:cNvSpPr>
             <a:spLocks noGrp="1"/>
           </p:cNvSpPr>
@@ -423,21 +445,18 @@
         </p:spPr>
         <p:txBody>
           <a:bodyPr lIns="0" rIns="0" tIns="0" bIns="0" anchor="t">
-            <a:normAutofit/>
-          </a:bodyPr>
-          <a:p>
-            <a:endParaRPr b="0" lang="en-US" sz="1500" spc="-1" strike="noStrike">
-              <a:solidFill>
-                <a:srgbClr val="ffffff"/>
-              </a:solidFill>
-              <a:latin typeface="Noto Sans"/>
-            </a:endParaRPr>
-          </a:p>
-        </p:txBody>
-      </p:sp>
-      <p:sp>
-        <p:nvSpPr>
-          <p:cNvPr id="36" name="PlaceHolder 5"/>
+            <a:normAutofit fontScale="88000"/>
+          </a:bodyPr>
+          <a:p>
+            <a:endParaRPr b="0" lang="en-US" sz="3200" spc="-1" strike="noStrike">
+              <a:latin typeface="Arial"/>
+            </a:endParaRPr>
+          </a:p>
+        </p:txBody>
+      </p:sp>
+      <p:sp>
+        <p:nvSpPr>
+          <p:cNvPr id="35" name="PlaceHolder 5"/>
           <p:cNvSpPr>
             <a:spLocks noGrp="1"/>
           </p:cNvSpPr>
@@ -460,14 +479,11 @@
         </p:spPr>
         <p:txBody>
           <a:bodyPr lIns="0" rIns="0" tIns="0" bIns="0" anchor="t">
-            <a:normAutofit/>
-          </a:bodyPr>
-          <a:p>
-            <a:endParaRPr b="0" lang="en-US" sz="1500" spc="-1" strike="noStrike">
-              <a:solidFill>
-                <a:srgbClr val="ffffff"/>
-              </a:solidFill>
-              <a:latin typeface="Noto Sans"/>
+            <a:normAutofit fontScale="88000"/>
+          </a:bodyPr>
+          <a:p>
+            <a:endParaRPr b="0" lang="en-US" sz="3200" spc="-1" strike="noStrike">
+              <a:latin typeface="Arial"/>
             </a:endParaRPr>
           </a:p>
         </p:txBody>
@@ -479,7 +495,7 @@
             <a:spLocks noGrp="1"/>
           </p:cNvSpPr>
           <p:nvPr>
-            <p:ph type="ftr" idx="2"/>
+            <p:ph type="ftr" idx="1"/>
           </p:nvPr>
         </p:nvSpPr>
         <p:spPr/>
@@ -499,7 +515,27 @@
             <a:spLocks noGrp="1"/>
           </p:cNvSpPr>
           <p:nvPr>
-            <p:ph type="dt" idx="1"/>
+            <p:ph type="sldNum" idx="2"/>
+          </p:nvPr>
+        </p:nvSpPr>
+        <p:spPr/>
+        <p:txBody>
+          <a:bodyPr/>
+          <a:p>
+            <a:fld id="{BBCB5502-8DBD-49CF-B7AB-DB418AA5F35D}" type="slidenum">
+              <a:t>&lt;#&gt;</a:t>
+            </a:fld>
+          </a:p>
+        </p:txBody>
+      </p:sp>
+      <p:sp>
+        <p:nvSpPr>
+          <p:cNvPr id="9" name="PlaceHolder 8"/>
+          <p:cNvSpPr>
+            <a:spLocks noGrp="1"/>
+          </p:cNvSpPr>
+          <p:nvPr>
+            <p:ph type="dt" idx="3"/>
           </p:nvPr>
         </p:nvSpPr>
         <p:spPr/>
@@ -537,7 +573,7 @@
       </p:grpSpPr>
       <p:sp>
         <p:nvSpPr>
-          <p:cNvPr id="37" name="PlaceHolder 1"/>
+          <p:cNvPr id="36" name="PlaceHolder 1"/>
           <p:cNvSpPr>
             <a:spLocks noGrp="1"/>
           </p:cNvSpPr>
@@ -548,7 +584,7 @@
         <p:spPr>
           <a:xfrm>
             <a:off x="2700000" y="1485000"/>
-            <a:ext cx="4680000" cy="1620000"/>
+            <a:ext cx="4679640" cy="1619640"/>
           </a:xfrm>
           <a:prstGeom prst="rect">
             <a:avLst/>
@@ -559,25 +595,22 @@
           </a:ln>
         </p:spPr>
         <p:txBody>
-          <a:bodyPr lIns="0" rIns="0" tIns="0" bIns="0" anchor="ctr" anchorCtr="1">
+          <a:bodyPr lIns="0" rIns="0" tIns="0" bIns="0" anchor="ctr">
             <a:noAutofit/>
           </a:bodyPr>
           <a:p>
             <a:pPr algn="ctr">
               <a:buNone/>
             </a:pPr>
-            <a:endParaRPr b="1" lang="en-US" sz="2700" spc="-1" strike="noStrike">
-              <a:solidFill>
-                <a:srgbClr val="2c3e50"/>
-              </a:solidFill>
-              <a:latin typeface="Noto Sans"/>
-            </a:endParaRPr>
-          </a:p>
-        </p:txBody>
-      </p:sp>
-      <p:sp>
-        <p:nvSpPr>
-          <p:cNvPr id="38" name="PlaceHolder 2"/>
+            <a:endParaRPr b="0" lang="en-US" sz="4400" spc="-1" strike="noStrike">
+              <a:latin typeface="Arial"/>
+            </a:endParaRPr>
+          </a:p>
+        </p:txBody>
+      </p:sp>
+      <p:sp>
+        <p:nvSpPr>
+          <p:cNvPr id="37" name="PlaceHolder 2"/>
           <p:cNvSpPr>
             <a:spLocks noGrp="1"/>
           </p:cNvSpPr>
@@ -600,21 +633,18 @@
         </p:spPr>
         <p:txBody>
           <a:bodyPr lIns="0" rIns="0" tIns="0" bIns="0" anchor="t">
-            <a:normAutofit/>
-          </a:bodyPr>
-          <a:p>
-            <a:endParaRPr b="0" lang="en-US" sz="1500" spc="-1" strike="noStrike">
-              <a:solidFill>
-                <a:srgbClr val="ffffff"/>
-              </a:solidFill>
-              <a:latin typeface="Noto Sans"/>
-            </a:endParaRPr>
-          </a:p>
-        </p:txBody>
-      </p:sp>
-      <p:sp>
-        <p:nvSpPr>
-          <p:cNvPr id="39" name="PlaceHolder 3"/>
+            <a:normAutofit fontScale="85000"/>
+          </a:bodyPr>
+          <a:p>
+            <a:endParaRPr b="0" lang="en-US" sz="3200" spc="-1" strike="noStrike">
+              <a:latin typeface="Arial"/>
+            </a:endParaRPr>
+          </a:p>
+        </p:txBody>
+      </p:sp>
+      <p:sp>
+        <p:nvSpPr>
+          <p:cNvPr id="38" name="PlaceHolder 3"/>
           <p:cNvSpPr>
             <a:spLocks noGrp="1"/>
           </p:cNvSpPr>
@@ -637,21 +667,18 @@
         </p:spPr>
         <p:txBody>
           <a:bodyPr lIns="0" rIns="0" tIns="0" bIns="0" anchor="t">
-            <a:normAutofit/>
-          </a:bodyPr>
-          <a:p>
-            <a:endParaRPr b="0" lang="en-US" sz="1500" spc="-1" strike="noStrike">
-              <a:solidFill>
-                <a:srgbClr val="ffffff"/>
-              </a:solidFill>
-              <a:latin typeface="Noto Sans"/>
-            </a:endParaRPr>
-          </a:p>
-        </p:txBody>
-      </p:sp>
-      <p:sp>
-        <p:nvSpPr>
-          <p:cNvPr id="40" name="PlaceHolder 4"/>
+            <a:normAutofit fontScale="85000"/>
+          </a:bodyPr>
+          <a:p>
+            <a:endParaRPr b="0" lang="en-US" sz="3200" spc="-1" strike="noStrike">
+              <a:latin typeface="Arial"/>
+            </a:endParaRPr>
+          </a:p>
+        </p:txBody>
+      </p:sp>
+      <p:sp>
+        <p:nvSpPr>
+          <p:cNvPr id="39" name="PlaceHolder 4"/>
           <p:cNvSpPr>
             <a:spLocks noGrp="1"/>
           </p:cNvSpPr>
@@ -674,21 +701,18 @@
         </p:spPr>
         <p:txBody>
           <a:bodyPr lIns="0" rIns="0" tIns="0" bIns="0" anchor="t">
-            <a:normAutofit/>
-          </a:bodyPr>
-          <a:p>
-            <a:endParaRPr b="0" lang="en-US" sz="1500" spc="-1" strike="noStrike">
-              <a:solidFill>
-                <a:srgbClr val="ffffff"/>
-              </a:solidFill>
-              <a:latin typeface="Noto Sans"/>
-            </a:endParaRPr>
-          </a:p>
-        </p:txBody>
-      </p:sp>
-      <p:sp>
-        <p:nvSpPr>
-          <p:cNvPr id="41" name="PlaceHolder 5"/>
+            <a:normAutofit fontScale="85000"/>
+          </a:bodyPr>
+          <a:p>
+            <a:endParaRPr b="0" lang="en-US" sz="3200" spc="-1" strike="noStrike">
+              <a:latin typeface="Arial"/>
+            </a:endParaRPr>
+          </a:p>
+        </p:txBody>
+      </p:sp>
+      <p:sp>
+        <p:nvSpPr>
+          <p:cNvPr id="40" name="PlaceHolder 5"/>
           <p:cNvSpPr>
             <a:spLocks noGrp="1"/>
           </p:cNvSpPr>
@@ -711,21 +735,18 @@
         </p:spPr>
         <p:txBody>
           <a:bodyPr lIns="0" rIns="0" tIns="0" bIns="0" anchor="t">
-            <a:normAutofit/>
-          </a:bodyPr>
-          <a:p>
-            <a:endParaRPr b="0" lang="en-US" sz="1500" spc="-1" strike="noStrike">
-              <a:solidFill>
-                <a:srgbClr val="ffffff"/>
-              </a:solidFill>
-              <a:latin typeface="Noto Sans"/>
-            </a:endParaRPr>
-          </a:p>
-        </p:txBody>
-      </p:sp>
-      <p:sp>
-        <p:nvSpPr>
-          <p:cNvPr id="42" name="PlaceHolder 6"/>
+            <a:normAutofit fontScale="85000"/>
+          </a:bodyPr>
+          <a:p>
+            <a:endParaRPr b="0" lang="en-US" sz="3200" spc="-1" strike="noStrike">
+              <a:latin typeface="Arial"/>
+            </a:endParaRPr>
+          </a:p>
+        </p:txBody>
+      </p:sp>
+      <p:sp>
+        <p:nvSpPr>
+          <p:cNvPr id="41" name="PlaceHolder 6"/>
           <p:cNvSpPr>
             <a:spLocks noGrp="1"/>
           </p:cNvSpPr>
@@ -748,21 +769,18 @@
         </p:spPr>
         <p:txBody>
           <a:bodyPr lIns="0" rIns="0" tIns="0" bIns="0" anchor="t">
-            <a:normAutofit/>
-          </a:bodyPr>
-          <a:p>
-            <a:endParaRPr b="0" lang="en-US" sz="1500" spc="-1" strike="noStrike">
-              <a:solidFill>
-                <a:srgbClr val="ffffff"/>
-              </a:solidFill>
-              <a:latin typeface="Noto Sans"/>
-            </a:endParaRPr>
-          </a:p>
-        </p:txBody>
-      </p:sp>
-      <p:sp>
-        <p:nvSpPr>
-          <p:cNvPr id="43" name="PlaceHolder 7"/>
+            <a:normAutofit fontScale="85000"/>
+          </a:bodyPr>
+          <a:p>
+            <a:endParaRPr b="0" lang="en-US" sz="3200" spc="-1" strike="noStrike">
+              <a:latin typeface="Arial"/>
+            </a:endParaRPr>
+          </a:p>
+        </p:txBody>
+      </p:sp>
+      <p:sp>
+        <p:nvSpPr>
+          <p:cNvPr id="42" name="PlaceHolder 7"/>
           <p:cNvSpPr>
             <a:spLocks noGrp="1"/>
           </p:cNvSpPr>
@@ -785,14 +803,11 @@
         </p:spPr>
         <p:txBody>
           <a:bodyPr lIns="0" rIns="0" tIns="0" bIns="0" anchor="t">
-            <a:normAutofit/>
-          </a:bodyPr>
-          <a:p>
-            <a:endParaRPr b="0" lang="en-US" sz="1500" spc="-1" strike="noStrike">
-              <a:solidFill>
-                <a:srgbClr val="ffffff"/>
-              </a:solidFill>
-              <a:latin typeface="Noto Sans"/>
+            <a:normAutofit fontScale="85000"/>
+          </a:bodyPr>
+          <a:p>
+            <a:endParaRPr b="0" lang="en-US" sz="3200" spc="-1" strike="noStrike">
+              <a:latin typeface="Arial"/>
             </a:endParaRPr>
           </a:p>
         </p:txBody>
@@ -804,7 +819,7 @@
             <a:spLocks noGrp="1"/>
           </p:cNvSpPr>
           <p:nvPr>
-            <p:ph type="ftr" idx="2"/>
+            <p:ph type="ftr" idx="1"/>
           </p:nvPr>
         </p:nvSpPr>
         <p:spPr/>
@@ -824,7 +839,27 @@
             <a:spLocks noGrp="1"/>
           </p:cNvSpPr>
           <p:nvPr>
-            <p:ph type="dt" idx="1"/>
+            <p:ph type="sldNum" idx="2"/>
+          </p:nvPr>
+        </p:nvSpPr>
+        <p:spPr/>
+        <p:txBody>
+          <a:bodyPr/>
+          <a:p>
+            <a:fld id="{CB955764-8BEF-4F13-98EC-B5F792EF6E88}" type="slidenum">
+              <a:t>&lt;#&gt;</a:t>
+            </a:fld>
+          </a:p>
+        </p:txBody>
+      </p:sp>
+      <p:sp>
+        <p:nvSpPr>
+          <p:cNvPr id="11" name="PlaceHolder 10"/>
+          <p:cNvSpPr>
+            <a:spLocks noGrp="1"/>
+          </p:cNvSpPr>
+          <p:nvPr>
+            <p:ph type="dt" idx="3"/>
           </p:nvPr>
         </p:nvSpPr>
         <p:spPr/>
@@ -887,27 +922,7 @@
             <a:spLocks noGrp="1"/>
           </p:cNvSpPr>
           <p:nvPr>
-            <p:ph type="sldNum" idx="5"/>
-          </p:nvPr>
-        </p:nvSpPr>
-        <p:spPr/>
-        <p:txBody>
-          <a:bodyPr/>
-          <a:p>
-            <a:fld id="{01F85EE8-EF87-4218-A867-3A9A1EF57637}" type="slidenum">
-              <a:t>&lt;#&gt;</a:t>
-            </a:fld>
-          </a:p>
-        </p:txBody>
-      </p:sp>
-      <p:sp>
-        <p:nvSpPr>
-          <p:cNvPr id="4" name="PlaceHolder 3"/>
-          <p:cNvSpPr>
-            <a:spLocks noGrp="1"/>
-          </p:cNvSpPr>
-          <p:nvPr>
-            <p:ph type="dt" idx="3"/>
+            <p:ph type="dt" idx="5"/>
           </p:nvPr>
         </p:nvSpPr>
         <p:spPr/>
@@ -956,7 +971,7 @@
         <p:spPr>
           <a:xfrm>
             <a:off x="2700000" y="1485000"/>
-            <a:ext cx="4680000" cy="1620000"/>
+            <a:ext cx="4679640" cy="1619640"/>
           </a:xfrm>
           <a:prstGeom prst="rect">
             <a:avLst/>
@@ -967,18 +982,15 @@
           </a:ln>
         </p:spPr>
         <p:txBody>
-          <a:bodyPr lIns="0" rIns="0" tIns="0" bIns="0" anchor="ctr" anchorCtr="1">
+          <a:bodyPr lIns="0" rIns="0" tIns="0" bIns="0" anchor="ctr">
             <a:noAutofit/>
           </a:bodyPr>
           <a:p>
             <a:pPr algn="ctr">
               <a:buNone/>
             </a:pPr>
-            <a:endParaRPr b="1" lang="en-US" sz="2700" spc="-1" strike="noStrike">
-              <a:solidFill>
-                <a:srgbClr val="2c3e50"/>
-              </a:solidFill>
-              <a:latin typeface="Noto Sans"/>
+            <a:endParaRPr b="0" lang="en-US" sz="4400" spc="-1" strike="noStrike">
+              <a:latin typeface="Arial"/>
             </a:endParaRPr>
           </a:p>
         </p:txBody>
@@ -996,7 +1008,7 @@
         <p:spPr>
           <a:xfrm>
             <a:off x="3420000" y="3240000"/>
-            <a:ext cx="6300000" cy="1620000"/>
+            <a:ext cx="6299640" cy="1619640"/>
           </a:xfrm>
           <a:prstGeom prst="rect">
             <a:avLst/>
@@ -1014,11 +1026,8 @@
             <a:pPr algn="ctr">
               <a:buNone/>
             </a:pPr>
-            <a:endParaRPr b="0" lang="en-US" sz="2200" spc="-1" strike="noStrike">
-              <a:solidFill>
-                <a:srgbClr val="ffffff"/>
-              </a:solidFill>
-              <a:latin typeface="Noto Sans"/>
+            <a:endParaRPr b="0" lang="en-US" sz="3200" spc="-1" strike="noStrike">
+              <a:latin typeface="Arial"/>
             </a:endParaRPr>
           </a:p>
         </p:txBody>
@@ -1050,27 +1059,7 @@
             <a:spLocks noGrp="1"/>
           </p:cNvSpPr>
           <p:nvPr>
-            <p:ph type="sldNum" idx="5"/>
-          </p:nvPr>
-        </p:nvSpPr>
-        <p:spPr/>
-        <p:txBody>
-          <a:bodyPr/>
-          <a:p>
-            <a:fld id="{CD5CEA4B-A396-4C65-8630-46D03F9A99E5}" type="slidenum">
-              <a:t>&lt;#&gt;</a:t>
-            </a:fld>
-          </a:p>
-        </p:txBody>
-      </p:sp>
-      <p:sp>
-        <p:nvSpPr>
-          <p:cNvPr id="6" name="PlaceHolder 5"/>
-          <p:cNvSpPr>
-            <a:spLocks noGrp="1"/>
-          </p:cNvSpPr>
-          <p:nvPr>
-            <p:ph type="dt" idx="3"/>
+            <p:ph type="dt" idx="5"/>
           </p:nvPr>
         </p:nvSpPr>
         <p:spPr/>
@@ -1119,7 +1108,7 @@
         <p:spPr>
           <a:xfrm>
             <a:off x="2700000" y="1485000"/>
-            <a:ext cx="4680000" cy="1620000"/>
+            <a:ext cx="4679640" cy="1619640"/>
           </a:xfrm>
           <a:prstGeom prst="rect">
             <a:avLst/>
@@ -1130,18 +1119,15 @@
           </a:ln>
         </p:spPr>
         <p:txBody>
-          <a:bodyPr lIns="0" rIns="0" tIns="0" bIns="0" anchor="ctr" anchorCtr="1">
+          <a:bodyPr lIns="0" rIns="0" tIns="0" bIns="0" anchor="ctr">
             <a:noAutofit/>
           </a:bodyPr>
           <a:p>
             <a:pPr algn="ctr">
               <a:buNone/>
             </a:pPr>
-            <a:endParaRPr b="1" lang="en-US" sz="2700" spc="-1" strike="noStrike">
-              <a:solidFill>
-                <a:srgbClr val="2c3e50"/>
-              </a:solidFill>
-              <a:latin typeface="Noto Sans"/>
+            <a:endParaRPr b="0" lang="en-US" sz="4400" spc="-1" strike="noStrike">
+              <a:latin typeface="Arial"/>
             </a:endParaRPr>
           </a:p>
         </p:txBody>
@@ -1159,7 +1145,7 @@
         <p:spPr>
           <a:xfrm>
             <a:off x="3420000" y="3240000"/>
-            <a:ext cx="6300000" cy="1620000"/>
+            <a:ext cx="6299640" cy="1619640"/>
           </a:xfrm>
           <a:prstGeom prst="rect">
             <a:avLst/>
@@ -1174,11 +1160,8 @@
             <a:normAutofit/>
           </a:bodyPr>
           <a:p>
-            <a:endParaRPr b="0" lang="en-US" sz="1500" spc="-1" strike="noStrike">
-              <a:solidFill>
-                <a:srgbClr val="ffffff"/>
-              </a:solidFill>
-              <a:latin typeface="Noto Sans"/>
+            <a:endParaRPr b="0" lang="en-US" sz="3200" spc="-1" strike="noStrike">
+              <a:latin typeface="Arial"/>
             </a:endParaRPr>
           </a:p>
         </p:txBody>
@@ -1210,27 +1193,7 @@
             <a:spLocks noGrp="1"/>
           </p:cNvSpPr>
           <p:nvPr>
-            <p:ph type="sldNum" idx="5"/>
-          </p:nvPr>
-        </p:nvSpPr>
-        <p:spPr/>
-        <p:txBody>
-          <a:bodyPr/>
-          <a:p>
-            <a:fld id="{7F0DD997-F927-4149-958F-EAD7C6649E29}" type="slidenum">
-              <a:t>&lt;#&gt;</a:t>
-            </a:fld>
-          </a:p>
-        </p:txBody>
-      </p:sp>
-      <p:sp>
-        <p:nvSpPr>
-          <p:cNvPr id="6" name="PlaceHolder 5"/>
-          <p:cNvSpPr>
-            <a:spLocks noGrp="1"/>
-          </p:cNvSpPr>
-          <p:nvPr>
-            <p:ph type="dt" idx="3"/>
+            <p:ph type="dt" idx="5"/>
           </p:nvPr>
         </p:nvSpPr>
         <p:spPr/>
@@ -1279,7 +1242,7 @@
         <p:spPr>
           <a:xfrm>
             <a:off x="2700000" y="1485000"/>
-            <a:ext cx="4680000" cy="1620000"/>
+            <a:ext cx="4679640" cy="1619640"/>
           </a:xfrm>
           <a:prstGeom prst="rect">
             <a:avLst/>
@@ -1290,18 +1253,15 @@
           </a:ln>
         </p:spPr>
         <p:txBody>
-          <a:bodyPr lIns="0" rIns="0" tIns="0" bIns="0" anchor="ctr" anchorCtr="1">
+          <a:bodyPr lIns="0" rIns="0" tIns="0" bIns="0" anchor="ctr">
             <a:noAutofit/>
           </a:bodyPr>
           <a:p>
             <a:pPr algn="ctr">
               <a:buNone/>
             </a:pPr>
-            <a:endParaRPr b="1" lang="en-US" sz="2700" spc="-1" strike="noStrike">
-              <a:solidFill>
-                <a:srgbClr val="2c3e50"/>
-              </a:solidFill>
-              <a:latin typeface="Noto Sans"/>
+            <a:endParaRPr b="0" lang="en-US" sz="4400" spc="-1" strike="noStrike">
+              <a:latin typeface="Arial"/>
             </a:endParaRPr>
           </a:p>
         </p:txBody>
@@ -1319,7 +1279,7 @@
         <p:spPr>
           <a:xfrm>
             <a:off x="3420000" y="3240000"/>
-            <a:ext cx="3074040" cy="1620000"/>
+            <a:ext cx="3074040" cy="1619640"/>
           </a:xfrm>
           <a:prstGeom prst="rect">
             <a:avLst/>
@@ -1334,11 +1294,8 @@
             <a:normAutofit/>
           </a:bodyPr>
           <a:p>
-            <a:endParaRPr b="0" lang="en-US" sz="1500" spc="-1" strike="noStrike">
-              <a:solidFill>
-                <a:srgbClr val="ffffff"/>
-              </a:solidFill>
-              <a:latin typeface="Noto Sans"/>
+            <a:endParaRPr b="0" lang="en-US" sz="3200" spc="-1" strike="noStrike">
+              <a:latin typeface="Arial"/>
             </a:endParaRPr>
           </a:p>
         </p:txBody>
@@ -1356,7 +1313,7 @@
         <p:spPr>
           <a:xfrm>
             <a:off x="6648120" y="3240000"/>
-            <a:ext cx="3074040" cy="1620000"/>
+            <a:ext cx="3074040" cy="1619640"/>
           </a:xfrm>
           <a:prstGeom prst="rect">
             <a:avLst/>
@@ -1371,11 +1328,8 @@
             <a:normAutofit/>
           </a:bodyPr>
           <a:p>
-            <a:endParaRPr b="0" lang="en-US" sz="1500" spc="-1" strike="noStrike">
-              <a:solidFill>
-                <a:srgbClr val="ffffff"/>
-              </a:solidFill>
-              <a:latin typeface="Noto Sans"/>
+            <a:endParaRPr b="0" lang="en-US" sz="3200" spc="-1" strike="noStrike">
+              <a:latin typeface="Arial"/>
             </a:endParaRPr>
           </a:p>
         </p:txBody>
@@ -1407,27 +1361,7 @@
             <a:spLocks noGrp="1"/>
           </p:cNvSpPr>
           <p:nvPr>
-            <p:ph type="sldNum" idx="5"/>
-          </p:nvPr>
-        </p:nvSpPr>
-        <p:spPr/>
-        <p:txBody>
-          <a:bodyPr/>
-          <a:p>
-            <a:fld id="{50F0BBA2-832C-4B7F-A020-ADE7339E3749}" type="slidenum">
-              <a:t>&lt;#&gt;</a:t>
-            </a:fld>
-          </a:p>
-        </p:txBody>
-      </p:sp>
-      <p:sp>
-        <p:nvSpPr>
-          <p:cNvPr id="7" name="PlaceHolder 6"/>
-          <p:cNvSpPr>
-            <a:spLocks noGrp="1"/>
-          </p:cNvSpPr>
-          <p:nvPr>
-            <p:ph type="dt" idx="3"/>
+            <p:ph type="dt" idx="5"/>
           </p:nvPr>
         </p:nvSpPr>
         <p:spPr/>
@@ -1476,7 +1410,7 @@
         <p:spPr>
           <a:xfrm>
             <a:off x="2700000" y="1485000"/>
-            <a:ext cx="4680000" cy="1620000"/>
+            <a:ext cx="4679640" cy="1619640"/>
           </a:xfrm>
           <a:prstGeom prst="rect">
             <a:avLst/>
@@ -1487,18 +1421,15 @@
           </a:ln>
         </p:spPr>
         <p:txBody>
-          <a:bodyPr lIns="0" rIns="0" tIns="0" bIns="0" anchor="ctr" anchorCtr="1">
+          <a:bodyPr lIns="0" rIns="0" tIns="0" bIns="0" anchor="ctr">
             <a:noAutofit/>
           </a:bodyPr>
           <a:p>
             <a:pPr algn="ctr">
               <a:buNone/>
             </a:pPr>
-            <a:endParaRPr b="1" lang="en-US" sz="2700" spc="-1" strike="noStrike">
-              <a:solidFill>
-                <a:srgbClr val="2c3e50"/>
-              </a:solidFill>
-              <a:latin typeface="Noto Sans"/>
+            <a:endParaRPr b="0" lang="en-US" sz="4400" spc="-1" strike="noStrike">
+              <a:latin typeface="Arial"/>
             </a:endParaRPr>
           </a:p>
         </p:txBody>
@@ -1530,27 +1461,7 @@
             <a:spLocks noGrp="1"/>
           </p:cNvSpPr>
           <p:nvPr>
-            <p:ph type="sldNum" idx="5"/>
-          </p:nvPr>
-        </p:nvSpPr>
-        <p:spPr/>
-        <p:txBody>
-          <a:bodyPr/>
-          <a:p>
-            <a:fld id="{5FF45F3E-5A7E-4891-96C5-A55C364F9E70}" type="slidenum">
-              <a:t>&lt;#&gt;</a:t>
-            </a:fld>
-          </a:p>
-        </p:txBody>
-      </p:sp>
-      <p:sp>
-        <p:nvSpPr>
-          <p:cNvPr id="5" name="PlaceHolder 4"/>
-          <p:cNvSpPr>
-            <a:spLocks noGrp="1"/>
-          </p:cNvSpPr>
-          <p:nvPr>
-            <p:ph type="dt" idx="3"/>
+            <p:ph type="dt" idx="5"/>
           </p:nvPr>
         </p:nvSpPr>
         <p:spPr/>
@@ -1599,7 +1510,7 @@
         <p:spPr>
           <a:xfrm>
             <a:off x="2700000" y="1485000"/>
-            <a:ext cx="4680000" cy="7510680"/>
+            <a:ext cx="4679640" cy="7508880"/>
           </a:xfrm>
           <a:prstGeom prst="rect">
             <a:avLst/>
@@ -1617,11 +1528,8 @@
             <a:pPr algn="ctr">
               <a:buNone/>
             </a:pPr>
-            <a:endParaRPr b="0" lang="en-US" sz="2200" spc="-1" strike="noStrike">
-              <a:solidFill>
-                <a:srgbClr val="ffffff"/>
-              </a:solidFill>
-              <a:latin typeface="Noto Sans"/>
+            <a:endParaRPr b="0" lang="en-US" sz="3200" spc="-1" strike="noStrike">
+              <a:latin typeface="Arial"/>
             </a:endParaRPr>
           </a:p>
         </p:txBody>
@@ -1653,27 +1561,7 @@
             <a:spLocks noGrp="1"/>
           </p:cNvSpPr>
           <p:nvPr>
-            <p:ph type="sldNum" idx="5"/>
-          </p:nvPr>
-        </p:nvSpPr>
-        <p:spPr/>
-        <p:txBody>
-          <a:bodyPr/>
-          <a:p>
-            <a:fld id="{E6DBE6BA-C57F-4A49-B9ED-9EEF29D74A0C}" type="slidenum">
-              <a:t>&lt;#&gt;</a:t>
-            </a:fld>
-          </a:p>
-        </p:txBody>
-      </p:sp>
-      <p:sp>
-        <p:nvSpPr>
-          <p:cNvPr id="5" name="PlaceHolder 4"/>
-          <p:cNvSpPr>
-            <a:spLocks noGrp="1"/>
-          </p:cNvSpPr>
-          <p:nvPr>
-            <p:ph type="dt" idx="3"/>
+            <p:ph type="dt" idx="5"/>
           </p:nvPr>
         </p:nvSpPr>
         <p:spPr/>
@@ -1722,7 +1610,7 @@
         <p:spPr>
           <a:xfrm>
             <a:off x="2700000" y="1485000"/>
-            <a:ext cx="4680000" cy="1620000"/>
+            <a:ext cx="4679640" cy="1619640"/>
           </a:xfrm>
           <a:prstGeom prst="rect">
             <a:avLst/>
@@ -1733,18 +1621,15 @@
           </a:ln>
         </p:spPr>
         <p:txBody>
-          <a:bodyPr lIns="0" rIns="0" tIns="0" bIns="0" anchor="ctr" anchorCtr="1">
+          <a:bodyPr lIns="0" rIns="0" tIns="0" bIns="0" anchor="ctr">
             <a:noAutofit/>
           </a:bodyPr>
           <a:p>
             <a:pPr algn="ctr">
               <a:buNone/>
             </a:pPr>
-            <a:endParaRPr b="1" lang="en-US" sz="2700" spc="-1" strike="noStrike">
-              <a:solidFill>
-                <a:srgbClr val="2c3e50"/>
-              </a:solidFill>
-              <a:latin typeface="Noto Sans"/>
+            <a:endParaRPr b="0" lang="en-US" sz="4400" spc="-1" strike="noStrike">
+              <a:latin typeface="Arial"/>
             </a:endParaRPr>
           </a:p>
         </p:txBody>
@@ -1774,14 +1659,11 @@
         </p:spPr>
         <p:txBody>
           <a:bodyPr lIns="0" rIns="0" tIns="0" bIns="0" anchor="t">
-            <a:normAutofit/>
-          </a:bodyPr>
-          <a:p>
-            <a:endParaRPr b="0" lang="en-US" sz="1500" spc="-1" strike="noStrike">
-              <a:solidFill>
-                <a:srgbClr val="ffffff"/>
-              </a:solidFill>
-              <a:latin typeface="Noto Sans"/>
+            <a:normAutofit fontScale="88000"/>
+          </a:bodyPr>
+          <a:p>
+            <a:endParaRPr b="0" lang="en-US" sz="3200" spc="-1" strike="noStrike">
+              <a:latin typeface="Arial"/>
             </a:endParaRPr>
           </a:p>
         </p:txBody>
@@ -1799,7 +1681,7 @@
         <p:spPr>
           <a:xfrm>
             <a:off x="6648120" y="3240000"/>
-            <a:ext cx="3074040" cy="1620000"/>
+            <a:ext cx="3074040" cy="1619640"/>
           </a:xfrm>
           <a:prstGeom prst="rect">
             <a:avLst/>
@@ -1814,11 +1696,8 @@
             <a:normAutofit/>
           </a:bodyPr>
           <a:p>
-            <a:endParaRPr b="0" lang="en-US" sz="1500" spc="-1" strike="noStrike">
-              <a:solidFill>
-                <a:srgbClr val="ffffff"/>
-              </a:solidFill>
-              <a:latin typeface="Noto Sans"/>
+            <a:endParaRPr b="0" lang="en-US" sz="3200" spc="-1" strike="noStrike">
+              <a:latin typeface="Arial"/>
             </a:endParaRPr>
           </a:p>
         </p:txBody>
@@ -1848,14 +1727,11 @@
         </p:spPr>
         <p:txBody>
           <a:bodyPr lIns="0" rIns="0" tIns="0" bIns="0" anchor="t">
-            <a:normAutofit/>
-          </a:bodyPr>
-          <a:p>
-            <a:endParaRPr b="0" lang="en-US" sz="1500" spc="-1" strike="noStrike">
-              <a:solidFill>
-                <a:srgbClr val="ffffff"/>
-              </a:solidFill>
-              <a:latin typeface="Noto Sans"/>
+            <a:normAutofit fontScale="88000"/>
+          </a:bodyPr>
+          <a:p>
+            <a:endParaRPr b="0" lang="en-US" sz="3200" spc="-1" strike="noStrike">
+              <a:latin typeface="Arial"/>
             </a:endParaRPr>
           </a:p>
         </p:txBody>
@@ -1887,27 +1763,7 @@
             <a:spLocks noGrp="1"/>
           </p:cNvSpPr>
           <p:nvPr>
-            <p:ph type="sldNum" idx="5"/>
-          </p:nvPr>
-        </p:nvSpPr>
-        <p:spPr/>
-        <p:txBody>
-          <a:bodyPr/>
-          <a:p>
-            <a:fld id="{821AE1AC-8C40-4A53-9BE2-47E3F2C83CDD}" type="slidenum">
-              <a:t>&lt;#&gt;</a:t>
-            </a:fld>
-          </a:p>
-        </p:txBody>
-      </p:sp>
-      <p:sp>
-        <p:nvSpPr>
-          <p:cNvPr id="8" name="PlaceHolder 7"/>
-          <p:cNvSpPr>
-            <a:spLocks noGrp="1"/>
-          </p:cNvSpPr>
-          <p:nvPr>
-            <p:ph type="dt" idx="3"/>
+            <p:ph type="dt" idx="5"/>
           </p:nvPr>
         </p:nvSpPr>
         <p:spPr/>
@@ -1945,7 +1801,7 @@
       </p:grpSpPr>
       <p:sp>
         <p:nvSpPr>
-          <p:cNvPr id="8" name="PlaceHolder 1"/>
+          <p:cNvPr id="7" name="PlaceHolder 1"/>
           <p:cNvSpPr>
             <a:spLocks noGrp="1"/>
           </p:cNvSpPr>
@@ -1956,7 +1812,7 @@
         <p:spPr>
           <a:xfrm>
             <a:off x="2700000" y="1485000"/>
-            <a:ext cx="4680000" cy="1620000"/>
+            <a:ext cx="4679640" cy="1619640"/>
           </a:xfrm>
           <a:prstGeom prst="rect">
             <a:avLst/>
@@ -1967,25 +1823,22 @@
           </a:ln>
         </p:spPr>
         <p:txBody>
-          <a:bodyPr lIns="0" rIns="0" tIns="0" bIns="0" anchor="ctr" anchorCtr="1">
+          <a:bodyPr lIns="0" rIns="0" tIns="0" bIns="0" anchor="ctr">
             <a:noAutofit/>
           </a:bodyPr>
           <a:p>
             <a:pPr algn="ctr">
               <a:buNone/>
             </a:pPr>
-            <a:endParaRPr b="1" lang="en-US" sz="2700" spc="-1" strike="noStrike">
-              <a:solidFill>
-                <a:srgbClr val="2c3e50"/>
-              </a:solidFill>
-              <a:latin typeface="Noto Sans"/>
-            </a:endParaRPr>
-          </a:p>
-        </p:txBody>
-      </p:sp>
-      <p:sp>
-        <p:nvSpPr>
-          <p:cNvPr id="9" name="PlaceHolder 2"/>
+            <a:endParaRPr b="0" lang="en-US" sz="4400" spc="-1" strike="noStrike">
+              <a:latin typeface="Arial"/>
+            </a:endParaRPr>
+          </a:p>
+        </p:txBody>
+      </p:sp>
+      <p:sp>
+        <p:nvSpPr>
+          <p:cNvPr id="8" name="PlaceHolder 2"/>
           <p:cNvSpPr>
             <a:spLocks noGrp="1"/>
           </p:cNvSpPr>
@@ -1996,7 +1849,7 @@
         <p:spPr>
           <a:xfrm>
             <a:off x="3420000" y="3240000"/>
-            <a:ext cx="6300000" cy="1620000"/>
+            <a:ext cx="6299640" cy="1619640"/>
           </a:xfrm>
           <a:prstGeom prst="rect">
             <a:avLst/>
@@ -2014,11 +1867,8 @@
             <a:pPr algn="ctr">
               <a:buNone/>
             </a:pPr>
-            <a:endParaRPr b="0" lang="en-US" sz="2200" spc="-1" strike="noStrike">
-              <a:solidFill>
-                <a:srgbClr val="ffffff"/>
-              </a:solidFill>
-              <a:latin typeface="Noto Sans"/>
+            <a:endParaRPr b="0" lang="en-US" sz="3200" spc="-1" strike="noStrike">
+              <a:latin typeface="Arial"/>
             </a:endParaRPr>
           </a:p>
         </p:txBody>
@@ -2030,7 +1880,7 @@
             <a:spLocks noGrp="1"/>
           </p:cNvSpPr>
           <p:nvPr>
-            <p:ph type="ftr" idx="2"/>
+            <p:ph type="ftr" idx="1"/>
           </p:nvPr>
         </p:nvSpPr>
         <p:spPr/>
@@ -2050,7 +1900,27 @@
             <a:spLocks noGrp="1"/>
           </p:cNvSpPr>
           <p:nvPr>
-            <p:ph type="dt" idx="1"/>
+            <p:ph type="sldNum" idx="2"/>
+          </p:nvPr>
+        </p:nvSpPr>
+        <p:spPr/>
+        <p:txBody>
+          <a:bodyPr/>
+          <a:p>
+            <a:fld id="{28F369D7-FE32-410B-9976-2CBE846DCA8E}" type="slidenum">
+              <a:t>&lt;#&gt;</a:t>
+            </a:fld>
+          </a:p>
+        </p:txBody>
+      </p:sp>
+      <p:sp>
+        <p:nvSpPr>
+          <p:cNvPr id="6" name="PlaceHolder 5"/>
+          <p:cNvSpPr>
+            <a:spLocks noGrp="1"/>
+          </p:cNvSpPr>
+          <p:nvPr>
+            <p:ph type="dt" idx="3"/>
           </p:nvPr>
         </p:nvSpPr>
         <p:spPr/>
@@ -2099,7 +1969,7 @@
         <p:spPr>
           <a:xfrm>
             <a:off x="2700000" y="1485000"/>
-            <a:ext cx="4680000" cy="1620000"/>
+            <a:ext cx="4679640" cy="1619640"/>
           </a:xfrm>
           <a:prstGeom prst="rect">
             <a:avLst/>
@@ -2110,18 +1980,15 @@
           </a:ln>
         </p:spPr>
         <p:txBody>
-          <a:bodyPr lIns="0" rIns="0" tIns="0" bIns="0" anchor="ctr" anchorCtr="1">
+          <a:bodyPr lIns="0" rIns="0" tIns="0" bIns="0" anchor="ctr">
             <a:noAutofit/>
           </a:bodyPr>
           <a:p>
             <a:pPr algn="ctr">
               <a:buNone/>
             </a:pPr>
-            <a:endParaRPr b="1" lang="en-US" sz="2700" spc="-1" strike="noStrike">
-              <a:solidFill>
-                <a:srgbClr val="2c3e50"/>
-              </a:solidFill>
-              <a:latin typeface="Noto Sans"/>
+            <a:endParaRPr b="0" lang="en-US" sz="4400" spc="-1" strike="noStrike">
+              <a:latin typeface="Arial"/>
             </a:endParaRPr>
           </a:p>
         </p:txBody>
@@ -2139,7 +2006,7 @@
         <p:spPr>
           <a:xfrm>
             <a:off x="3420000" y="3240000"/>
-            <a:ext cx="3074040" cy="1620000"/>
+            <a:ext cx="3074040" cy="1619640"/>
           </a:xfrm>
           <a:prstGeom prst="rect">
             <a:avLst/>
@@ -2154,11 +2021,8 @@
             <a:normAutofit/>
           </a:bodyPr>
           <a:p>
-            <a:endParaRPr b="0" lang="en-US" sz="1500" spc="-1" strike="noStrike">
-              <a:solidFill>
-                <a:srgbClr val="ffffff"/>
-              </a:solidFill>
-              <a:latin typeface="Noto Sans"/>
+            <a:endParaRPr b="0" lang="en-US" sz="3200" spc="-1" strike="noStrike">
+              <a:latin typeface="Arial"/>
             </a:endParaRPr>
           </a:p>
         </p:txBody>
@@ -2188,14 +2052,11 @@
         </p:spPr>
         <p:txBody>
           <a:bodyPr lIns="0" rIns="0" tIns="0" bIns="0" anchor="t">
-            <a:normAutofit/>
-          </a:bodyPr>
-          <a:p>
-            <a:endParaRPr b="0" lang="en-US" sz="1500" spc="-1" strike="noStrike">
-              <a:solidFill>
-                <a:srgbClr val="ffffff"/>
-              </a:solidFill>
-              <a:latin typeface="Noto Sans"/>
+            <a:normAutofit fontScale="88000"/>
+          </a:bodyPr>
+          <a:p>
+            <a:endParaRPr b="0" lang="en-US" sz="3200" spc="-1" strike="noStrike">
+              <a:latin typeface="Arial"/>
             </a:endParaRPr>
           </a:p>
         </p:txBody>
@@ -2225,14 +2086,11 @@
         </p:spPr>
         <p:txBody>
           <a:bodyPr lIns="0" rIns="0" tIns="0" bIns="0" anchor="t">
-            <a:normAutofit/>
-          </a:bodyPr>
-          <a:p>
-            <a:endParaRPr b="0" lang="en-US" sz="1500" spc="-1" strike="noStrike">
-              <a:solidFill>
-                <a:srgbClr val="ffffff"/>
-              </a:solidFill>
-              <a:latin typeface="Noto Sans"/>
+            <a:normAutofit fontScale="88000"/>
+          </a:bodyPr>
+          <a:p>
+            <a:endParaRPr b="0" lang="en-US" sz="3200" spc="-1" strike="noStrike">
+              <a:latin typeface="Arial"/>
             </a:endParaRPr>
           </a:p>
         </p:txBody>
@@ -2264,27 +2122,7 @@
             <a:spLocks noGrp="1"/>
           </p:cNvSpPr>
           <p:nvPr>
-            <p:ph type="sldNum" idx="5"/>
-          </p:nvPr>
-        </p:nvSpPr>
-        <p:spPr/>
-        <p:txBody>
-          <a:bodyPr/>
-          <a:p>
-            <a:fld id="{906FE2D5-4EF9-4F01-9AA6-021C17CE87BD}" type="slidenum">
-              <a:t>&lt;#&gt;</a:t>
-            </a:fld>
-          </a:p>
-        </p:txBody>
-      </p:sp>
-      <p:sp>
-        <p:nvSpPr>
-          <p:cNvPr id="8" name="PlaceHolder 7"/>
-          <p:cNvSpPr>
-            <a:spLocks noGrp="1"/>
-          </p:cNvSpPr>
-          <p:nvPr>
-            <p:ph type="dt" idx="3"/>
+            <p:ph type="dt" idx="5"/>
           </p:nvPr>
         </p:nvSpPr>
         <p:spPr/>
@@ -2333,7 +2171,7 @@
         <p:spPr>
           <a:xfrm>
             <a:off x="2700000" y="1485000"/>
-            <a:ext cx="4680000" cy="1620000"/>
+            <a:ext cx="4679640" cy="1619640"/>
           </a:xfrm>
           <a:prstGeom prst="rect">
             <a:avLst/>
@@ -2344,18 +2182,15 @@
           </a:ln>
         </p:spPr>
         <p:txBody>
-          <a:bodyPr lIns="0" rIns="0" tIns="0" bIns="0" anchor="ctr" anchorCtr="1">
+          <a:bodyPr lIns="0" rIns="0" tIns="0" bIns="0" anchor="ctr">
             <a:noAutofit/>
           </a:bodyPr>
           <a:p>
             <a:pPr algn="ctr">
               <a:buNone/>
             </a:pPr>
-            <a:endParaRPr b="1" lang="en-US" sz="2700" spc="-1" strike="noStrike">
-              <a:solidFill>
-                <a:srgbClr val="2c3e50"/>
-              </a:solidFill>
-              <a:latin typeface="Noto Sans"/>
+            <a:endParaRPr b="0" lang="en-US" sz="4400" spc="-1" strike="noStrike">
+              <a:latin typeface="Arial"/>
             </a:endParaRPr>
           </a:p>
         </p:txBody>
@@ -2385,14 +2220,11 @@
         </p:spPr>
         <p:txBody>
           <a:bodyPr lIns="0" rIns="0" tIns="0" bIns="0" anchor="t">
-            <a:normAutofit/>
-          </a:bodyPr>
-          <a:p>
-            <a:endParaRPr b="0" lang="en-US" sz="1500" spc="-1" strike="noStrike">
-              <a:solidFill>
-                <a:srgbClr val="ffffff"/>
-              </a:solidFill>
-              <a:latin typeface="Noto Sans"/>
+            <a:normAutofit fontScale="88000"/>
+          </a:bodyPr>
+          <a:p>
+            <a:endParaRPr b="0" lang="en-US" sz="3200" spc="-1" strike="noStrike">
+              <a:latin typeface="Arial"/>
             </a:endParaRPr>
           </a:p>
         </p:txBody>
@@ -2422,14 +2254,11 @@
         </p:spPr>
         <p:txBody>
           <a:bodyPr lIns="0" rIns="0" tIns="0" bIns="0" anchor="t">
-            <a:normAutofit/>
-          </a:bodyPr>
-          <a:p>
-            <a:endParaRPr b="0" lang="en-US" sz="1500" spc="-1" strike="noStrike">
-              <a:solidFill>
-                <a:srgbClr val="ffffff"/>
-              </a:solidFill>
-              <a:latin typeface="Noto Sans"/>
+            <a:normAutofit fontScale="88000"/>
+          </a:bodyPr>
+          <a:p>
+            <a:endParaRPr b="0" lang="en-US" sz="3200" spc="-1" strike="noStrike">
+              <a:latin typeface="Arial"/>
             </a:endParaRPr>
           </a:p>
         </p:txBody>
@@ -2447,7 +2276,7 @@
         <p:spPr>
           <a:xfrm>
             <a:off x="3420000" y="4086360"/>
-            <a:ext cx="6300000" cy="772560"/>
+            <a:ext cx="6299640" cy="772560"/>
           </a:xfrm>
           <a:prstGeom prst="rect">
             <a:avLst/>
@@ -2462,11 +2291,8 @@
             <a:normAutofit/>
           </a:bodyPr>
           <a:p>
-            <a:endParaRPr b="0" lang="en-US" sz="1500" spc="-1" strike="noStrike">
-              <a:solidFill>
-                <a:srgbClr val="ffffff"/>
-              </a:solidFill>
-              <a:latin typeface="Noto Sans"/>
+            <a:endParaRPr b="0" lang="en-US" sz="3200" spc="-1" strike="noStrike">
+              <a:latin typeface="Arial"/>
             </a:endParaRPr>
           </a:p>
         </p:txBody>
@@ -2498,27 +2324,7 @@
             <a:spLocks noGrp="1"/>
           </p:cNvSpPr>
           <p:nvPr>
-            <p:ph type="sldNum" idx="5"/>
-          </p:nvPr>
-        </p:nvSpPr>
-        <p:spPr/>
-        <p:txBody>
-          <a:bodyPr/>
-          <a:p>
-            <a:fld id="{3622124F-9F69-41C8-81E0-39CBD2F27B3F}" type="slidenum">
-              <a:t>&lt;#&gt;</a:t>
-            </a:fld>
-          </a:p>
-        </p:txBody>
-      </p:sp>
-      <p:sp>
-        <p:nvSpPr>
-          <p:cNvPr id="8" name="PlaceHolder 7"/>
-          <p:cNvSpPr>
-            <a:spLocks noGrp="1"/>
-          </p:cNvSpPr>
-          <p:nvPr>
-            <p:ph type="dt" idx="3"/>
+            <p:ph type="dt" idx="5"/>
           </p:nvPr>
         </p:nvSpPr>
         <p:spPr/>
@@ -2567,7 +2373,7 @@
         <p:spPr>
           <a:xfrm>
             <a:off x="2700000" y="1485000"/>
-            <a:ext cx="4680000" cy="1620000"/>
+            <a:ext cx="4679640" cy="1619640"/>
           </a:xfrm>
           <a:prstGeom prst="rect">
             <a:avLst/>
@@ -2578,18 +2384,15 @@
           </a:ln>
         </p:spPr>
         <p:txBody>
-          <a:bodyPr lIns="0" rIns="0" tIns="0" bIns="0" anchor="ctr" anchorCtr="1">
+          <a:bodyPr lIns="0" rIns="0" tIns="0" bIns="0" anchor="ctr">
             <a:noAutofit/>
           </a:bodyPr>
           <a:p>
             <a:pPr algn="ctr">
               <a:buNone/>
             </a:pPr>
-            <a:endParaRPr b="1" lang="en-US" sz="2700" spc="-1" strike="noStrike">
-              <a:solidFill>
-                <a:srgbClr val="2c3e50"/>
-              </a:solidFill>
-              <a:latin typeface="Noto Sans"/>
+            <a:endParaRPr b="0" lang="en-US" sz="4400" spc="-1" strike="noStrike">
+              <a:latin typeface="Arial"/>
             </a:endParaRPr>
           </a:p>
         </p:txBody>
@@ -2607,7 +2410,7 @@
         <p:spPr>
           <a:xfrm>
             <a:off x="3420000" y="3240000"/>
-            <a:ext cx="6300000" cy="772560"/>
+            <a:ext cx="6299640" cy="772560"/>
           </a:xfrm>
           <a:prstGeom prst="rect">
             <a:avLst/>
@@ -2622,11 +2425,8 @@
             <a:normAutofit/>
           </a:bodyPr>
           <a:p>
-            <a:endParaRPr b="0" lang="en-US" sz="1500" spc="-1" strike="noStrike">
-              <a:solidFill>
-                <a:srgbClr val="ffffff"/>
-              </a:solidFill>
-              <a:latin typeface="Noto Sans"/>
+            <a:endParaRPr b="0" lang="en-US" sz="3200" spc="-1" strike="noStrike">
+              <a:latin typeface="Arial"/>
             </a:endParaRPr>
           </a:p>
         </p:txBody>
@@ -2644,7 +2444,7 @@
         <p:spPr>
           <a:xfrm>
             <a:off x="3420000" y="4086360"/>
-            <a:ext cx="6300000" cy="772560"/>
+            <a:ext cx="6299640" cy="772560"/>
           </a:xfrm>
           <a:prstGeom prst="rect">
             <a:avLst/>
@@ -2659,11 +2459,8 @@
             <a:normAutofit/>
           </a:bodyPr>
           <a:p>
-            <a:endParaRPr b="0" lang="en-US" sz="1500" spc="-1" strike="noStrike">
-              <a:solidFill>
-                <a:srgbClr val="ffffff"/>
-              </a:solidFill>
-              <a:latin typeface="Noto Sans"/>
+            <a:endParaRPr b="0" lang="en-US" sz="3200" spc="-1" strike="noStrike">
+              <a:latin typeface="Arial"/>
             </a:endParaRPr>
           </a:p>
         </p:txBody>
@@ -2695,27 +2492,7 @@
             <a:spLocks noGrp="1"/>
           </p:cNvSpPr>
           <p:nvPr>
-            <p:ph type="sldNum" idx="5"/>
-          </p:nvPr>
-        </p:nvSpPr>
-        <p:spPr/>
-        <p:txBody>
-          <a:bodyPr/>
-          <a:p>
-            <a:fld id="{6E350811-2A95-48E2-896B-F48DF6C3DB88}" type="slidenum">
-              <a:t>&lt;#&gt;</a:t>
-            </a:fld>
-          </a:p>
-        </p:txBody>
-      </p:sp>
-      <p:sp>
-        <p:nvSpPr>
-          <p:cNvPr id="7" name="PlaceHolder 6"/>
-          <p:cNvSpPr>
-            <a:spLocks noGrp="1"/>
-          </p:cNvSpPr>
-          <p:nvPr>
-            <p:ph type="dt" idx="3"/>
+            <p:ph type="dt" idx="5"/>
           </p:nvPr>
         </p:nvSpPr>
         <p:spPr/>
@@ -2764,7 +2541,7 @@
         <p:spPr>
           <a:xfrm>
             <a:off x="2700000" y="1485000"/>
-            <a:ext cx="4680000" cy="1620000"/>
+            <a:ext cx="4679640" cy="1619640"/>
           </a:xfrm>
           <a:prstGeom prst="rect">
             <a:avLst/>
@@ -2775,18 +2552,15 @@
           </a:ln>
         </p:spPr>
         <p:txBody>
-          <a:bodyPr lIns="0" rIns="0" tIns="0" bIns="0" anchor="ctr" anchorCtr="1">
+          <a:bodyPr lIns="0" rIns="0" tIns="0" bIns="0" anchor="ctr">
             <a:noAutofit/>
           </a:bodyPr>
           <a:p>
             <a:pPr algn="ctr">
               <a:buNone/>
             </a:pPr>
-            <a:endParaRPr b="1" lang="en-US" sz="2700" spc="-1" strike="noStrike">
-              <a:solidFill>
-                <a:srgbClr val="2c3e50"/>
-              </a:solidFill>
-              <a:latin typeface="Noto Sans"/>
+            <a:endParaRPr b="0" lang="en-US" sz="4400" spc="-1" strike="noStrike">
+              <a:latin typeface="Arial"/>
             </a:endParaRPr>
           </a:p>
         </p:txBody>
@@ -2816,14 +2590,11 @@
         </p:spPr>
         <p:txBody>
           <a:bodyPr lIns="0" rIns="0" tIns="0" bIns="0" anchor="t">
-            <a:normAutofit/>
-          </a:bodyPr>
-          <a:p>
-            <a:endParaRPr b="0" lang="en-US" sz="1500" spc="-1" strike="noStrike">
-              <a:solidFill>
-                <a:srgbClr val="ffffff"/>
-              </a:solidFill>
-              <a:latin typeface="Noto Sans"/>
+            <a:normAutofit fontScale="88000"/>
+          </a:bodyPr>
+          <a:p>
+            <a:endParaRPr b="0" lang="en-US" sz="3200" spc="-1" strike="noStrike">
+              <a:latin typeface="Arial"/>
             </a:endParaRPr>
           </a:p>
         </p:txBody>
@@ -2853,14 +2624,11 @@
         </p:spPr>
         <p:txBody>
           <a:bodyPr lIns="0" rIns="0" tIns="0" bIns="0" anchor="t">
-            <a:normAutofit/>
-          </a:bodyPr>
-          <a:p>
-            <a:endParaRPr b="0" lang="en-US" sz="1500" spc="-1" strike="noStrike">
-              <a:solidFill>
-                <a:srgbClr val="ffffff"/>
-              </a:solidFill>
-              <a:latin typeface="Noto Sans"/>
+            <a:normAutofit fontScale="88000"/>
+          </a:bodyPr>
+          <a:p>
+            <a:endParaRPr b="0" lang="en-US" sz="3200" spc="-1" strike="noStrike">
+              <a:latin typeface="Arial"/>
             </a:endParaRPr>
           </a:p>
         </p:txBody>
@@ -2890,14 +2658,11 @@
         </p:spPr>
         <p:txBody>
           <a:bodyPr lIns="0" rIns="0" tIns="0" bIns="0" anchor="t">
-            <a:normAutofit/>
-          </a:bodyPr>
-          <a:p>
-            <a:endParaRPr b="0" lang="en-US" sz="1500" spc="-1" strike="noStrike">
-              <a:solidFill>
-                <a:srgbClr val="ffffff"/>
-              </a:solidFill>
-              <a:latin typeface="Noto Sans"/>
+            <a:normAutofit fontScale="88000"/>
+          </a:bodyPr>
+          <a:p>
+            <a:endParaRPr b="0" lang="en-US" sz="3200" spc="-1" strike="noStrike">
+              <a:latin typeface="Arial"/>
             </a:endParaRPr>
           </a:p>
         </p:txBody>
@@ -2927,14 +2692,11 @@
         </p:spPr>
         <p:txBody>
           <a:bodyPr lIns="0" rIns="0" tIns="0" bIns="0" anchor="t">
-            <a:normAutofit/>
-          </a:bodyPr>
-          <a:p>
-            <a:endParaRPr b="0" lang="en-US" sz="1500" spc="-1" strike="noStrike">
-              <a:solidFill>
-                <a:srgbClr val="ffffff"/>
-              </a:solidFill>
-              <a:latin typeface="Noto Sans"/>
+            <a:normAutofit fontScale="88000"/>
+          </a:bodyPr>
+          <a:p>
+            <a:endParaRPr b="0" lang="en-US" sz="3200" spc="-1" strike="noStrike">
+              <a:latin typeface="Arial"/>
             </a:endParaRPr>
           </a:p>
         </p:txBody>
@@ -2966,27 +2728,7 @@
             <a:spLocks noGrp="1"/>
           </p:cNvSpPr>
           <p:nvPr>
-            <p:ph type="sldNum" idx="5"/>
-          </p:nvPr>
-        </p:nvSpPr>
-        <p:spPr/>
-        <p:txBody>
-          <a:bodyPr/>
-          <a:p>
-            <a:fld id="{72953A41-7DE8-427B-ACB3-E31C6AE65E68}" type="slidenum">
-              <a:t>&lt;#&gt;</a:t>
-            </a:fld>
-          </a:p>
-        </p:txBody>
-      </p:sp>
-      <p:sp>
-        <p:nvSpPr>
-          <p:cNvPr id="9" name="PlaceHolder 8"/>
-          <p:cNvSpPr>
-            <a:spLocks noGrp="1"/>
-          </p:cNvSpPr>
-          <p:nvPr>
-            <p:ph type="dt" idx="3"/>
+            <p:ph type="dt" idx="5"/>
           </p:nvPr>
         </p:nvSpPr>
         <p:spPr/>
@@ -3035,7 +2777,7 @@
         <p:spPr>
           <a:xfrm>
             <a:off x="2700000" y="1485000"/>
-            <a:ext cx="4680000" cy="1620000"/>
+            <a:ext cx="4679640" cy="1619640"/>
           </a:xfrm>
           <a:prstGeom prst="rect">
             <a:avLst/>
@@ -3046,18 +2788,15 @@
           </a:ln>
         </p:spPr>
         <p:txBody>
-          <a:bodyPr lIns="0" rIns="0" tIns="0" bIns="0" anchor="ctr" anchorCtr="1">
+          <a:bodyPr lIns="0" rIns="0" tIns="0" bIns="0" anchor="ctr">
             <a:noAutofit/>
           </a:bodyPr>
           <a:p>
             <a:pPr algn="ctr">
               <a:buNone/>
             </a:pPr>
-            <a:endParaRPr b="1" lang="en-US" sz="2700" spc="-1" strike="noStrike">
-              <a:solidFill>
-                <a:srgbClr val="2c3e50"/>
-              </a:solidFill>
-              <a:latin typeface="Noto Sans"/>
+            <a:endParaRPr b="0" lang="en-US" sz="4400" spc="-1" strike="noStrike">
+              <a:latin typeface="Arial"/>
             </a:endParaRPr>
           </a:p>
         </p:txBody>
@@ -3087,14 +2826,11 @@
         </p:spPr>
         <p:txBody>
           <a:bodyPr lIns="0" rIns="0" tIns="0" bIns="0" anchor="t">
-            <a:normAutofit/>
-          </a:bodyPr>
-          <a:p>
-            <a:endParaRPr b="0" lang="en-US" sz="1500" spc="-1" strike="noStrike">
-              <a:solidFill>
-                <a:srgbClr val="ffffff"/>
-              </a:solidFill>
-              <a:latin typeface="Noto Sans"/>
+            <a:normAutofit fontScale="85000"/>
+          </a:bodyPr>
+          <a:p>
+            <a:endParaRPr b="0" lang="en-US" sz="3200" spc="-1" strike="noStrike">
+              <a:latin typeface="Arial"/>
             </a:endParaRPr>
           </a:p>
         </p:txBody>
@@ -3124,14 +2860,11 @@
         </p:spPr>
         <p:txBody>
           <a:bodyPr lIns="0" rIns="0" tIns="0" bIns="0" anchor="t">
-            <a:normAutofit/>
-          </a:bodyPr>
-          <a:p>
-            <a:endParaRPr b="0" lang="en-US" sz="1500" spc="-1" strike="noStrike">
-              <a:solidFill>
-                <a:srgbClr val="ffffff"/>
-              </a:solidFill>
-              <a:latin typeface="Noto Sans"/>
+            <a:normAutofit fontScale="85000"/>
+          </a:bodyPr>
+          <a:p>
+            <a:endParaRPr b="0" lang="en-US" sz="3200" spc="-1" strike="noStrike">
+              <a:latin typeface="Arial"/>
             </a:endParaRPr>
           </a:p>
         </p:txBody>
@@ -3161,14 +2894,11 @@
         </p:spPr>
         <p:txBody>
           <a:bodyPr lIns="0" rIns="0" tIns="0" bIns="0" anchor="t">
-            <a:normAutofit/>
-          </a:bodyPr>
-          <a:p>
-            <a:endParaRPr b="0" lang="en-US" sz="1500" spc="-1" strike="noStrike">
-              <a:solidFill>
-                <a:srgbClr val="ffffff"/>
-              </a:solidFill>
-              <a:latin typeface="Noto Sans"/>
+            <a:normAutofit fontScale="85000"/>
+          </a:bodyPr>
+          <a:p>
+            <a:endParaRPr b="0" lang="en-US" sz="3200" spc="-1" strike="noStrike">
+              <a:latin typeface="Arial"/>
             </a:endParaRPr>
           </a:p>
         </p:txBody>
@@ -3198,14 +2928,11 @@
         </p:spPr>
         <p:txBody>
           <a:bodyPr lIns="0" rIns="0" tIns="0" bIns="0" anchor="t">
-            <a:normAutofit/>
-          </a:bodyPr>
-          <a:p>
-            <a:endParaRPr b="0" lang="en-US" sz="1500" spc="-1" strike="noStrike">
-              <a:solidFill>
-                <a:srgbClr val="ffffff"/>
-              </a:solidFill>
-              <a:latin typeface="Noto Sans"/>
+            <a:normAutofit fontScale="85000"/>
+          </a:bodyPr>
+          <a:p>
+            <a:endParaRPr b="0" lang="en-US" sz="3200" spc="-1" strike="noStrike">
+              <a:latin typeface="Arial"/>
             </a:endParaRPr>
           </a:p>
         </p:txBody>
@@ -3235,14 +2962,11 @@
         </p:spPr>
         <p:txBody>
           <a:bodyPr lIns="0" rIns="0" tIns="0" bIns="0" anchor="t">
-            <a:normAutofit/>
-          </a:bodyPr>
-          <a:p>
-            <a:endParaRPr b="0" lang="en-US" sz="1500" spc="-1" strike="noStrike">
-              <a:solidFill>
-                <a:srgbClr val="ffffff"/>
-              </a:solidFill>
-              <a:latin typeface="Noto Sans"/>
+            <a:normAutofit fontScale="85000"/>
+          </a:bodyPr>
+          <a:p>
+            <a:endParaRPr b="0" lang="en-US" sz="3200" spc="-1" strike="noStrike">
+              <a:latin typeface="Arial"/>
             </a:endParaRPr>
           </a:p>
         </p:txBody>
@@ -3272,14 +2996,11 @@
         </p:spPr>
         <p:txBody>
           <a:bodyPr lIns="0" rIns="0" tIns="0" bIns="0" anchor="t">
-            <a:normAutofit/>
-          </a:bodyPr>
-          <a:p>
-            <a:endParaRPr b="0" lang="en-US" sz="1500" spc="-1" strike="noStrike">
-              <a:solidFill>
-                <a:srgbClr val="ffffff"/>
-              </a:solidFill>
-              <a:latin typeface="Noto Sans"/>
+            <a:normAutofit fontScale="85000"/>
+          </a:bodyPr>
+          <a:p>
+            <a:endParaRPr b="0" lang="en-US" sz="3200" spc="-1" strike="noStrike">
+              <a:latin typeface="Arial"/>
             </a:endParaRPr>
           </a:p>
         </p:txBody>
@@ -3311,27 +3032,7 @@
             <a:spLocks noGrp="1"/>
           </p:cNvSpPr>
           <p:nvPr>
-            <p:ph type="sldNum" idx="5"/>
-          </p:nvPr>
-        </p:nvSpPr>
-        <p:spPr/>
-        <p:txBody>
-          <a:bodyPr/>
-          <a:p>
-            <a:fld id="{B882CA1C-BDC7-40D1-B2FB-FB8FC732606F}" type="slidenum">
-              <a:t>&lt;#&gt;</a:t>
-            </a:fld>
-          </a:p>
-        </p:txBody>
-      </p:sp>
-      <p:sp>
-        <p:nvSpPr>
-          <p:cNvPr id="11" name="PlaceHolder 10"/>
-          <p:cNvSpPr>
-            <a:spLocks noGrp="1"/>
-          </p:cNvSpPr>
-          <p:nvPr>
-            <p:ph type="dt" idx="3"/>
+            <p:ph type="dt" idx="5"/>
           </p:nvPr>
         </p:nvSpPr>
         <p:spPr/>
@@ -3374,7 +3075,7 @@
             <a:spLocks noGrp="1"/>
           </p:cNvSpPr>
           <p:nvPr>
-            <p:ph type="ftr" idx="7"/>
+            <p:ph type="ftr" idx="6"/>
           </p:nvPr>
         </p:nvSpPr>
         <p:spPr/>
@@ -3394,14 +3095,14 @@
             <a:spLocks noGrp="1"/>
           </p:cNvSpPr>
           <p:nvPr>
-            <p:ph type="sldNum" idx="8"/>
+            <p:ph type="sldNum" idx="7"/>
           </p:nvPr>
         </p:nvSpPr>
         <p:spPr/>
         <p:txBody>
           <a:bodyPr/>
           <a:p>
-            <a:fld id="{C542CC1A-4290-4A27-9EE3-86B4BE7A1D79}" type="slidenum">
+            <a:fld id="{049D7B51-96F0-46A8-8458-C8937FC4A0D8}" type="slidenum">
               <a:t>&lt;#&gt;</a:t>
             </a:fld>
           </a:p>
@@ -3414,7 +3115,7 @@
             <a:spLocks noGrp="1"/>
           </p:cNvSpPr>
           <p:nvPr>
-            <p:ph type="dt" idx="6"/>
+            <p:ph type="dt" idx="8"/>
           </p:nvPr>
         </p:nvSpPr>
         <p:spPr/>
@@ -3463,7 +3164,7 @@
         <p:spPr>
           <a:xfrm>
             <a:off x="2700000" y="1485000"/>
-            <a:ext cx="4680000" cy="1620000"/>
+            <a:ext cx="4679640" cy="1619640"/>
           </a:xfrm>
           <a:prstGeom prst="rect">
             <a:avLst/>
@@ -3474,18 +3175,15 @@
           </a:ln>
         </p:spPr>
         <p:txBody>
-          <a:bodyPr lIns="0" rIns="0" tIns="0" bIns="0" anchor="ctr" anchorCtr="1">
+          <a:bodyPr lIns="0" rIns="0" tIns="0" bIns="0" anchor="ctr">
             <a:noAutofit/>
           </a:bodyPr>
           <a:p>
             <a:pPr algn="ctr">
               <a:buNone/>
             </a:pPr>
-            <a:endParaRPr b="1" lang="en-US" sz="2700" spc="-1" strike="noStrike">
-              <a:solidFill>
-                <a:srgbClr val="2c3e50"/>
-              </a:solidFill>
-              <a:latin typeface="Noto Sans"/>
+            <a:endParaRPr b="0" lang="en-US" sz="4400" spc="-1" strike="noStrike">
+              <a:latin typeface="Arial"/>
             </a:endParaRPr>
           </a:p>
         </p:txBody>
@@ -3503,7 +3201,7 @@
         <p:spPr>
           <a:xfrm>
             <a:off x="3420000" y="3240000"/>
-            <a:ext cx="6300000" cy="1620000"/>
+            <a:ext cx="6299640" cy="1619640"/>
           </a:xfrm>
           <a:prstGeom prst="rect">
             <a:avLst/>
@@ -3521,11 +3219,8 @@
             <a:pPr algn="ctr">
               <a:buNone/>
             </a:pPr>
-            <a:endParaRPr b="0" lang="en-US" sz="2200" spc="-1" strike="noStrike">
-              <a:solidFill>
-                <a:srgbClr val="ffffff"/>
-              </a:solidFill>
-              <a:latin typeface="Noto Sans"/>
+            <a:endParaRPr b="0" lang="en-US" sz="3200" spc="-1" strike="noStrike">
+              <a:latin typeface="Arial"/>
             </a:endParaRPr>
           </a:p>
         </p:txBody>
@@ -3537,7 +3232,7 @@
             <a:spLocks noGrp="1"/>
           </p:cNvSpPr>
           <p:nvPr>
-            <p:ph type="ftr" idx="7"/>
+            <p:ph type="ftr" idx="6"/>
           </p:nvPr>
         </p:nvSpPr>
         <p:spPr/>
@@ -3557,14 +3252,14 @@
             <a:spLocks noGrp="1"/>
           </p:cNvSpPr>
           <p:nvPr>
-            <p:ph type="sldNum" idx="8"/>
+            <p:ph type="sldNum" idx="7"/>
           </p:nvPr>
         </p:nvSpPr>
         <p:spPr/>
         <p:txBody>
           <a:bodyPr/>
           <a:p>
-            <a:fld id="{F98F5F0A-1CD1-4D04-9FAC-AA2BEBA10DE4}" type="slidenum">
+            <a:fld id="{34209A5C-C598-4FF5-8A8D-799BF6DCB83D}" type="slidenum">
               <a:t>&lt;#&gt;</a:t>
             </a:fld>
           </a:p>
@@ -3577,7 +3272,7 @@
             <a:spLocks noGrp="1"/>
           </p:cNvSpPr>
           <p:nvPr>
-            <p:ph type="dt" idx="6"/>
+            <p:ph type="dt" idx="8"/>
           </p:nvPr>
         </p:nvSpPr>
         <p:spPr/>
@@ -3626,7 +3321,7 @@
         <p:spPr>
           <a:xfrm>
             <a:off x="2700000" y="1485000"/>
-            <a:ext cx="4680000" cy="1620000"/>
+            <a:ext cx="4679640" cy="1619640"/>
           </a:xfrm>
           <a:prstGeom prst="rect">
             <a:avLst/>
@@ -3637,18 +3332,15 @@
           </a:ln>
         </p:spPr>
         <p:txBody>
-          <a:bodyPr lIns="0" rIns="0" tIns="0" bIns="0" anchor="ctr" anchorCtr="1">
+          <a:bodyPr lIns="0" rIns="0" tIns="0" bIns="0" anchor="ctr">
             <a:noAutofit/>
           </a:bodyPr>
           <a:p>
             <a:pPr algn="ctr">
               <a:buNone/>
             </a:pPr>
-            <a:endParaRPr b="1" lang="en-US" sz="2700" spc="-1" strike="noStrike">
-              <a:solidFill>
-                <a:srgbClr val="2c3e50"/>
-              </a:solidFill>
-              <a:latin typeface="Noto Sans"/>
+            <a:endParaRPr b="0" lang="en-US" sz="4400" spc="-1" strike="noStrike">
+              <a:latin typeface="Arial"/>
             </a:endParaRPr>
           </a:p>
         </p:txBody>
@@ -3666,7 +3358,7 @@
         <p:spPr>
           <a:xfrm>
             <a:off x="3420000" y="3240000"/>
-            <a:ext cx="6300000" cy="1620000"/>
+            <a:ext cx="6299640" cy="1619640"/>
           </a:xfrm>
           <a:prstGeom prst="rect">
             <a:avLst/>
@@ -3681,11 +3373,8 @@
             <a:normAutofit/>
           </a:bodyPr>
           <a:p>
-            <a:endParaRPr b="0" lang="en-US" sz="1500" spc="-1" strike="noStrike">
-              <a:solidFill>
-                <a:srgbClr val="ffffff"/>
-              </a:solidFill>
-              <a:latin typeface="Noto Sans"/>
+            <a:endParaRPr b="0" lang="en-US" sz="3200" spc="-1" strike="noStrike">
+              <a:latin typeface="Arial"/>
             </a:endParaRPr>
           </a:p>
         </p:txBody>
@@ -3697,7 +3386,7 @@
             <a:spLocks noGrp="1"/>
           </p:cNvSpPr>
           <p:nvPr>
-            <p:ph type="ftr" idx="7"/>
+            <p:ph type="ftr" idx="6"/>
           </p:nvPr>
         </p:nvSpPr>
         <p:spPr/>
@@ -3717,14 +3406,14 @@
             <a:spLocks noGrp="1"/>
           </p:cNvSpPr>
           <p:nvPr>
-            <p:ph type="sldNum" idx="8"/>
+            <p:ph type="sldNum" idx="7"/>
           </p:nvPr>
         </p:nvSpPr>
         <p:spPr/>
         <p:txBody>
           <a:bodyPr/>
           <a:p>
-            <a:fld id="{231F9D53-8D87-4CF4-9839-0F284CB174A6}" type="slidenum">
+            <a:fld id="{049DA114-5A81-4FC8-A122-FF720783778F}" type="slidenum">
               <a:t>&lt;#&gt;</a:t>
             </a:fld>
           </a:p>
@@ -3737,7 +3426,7 @@
             <a:spLocks noGrp="1"/>
           </p:cNvSpPr>
           <p:nvPr>
-            <p:ph type="dt" idx="6"/>
+            <p:ph type="dt" idx="8"/>
           </p:nvPr>
         </p:nvSpPr>
         <p:spPr/>
@@ -3786,7 +3475,7 @@
         <p:spPr>
           <a:xfrm>
             <a:off x="2700000" y="1485000"/>
-            <a:ext cx="4680000" cy="1620000"/>
+            <a:ext cx="4679640" cy="1619640"/>
           </a:xfrm>
           <a:prstGeom prst="rect">
             <a:avLst/>
@@ -3797,18 +3486,15 @@
           </a:ln>
         </p:spPr>
         <p:txBody>
-          <a:bodyPr lIns="0" rIns="0" tIns="0" bIns="0" anchor="ctr" anchorCtr="1">
+          <a:bodyPr lIns="0" rIns="0" tIns="0" bIns="0" anchor="ctr">
             <a:noAutofit/>
           </a:bodyPr>
           <a:p>
             <a:pPr algn="ctr">
               <a:buNone/>
             </a:pPr>
-            <a:endParaRPr b="1" lang="en-US" sz="2700" spc="-1" strike="noStrike">
-              <a:solidFill>
-                <a:srgbClr val="2c3e50"/>
-              </a:solidFill>
-              <a:latin typeface="Noto Sans"/>
+            <a:endParaRPr b="0" lang="en-US" sz="4400" spc="-1" strike="noStrike">
+              <a:latin typeface="Arial"/>
             </a:endParaRPr>
           </a:p>
         </p:txBody>
@@ -3826,7 +3512,7 @@
         <p:spPr>
           <a:xfrm>
             <a:off x="3420000" y="3240000"/>
-            <a:ext cx="3074040" cy="1620000"/>
+            <a:ext cx="3074040" cy="1619640"/>
           </a:xfrm>
           <a:prstGeom prst="rect">
             <a:avLst/>
@@ -3841,11 +3527,8 @@
             <a:normAutofit/>
           </a:bodyPr>
           <a:p>
-            <a:endParaRPr b="0" lang="en-US" sz="1500" spc="-1" strike="noStrike">
-              <a:solidFill>
-                <a:srgbClr val="ffffff"/>
-              </a:solidFill>
-              <a:latin typeface="Noto Sans"/>
+            <a:endParaRPr b="0" lang="en-US" sz="3200" spc="-1" strike="noStrike">
+              <a:latin typeface="Arial"/>
             </a:endParaRPr>
           </a:p>
         </p:txBody>
@@ -3863,7 +3546,7 @@
         <p:spPr>
           <a:xfrm>
             <a:off x="6648120" y="3240000"/>
-            <a:ext cx="3074040" cy="1620000"/>
+            <a:ext cx="3074040" cy="1619640"/>
           </a:xfrm>
           <a:prstGeom prst="rect">
             <a:avLst/>
@@ -3878,11 +3561,8 @@
             <a:normAutofit/>
           </a:bodyPr>
           <a:p>
-            <a:endParaRPr b="0" lang="en-US" sz="1500" spc="-1" strike="noStrike">
-              <a:solidFill>
-                <a:srgbClr val="ffffff"/>
-              </a:solidFill>
-              <a:latin typeface="Noto Sans"/>
+            <a:endParaRPr b="0" lang="en-US" sz="3200" spc="-1" strike="noStrike">
+              <a:latin typeface="Arial"/>
             </a:endParaRPr>
           </a:p>
         </p:txBody>
@@ -3894,7 +3574,7 @@
             <a:spLocks noGrp="1"/>
           </p:cNvSpPr>
           <p:nvPr>
-            <p:ph type="ftr" idx="7"/>
+            <p:ph type="ftr" idx="6"/>
           </p:nvPr>
         </p:nvSpPr>
         <p:spPr/>
@@ -3914,14 +3594,14 @@
             <a:spLocks noGrp="1"/>
           </p:cNvSpPr>
           <p:nvPr>
-            <p:ph type="sldNum" idx="8"/>
+            <p:ph type="sldNum" idx="7"/>
           </p:nvPr>
         </p:nvSpPr>
         <p:spPr/>
         <p:txBody>
           <a:bodyPr/>
           <a:p>
-            <a:fld id="{27199320-BA3B-4D79-9040-FF38D3F084DD}" type="slidenum">
+            <a:fld id="{DE51D943-100E-4EBE-B0F0-2CED1F960A61}" type="slidenum">
               <a:t>&lt;#&gt;</a:t>
             </a:fld>
           </a:p>
@@ -3934,7 +3614,7 @@
             <a:spLocks noGrp="1"/>
           </p:cNvSpPr>
           <p:nvPr>
-            <p:ph type="dt" idx="6"/>
+            <p:ph type="dt" idx="8"/>
           </p:nvPr>
         </p:nvSpPr>
         <p:spPr/>
@@ -3983,7 +3663,7 @@
         <p:spPr>
           <a:xfrm>
             <a:off x="2700000" y="1485000"/>
-            <a:ext cx="4680000" cy="1620000"/>
+            <a:ext cx="4679640" cy="1619640"/>
           </a:xfrm>
           <a:prstGeom prst="rect">
             <a:avLst/>
@@ -3994,18 +3674,15 @@
           </a:ln>
         </p:spPr>
         <p:txBody>
-          <a:bodyPr lIns="0" rIns="0" tIns="0" bIns="0" anchor="ctr" anchorCtr="1">
+          <a:bodyPr lIns="0" rIns="0" tIns="0" bIns="0" anchor="ctr">
             <a:noAutofit/>
           </a:bodyPr>
           <a:p>
             <a:pPr algn="ctr">
               <a:buNone/>
             </a:pPr>
-            <a:endParaRPr b="1" lang="en-US" sz="2700" spc="-1" strike="noStrike">
-              <a:solidFill>
-                <a:srgbClr val="2c3e50"/>
-              </a:solidFill>
-              <a:latin typeface="Noto Sans"/>
+            <a:endParaRPr b="0" lang="en-US" sz="4400" spc="-1" strike="noStrike">
+              <a:latin typeface="Arial"/>
             </a:endParaRPr>
           </a:p>
         </p:txBody>
@@ -4017,7 +3694,7 @@
             <a:spLocks noGrp="1"/>
           </p:cNvSpPr>
           <p:nvPr>
-            <p:ph type="ftr" idx="7"/>
+            <p:ph type="ftr" idx="6"/>
           </p:nvPr>
         </p:nvSpPr>
         <p:spPr/>
@@ -4037,14 +3714,14 @@
             <a:spLocks noGrp="1"/>
           </p:cNvSpPr>
           <p:nvPr>
-            <p:ph type="sldNum" idx="8"/>
+            <p:ph type="sldNum" idx="7"/>
           </p:nvPr>
         </p:nvSpPr>
         <p:spPr/>
         <p:txBody>
           <a:bodyPr/>
           <a:p>
-            <a:fld id="{B89CB3AF-B581-4E26-AA7F-569090300486}" type="slidenum">
+            <a:fld id="{1025795F-4092-4FC5-8DC1-71EAC4740F86}" type="slidenum">
               <a:t>&lt;#&gt;</a:t>
             </a:fld>
           </a:p>
@@ -4057,7 +3734,7 @@
             <a:spLocks noGrp="1"/>
           </p:cNvSpPr>
           <p:nvPr>
-            <p:ph type="dt" idx="6"/>
+            <p:ph type="dt" idx="8"/>
           </p:nvPr>
         </p:nvSpPr>
         <p:spPr/>
@@ -4095,7 +3772,7 @@
       </p:grpSpPr>
       <p:sp>
         <p:nvSpPr>
-          <p:cNvPr id="10" name="PlaceHolder 1"/>
+          <p:cNvPr id="9" name="PlaceHolder 1"/>
           <p:cNvSpPr>
             <a:spLocks noGrp="1"/>
           </p:cNvSpPr>
@@ -4106,7 +3783,7 @@
         <p:spPr>
           <a:xfrm>
             <a:off x="2700000" y="1485000"/>
-            <a:ext cx="4680000" cy="1620000"/>
+            <a:ext cx="4679640" cy="1619640"/>
           </a:xfrm>
           <a:prstGeom prst="rect">
             <a:avLst/>
@@ -4117,25 +3794,22 @@
           </a:ln>
         </p:spPr>
         <p:txBody>
-          <a:bodyPr lIns="0" rIns="0" tIns="0" bIns="0" anchor="ctr" anchorCtr="1">
+          <a:bodyPr lIns="0" rIns="0" tIns="0" bIns="0" anchor="ctr">
             <a:noAutofit/>
           </a:bodyPr>
           <a:p>
             <a:pPr algn="ctr">
               <a:buNone/>
             </a:pPr>
-            <a:endParaRPr b="1" lang="en-US" sz="2700" spc="-1" strike="noStrike">
-              <a:solidFill>
-                <a:srgbClr val="2c3e50"/>
-              </a:solidFill>
-              <a:latin typeface="Noto Sans"/>
-            </a:endParaRPr>
-          </a:p>
-        </p:txBody>
-      </p:sp>
-      <p:sp>
-        <p:nvSpPr>
-          <p:cNvPr id="11" name="PlaceHolder 2"/>
+            <a:endParaRPr b="0" lang="en-US" sz="4400" spc="-1" strike="noStrike">
+              <a:latin typeface="Arial"/>
+            </a:endParaRPr>
+          </a:p>
+        </p:txBody>
+      </p:sp>
+      <p:sp>
+        <p:nvSpPr>
+          <p:cNvPr id="10" name="PlaceHolder 2"/>
           <p:cNvSpPr>
             <a:spLocks noGrp="1"/>
           </p:cNvSpPr>
@@ -4146,7 +3820,7 @@
         <p:spPr>
           <a:xfrm>
             <a:off x="3420000" y="3240000"/>
-            <a:ext cx="6300000" cy="1620000"/>
+            <a:ext cx="6299640" cy="1619640"/>
           </a:xfrm>
           <a:prstGeom prst="rect">
             <a:avLst/>
@@ -4161,11 +3835,8 @@
             <a:normAutofit/>
           </a:bodyPr>
           <a:p>
-            <a:endParaRPr b="0" lang="en-US" sz="1500" spc="-1" strike="noStrike">
-              <a:solidFill>
-                <a:srgbClr val="ffffff"/>
-              </a:solidFill>
-              <a:latin typeface="Noto Sans"/>
+            <a:endParaRPr b="0" lang="en-US" sz="3200" spc="-1" strike="noStrike">
+              <a:latin typeface="Arial"/>
             </a:endParaRPr>
           </a:p>
         </p:txBody>
@@ -4177,7 +3848,7 @@
             <a:spLocks noGrp="1"/>
           </p:cNvSpPr>
           <p:nvPr>
-            <p:ph type="ftr" idx="2"/>
+            <p:ph type="ftr" idx="1"/>
           </p:nvPr>
         </p:nvSpPr>
         <p:spPr/>
@@ -4197,7 +3868,27 @@
             <a:spLocks noGrp="1"/>
           </p:cNvSpPr>
           <p:nvPr>
-            <p:ph type="dt" idx="1"/>
+            <p:ph type="sldNum" idx="2"/>
+          </p:nvPr>
+        </p:nvSpPr>
+        <p:spPr/>
+        <p:txBody>
+          <a:bodyPr/>
+          <a:p>
+            <a:fld id="{8989B5A2-B294-4018-B35A-1D95E468A170}" type="slidenum">
+              <a:t>&lt;#&gt;</a:t>
+            </a:fld>
+          </a:p>
+        </p:txBody>
+      </p:sp>
+      <p:sp>
+        <p:nvSpPr>
+          <p:cNvPr id="6" name="PlaceHolder 5"/>
+          <p:cNvSpPr>
+            <a:spLocks noGrp="1"/>
+          </p:cNvSpPr>
+          <p:nvPr>
+            <p:ph type="dt" idx="3"/>
           </p:nvPr>
         </p:nvSpPr>
         <p:spPr/>
@@ -4246,7 +3937,7 @@
         <p:spPr>
           <a:xfrm>
             <a:off x="2700000" y="1485000"/>
-            <a:ext cx="4680000" cy="7510680"/>
+            <a:ext cx="4679640" cy="7508880"/>
           </a:xfrm>
           <a:prstGeom prst="rect">
             <a:avLst/>
@@ -4264,11 +3955,8 @@
             <a:pPr algn="ctr">
               <a:buNone/>
             </a:pPr>
-            <a:endParaRPr b="0" lang="en-US" sz="2200" spc="-1" strike="noStrike">
-              <a:solidFill>
-                <a:srgbClr val="ffffff"/>
-              </a:solidFill>
-              <a:latin typeface="Noto Sans"/>
+            <a:endParaRPr b="0" lang="en-US" sz="3200" spc="-1" strike="noStrike">
+              <a:latin typeface="Arial"/>
             </a:endParaRPr>
           </a:p>
         </p:txBody>
@@ -4280,7 +3968,7 @@
             <a:spLocks noGrp="1"/>
           </p:cNvSpPr>
           <p:nvPr>
-            <p:ph type="ftr" idx="7"/>
+            <p:ph type="ftr" idx="6"/>
           </p:nvPr>
         </p:nvSpPr>
         <p:spPr/>
@@ -4300,14 +3988,14 @@
             <a:spLocks noGrp="1"/>
           </p:cNvSpPr>
           <p:nvPr>
-            <p:ph type="sldNum" idx="8"/>
+            <p:ph type="sldNum" idx="7"/>
           </p:nvPr>
         </p:nvSpPr>
         <p:spPr/>
         <p:txBody>
           <a:bodyPr/>
           <a:p>
-            <a:fld id="{647DB31E-9B9A-4A16-BACF-4AF14EB1A215}" type="slidenum">
+            <a:fld id="{693A5AF2-B5AA-471C-A14A-6E348A30C04B}" type="slidenum">
               <a:t>&lt;#&gt;</a:t>
             </a:fld>
           </a:p>
@@ -4320,7 +4008,7 @@
             <a:spLocks noGrp="1"/>
           </p:cNvSpPr>
           <p:nvPr>
-            <p:ph type="dt" idx="6"/>
+            <p:ph type="dt" idx="8"/>
           </p:nvPr>
         </p:nvSpPr>
         <p:spPr/>
@@ -4369,7 +4057,7 @@
         <p:spPr>
           <a:xfrm>
             <a:off x="2700000" y="1485000"/>
-            <a:ext cx="4680000" cy="1620000"/>
+            <a:ext cx="4679640" cy="1619640"/>
           </a:xfrm>
           <a:prstGeom prst="rect">
             <a:avLst/>
@@ -4380,18 +4068,15 @@
           </a:ln>
         </p:spPr>
         <p:txBody>
-          <a:bodyPr lIns="0" rIns="0" tIns="0" bIns="0" anchor="ctr" anchorCtr="1">
+          <a:bodyPr lIns="0" rIns="0" tIns="0" bIns="0" anchor="ctr">
             <a:noAutofit/>
           </a:bodyPr>
           <a:p>
             <a:pPr algn="ctr">
               <a:buNone/>
             </a:pPr>
-            <a:endParaRPr b="1" lang="en-US" sz="2700" spc="-1" strike="noStrike">
-              <a:solidFill>
-                <a:srgbClr val="2c3e50"/>
-              </a:solidFill>
-              <a:latin typeface="Noto Sans"/>
+            <a:endParaRPr b="0" lang="en-US" sz="4400" spc="-1" strike="noStrike">
+              <a:latin typeface="Arial"/>
             </a:endParaRPr>
           </a:p>
         </p:txBody>
@@ -4421,14 +4106,11 @@
         </p:spPr>
         <p:txBody>
           <a:bodyPr lIns="0" rIns="0" tIns="0" bIns="0" anchor="t">
-            <a:normAutofit/>
-          </a:bodyPr>
-          <a:p>
-            <a:endParaRPr b="0" lang="en-US" sz="1500" spc="-1" strike="noStrike">
-              <a:solidFill>
-                <a:srgbClr val="ffffff"/>
-              </a:solidFill>
-              <a:latin typeface="Noto Sans"/>
+            <a:normAutofit fontScale="88000"/>
+          </a:bodyPr>
+          <a:p>
+            <a:endParaRPr b="0" lang="en-US" sz="3200" spc="-1" strike="noStrike">
+              <a:latin typeface="Arial"/>
             </a:endParaRPr>
           </a:p>
         </p:txBody>
@@ -4446,7 +4128,7 @@
         <p:spPr>
           <a:xfrm>
             <a:off x="6648120" y="3240000"/>
-            <a:ext cx="3074040" cy="1620000"/>
+            <a:ext cx="3074040" cy="1619640"/>
           </a:xfrm>
           <a:prstGeom prst="rect">
             <a:avLst/>
@@ -4461,11 +4143,8 @@
             <a:normAutofit/>
           </a:bodyPr>
           <a:p>
-            <a:endParaRPr b="0" lang="en-US" sz="1500" spc="-1" strike="noStrike">
-              <a:solidFill>
-                <a:srgbClr val="ffffff"/>
-              </a:solidFill>
-              <a:latin typeface="Noto Sans"/>
+            <a:endParaRPr b="0" lang="en-US" sz="3200" spc="-1" strike="noStrike">
+              <a:latin typeface="Arial"/>
             </a:endParaRPr>
           </a:p>
         </p:txBody>
@@ -4495,14 +4174,11 @@
         </p:spPr>
         <p:txBody>
           <a:bodyPr lIns="0" rIns="0" tIns="0" bIns="0" anchor="t">
-            <a:normAutofit/>
-          </a:bodyPr>
-          <a:p>
-            <a:endParaRPr b="0" lang="en-US" sz="1500" spc="-1" strike="noStrike">
-              <a:solidFill>
-                <a:srgbClr val="ffffff"/>
-              </a:solidFill>
-              <a:latin typeface="Noto Sans"/>
+            <a:normAutofit fontScale="88000"/>
+          </a:bodyPr>
+          <a:p>
+            <a:endParaRPr b="0" lang="en-US" sz="3200" spc="-1" strike="noStrike">
+              <a:latin typeface="Arial"/>
             </a:endParaRPr>
           </a:p>
         </p:txBody>
@@ -4514,7 +4190,7 @@
             <a:spLocks noGrp="1"/>
           </p:cNvSpPr>
           <p:nvPr>
-            <p:ph type="ftr" idx="7"/>
+            <p:ph type="ftr" idx="6"/>
           </p:nvPr>
         </p:nvSpPr>
         <p:spPr/>
@@ -4534,14 +4210,14 @@
             <a:spLocks noGrp="1"/>
           </p:cNvSpPr>
           <p:nvPr>
-            <p:ph type="sldNum" idx="8"/>
+            <p:ph type="sldNum" idx="7"/>
           </p:nvPr>
         </p:nvSpPr>
         <p:spPr/>
         <p:txBody>
           <a:bodyPr/>
           <a:p>
-            <a:fld id="{7DA7751F-8E5C-4A8B-A8B9-666C57C0356F}" type="slidenum">
+            <a:fld id="{C7033EE9-69D6-48E3-A31A-C5501FD016DA}" type="slidenum">
               <a:t>&lt;#&gt;</a:t>
             </a:fld>
           </a:p>
@@ -4554,7 +4230,7 @@
             <a:spLocks noGrp="1"/>
           </p:cNvSpPr>
           <p:nvPr>
-            <p:ph type="dt" idx="6"/>
+            <p:ph type="dt" idx="8"/>
           </p:nvPr>
         </p:nvSpPr>
         <p:spPr/>
@@ -4603,7 +4279,7 @@
         <p:spPr>
           <a:xfrm>
             <a:off x="2700000" y="1485000"/>
-            <a:ext cx="4680000" cy="1620000"/>
+            <a:ext cx="4679640" cy="1619640"/>
           </a:xfrm>
           <a:prstGeom prst="rect">
             <a:avLst/>
@@ -4614,18 +4290,15 @@
           </a:ln>
         </p:spPr>
         <p:txBody>
-          <a:bodyPr lIns="0" rIns="0" tIns="0" bIns="0" anchor="ctr" anchorCtr="1">
+          <a:bodyPr lIns="0" rIns="0" tIns="0" bIns="0" anchor="ctr">
             <a:noAutofit/>
           </a:bodyPr>
           <a:p>
             <a:pPr algn="ctr">
               <a:buNone/>
             </a:pPr>
-            <a:endParaRPr b="1" lang="en-US" sz="2700" spc="-1" strike="noStrike">
-              <a:solidFill>
-                <a:srgbClr val="2c3e50"/>
-              </a:solidFill>
-              <a:latin typeface="Noto Sans"/>
+            <a:endParaRPr b="0" lang="en-US" sz="4400" spc="-1" strike="noStrike">
+              <a:latin typeface="Arial"/>
             </a:endParaRPr>
           </a:p>
         </p:txBody>
@@ -4643,7 +4316,7 @@
         <p:spPr>
           <a:xfrm>
             <a:off x="3420000" y="3240000"/>
-            <a:ext cx="3074040" cy="1620000"/>
+            <a:ext cx="3074040" cy="1619640"/>
           </a:xfrm>
           <a:prstGeom prst="rect">
             <a:avLst/>
@@ -4658,11 +4331,8 @@
             <a:normAutofit/>
           </a:bodyPr>
           <a:p>
-            <a:endParaRPr b="0" lang="en-US" sz="1500" spc="-1" strike="noStrike">
-              <a:solidFill>
-                <a:srgbClr val="ffffff"/>
-              </a:solidFill>
-              <a:latin typeface="Noto Sans"/>
+            <a:endParaRPr b="0" lang="en-US" sz="3200" spc="-1" strike="noStrike">
+              <a:latin typeface="Arial"/>
             </a:endParaRPr>
           </a:p>
         </p:txBody>
@@ -4692,14 +4362,11 @@
         </p:spPr>
         <p:txBody>
           <a:bodyPr lIns="0" rIns="0" tIns="0" bIns="0" anchor="t">
-            <a:normAutofit/>
-          </a:bodyPr>
-          <a:p>
-            <a:endParaRPr b="0" lang="en-US" sz="1500" spc="-1" strike="noStrike">
-              <a:solidFill>
-                <a:srgbClr val="ffffff"/>
-              </a:solidFill>
-              <a:latin typeface="Noto Sans"/>
+            <a:normAutofit fontScale="88000"/>
+          </a:bodyPr>
+          <a:p>
+            <a:endParaRPr b="0" lang="en-US" sz="3200" spc="-1" strike="noStrike">
+              <a:latin typeface="Arial"/>
             </a:endParaRPr>
           </a:p>
         </p:txBody>
@@ -4729,14 +4396,11 @@
         </p:spPr>
         <p:txBody>
           <a:bodyPr lIns="0" rIns="0" tIns="0" bIns="0" anchor="t">
-            <a:normAutofit/>
-          </a:bodyPr>
-          <a:p>
-            <a:endParaRPr b="0" lang="en-US" sz="1500" spc="-1" strike="noStrike">
-              <a:solidFill>
-                <a:srgbClr val="ffffff"/>
-              </a:solidFill>
-              <a:latin typeface="Noto Sans"/>
+            <a:normAutofit fontScale="88000"/>
+          </a:bodyPr>
+          <a:p>
+            <a:endParaRPr b="0" lang="en-US" sz="3200" spc="-1" strike="noStrike">
+              <a:latin typeface="Arial"/>
             </a:endParaRPr>
           </a:p>
         </p:txBody>
@@ -4748,7 +4412,7 @@
             <a:spLocks noGrp="1"/>
           </p:cNvSpPr>
           <p:nvPr>
-            <p:ph type="ftr" idx="7"/>
+            <p:ph type="ftr" idx="6"/>
           </p:nvPr>
         </p:nvSpPr>
         <p:spPr/>
@@ -4768,14 +4432,14 @@
             <a:spLocks noGrp="1"/>
           </p:cNvSpPr>
           <p:nvPr>
-            <p:ph type="sldNum" idx="8"/>
+            <p:ph type="sldNum" idx="7"/>
           </p:nvPr>
         </p:nvSpPr>
         <p:spPr/>
         <p:txBody>
           <a:bodyPr/>
           <a:p>
-            <a:fld id="{DFD45E21-C742-4B05-9037-B286A4F0C0F3}" type="slidenum">
+            <a:fld id="{63288FB5-F992-4939-84A8-532B1363E2DD}" type="slidenum">
               <a:t>&lt;#&gt;</a:t>
             </a:fld>
           </a:p>
@@ -4788,7 +4452,7 @@
             <a:spLocks noGrp="1"/>
           </p:cNvSpPr>
           <p:nvPr>
-            <p:ph type="dt" idx="6"/>
+            <p:ph type="dt" idx="8"/>
           </p:nvPr>
         </p:nvSpPr>
         <p:spPr/>
@@ -4837,7 +4501,7 @@
         <p:spPr>
           <a:xfrm>
             <a:off x="2700000" y="1485000"/>
-            <a:ext cx="4680000" cy="1620000"/>
+            <a:ext cx="4679640" cy="1619640"/>
           </a:xfrm>
           <a:prstGeom prst="rect">
             <a:avLst/>
@@ -4848,18 +4512,15 @@
           </a:ln>
         </p:spPr>
         <p:txBody>
-          <a:bodyPr lIns="0" rIns="0" tIns="0" bIns="0" anchor="ctr" anchorCtr="1">
+          <a:bodyPr lIns="0" rIns="0" tIns="0" bIns="0" anchor="ctr">
             <a:noAutofit/>
           </a:bodyPr>
           <a:p>
             <a:pPr algn="ctr">
               <a:buNone/>
             </a:pPr>
-            <a:endParaRPr b="1" lang="en-US" sz="2700" spc="-1" strike="noStrike">
-              <a:solidFill>
-                <a:srgbClr val="2c3e50"/>
-              </a:solidFill>
-              <a:latin typeface="Noto Sans"/>
+            <a:endParaRPr b="0" lang="en-US" sz="4400" spc="-1" strike="noStrike">
+              <a:latin typeface="Arial"/>
             </a:endParaRPr>
           </a:p>
         </p:txBody>
@@ -4889,14 +4550,11 @@
         </p:spPr>
         <p:txBody>
           <a:bodyPr lIns="0" rIns="0" tIns="0" bIns="0" anchor="t">
-            <a:normAutofit/>
-          </a:bodyPr>
-          <a:p>
-            <a:endParaRPr b="0" lang="en-US" sz="1500" spc="-1" strike="noStrike">
-              <a:solidFill>
-                <a:srgbClr val="ffffff"/>
-              </a:solidFill>
-              <a:latin typeface="Noto Sans"/>
+            <a:normAutofit fontScale="88000"/>
+          </a:bodyPr>
+          <a:p>
+            <a:endParaRPr b="0" lang="en-US" sz="3200" spc="-1" strike="noStrike">
+              <a:latin typeface="Arial"/>
             </a:endParaRPr>
           </a:p>
         </p:txBody>
@@ -4926,14 +4584,11 @@
         </p:spPr>
         <p:txBody>
           <a:bodyPr lIns="0" rIns="0" tIns="0" bIns="0" anchor="t">
-            <a:normAutofit/>
-          </a:bodyPr>
-          <a:p>
-            <a:endParaRPr b="0" lang="en-US" sz="1500" spc="-1" strike="noStrike">
-              <a:solidFill>
-                <a:srgbClr val="ffffff"/>
-              </a:solidFill>
-              <a:latin typeface="Noto Sans"/>
+            <a:normAutofit fontScale="88000"/>
+          </a:bodyPr>
+          <a:p>
+            <a:endParaRPr b="0" lang="en-US" sz="3200" spc="-1" strike="noStrike">
+              <a:latin typeface="Arial"/>
             </a:endParaRPr>
           </a:p>
         </p:txBody>
@@ -4951,7 +4606,7 @@
         <p:spPr>
           <a:xfrm>
             <a:off x="3420000" y="4086360"/>
-            <a:ext cx="6300000" cy="772560"/>
+            <a:ext cx="6299640" cy="772560"/>
           </a:xfrm>
           <a:prstGeom prst="rect">
             <a:avLst/>
@@ -4966,11 +4621,8 @@
             <a:normAutofit/>
           </a:bodyPr>
           <a:p>
-            <a:endParaRPr b="0" lang="en-US" sz="1500" spc="-1" strike="noStrike">
-              <a:solidFill>
-                <a:srgbClr val="ffffff"/>
-              </a:solidFill>
-              <a:latin typeface="Noto Sans"/>
+            <a:endParaRPr b="0" lang="en-US" sz="3200" spc="-1" strike="noStrike">
+              <a:latin typeface="Arial"/>
             </a:endParaRPr>
           </a:p>
         </p:txBody>
@@ -4982,7 +4634,7 @@
             <a:spLocks noGrp="1"/>
           </p:cNvSpPr>
           <p:nvPr>
-            <p:ph type="ftr" idx="7"/>
+            <p:ph type="ftr" idx="6"/>
           </p:nvPr>
         </p:nvSpPr>
         <p:spPr/>
@@ -5002,14 +4654,14 @@
             <a:spLocks noGrp="1"/>
           </p:cNvSpPr>
           <p:nvPr>
-            <p:ph type="sldNum" idx="8"/>
+            <p:ph type="sldNum" idx="7"/>
           </p:nvPr>
         </p:nvSpPr>
         <p:spPr/>
         <p:txBody>
           <a:bodyPr/>
           <a:p>
-            <a:fld id="{2FF5E680-1A98-4002-883F-D35E92FD7A04}" type="slidenum">
+            <a:fld id="{3629BB18-0F1C-4C44-BE7B-AF529940BE0F}" type="slidenum">
               <a:t>&lt;#&gt;</a:t>
             </a:fld>
           </a:p>
@@ -5022,7 +4674,7 @@
             <a:spLocks noGrp="1"/>
           </p:cNvSpPr>
           <p:nvPr>
-            <p:ph type="dt" idx="6"/>
+            <p:ph type="dt" idx="8"/>
           </p:nvPr>
         </p:nvSpPr>
         <p:spPr/>
@@ -5071,7 +4723,7 @@
         <p:spPr>
           <a:xfrm>
             <a:off x="2700000" y="1485000"/>
-            <a:ext cx="4680000" cy="1620000"/>
+            <a:ext cx="4679640" cy="1619640"/>
           </a:xfrm>
           <a:prstGeom prst="rect">
             <a:avLst/>
@@ -5082,18 +4734,15 @@
           </a:ln>
         </p:spPr>
         <p:txBody>
-          <a:bodyPr lIns="0" rIns="0" tIns="0" bIns="0" anchor="ctr" anchorCtr="1">
+          <a:bodyPr lIns="0" rIns="0" tIns="0" bIns="0" anchor="ctr">
             <a:noAutofit/>
           </a:bodyPr>
           <a:p>
             <a:pPr algn="ctr">
               <a:buNone/>
             </a:pPr>
-            <a:endParaRPr b="1" lang="en-US" sz="2700" spc="-1" strike="noStrike">
-              <a:solidFill>
-                <a:srgbClr val="2c3e50"/>
-              </a:solidFill>
-              <a:latin typeface="Noto Sans"/>
+            <a:endParaRPr b="0" lang="en-US" sz="4400" spc="-1" strike="noStrike">
+              <a:latin typeface="Arial"/>
             </a:endParaRPr>
           </a:p>
         </p:txBody>
@@ -5111,7 +4760,7 @@
         <p:spPr>
           <a:xfrm>
             <a:off x="3420000" y="3240000"/>
-            <a:ext cx="6300000" cy="772560"/>
+            <a:ext cx="6299640" cy="772560"/>
           </a:xfrm>
           <a:prstGeom prst="rect">
             <a:avLst/>
@@ -5126,11 +4775,8 @@
             <a:normAutofit/>
           </a:bodyPr>
           <a:p>
-            <a:endParaRPr b="0" lang="en-US" sz="1500" spc="-1" strike="noStrike">
-              <a:solidFill>
-                <a:srgbClr val="ffffff"/>
-              </a:solidFill>
-              <a:latin typeface="Noto Sans"/>
+            <a:endParaRPr b="0" lang="en-US" sz="3200" spc="-1" strike="noStrike">
+              <a:latin typeface="Arial"/>
             </a:endParaRPr>
           </a:p>
         </p:txBody>
@@ -5148,7 +4794,7 @@
         <p:spPr>
           <a:xfrm>
             <a:off x="3420000" y="4086360"/>
-            <a:ext cx="6300000" cy="772560"/>
+            <a:ext cx="6299640" cy="772560"/>
           </a:xfrm>
           <a:prstGeom prst="rect">
             <a:avLst/>
@@ -5163,11 +4809,8 @@
             <a:normAutofit/>
           </a:bodyPr>
           <a:p>
-            <a:endParaRPr b="0" lang="en-US" sz="1500" spc="-1" strike="noStrike">
-              <a:solidFill>
-                <a:srgbClr val="ffffff"/>
-              </a:solidFill>
-              <a:latin typeface="Noto Sans"/>
+            <a:endParaRPr b="0" lang="en-US" sz="3200" spc="-1" strike="noStrike">
+              <a:latin typeface="Arial"/>
             </a:endParaRPr>
           </a:p>
         </p:txBody>
@@ -5179,7 +4822,7 @@
             <a:spLocks noGrp="1"/>
           </p:cNvSpPr>
           <p:nvPr>
-            <p:ph type="ftr" idx="7"/>
+            <p:ph type="ftr" idx="6"/>
           </p:nvPr>
         </p:nvSpPr>
         <p:spPr/>
@@ -5199,14 +4842,14 @@
             <a:spLocks noGrp="1"/>
           </p:cNvSpPr>
           <p:nvPr>
-            <p:ph type="sldNum" idx="8"/>
+            <p:ph type="sldNum" idx="7"/>
           </p:nvPr>
         </p:nvSpPr>
         <p:spPr/>
         <p:txBody>
           <a:bodyPr/>
           <a:p>
-            <a:fld id="{C51BFCE4-E1A5-42CB-A250-967423F3127E}" type="slidenum">
+            <a:fld id="{7B7B4649-2AC9-4F4F-A28A-DB03A03773AE}" type="slidenum">
               <a:t>&lt;#&gt;</a:t>
             </a:fld>
           </a:p>
@@ -5219,7 +4862,7 @@
             <a:spLocks noGrp="1"/>
           </p:cNvSpPr>
           <p:nvPr>
-            <p:ph type="dt" idx="6"/>
+            <p:ph type="dt" idx="8"/>
           </p:nvPr>
         </p:nvSpPr>
         <p:spPr/>
@@ -5268,7 +4911,7 @@
         <p:spPr>
           <a:xfrm>
             <a:off x="2700000" y="1485000"/>
-            <a:ext cx="4680000" cy="1620000"/>
+            <a:ext cx="4679640" cy="1619640"/>
           </a:xfrm>
           <a:prstGeom prst="rect">
             <a:avLst/>
@@ -5279,18 +4922,15 @@
           </a:ln>
         </p:spPr>
         <p:txBody>
-          <a:bodyPr lIns="0" rIns="0" tIns="0" bIns="0" anchor="ctr" anchorCtr="1">
+          <a:bodyPr lIns="0" rIns="0" tIns="0" bIns="0" anchor="ctr">
             <a:noAutofit/>
           </a:bodyPr>
           <a:p>
             <a:pPr algn="ctr">
               <a:buNone/>
             </a:pPr>
-            <a:endParaRPr b="1" lang="en-US" sz="2700" spc="-1" strike="noStrike">
-              <a:solidFill>
-                <a:srgbClr val="2c3e50"/>
-              </a:solidFill>
-              <a:latin typeface="Noto Sans"/>
+            <a:endParaRPr b="0" lang="en-US" sz="4400" spc="-1" strike="noStrike">
+              <a:latin typeface="Arial"/>
             </a:endParaRPr>
           </a:p>
         </p:txBody>
@@ -5320,14 +4960,11 @@
         </p:spPr>
         <p:txBody>
           <a:bodyPr lIns="0" rIns="0" tIns="0" bIns="0" anchor="t">
-            <a:normAutofit/>
-          </a:bodyPr>
-          <a:p>
-            <a:endParaRPr b="0" lang="en-US" sz="1500" spc="-1" strike="noStrike">
-              <a:solidFill>
-                <a:srgbClr val="ffffff"/>
-              </a:solidFill>
-              <a:latin typeface="Noto Sans"/>
+            <a:normAutofit fontScale="88000"/>
+          </a:bodyPr>
+          <a:p>
+            <a:endParaRPr b="0" lang="en-US" sz="3200" spc="-1" strike="noStrike">
+              <a:latin typeface="Arial"/>
             </a:endParaRPr>
           </a:p>
         </p:txBody>
@@ -5357,14 +4994,11 @@
         </p:spPr>
         <p:txBody>
           <a:bodyPr lIns="0" rIns="0" tIns="0" bIns="0" anchor="t">
-            <a:normAutofit/>
-          </a:bodyPr>
-          <a:p>
-            <a:endParaRPr b="0" lang="en-US" sz="1500" spc="-1" strike="noStrike">
-              <a:solidFill>
-                <a:srgbClr val="ffffff"/>
-              </a:solidFill>
-              <a:latin typeface="Noto Sans"/>
+            <a:normAutofit fontScale="88000"/>
+          </a:bodyPr>
+          <a:p>
+            <a:endParaRPr b="0" lang="en-US" sz="3200" spc="-1" strike="noStrike">
+              <a:latin typeface="Arial"/>
             </a:endParaRPr>
           </a:p>
         </p:txBody>
@@ -5394,14 +5028,11 @@
         </p:spPr>
         <p:txBody>
           <a:bodyPr lIns="0" rIns="0" tIns="0" bIns="0" anchor="t">
-            <a:normAutofit/>
-          </a:bodyPr>
-          <a:p>
-            <a:endParaRPr b="0" lang="en-US" sz="1500" spc="-1" strike="noStrike">
-              <a:solidFill>
-                <a:srgbClr val="ffffff"/>
-              </a:solidFill>
-              <a:latin typeface="Noto Sans"/>
+            <a:normAutofit fontScale="88000"/>
+          </a:bodyPr>
+          <a:p>
+            <a:endParaRPr b="0" lang="en-US" sz="3200" spc="-1" strike="noStrike">
+              <a:latin typeface="Arial"/>
             </a:endParaRPr>
           </a:p>
         </p:txBody>
@@ -5431,14 +5062,11 @@
         </p:spPr>
         <p:txBody>
           <a:bodyPr lIns="0" rIns="0" tIns="0" bIns="0" anchor="t">
-            <a:normAutofit/>
-          </a:bodyPr>
-          <a:p>
-            <a:endParaRPr b="0" lang="en-US" sz="1500" spc="-1" strike="noStrike">
-              <a:solidFill>
-                <a:srgbClr val="ffffff"/>
-              </a:solidFill>
-              <a:latin typeface="Noto Sans"/>
+            <a:normAutofit fontScale="88000"/>
+          </a:bodyPr>
+          <a:p>
+            <a:endParaRPr b="0" lang="en-US" sz="3200" spc="-1" strike="noStrike">
+              <a:latin typeface="Arial"/>
             </a:endParaRPr>
           </a:p>
         </p:txBody>
@@ -5450,7 +5078,7 @@
             <a:spLocks noGrp="1"/>
           </p:cNvSpPr>
           <p:nvPr>
-            <p:ph type="ftr" idx="7"/>
+            <p:ph type="ftr" idx="6"/>
           </p:nvPr>
         </p:nvSpPr>
         <p:spPr/>
@@ -5470,14 +5098,14 @@
             <a:spLocks noGrp="1"/>
           </p:cNvSpPr>
           <p:nvPr>
-            <p:ph type="sldNum" idx="8"/>
+            <p:ph type="sldNum" idx="7"/>
           </p:nvPr>
         </p:nvSpPr>
         <p:spPr/>
         <p:txBody>
           <a:bodyPr/>
           <a:p>
-            <a:fld id="{98AB77CD-221F-494E-8FF4-FCEBE08EBE24}" type="slidenum">
+            <a:fld id="{1C11E534-DB9F-4A04-B4A4-E00094DEBB11}" type="slidenum">
               <a:t>&lt;#&gt;</a:t>
             </a:fld>
           </a:p>
@@ -5490,7 +5118,7 @@
             <a:spLocks noGrp="1"/>
           </p:cNvSpPr>
           <p:nvPr>
-            <p:ph type="dt" idx="6"/>
+            <p:ph type="dt" idx="8"/>
           </p:nvPr>
         </p:nvSpPr>
         <p:spPr/>
@@ -5539,7 +5167,7 @@
         <p:spPr>
           <a:xfrm>
             <a:off x="2700000" y="1485000"/>
-            <a:ext cx="4680000" cy="1620000"/>
+            <a:ext cx="4679640" cy="1619640"/>
           </a:xfrm>
           <a:prstGeom prst="rect">
             <a:avLst/>
@@ -5550,18 +5178,15 @@
           </a:ln>
         </p:spPr>
         <p:txBody>
-          <a:bodyPr lIns="0" rIns="0" tIns="0" bIns="0" anchor="ctr" anchorCtr="1">
+          <a:bodyPr lIns="0" rIns="0" tIns="0" bIns="0" anchor="ctr">
             <a:noAutofit/>
           </a:bodyPr>
           <a:p>
             <a:pPr algn="ctr">
               <a:buNone/>
             </a:pPr>
-            <a:endParaRPr b="1" lang="en-US" sz="2700" spc="-1" strike="noStrike">
-              <a:solidFill>
-                <a:srgbClr val="2c3e50"/>
-              </a:solidFill>
-              <a:latin typeface="Noto Sans"/>
+            <a:endParaRPr b="0" lang="en-US" sz="4400" spc="-1" strike="noStrike">
+              <a:latin typeface="Arial"/>
             </a:endParaRPr>
           </a:p>
         </p:txBody>
@@ -5591,14 +5216,11 @@
         </p:spPr>
         <p:txBody>
           <a:bodyPr lIns="0" rIns="0" tIns="0" bIns="0" anchor="t">
-            <a:normAutofit/>
-          </a:bodyPr>
-          <a:p>
-            <a:endParaRPr b="0" lang="en-US" sz="1500" spc="-1" strike="noStrike">
-              <a:solidFill>
-                <a:srgbClr val="ffffff"/>
-              </a:solidFill>
-              <a:latin typeface="Noto Sans"/>
+            <a:normAutofit fontScale="85000"/>
+          </a:bodyPr>
+          <a:p>
+            <a:endParaRPr b="0" lang="en-US" sz="3200" spc="-1" strike="noStrike">
+              <a:latin typeface="Arial"/>
             </a:endParaRPr>
           </a:p>
         </p:txBody>
@@ -5628,14 +5250,11 @@
         </p:spPr>
         <p:txBody>
           <a:bodyPr lIns="0" rIns="0" tIns="0" bIns="0" anchor="t">
-            <a:normAutofit/>
-          </a:bodyPr>
-          <a:p>
-            <a:endParaRPr b="0" lang="en-US" sz="1500" spc="-1" strike="noStrike">
-              <a:solidFill>
-                <a:srgbClr val="ffffff"/>
-              </a:solidFill>
-              <a:latin typeface="Noto Sans"/>
+            <a:normAutofit fontScale="85000"/>
+          </a:bodyPr>
+          <a:p>
+            <a:endParaRPr b="0" lang="en-US" sz="3200" spc="-1" strike="noStrike">
+              <a:latin typeface="Arial"/>
             </a:endParaRPr>
           </a:p>
         </p:txBody>
@@ -5665,14 +5284,11 @@
         </p:spPr>
         <p:txBody>
           <a:bodyPr lIns="0" rIns="0" tIns="0" bIns="0" anchor="t">
-            <a:normAutofit/>
-          </a:bodyPr>
-          <a:p>
-            <a:endParaRPr b="0" lang="en-US" sz="1500" spc="-1" strike="noStrike">
-              <a:solidFill>
-                <a:srgbClr val="ffffff"/>
-              </a:solidFill>
-              <a:latin typeface="Noto Sans"/>
+            <a:normAutofit fontScale="85000"/>
+          </a:bodyPr>
+          <a:p>
+            <a:endParaRPr b="0" lang="en-US" sz="3200" spc="-1" strike="noStrike">
+              <a:latin typeface="Arial"/>
             </a:endParaRPr>
           </a:p>
         </p:txBody>
@@ -5702,14 +5318,11 @@
         </p:spPr>
         <p:txBody>
           <a:bodyPr lIns="0" rIns="0" tIns="0" bIns="0" anchor="t">
-            <a:normAutofit/>
-          </a:bodyPr>
-          <a:p>
-            <a:endParaRPr b="0" lang="en-US" sz="1500" spc="-1" strike="noStrike">
-              <a:solidFill>
-                <a:srgbClr val="ffffff"/>
-              </a:solidFill>
-              <a:latin typeface="Noto Sans"/>
+            <a:normAutofit fontScale="85000"/>
+          </a:bodyPr>
+          <a:p>
+            <a:endParaRPr b="0" lang="en-US" sz="3200" spc="-1" strike="noStrike">
+              <a:latin typeface="Arial"/>
             </a:endParaRPr>
           </a:p>
         </p:txBody>
@@ -5739,14 +5352,11 @@
         </p:spPr>
         <p:txBody>
           <a:bodyPr lIns="0" rIns="0" tIns="0" bIns="0" anchor="t">
-            <a:normAutofit/>
-          </a:bodyPr>
-          <a:p>
-            <a:endParaRPr b="0" lang="en-US" sz="1500" spc="-1" strike="noStrike">
-              <a:solidFill>
-                <a:srgbClr val="ffffff"/>
-              </a:solidFill>
-              <a:latin typeface="Noto Sans"/>
+            <a:normAutofit fontScale="85000"/>
+          </a:bodyPr>
+          <a:p>
+            <a:endParaRPr b="0" lang="en-US" sz="3200" spc="-1" strike="noStrike">
+              <a:latin typeface="Arial"/>
             </a:endParaRPr>
           </a:p>
         </p:txBody>
@@ -5776,14 +5386,11 @@
         </p:spPr>
         <p:txBody>
           <a:bodyPr lIns="0" rIns="0" tIns="0" bIns="0" anchor="t">
-            <a:normAutofit/>
-          </a:bodyPr>
-          <a:p>
-            <a:endParaRPr b="0" lang="en-US" sz="1500" spc="-1" strike="noStrike">
-              <a:solidFill>
-                <a:srgbClr val="ffffff"/>
-              </a:solidFill>
-              <a:latin typeface="Noto Sans"/>
+            <a:normAutofit fontScale="85000"/>
+          </a:bodyPr>
+          <a:p>
+            <a:endParaRPr b="0" lang="en-US" sz="3200" spc="-1" strike="noStrike">
+              <a:latin typeface="Arial"/>
             </a:endParaRPr>
           </a:p>
         </p:txBody>
@@ -5795,7 +5402,7 @@
             <a:spLocks noGrp="1"/>
           </p:cNvSpPr>
           <p:nvPr>
-            <p:ph type="ftr" idx="7"/>
+            <p:ph type="ftr" idx="6"/>
           </p:nvPr>
         </p:nvSpPr>
         <p:spPr/>
@@ -5815,14 +5422,14 @@
             <a:spLocks noGrp="1"/>
           </p:cNvSpPr>
           <p:nvPr>
-            <p:ph type="sldNum" idx="8"/>
+            <p:ph type="sldNum" idx="7"/>
           </p:nvPr>
         </p:nvSpPr>
         <p:spPr/>
         <p:txBody>
           <a:bodyPr/>
           <a:p>
-            <a:fld id="{68012F81-529B-47B4-B45E-F0ABABEC675A}" type="slidenum">
+            <a:fld id="{7430BEC2-D779-46E9-9104-D300C5B3A8AF}" type="slidenum">
               <a:t>&lt;#&gt;</a:t>
             </a:fld>
           </a:p>
@@ -5835,7 +5442,7 @@
             <a:spLocks noGrp="1"/>
           </p:cNvSpPr>
           <p:nvPr>
-            <p:ph type="dt" idx="6"/>
+            <p:ph type="dt" idx="8"/>
           </p:nvPr>
         </p:nvSpPr>
         <p:spPr/>
@@ -5873,7 +5480,7 @@
       </p:grpSpPr>
       <p:sp>
         <p:nvSpPr>
-          <p:cNvPr id="12" name="PlaceHolder 1"/>
+          <p:cNvPr id="11" name="PlaceHolder 1"/>
           <p:cNvSpPr>
             <a:spLocks noGrp="1"/>
           </p:cNvSpPr>
@@ -5884,7 +5491,7 @@
         <p:spPr>
           <a:xfrm>
             <a:off x="2700000" y="1485000"/>
-            <a:ext cx="4680000" cy="1620000"/>
+            <a:ext cx="4679640" cy="1619640"/>
           </a:xfrm>
           <a:prstGeom prst="rect">
             <a:avLst/>
@@ -5895,25 +5502,22 @@
           </a:ln>
         </p:spPr>
         <p:txBody>
-          <a:bodyPr lIns="0" rIns="0" tIns="0" bIns="0" anchor="ctr" anchorCtr="1">
+          <a:bodyPr lIns="0" rIns="0" tIns="0" bIns="0" anchor="ctr">
             <a:noAutofit/>
           </a:bodyPr>
           <a:p>
             <a:pPr algn="ctr">
               <a:buNone/>
             </a:pPr>
-            <a:endParaRPr b="1" lang="en-US" sz="2700" spc="-1" strike="noStrike">
-              <a:solidFill>
-                <a:srgbClr val="2c3e50"/>
-              </a:solidFill>
-              <a:latin typeface="Noto Sans"/>
-            </a:endParaRPr>
-          </a:p>
-        </p:txBody>
-      </p:sp>
-      <p:sp>
-        <p:nvSpPr>
-          <p:cNvPr id="13" name="PlaceHolder 2"/>
+            <a:endParaRPr b="0" lang="en-US" sz="4400" spc="-1" strike="noStrike">
+              <a:latin typeface="Arial"/>
+            </a:endParaRPr>
+          </a:p>
+        </p:txBody>
+      </p:sp>
+      <p:sp>
+        <p:nvSpPr>
+          <p:cNvPr id="12" name="PlaceHolder 2"/>
           <p:cNvSpPr>
             <a:spLocks noGrp="1"/>
           </p:cNvSpPr>
@@ -5924,7 +5528,7 @@
         <p:spPr>
           <a:xfrm>
             <a:off x="3420000" y="3240000"/>
-            <a:ext cx="3074040" cy="1620000"/>
+            <a:ext cx="3074040" cy="1619640"/>
           </a:xfrm>
           <a:prstGeom prst="rect">
             <a:avLst/>
@@ -5939,18 +5543,15 @@
             <a:normAutofit/>
           </a:bodyPr>
           <a:p>
-            <a:endParaRPr b="0" lang="en-US" sz="1500" spc="-1" strike="noStrike">
-              <a:solidFill>
-                <a:srgbClr val="ffffff"/>
-              </a:solidFill>
-              <a:latin typeface="Noto Sans"/>
-            </a:endParaRPr>
-          </a:p>
-        </p:txBody>
-      </p:sp>
-      <p:sp>
-        <p:nvSpPr>
-          <p:cNvPr id="14" name="PlaceHolder 3"/>
+            <a:endParaRPr b="0" lang="en-US" sz="3200" spc="-1" strike="noStrike">
+              <a:latin typeface="Arial"/>
+            </a:endParaRPr>
+          </a:p>
+        </p:txBody>
+      </p:sp>
+      <p:sp>
+        <p:nvSpPr>
+          <p:cNvPr id="13" name="PlaceHolder 3"/>
           <p:cNvSpPr>
             <a:spLocks noGrp="1"/>
           </p:cNvSpPr>
@@ -5961,7 +5562,7 @@
         <p:spPr>
           <a:xfrm>
             <a:off x="6648120" y="3240000"/>
-            <a:ext cx="3074040" cy="1620000"/>
+            <a:ext cx="3074040" cy="1619640"/>
           </a:xfrm>
           <a:prstGeom prst="rect">
             <a:avLst/>
@@ -5976,11 +5577,8 @@
             <a:normAutofit/>
           </a:bodyPr>
           <a:p>
-            <a:endParaRPr b="0" lang="en-US" sz="1500" spc="-1" strike="noStrike">
-              <a:solidFill>
-                <a:srgbClr val="ffffff"/>
-              </a:solidFill>
-              <a:latin typeface="Noto Sans"/>
+            <a:endParaRPr b="0" lang="en-US" sz="3200" spc="-1" strike="noStrike">
+              <a:latin typeface="Arial"/>
             </a:endParaRPr>
           </a:p>
         </p:txBody>
@@ -5992,7 +5590,7 @@
             <a:spLocks noGrp="1"/>
           </p:cNvSpPr>
           <p:nvPr>
-            <p:ph type="ftr" idx="2"/>
+            <p:ph type="ftr" idx="1"/>
           </p:nvPr>
         </p:nvSpPr>
         <p:spPr/>
@@ -6012,7 +5610,27 @@
             <a:spLocks noGrp="1"/>
           </p:cNvSpPr>
           <p:nvPr>
-            <p:ph type="dt" idx="1"/>
+            <p:ph type="sldNum" idx="2"/>
+          </p:nvPr>
+        </p:nvSpPr>
+        <p:spPr/>
+        <p:txBody>
+          <a:bodyPr/>
+          <a:p>
+            <a:fld id="{4921EECB-BF57-4150-AEC6-0EA089CFEB51}" type="slidenum">
+              <a:t>&lt;#&gt;</a:t>
+            </a:fld>
+          </a:p>
+        </p:txBody>
+      </p:sp>
+      <p:sp>
+        <p:nvSpPr>
+          <p:cNvPr id="7" name="PlaceHolder 6"/>
+          <p:cNvSpPr>
+            <a:spLocks noGrp="1"/>
+          </p:cNvSpPr>
+          <p:nvPr>
+            <p:ph type="dt" idx="3"/>
           </p:nvPr>
         </p:nvSpPr>
         <p:spPr/>
@@ -6050,7 +5668,7 @@
       </p:grpSpPr>
       <p:sp>
         <p:nvSpPr>
-          <p:cNvPr id="15" name="PlaceHolder 1"/>
+          <p:cNvPr id="14" name="PlaceHolder 1"/>
           <p:cNvSpPr>
             <a:spLocks noGrp="1"/>
           </p:cNvSpPr>
@@ -6061,7 +5679,7 @@
         <p:spPr>
           <a:xfrm>
             <a:off x="2700000" y="1485000"/>
-            <a:ext cx="4680000" cy="1620000"/>
+            <a:ext cx="4679640" cy="1619640"/>
           </a:xfrm>
           <a:prstGeom prst="rect">
             <a:avLst/>
@@ -6072,18 +5690,15 @@
           </a:ln>
         </p:spPr>
         <p:txBody>
-          <a:bodyPr lIns="0" rIns="0" tIns="0" bIns="0" anchor="ctr" anchorCtr="1">
+          <a:bodyPr lIns="0" rIns="0" tIns="0" bIns="0" anchor="ctr">
             <a:noAutofit/>
           </a:bodyPr>
           <a:p>
             <a:pPr algn="ctr">
               <a:buNone/>
             </a:pPr>
-            <a:endParaRPr b="1" lang="en-US" sz="2700" spc="-1" strike="noStrike">
-              <a:solidFill>
-                <a:srgbClr val="2c3e50"/>
-              </a:solidFill>
-              <a:latin typeface="Noto Sans"/>
+            <a:endParaRPr b="0" lang="en-US" sz="4400" spc="-1" strike="noStrike">
+              <a:latin typeface="Arial"/>
             </a:endParaRPr>
           </a:p>
         </p:txBody>
@@ -6095,7 +5710,7 @@
             <a:spLocks noGrp="1"/>
           </p:cNvSpPr>
           <p:nvPr>
-            <p:ph type="ftr" idx="2"/>
+            <p:ph type="ftr" idx="1"/>
           </p:nvPr>
         </p:nvSpPr>
         <p:spPr/>
@@ -6115,7 +5730,27 @@
             <a:spLocks noGrp="1"/>
           </p:cNvSpPr>
           <p:nvPr>
-            <p:ph type="dt" idx="1"/>
+            <p:ph type="sldNum" idx="2"/>
+          </p:nvPr>
+        </p:nvSpPr>
+        <p:spPr/>
+        <p:txBody>
+          <a:bodyPr/>
+          <a:p>
+            <a:fld id="{83C9F108-5B0A-47F7-A1CA-5C2111AEA055}" type="slidenum">
+              <a:t>&lt;#&gt;</a:t>
+            </a:fld>
+          </a:p>
+        </p:txBody>
+      </p:sp>
+      <p:sp>
+        <p:nvSpPr>
+          <p:cNvPr id="5" name="PlaceHolder 4"/>
+          <p:cNvSpPr>
+            <a:spLocks noGrp="1"/>
+          </p:cNvSpPr>
+          <p:nvPr>
+            <p:ph type="dt" idx="3"/>
           </p:nvPr>
         </p:nvSpPr>
         <p:spPr/>
@@ -6153,7 +5788,7 @@
       </p:grpSpPr>
       <p:sp>
         <p:nvSpPr>
-          <p:cNvPr id="16" name="PlaceHolder 1"/>
+          <p:cNvPr id="15" name="PlaceHolder 1"/>
           <p:cNvSpPr>
             <a:spLocks noGrp="1"/>
           </p:cNvSpPr>
@@ -6164,7 +5799,7 @@
         <p:spPr>
           <a:xfrm>
             <a:off x="2700000" y="1485000"/>
-            <a:ext cx="4680000" cy="7510680"/>
+            <a:ext cx="4679640" cy="7508880"/>
           </a:xfrm>
           <a:prstGeom prst="rect">
             <a:avLst/>
@@ -6182,11 +5817,8 @@
             <a:pPr algn="ctr">
               <a:buNone/>
             </a:pPr>
-            <a:endParaRPr b="0" lang="en-US" sz="2200" spc="-1" strike="noStrike">
-              <a:solidFill>
-                <a:srgbClr val="ffffff"/>
-              </a:solidFill>
-              <a:latin typeface="Noto Sans"/>
+            <a:endParaRPr b="0" lang="en-US" sz="3200" spc="-1" strike="noStrike">
+              <a:latin typeface="Arial"/>
             </a:endParaRPr>
           </a:p>
         </p:txBody>
@@ -6198,7 +5830,7 @@
             <a:spLocks noGrp="1"/>
           </p:cNvSpPr>
           <p:nvPr>
-            <p:ph type="ftr" idx="2"/>
+            <p:ph type="ftr" idx="1"/>
           </p:nvPr>
         </p:nvSpPr>
         <p:spPr/>
@@ -6218,7 +5850,27 @@
             <a:spLocks noGrp="1"/>
           </p:cNvSpPr>
           <p:nvPr>
-            <p:ph type="dt" idx="1"/>
+            <p:ph type="sldNum" idx="2"/>
+          </p:nvPr>
+        </p:nvSpPr>
+        <p:spPr/>
+        <p:txBody>
+          <a:bodyPr/>
+          <a:p>
+            <a:fld id="{8E60BEDD-8803-4048-B738-6CE5CBA0C86E}" type="slidenum">
+              <a:t>&lt;#&gt;</a:t>
+            </a:fld>
+          </a:p>
+        </p:txBody>
+      </p:sp>
+      <p:sp>
+        <p:nvSpPr>
+          <p:cNvPr id="5" name="PlaceHolder 4"/>
+          <p:cNvSpPr>
+            <a:spLocks noGrp="1"/>
+          </p:cNvSpPr>
+          <p:nvPr>
+            <p:ph type="dt" idx="3"/>
           </p:nvPr>
         </p:nvSpPr>
         <p:spPr/>
@@ -6256,7 +5908,7 @@
       </p:grpSpPr>
       <p:sp>
         <p:nvSpPr>
-          <p:cNvPr id="17" name="PlaceHolder 1"/>
+          <p:cNvPr id="16" name="PlaceHolder 1"/>
           <p:cNvSpPr>
             <a:spLocks noGrp="1"/>
           </p:cNvSpPr>
@@ -6267,7 +5919,7 @@
         <p:spPr>
           <a:xfrm>
             <a:off x="2700000" y="1485000"/>
-            <a:ext cx="4680000" cy="1620000"/>
+            <a:ext cx="4679640" cy="1619640"/>
           </a:xfrm>
           <a:prstGeom prst="rect">
             <a:avLst/>
@@ -6278,25 +5930,22 @@
           </a:ln>
         </p:spPr>
         <p:txBody>
-          <a:bodyPr lIns="0" rIns="0" tIns="0" bIns="0" anchor="ctr" anchorCtr="1">
+          <a:bodyPr lIns="0" rIns="0" tIns="0" bIns="0" anchor="ctr">
             <a:noAutofit/>
           </a:bodyPr>
           <a:p>
             <a:pPr algn="ctr">
               <a:buNone/>
             </a:pPr>
-            <a:endParaRPr b="1" lang="en-US" sz="2700" spc="-1" strike="noStrike">
-              <a:solidFill>
-                <a:srgbClr val="2c3e50"/>
-              </a:solidFill>
-              <a:latin typeface="Noto Sans"/>
-            </a:endParaRPr>
-          </a:p>
-        </p:txBody>
-      </p:sp>
-      <p:sp>
-        <p:nvSpPr>
-          <p:cNvPr id="18" name="PlaceHolder 2"/>
+            <a:endParaRPr b="0" lang="en-US" sz="4400" spc="-1" strike="noStrike">
+              <a:latin typeface="Arial"/>
+            </a:endParaRPr>
+          </a:p>
+        </p:txBody>
+      </p:sp>
+      <p:sp>
+        <p:nvSpPr>
+          <p:cNvPr id="17" name="PlaceHolder 2"/>
           <p:cNvSpPr>
             <a:spLocks noGrp="1"/>
           </p:cNvSpPr>
@@ -6319,21 +5968,18 @@
         </p:spPr>
         <p:txBody>
           <a:bodyPr lIns="0" rIns="0" tIns="0" bIns="0" anchor="t">
-            <a:normAutofit/>
-          </a:bodyPr>
-          <a:p>
-            <a:endParaRPr b="0" lang="en-US" sz="1500" spc="-1" strike="noStrike">
-              <a:solidFill>
-                <a:srgbClr val="ffffff"/>
-              </a:solidFill>
-              <a:latin typeface="Noto Sans"/>
-            </a:endParaRPr>
-          </a:p>
-        </p:txBody>
-      </p:sp>
-      <p:sp>
-        <p:nvSpPr>
-          <p:cNvPr id="19" name="PlaceHolder 3"/>
+            <a:normAutofit fontScale="88000"/>
+          </a:bodyPr>
+          <a:p>
+            <a:endParaRPr b="0" lang="en-US" sz="3200" spc="-1" strike="noStrike">
+              <a:latin typeface="Arial"/>
+            </a:endParaRPr>
+          </a:p>
+        </p:txBody>
+      </p:sp>
+      <p:sp>
+        <p:nvSpPr>
+          <p:cNvPr id="18" name="PlaceHolder 3"/>
           <p:cNvSpPr>
             <a:spLocks noGrp="1"/>
           </p:cNvSpPr>
@@ -6344,7 +5990,7 @@
         <p:spPr>
           <a:xfrm>
             <a:off x="6648120" y="3240000"/>
-            <a:ext cx="3074040" cy="1620000"/>
+            <a:ext cx="3074040" cy="1619640"/>
           </a:xfrm>
           <a:prstGeom prst="rect">
             <a:avLst/>
@@ -6359,18 +6005,15 @@
             <a:normAutofit/>
           </a:bodyPr>
           <a:p>
-            <a:endParaRPr b="0" lang="en-US" sz="1500" spc="-1" strike="noStrike">
-              <a:solidFill>
-                <a:srgbClr val="ffffff"/>
-              </a:solidFill>
-              <a:latin typeface="Noto Sans"/>
-            </a:endParaRPr>
-          </a:p>
-        </p:txBody>
-      </p:sp>
-      <p:sp>
-        <p:nvSpPr>
-          <p:cNvPr id="20" name="PlaceHolder 4"/>
+            <a:endParaRPr b="0" lang="en-US" sz="3200" spc="-1" strike="noStrike">
+              <a:latin typeface="Arial"/>
+            </a:endParaRPr>
+          </a:p>
+        </p:txBody>
+      </p:sp>
+      <p:sp>
+        <p:nvSpPr>
+          <p:cNvPr id="19" name="PlaceHolder 4"/>
           <p:cNvSpPr>
             <a:spLocks noGrp="1"/>
           </p:cNvSpPr>
@@ -6393,14 +6036,11 @@
         </p:spPr>
         <p:txBody>
           <a:bodyPr lIns="0" rIns="0" tIns="0" bIns="0" anchor="t">
-            <a:normAutofit/>
-          </a:bodyPr>
-          <a:p>
-            <a:endParaRPr b="0" lang="en-US" sz="1500" spc="-1" strike="noStrike">
-              <a:solidFill>
-                <a:srgbClr val="ffffff"/>
-              </a:solidFill>
-              <a:latin typeface="Noto Sans"/>
+            <a:normAutofit fontScale="88000"/>
+          </a:bodyPr>
+          <a:p>
+            <a:endParaRPr b="0" lang="en-US" sz="3200" spc="-1" strike="noStrike">
+              <a:latin typeface="Arial"/>
             </a:endParaRPr>
           </a:p>
         </p:txBody>
@@ -6412,7 +6052,7 @@
             <a:spLocks noGrp="1"/>
           </p:cNvSpPr>
           <p:nvPr>
-            <p:ph type="ftr" idx="2"/>
+            <p:ph type="ftr" idx="1"/>
           </p:nvPr>
         </p:nvSpPr>
         <p:spPr/>
@@ -6432,7 +6072,27 @@
             <a:spLocks noGrp="1"/>
           </p:cNvSpPr>
           <p:nvPr>
-            <p:ph type="dt" idx="1"/>
+            <p:ph type="sldNum" idx="2"/>
+          </p:nvPr>
+        </p:nvSpPr>
+        <p:spPr/>
+        <p:txBody>
+          <a:bodyPr/>
+          <a:p>
+            <a:fld id="{F4296AB8-50D8-43B5-A4E4-029B7A466814}" type="slidenum">
+              <a:t>&lt;#&gt;</a:t>
+            </a:fld>
+          </a:p>
+        </p:txBody>
+      </p:sp>
+      <p:sp>
+        <p:nvSpPr>
+          <p:cNvPr id="8" name="PlaceHolder 7"/>
+          <p:cNvSpPr>
+            <a:spLocks noGrp="1"/>
+          </p:cNvSpPr>
+          <p:nvPr>
+            <p:ph type="dt" idx="3"/>
           </p:nvPr>
         </p:nvSpPr>
         <p:spPr/>
@@ -6470,7 +6130,7 @@
       </p:grpSpPr>
       <p:sp>
         <p:nvSpPr>
-          <p:cNvPr id="21" name="PlaceHolder 1"/>
+          <p:cNvPr id="20" name="PlaceHolder 1"/>
           <p:cNvSpPr>
             <a:spLocks noGrp="1"/>
           </p:cNvSpPr>
@@ -6481,7 +6141,7 @@
         <p:spPr>
           <a:xfrm>
             <a:off x="2700000" y="1485000"/>
-            <a:ext cx="4680000" cy="1620000"/>
+            <a:ext cx="4679640" cy="1619640"/>
           </a:xfrm>
           <a:prstGeom prst="rect">
             <a:avLst/>
@@ -6492,25 +6152,22 @@
           </a:ln>
         </p:spPr>
         <p:txBody>
-          <a:bodyPr lIns="0" rIns="0" tIns="0" bIns="0" anchor="ctr" anchorCtr="1">
+          <a:bodyPr lIns="0" rIns="0" tIns="0" bIns="0" anchor="ctr">
             <a:noAutofit/>
           </a:bodyPr>
           <a:p>
             <a:pPr algn="ctr">
               <a:buNone/>
             </a:pPr>
-            <a:endParaRPr b="1" lang="en-US" sz="2700" spc="-1" strike="noStrike">
-              <a:solidFill>
-                <a:srgbClr val="2c3e50"/>
-              </a:solidFill>
-              <a:latin typeface="Noto Sans"/>
-            </a:endParaRPr>
-          </a:p>
-        </p:txBody>
-      </p:sp>
-      <p:sp>
-        <p:nvSpPr>
-          <p:cNvPr id="22" name="PlaceHolder 2"/>
+            <a:endParaRPr b="0" lang="en-US" sz="4400" spc="-1" strike="noStrike">
+              <a:latin typeface="Arial"/>
+            </a:endParaRPr>
+          </a:p>
+        </p:txBody>
+      </p:sp>
+      <p:sp>
+        <p:nvSpPr>
+          <p:cNvPr id="21" name="PlaceHolder 2"/>
           <p:cNvSpPr>
             <a:spLocks noGrp="1"/>
           </p:cNvSpPr>
@@ -6521,7 +6178,7 @@
         <p:spPr>
           <a:xfrm>
             <a:off x="3420000" y="3240000"/>
-            <a:ext cx="3074040" cy="1620000"/>
+            <a:ext cx="3074040" cy="1619640"/>
           </a:xfrm>
           <a:prstGeom prst="rect">
             <a:avLst/>
@@ -6536,18 +6193,15 @@
             <a:normAutofit/>
           </a:bodyPr>
           <a:p>
-            <a:endParaRPr b="0" lang="en-US" sz="1500" spc="-1" strike="noStrike">
-              <a:solidFill>
-                <a:srgbClr val="ffffff"/>
-              </a:solidFill>
-              <a:latin typeface="Noto Sans"/>
-            </a:endParaRPr>
-          </a:p>
-        </p:txBody>
-      </p:sp>
-      <p:sp>
-        <p:nvSpPr>
-          <p:cNvPr id="23" name="PlaceHolder 3"/>
+            <a:endParaRPr b="0" lang="en-US" sz="3200" spc="-1" strike="noStrike">
+              <a:latin typeface="Arial"/>
+            </a:endParaRPr>
+          </a:p>
+        </p:txBody>
+      </p:sp>
+      <p:sp>
+        <p:nvSpPr>
+          <p:cNvPr id="22" name="PlaceHolder 3"/>
           <p:cNvSpPr>
             <a:spLocks noGrp="1"/>
           </p:cNvSpPr>
@@ -6570,21 +6224,18 @@
         </p:spPr>
         <p:txBody>
           <a:bodyPr lIns="0" rIns="0" tIns="0" bIns="0" anchor="t">
-            <a:normAutofit/>
-          </a:bodyPr>
-          <a:p>
-            <a:endParaRPr b="0" lang="en-US" sz="1500" spc="-1" strike="noStrike">
-              <a:solidFill>
-                <a:srgbClr val="ffffff"/>
-              </a:solidFill>
-              <a:latin typeface="Noto Sans"/>
-            </a:endParaRPr>
-          </a:p>
-        </p:txBody>
-      </p:sp>
-      <p:sp>
-        <p:nvSpPr>
-          <p:cNvPr id="24" name="PlaceHolder 4"/>
+            <a:normAutofit fontScale="88000"/>
+          </a:bodyPr>
+          <a:p>
+            <a:endParaRPr b="0" lang="en-US" sz="3200" spc="-1" strike="noStrike">
+              <a:latin typeface="Arial"/>
+            </a:endParaRPr>
+          </a:p>
+        </p:txBody>
+      </p:sp>
+      <p:sp>
+        <p:nvSpPr>
+          <p:cNvPr id="23" name="PlaceHolder 4"/>
           <p:cNvSpPr>
             <a:spLocks noGrp="1"/>
           </p:cNvSpPr>
@@ -6607,14 +6258,11 @@
         </p:spPr>
         <p:txBody>
           <a:bodyPr lIns="0" rIns="0" tIns="0" bIns="0" anchor="t">
-            <a:normAutofit/>
-          </a:bodyPr>
-          <a:p>
-            <a:endParaRPr b="0" lang="en-US" sz="1500" spc="-1" strike="noStrike">
-              <a:solidFill>
-                <a:srgbClr val="ffffff"/>
-              </a:solidFill>
-              <a:latin typeface="Noto Sans"/>
+            <a:normAutofit fontScale="88000"/>
+          </a:bodyPr>
+          <a:p>
+            <a:endParaRPr b="0" lang="en-US" sz="3200" spc="-1" strike="noStrike">
+              <a:latin typeface="Arial"/>
             </a:endParaRPr>
           </a:p>
         </p:txBody>
@@ -6626,7 +6274,7 @@
             <a:spLocks noGrp="1"/>
           </p:cNvSpPr>
           <p:nvPr>
-            <p:ph type="ftr" idx="2"/>
+            <p:ph type="ftr" idx="1"/>
           </p:nvPr>
         </p:nvSpPr>
         <p:spPr/>
@@ -6646,7 +6294,27 @@
             <a:spLocks noGrp="1"/>
           </p:cNvSpPr>
           <p:nvPr>
-            <p:ph type="dt" idx="1"/>
+            <p:ph type="sldNum" idx="2"/>
+          </p:nvPr>
+        </p:nvSpPr>
+        <p:spPr/>
+        <p:txBody>
+          <a:bodyPr/>
+          <a:p>
+            <a:fld id="{C76FE4FD-1A1C-4BD3-96DD-1D47DBE42B4C}" type="slidenum">
+              <a:t>&lt;#&gt;</a:t>
+            </a:fld>
+          </a:p>
+        </p:txBody>
+      </p:sp>
+      <p:sp>
+        <p:nvSpPr>
+          <p:cNvPr id="8" name="PlaceHolder 7"/>
+          <p:cNvSpPr>
+            <a:spLocks noGrp="1"/>
+          </p:cNvSpPr>
+          <p:nvPr>
+            <p:ph type="dt" idx="3"/>
           </p:nvPr>
         </p:nvSpPr>
         <p:spPr/>
@@ -6684,7 +6352,7 @@
       </p:grpSpPr>
       <p:sp>
         <p:nvSpPr>
-          <p:cNvPr id="25" name="PlaceHolder 1"/>
+          <p:cNvPr id="24" name="PlaceHolder 1"/>
           <p:cNvSpPr>
             <a:spLocks noGrp="1"/>
           </p:cNvSpPr>
@@ -6695,7 +6363,7 @@
         <p:spPr>
           <a:xfrm>
             <a:off x="2700000" y="1485000"/>
-            <a:ext cx="4680000" cy="1620000"/>
+            <a:ext cx="4679640" cy="1619640"/>
           </a:xfrm>
           <a:prstGeom prst="rect">
             <a:avLst/>
@@ -6706,25 +6374,22 @@
           </a:ln>
         </p:spPr>
         <p:txBody>
-          <a:bodyPr lIns="0" rIns="0" tIns="0" bIns="0" anchor="ctr" anchorCtr="1">
+          <a:bodyPr lIns="0" rIns="0" tIns="0" bIns="0" anchor="ctr">
             <a:noAutofit/>
           </a:bodyPr>
           <a:p>
             <a:pPr algn="ctr">
               <a:buNone/>
             </a:pPr>
-            <a:endParaRPr b="1" lang="en-US" sz="2700" spc="-1" strike="noStrike">
-              <a:solidFill>
-                <a:srgbClr val="2c3e50"/>
-              </a:solidFill>
-              <a:latin typeface="Noto Sans"/>
-            </a:endParaRPr>
-          </a:p>
-        </p:txBody>
-      </p:sp>
-      <p:sp>
-        <p:nvSpPr>
-          <p:cNvPr id="26" name="PlaceHolder 2"/>
+            <a:endParaRPr b="0" lang="en-US" sz="4400" spc="-1" strike="noStrike">
+              <a:latin typeface="Arial"/>
+            </a:endParaRPr>
+          </a:p>
+        </p:txBody>
+      </p:sp>
+      <p:sp>
+        <p:nvSpPr>
+          <p:cNvPr id="25" name="PlaceHolder 2"/>
           <p:cNvSpPr>
             <a:spLocks noGrp="1"/>
           </p:cNvSpPr>
@@ -6747,21 +6412,18 @@
         </p:spPr>
         <p:txBody>
           <a:bodyPr lIns="0" rIns="0" tIns="0" bIns="0" anchor="t">
-            <a:normAutofit/>
-          </a:bodyPr>
-          <a:p>
-            <a:endParaRPr b="0" lang="en-US" sz="1500" spc="-1" strike="noStrike">
-              <a:solidFill>
-                <a:srgbClr val="ffffff"/>
-              </a:solidFill>
-              <a:latin typeface="Noto Sans"/>
-            </a:endParaRPr>
-          </a:p>
-        </p:txBody>
-      </p:sp>
-      <p:sp>
-        <p:nvSpPr>
-          <p:cNvPr id="27" name="PlaceHolder 3"/>
+            <a:normAutofit fontScale="88000"/>
+          </a:bodyPr>
+          <a:p>
+            <a:endParaRPr b="0" lang="en-US" sz="3200" spc="-1" strike="noStrike">
+              <a:latin typeface="Arial"/>
+            </a:endParaRPr>
+          </a:p>
+        </p:txBody>
+      </p:sp>
+      <p:sp>
+        <p:nvSpPr>
+          <p:cNvPr id="26" name="PlaceHolder 3"/>
           <p:cNvSpPr>
             <a:spLocks noGrp="1"/>
           </p:cNvSpPr>
@@ -6784,21 +6446,18 @@
         </p:spPr>
         <p:txBody>
           <a:bodyPr lIns="0" rIns="0" tIns="0" bIns="0" anchor="t">
-            <a:normAutofit/>
-          </a:bodyPr>
-          <a:p>
-            <a:endParaRPr b="0" lang="en-US" sz="1500" spc="-1" strike="noStrike">
-              <a:solidFill>
-                <a:srgbClr val="ffffff"/>
-              </a:solidFill>
-              <a:latin typeface="Noto Sans"/>
-            </a:endParaRPr>
-          </a:p>
-        </p:txBody>
-      </p:sp>
-      <p:sp>
-        <p:nvSpPr>
-          <p:cNvPr id="28" name="PlaceHolder 4"/>
+            <a:normAutofit fontScale="88000"/>
+          </a:bodyPr>
+          <a:p>
+            <a:endParaRPr b="0" lang="en-US" sz="3200" spc="-1" strike="noStrike">
+              <a:latin typeface="Arial"/>
+            </a:endParaRPr>
+          </a:p>
+        </p:txBody>
+      </p:sp>
+      <p:sp>
+        <p:nvSpPr>
+          <p:cNvPr id="27" name="PlaceHolder 4"/>
           <p:cNvSpPr>
             <a:spLocks noGrp="1"/>
           </p:cNvSpPr>
@@ -6809,7 +6468,7 @@
         <p:spPr>
           <a:xfrm>
             <a:off x="3420000" y="4086360"/>
-            <a:ext cx="6300000" cy="772560"/>
+            <a:ext cx="6299640" cy="772560"/>
           </a:xfrm>
           <a:prstGeom prst="rect">
             <a:avLst/>
@@ -6824,11 +6483,8 @@
             <a:normAutofit/>
           </a:bodyPr>
           <a:p>
-            <a:endParaRPr b="0" lang="en-US" sz="1500" spc="-1" strike="noStrike">
-              <a:solidFill>
-                <a:srgbClr val="ffffff"/>
-              </a:solidFill>
-              <a:latin typeface="Noto Sans"/>
+            <a:endParaRPr b="0" lang="en-US" sz="3200" spc="-1" strike="noStrike">
+              <a:latin typeface="Arial"/>
             </a:endParaRPr>
           </a:p>
         </p:txBody>
@@ -6840,7 +6496,7 @@
             <a:spLocks noGrp="1"/>
           </p:cNvSpPr>
           <p:nvPr>
-            <p:ph type="ftr" idx="2"/>
+            <p:ph type="ftr" idx="1"/>
           </p:nvPr>
         </p:nvSpPr>
         <p:spPr/>
@@ -6860,7 +6516,27 @@
             <a:spLocks noGrp="1"/>
           </p:cNvSpPr>
           <p:nvPr>
-            <p:ph type="dt" idx="1"/>
+            <p:ph type="sldNum" idx="2"/>
+          </p:nvPr>
+        </p:nvSpPr>
+        <p:spPr/>
+        <p:txBody>
+          <a:bodyPr/>
+          <a:p>
+            <a:fld id="{3E53C1B6-744A-4CA3-9136-E31914AD1557}" type="slidenum">
+              <a:t>&lt;#&gt;</a:t>
+            </a:fld>
+          </a:p>
+        </p:txBody>
+      </p:sp>
+      <p:sp>
+        <p:nvSpPr>
+          <p:cNvPr id="8" name="PlaceHolder 7"/>
+          <p:cNvSpPr>
+            <a:spLocks noGrp="1"/>
+          </p:cNvSpPr>
+          <p:nvPr>
+            <p:ph type="dt" idx="3"/>
           </p:nvPr>
         </p:nvSpPr>
         <p:spPr/>
@@ -6904,8 +6580,8 @@
         </p:nvSpPr>
         <p:spPr>
           <a:xfrm>
-            <a:off x="0" y="5400000"/>
-            <a:ext cx="10080000" cy="270000"/>
+            <a:off x="0" y="0"/>
+            <a:ext cx="10079640" cy="5669640"/>
           </a:xfrm>
           <a:prstGeom prst="rect">
             <a:avLst/>
@@ -6933,16 +6609,19 @@
         <p:spPr>
           <a:xfrm>
             <a:off x="0" y="0"/>
-            <a:ext cx="10080000" cy="1215000"/>
+            <a:ext cx="10079640" cy="3779640"/>
           </a:xfrm>
           <a:prstGeom prst="rect">
             <a:avLst/>
           </a:prstGeom>
           <a:solidFill>
-            <a:srgbClr val="2c3e50"/>
+            <a:srgbClr val="1abc9c"/>
           </a:solidFill>
           <a:ln w="10800">
-            <a:noFill/>
+            <a:solidFill>
+              <a:srgbClr val="1abc9c"/>
+            </a:solidFill>
+            <a:round/>
           </a:ln>
         </p:spPr>
         <p:style>
@@ -6964,8 +6643,8 @@
         </p:nvSpPr>
         <p:spPr>
           <a:xfrm>
-            <a:off x="360000" y="225720"/>
-            <a:ext cx="9360000" cy="718920"/>
+            <a:off x="2700000" y="1485000"/>
+            <a:ext cx="4679640" cy="1619640"/>
           </a:xfrm>
           <a:prstGeom prst="rect">
             <a:avLst/>
@@ -6976,24 +6655,18 @@
           </a:ln>
         </p:spPr>
         <p:txBody>
-          <a:bodyPr lIns="0" rIns="0" tIns="0" bIns="0" anchor="ctr">
+          <a:bodyPr lIns="0" rIns="0" tIns="0" bIns="0" anchor="ctr" anchorCtr="1">
             <a:noAutofit/>
           </a:bodyPr>
           <a:p>
             <a:r>
-              <a:rPr b="1" lang="en-US" sz="2700" spc="-1" strike="noStrike">
-                <a:solidFill>
-                  <a:srgbClr val="ffffff"/>
-                </a:solidFill>
-                <a:latin typeface="Noto Sans"/>
+              <a:rPr b="0" lang="en-US" sz="1800" spc="-1" strike="noStrike">
+                <a:latin typeface="Arial"/>
               </a:rPr>
               <a:t>Click to edit the title text format</a:t>
             </a:r>
-            <a:endParaRPr b="1" lang="en-US" sz="2700" spc="-1" strike="noStrike">
-              <a:solidFill>
-                <a:srgbClr val="ffffff"/>
-              </a:solidFill>
-              <a:latin typeface="Noto Sans"/>
+            <a:endParaRPr b="0" lang="en-US" sz="1800" spc="-1" strike="noStrike">
+              <a:latin typeface="Arial"/>
             </a:endParaRPr>
           </a:p>
         </p:txBody>
@@ -7005,238 +6678,13 @@
             <a:spLocks noGrp="1"/>
           </p:cNvSpPr>
           <p:nvPr>
-            <p:ph type="body"/>
-          </p:nvPr>
-        </p:nvSpPr>
-        <p:spPr>
-          <a:xfrm>
-            <a:off x="360000" y="1485000"/>
-            <a:ext cx="9360000" cy="3780000"/>
-          </a:xfrm>
-          <a:prstGeom prst="rect">
-            <a:avLst/>
-          </a:prstGeom>
-          <a:noFill/>
-          <a:ln w="0">
-            <a:noFill/>
-          </a:ln>
-        </p:spPr>
-        <p:txBody>
-          <a:bodyPr lIns="0" rIns="0" tIns="0" bIns="0" anchor="t">
-            <a:normAutofit/>
-          </a:bodyPr>
-          <a:p>
-            <a:pPr marL="432000" indent="-324000">
-              <a:spcAft>
-                <a:spcPts val="1057"/>
-              </a:spcAft>
-              <a:buClr>
-                <a:srgbClr val="2c3e50"/>
-              </a:buClr>
-              <a:buSzPct val="45000"/>
-              <a:buFont typeface="Wingdings" charset="2"/>
-              <a:buChar char=""/>
-            </a:pPr>
-            <a:r>
-              <a:rPr b="1" lang="en-US" sz="2400" spc="-1" strike="noStrike">
-                <a:solidFill>
-                  <a:srgbClr val="2c3e50"/>
-                </a:solidFill>
-                <a:latin typeface="Noto Sans"/>
-              </a:rPr>
-              <a:t>Click to edit the outline text format</a:t>
-            </a:r>
-            <a:endParaRPr b="1" lang="en-US" sz="2400" spc="-1" strike="noStrike">
-              <a:solidFill>
-                <a:srgbClr val="2c3e50"/>
-              </a:solidFill>
-              <a:latin typeface="Noto Sans"/>
-            </a:endParaRPr>
-          </a:p>
-          <a:p>
-            <a:pPr lvl="1" marL="864000" indent="-324000">
-              <a:spcAft>
-                <a:spcPts val="850"/>
-              </a:spcAft>
-              <a:buClr>
-                <a:srgbClr val="2c3e50"/>
-              </a:buClr>
-              <a:buSzPct val="75000"/>
-              <a:buFont typeface="Symbol" charset="2"/>
-              <a:buChar char=""/>
-            </a:pPr>
-            <a:r>
-              <a:rPr b="0" lang="en-US" sz="2100" spc="-1" strike="noStrike">
-                <a:solidFill>
-                  <a:srgbClr val="2c3e50"/>
-                </a:solidFill>
-                <a:latin typeface="Noto Sans"/>
-              </a:rPr>
-              <a:t>Second Outline Level</a:t>
-            </a:r>
-            <a:endParaRPr b="0" lang="en-US" sz="2100" spc="-1" strike="noStrike">
-              <a:solidFill>
-                <a:srgbClr val="2c3e50"/>
-              </a:solidFill>
-              <a:latin typeface="Noto Sans"/>
-            </a:endParaRPr>
-          </a:p>
-          <a:p>
-            <a:pPr lvl="2" marL="1296000" indent="-288000">
-              <a:spcAft>
-                <a:spcPts val="635"/>
-              </a:spcAft>
-              <a:buClr>
-                <a:srgbClr val="2c3e50"/>
-              </a:buClr>
-              <a:buSzPct val="45000"/>
-              <a:buFont typeface="Wingdings" charset="2"/>
-              <a:buChar char=""/>
-            </a:pPr>
-            <a:r>
-              <a:rPr b="0" lang="en-US" sz="1800" spc="-1" strike="noStrike">
-                <a:solidFill>
-                  <a:srgbClr val="2c3e50"/>
-                </a:solidFill>
-                <a:latin typeface="Noto Sans"/>
-              </a:rPr>
-              <a:t>Third Outline Level</a:t>
-            </a:r>
-            <a:endParaRPr b="0" lang="en-US" sz="1800" spc="-1" strike="noStrike">
-              <a:solidFill>
-                <a:srgbClr val="2c3e50"/>
-              </a:solidFill>
-              <a:latin typeface="Noto Sans"/>
-            </a:endParaRPr>
-          </a:p>
-          <a:p>
-            <a:pPr lvl="3" marL="1728000" indent="-216000">
-              <a:spcAft>
-                <a:spcPts val="425"/>
-              </a:spcAft>
-              <a:buClr>
-                <a:srgbClr val="2c3e50"/>
-              </a:buClr>
-              <a:buSzPct val="75000"/>
-              <a:buFont typeface="Symbol" charset="2"/>
-              <a:buChar char=""/>
-            </a:pPr>
-            <a:r>
-              <a:rPr b="0" lang="en-US" sz="1500" spc="-1" strike="noStrike">
-                <a:solidFill>
-                  <a:srgbClr val="2c3e50"/>
-                </a:solidFill>
-                <a:latin typeface="Noto Sans"/>
-              </a:rPr>
-              <a:t>Fourth Outline Level</a:t>
-            </a:r>
-            <a:endParaRPr b="0" lang="en-US" sz="1500" spc="-1" strike="noStrike">
-              <a:solidFill>
-                <a:srgbClr val="2c3e50"/>
-              </a:solidFill>
-              <a:latin typeface="Noto Sans"/>
-            </a:endParaRPr>
-          </a:p>
-          <a:p>
-            <a:pPr lvl="4" marL="2160000" indent="-216000">
-              <a:spcAft>
-                <a:spcPts val="213"/>
-              </a:spcAft>
-              <a:buClr>
-                <a:srgbClr val="2c3e50"/>
-              </a:buClr>
-              <a:buSzPct val="45000"/>
-              <a:buFont typeface="Wingdings" charset="2"/>
-              <a:buChar char=""/>
-            </a:pPr>
-            <a:r>
-              <a:rPr b="0" lang="en-US" sz="1500" spc="-1" strike="noStrike">
-                <a:solidFill>
-                  <a:srgbClr val="2c3e50"/>
-                </a:solidFill>
-                <a:latin typeface="Noto Sans"/>
-              </a:rPr>
-              <a:t>Fifth Outline Level</a:t>
-            </a:r>
-            <a:endParaRPr b="0" lang="en-US" sz="1500" spc="-1" strike="noStrike">
-              <a:solidFill>
-                <a:srgbClr val="2c3e50"/>
-              </a:solidFill>
-              <a:latin typeface="Noto Sans"/>
-            </a:endParaRPr>
-          </a:p>
-          <a:p>
-            <a:pPr lvl="5" marL="2592000" indent="-216000">
-              <a:spcAft>
-                <a:spcPts val="213"/>
-              </a:spcAft>
-              <a:buClr>
-                <a:srgbClr val="2c3e50"/>
-              </a:buClr>
-              <a:buSzPct val="45000"/>
-              <a:buFont typeface="Wingdings" charset="2"/>
-              <a:buChar char=""/>
-            </a:pPr>
-            <a:r>
-              <a:rPr b="0" lang="en-US" sz="1500" spc="-1" strike="noStrike">
-                <a:solidFill>
-                  <a:srgbClr val="2c3e50"/>
-                </a:solidFill>
-                <a:latin typeface="Noto Sans"/>
-              </a:rPr>
-              <a:t>Sixth Outline Level</a:t>
-            </a:r>
-            <a:endParaRPr b="0" lang="en-US" sz="1500" spc="-1" strike="noStrike">
-              <a:solidFill>
-                <a:srgbClr val="2c3e50"/>
-              </a:solidFill>
-              <a:latin typeface="Noto Sans"/>
-            </a:endParaRPr>
-          </a:p>
-          <a:p>
-            <a:pPr lvl="6" marL="3024000" indent="-216000">
-              <a:spcAft>
-                <a:spcPts val="213"/>
-              </a:spcAft>
-              <a:buClr>
-                <a:srgbClr val="2c3e50"/>
-              </a:buClr>
-              <a:buSzPct val="45000"/>
-              <a:buFont typeface="Wingdings" charset="2"/>
-              <a:buChar char=""/>
-            </a:pPr>
-            <a:r>
-              <a:rPr b="0" lang="en-US" sz="1500" spc="-1" strike="noStrike">
-                <a:solidFill>
-                  <a:srgbClr val="2c3e50"/>
-                </a:solidFill>
-                <a:latin typeface="Noto Sans"/>
-              </a:rPr>
-              <a:t>Seventh Outline Level</a:t>
-            </a:r>
-            <a:endParaRPr b="0" lang="en-US" sz="1500" spc="-1" strike="noStrike">
-              <a:solidFill>
-                <a:srgbClr val="2c3e50"/>
-              </a:solidFill>
-              <a:latin typeface="Noto Sans"/>
-            </a:endParaRPr>
-          </a:p>
-        </p:txBody>
-      </p:sp>
-      <p:sp>
-        <p:nvSpPr>
-          <p:cNvPr id="4" name="PlaceHolder 3"/>
-          <p:cNvSpPr>
-            <a:spLocks noGrp="1"/>
-          </p:cNvSpPr>
-          <p:nvPr>
-            <p:ph type="dt" idx="1"/>
-          </p:nvPr>
-        </p:nvSpPr>
-        <p:spPr>
-          <a:xfrm>
-            <a:off x="360000" y="5400000"/>
-            <a:ext cx="2880000" cy="270000"/>
+            <p:ph type="ftr" idx="1"/>
+          </p:nvPr>
+        </p:nvSpPr>
+        <p:spPr>
+          <a:xfrm>
+            <a:off x="3420000" y="5400000"/>
+            <a:ext cx="3239640" cy="269640"/>
           </a:xfrm>
           <a:prstGeom prst="rect">
             <a:avLst/>
@@ -7251,63 +6699,10 @@
             <a:noAutofit/>
           </a:bodyPr>
           <a:lstStyle>
-            <a:lvl1pPr>
-              <a:defRPr b="1" lang="en-US" sz="1800" spc="-1" strike="noStrike">
-                <a:solidFill>
-                  <a:srgbClr val="ffffff"/>
-                </a:solidFill>
-                <a:latin typeface="Noto Sans"/>
-              </a:defRPr>
-            </a:lvl1pPr>
-          </a:lstStyle>
-          <a:p>
-            <a:r>
-              <a:rPr b="1" lang="en-US" sz="1800" spc="-1" strike="noStrike">
-                <a:solidFill>
-                  <a:srgbClr val="ffffff"/>
-                </a:solidFill>
-                <a:latin typeface="Noto Sans"/>
-              </a:rPr>
-              <a:t>&lt;date/time&gt;</a:t>
-            </a:r>
-            <a:endParaRPr b="1" lang="en-US" sz="1800" spc="-1" strike="noStrike">
-              <a:solidFill>
-                <a:srgbClr val="ffffff"/>
-              </a:solidFill>
-              <a:latin typeface="Noto Sans"/>
-            </a:endParaRPr>
-          </a:p>
-        </p:txBody>
-      </p:sp>
-      <p:sp>
-        <p:nvSpPr>
-          <p:cNvPr id="5" name="PlaceHolder 4"/>
-          <p:cNvSpPr>
-            <a:spLocks noGrp="1"/>
-          </p:cNvSpPr>
-          <p:nvPr>
-            <p:ph type="ftr" idx="2"/>
-          </p:nvPr>
-        </p:nvSpPr>
-        <p:spPr>
-          <a:xfrm>
-            <a:off x="3420000" y="5400000"/>
-            <a:ext cx="3240000" cy="270000"/>
-          </a:xfrm>
-          <a:prstGeom prst="rect">
-            <a:avLst/>
-          </a:prstGeom>
-          <a:noFill/>
-          <a:ln w="72000">
-            <a:noFill/>
-          </a:ln>
-        </p:spPr>
-        <p:txBody>
-          <a:bodyPr lIns="0" rIns="0" tIns="0" bIns="0" anchor="t">
-            <a:noAutofit/>
-          </a:bodyPr>
-          <a:lstStyle>
             <a:lvl1pPr algn="ctr">
+              <a:lnSpc>
+                <a:spcPct val="100000"/>
+              </a:lnSpc>
               <a:buNone/>
               <a:defRPr b="1" lang="en-US" sz="1800" spc="-1" strike="noStrike">
                 <a:solidFill>
@@ -7319,6 +6714,9 @@
           </a:lstStyle>
           <a:p>
             <a:pPr algn="ctr">
+              <a:lnSpc>
+                <a:spcPct val="100000"/>
+              </a:lnSpc>
               <a:buNone/>
             </a:pPr>
             <a:r>
@@ -7330,56 +6728,26 @@
               </a:rPr>
               <a:t>&lt;footer&gt;</a:t>
             </a:r>
-            <a:endParaRPr b="1" lang="en-US" sz="1800" spc="-1" strike="noStrike">
-              <a:solidFill>
-                <a:srgbClr val="ffffff"/>
-              </a:solidFill>
-              <a:latin typeface="Noto Sans"/>
-            </a:endParaRPr>
-          </a:p>
-        </p:txBody>
-      </p:sp>
-      <p:sp>
-        <p:nvSpPr>
-          <p:cNvPr id="6" name=""/>
-          <p:cNvSpPr/>
-          <p:nvPr/>
-        </p:nvSpPr>
-        <p:spPr>
-          <a:xfrm>
-            <a:off x="9315000" y="5175000"/>
-            <a:ext cx="450000" cy="450000"/>
-          </a:xfrm>
-          <a:prstGeom prst="ellipse">
-            <a:avLst/>
-          </a:prstGeom>
-          <a:solidFill>
-            <a:srgbClr val="1abc9c"/>
-          </a:solidFill>
-          <a:ln w="10800">
-            <a:solidFill>
-              <a:srgbClr val="1abc9c"/>
-            </a:solidFill>
-            <a:round/>
-          </a:ln>
-        </p:spPr>
-        <p:style>
-          <a:lnRef idx="0"/>
-          <a:fillRef idx="0"/>
-          <a:effectRef idx="0"/>
-          <a:fontRef idx="minor"/>
-        </p:style>
-      </p:sp>
-      <p:sp>
-        <p:nvSpPr>
-          <p:cNvPr id="7" name=""/>
-          <p:cNvSpPr txBox="1"/>
-          <p:nvPr/>
+            <a:endParaRPr b="0" lang="en-US" sz="1800" spc="-1" strike="noStrike">
+              <a:latin typeface="Times New Roman"/>
+            </a:endParaRPr>
+          </a:p>
+        </p:txBody>
+      </p:sp>
+      <p:sp>
+        <p:nvSpPr>
+          <p:cNvPr id="4" name="PlaceHolder 3"/>
+          <p:cNvSpPr>
+            <a:spLocks noGrp="1"/>
+          </p:cNvSpPr>
+          <p:nvPr>
+            <p:ph type="sldNum" idx="2"/>
+          </p:nvPr>
         </p:nvSpPr>
         <p:spPr>
           <a:xfrm>
             <a:off x="9180000" y="5130000"/>
-            <a:ext cx="720000" cy="540000"/>
+            <a:ext cx="719640" cy="539640"/>
           </a:xfrm>
           <a:prstGeom prst="rect">
             <a:avLst/>
@@ -7393,11 +6761,28 @@
           <a:bodyPr lIns="0" rIns="0" tIns="0" bIns="0" anchor="ctr">
             <a:noAutofit/>
           </a:bodyPr>
+          <a:lstStyle>
+            <a:lvl1pPr algn="ctr">
+              <a:lnSpc>
+                <a:spcPct val="100000"/>
+              </a:lnSpc>
+              <a:buNone/>
+              <a:defRPr b="1" lang="en-US" sz="1800" spc="-1" strike="noStrike">
+                <a:solidFill>
+                  <a:srgbClr val="ffffff"/>
+                </a:solidFill>
+                <a:latin typeface="Noto Sans"/>
+              </a:defRPr>
+            </a:lvl1pPr>
+          </a:lstStyle>
           <a:p>
             <a:pPr algn="ctr">
+              <a:lnSpc>
+                <a:spcPct val="100000"/>
+              </a:lnSpc>
               <a:buNone/>
             </a:pPr>
-            <a:fld id="{1A05948E-5EDC-4A62-A42A-538023122BD0}" type="slidenum">
+            <a:fld id="{3697F1D4-A0EC-44E4-82F7-68BB17B7696E}" type="slidenum">
               <a:rPr b="1" lang="en-US" sz="1800" spc="-1" strike="noStrike">
                 <a:solidFill>
                   <a:srgbClr val="ffffff"/>
@@ -7406,11 +6791,238 @@
               </a:rPr>
               <a:t>&lt;number&gt;</a:t>
             </a:fld>
-            <a:endParaRPr b="1" lang="en-US" sz="1800" spc="-1" strike="noStrike">
-              <a:solidFill>
-                <a:srgbClr val="ffffff"/>
-              </a:solidFill>
-              <a:latin typeface="Noto Sans"/>
+            <a:endParaRPr b="0" lang="en-US" sz="1800" spc="-1" strike="noStrike">
+              <a:latin typeface="Times New Roman"/>
+            </a:endParaRPr>
+          </a:p>
+        </p:txBody>
+      </p:sp>
+      <p:sp>
+        <p:nvSpPr>
+          <p:cNvPr id="5" name="PlaceHolder 4"/>
+          <p:cNvSpPr>
+            <a:spLocks noGrp="1"/>
+          </p:cNvSpPr>
+          <p:nvPr>
+            <p:ph type="dt" idx="3"/>
+          </p:nvPr>
+        </p:nvSpPr>
+        <p:spPr>
+          <a:xfrm>
+            <a:off x="360000" y="5400000"/>
+            <a:ext cx="2879640" cy="269640"/>
+          </a:xfrm>
+          <a:prstGeom prst="rect">
+            <a:avLst/>
+          </a:prstGeom>
+          <a:noFill/>
+          <a:ln w="72000">
+            <a:noFill/>
+          </a:ln>
+        </p:spPr>
+        <p:txBody>
+          <a:bodyPr lIns="0" rIns="0" tIns="0" bIns="0" anchor="t">
+            <a:noAutofit/>
+          </a:bodyPr>
+          <a:lstStyle>
+            <a:lvl1pPr>
+              <a:defRPr b="0" lang="en-US" sz="1400" spc="-1" strike="noStrike">
+                <a:latin typeface="Times New Roman"/>
+              </a:defRPr>
+            </a:lvl1pPr>
+          </a:lstStyle>
+          <a:p>
+            <a:r>
+              <a:rPr b="0" lang="en-US" sz="1400" spc="-1" strike="noStrike">
+                <a:latin typeface="Times New Roman"/>
+              </a:rPr>
+              <a:t>&lt;date/time&gt;</a:t>
+            </a:r>
+            <a:endParaRPr b="0" lang="en-US" sz="1400" spc="-1" strike="noStrike">
+              <a:latin typeface="Times New Roman"/>
+            </a:endParaRPr>
+          </a:p>
+        </p:txBody>
+      </p:sp>
+      <p:sp>
+        <p:nvSpPr>
+          <p:cNvPr id="6" name="PlaceHolder 5"/>
+          <p:cNvSpPr>
+            <a:spLocks noGrp="1"/>
+          </p:cNvSpPr>
+          <p:nvPr>
+            <p:ph type="body"/>
+          </p:nvPr>
+        </p:nvSpPr>
+        <p:spPr>
+          <a:xfrm>
+            <a:off x="504000" y="1326600"/>
+            <a:ext cx="9072000" cy="3288600"/>
+          </a:xfrm>
+          <a:prstGeom prst="rect">
+            <a:avLst/>
+          </a:prstGeom>
+          <a:noFill/>
+          <a:ln w="0">
+            <a:noFill/>
+          </a:ln>
+        </p:spPr>
+        <p:txBody>
+          <a:bodyPr lIns="0" rIns="0" tIns="0" bIns="0" anchor="t">
+            <a:normAutofit/>
+          </a:bodyPr>
+          <a:p>
+            <a:pPr marL="432000" indent="-324000">
+              <a:spcBef>
+                <a:spcPts val="1417"/>
+              </a:spcBef>
+              <a:buClr>
+                <a:srgbClr val="000000"/>
+              </a:buClr>
+              <a:buSzPct val="45000"/>
+              <a:buFont typeface="Wingdings" charset="2"/>
+              <a:buChar char=""/>
+            </a:pPr>
+            <a:r>
+              <a:rPr b="0" lang="en-US" sz="3200" spc="-1" strike="noStrike">
+                <a:latin typeface="Arial"/>
+              </a:rPr>
+              <a:t>Click to edit the outline text format</a:t>
+            </a:r>
+            <a:endParaRPr b="0" lang="en-US" sz="3200" spc="-1" strike="noStrike">
+              <a:latin typeface="Arial"/>
+            </a:endParaRPr>
+          </a:p>
+          <a:p>
+            <a:pPr lvl="1" marL="864000" indent="-324000">
+              <a:spcBef>
+                <a:spcPts val="1134"/>
+              </a:spcBef>
+              <a:buClr>
+                <a:srgbClr val="000000"/>
+              </a:buClr>
+              <a:buSzPct val="75000"/>
+              <a:buFont typeface="Symbol" charset="2"/>
+              <a:buChar char=""/>
+            </a:pPr>
+            <a:r>
+              <a:rPr b="0" lang="en-US" sz="2800" spc="-1" strike="noStrike">
+                <a:latin typeface="Arial"/>
+              </a:rPr>
+              <a:t>Second Outline Level</a:t>
+            </a:r>
+            <a:endParaRPr b="0" lang="en-US" sz="2800" spc="-1" strike="noStrike">
+              <a:latin typeface="Arial"/>
+            </a:endParaRPr>
+          </a:p>
+          <a:p>
+            <a:pPr lvl="2" marL="1296000" indent="-288000">
+              <a:spcBef>
+                <a:spcPts val="850"/>
+              </a:spcBef>
+              <a:buClr>
+                <a:srgbClr val="000000"/>
+              </a:buClr>
+              <a:buSzPct val="45000"/>
+              <a:buFont typeface="Wingdings" charset="2"/>
+              <a:buChar char=""/>
+            </a:pPr>
+            <a:r>
+              <a:rPr b="0" lang="en-US" sz="2400" spc="-1" strike="noStrike">
+                <a:latin typeface="Arial"/>
+              </a:rPr>
+              <a:t>Third Outline Level</a:t>
+            </a:r>
+            <a:endParaRPr b="0" lang="en-US" sz="2400" spc="-1" strike="noStrike">
+              <a:latin typeface="Arial"/>
+            </a:endParaRPr>
+          </a:p>
+          <a:p>
+            <a:pPr lvl="3" marL="1728000" indent="-216000">
+              <a:spcBef>
+                <a:spcPts val="567"/>
+              </a:spcBef>
+              <a:buClr>
+                <a:srgbClr val="000000"/>
+              </a:buClr>
+              <a:buSzPct val="75000"/>
+              <a:buFont typeface="Symbol" charset="2"/>
+              <a:buChar char=""/>
+            </a:pPr>
+            <a:r>
+              <a:rPr b="0" lang="en-US" sz="2000" spc="-1" strike="noStrike">
+                <a:latin typeface="Arial"/>
+              </a:rPr>
+              <a:t>Fourth Outline Level</a:t>
+            </a:r>
+            <a:endParaRPr b="0" lang="en-US" sz="2000" spc="-1" strike="noStrike">
+              <a:latin typeface="Arial"/>
+            </a:endParaRPr>
+          </a:p>
+          <a:p>
+            <a:pPr lvl="4" marL="2160000" indent="-216000">
+              <a:spcBef>
+                <a:spcPts val="283"/>
+              </a:spcBef>
+              <a:buClr>
+                <a:srgbClr val="000000"/>
+              </a:buClr>
+              <a:buSzPct val="45000"/>
+              <a:buFont typeface="Wingdings" charset="2"/>
+              <a:buChar char=""/>
+            </a:pPr>
+            <a:r>
+              <a:rPr b="0" lang="en-US" sz="2000" spc="-1" strike="noStrike">
+                <a:latin typeface="Arial"/>
+              </a:rPr>
+              <a:t>Fifth Outline Level</a:t>
+            </a:r>
+            <a:endParaRPr b="0" lang="en-US" sz="2000" spc="-1" strike="noStrike">
+              <a:latin typeface="Arial"/>
+            </a:endParaRPr>
+          </a:p>
+          <a:p>
+            <a:pPr lvl="5" marL="2592000" indent="-216000">
+              <a:spcBef>
+                <a:spcPts val="283"/>
+              </a:spcBef>
+              <a:buClr>
+                <a:srgbClr val="000000"/>
+              </a:buClr>
+              <a:buSzPct val="45000"/>
+              <a:buFont typeface="Wingdings" charset="2"/>
+              <a:buChar char=""/>
+            </a:pPr>
+            <a:r>
+              <a:rPr b="0" lang="en-US" sz="2000" spc="-1" strike="noStrike">
+                <a:latin typeface="Arial"/>
+              </a:rPr>
+              <a:t>Sixth Outline Level</a:t>
+            </a:r>
+            <a:endParaRPr b="0" lang="en-US" sz="2000" spc="-1" strike="noStrike">
+              <a:latin typeface="Arial"/>
+            </a:endParaRPr>
+          </a:p>
+          <a:p>
+            <a:pPr lvl="6" marL="3024000" indent="-216000">
+              <a:spcBef>
+                <a:spcPts val="283"/>
+              </a:spcBef>
+              <a:buClr>
+                <a:srgbClr val="000000"/>
+              </a:buClr>
+              <a:buSzPct val="45000"/>
+              <a:buFont typeface="Wingdings" charset="2"/>
+              <a:buChar char=""/>
+            </a:pPr>
+            <a:r>
+              <a:rPr b="0" lang="en-US" sz="2000" spc="-1" strike="noStrike">
+                <a:latin typeface="Arial"/>
+              </a:rPr>
+              <a:t>Seventh Outline Level</a:t>
+            </a:r>
+            <a:endParaRPr b="0" lang="en-US" sz="2000" spc="-1" strike="noStrike">
+              <a:latin typeface="Arial"/>
             </a:endParaRPr>
           </a:p>
         </p:txBody>
@@ -7454,14 +7066,14 @@
       </p:grpSpPr>
       <p:sp>
         <p:nvSpPr>
-          <p:cNvPr id="44" name=""/>
+          <p:cNvPr id="43" name=""/>
           <p:cNvSpPr/>
           <p:nvPr/>
         </p:nvSpPr>
         <p:spPr>
           <a:xfrm>
-            <a:off x="0" y="0"/>
-            <a:ext cx="10080000" cy="5670000"/>
+            <a:off x="0" y="5400000"/>
+            <a:ext cx="10079640" cy="269640"/>
           </a:xfrm>
           <a:prstGeom prst="rect">
             <a:avLst/>
@@ -7482,16 +7094,44 @@
       </p:sp>
       <p:sp>
         <p:nvSpPr>
+          <p:cNvPr id="44" name=""/>
+          <p:cNvSpPr/>
+          <p:nvPr/>
+        </p:nvSpPr>
+        <p:spPr>
+          <a:xfrm>
+            <a:off x="0" y="0"/>
+            <a:ext cx="10079640" cy="1214640"/>
+          </a:xfrm>
+          <a:prstGeom prst="rect">
+            <a:avLst/>
+          </a:prstGeom>
+          <a:solidFill>
+            <a:srgbClr val="2c3e50"/>
+          </a:solidFill>
+          <a:ln w="10800">
+            <a:noFill/>
+          </a:ln>
+        </p:spPr>
+        <p:style>
+          <a:lnRef idx="0"/>
+          <a:fillRef idx="0"/>
+          <a:effectRef idx="0"/>
+          <a:fontRef idx="minor"/>
+        </p:style>
+      </p:sp>
+      <p:sp>
+        <p:nvSpPr>
           <p:cNvPr id="45" name=""/>
           <p:cNvSpPr/>
           <p:nvPr/>
         </p:nvSpPr>
         <p:spPr>
           <a:xfrm>
-            <a:off x="0" y="0"/>
-            <a:ext cx="10080000" cy="3780000"/>
-          </a:xfrm>
-          <a:prstGeom prst="rect">
+            <a:off x="9315000" y="5175000"/>
+            <a:ext cx="449640" cy="449640"/>
+          </a:xfrm>
+          <a:prstGeom prst="ellipse">
             <a:avLst/>
           </a:prstGeom>
           <a:solidFill>
@@ -7513,298 +7153,281 @@
       </p:sp>
       <p:sp>
         <p:nvSpPr>
-          <p:cNvPr id="46" name="PlaceHolder 1"/>
-          <p:cNvSpPr>
-            <a:spLocks noGrp="1"/>
-          </p:cNvSpPr>
-          <p:nvPr>
-            <p:ph type="title"/>
-          </p:nvPr>
-        </p:nvSpPr>
-        <p:spPr>
-          <a:xfrm>
-            <a:off x="360000" y="2835000"/>
-            <a:ext cx="9360000" cy="718920"/>
-          </a:xfrm>
-          <a:prstGeom prst="rect">
-            <a:avLst/>
-          </a:prstGeom>
-          <a:noFill/>
-          <a:ln w="0">
-            <a:noFill/>
-          </a:ln>
-        </p:spPr>
-        <p:txBody>
-          <a:bodyPr lIns="0" rIns="0" tIns="0" bIns="0" anchor="ctr" anchorCtr="1">
+          <p:cNvPr id="46" name=""/>
+          <p:cNvSpPr/>
+          <p:nvPr/>
+        </p:nvSpPr>
+        <p:spPr>
+          <a:xfrm>
+            <a:off x="9180000" y="5130000"/>
+            <a:ext cx="719640" cy="539640"/>
+          </a:xfrm>
+          <a:prstGeom prst="rect">
+            <a:avLst/>
+          </a:prstGeom>
+          <a:noFill/>
+          <a:ln w="72000">
+            <a:noFill/>
+          </a:ln>
+        </p:spPr>
+        <p:style>
+          <a:lnRef idx="0"/>
+          <a:fillRef idx="0"/>
+          <a:effectRef idx="0"/>
+          <a:fontRef idx="minor"/>
+        </p:style>
+        <p:txBody>
+          <a:bodyPr lIns="0" rIns="0" tIns="0" bIns="0" anchor="ctr">
             <a:noAutofit/>
           </a:bodyPr>
           <a:p>
             <a:pPr algn="ctr">
               <a:lnSpc>
-                <a:spcPct val="150000"/>
+                <a:spcPct val="100000"/>
               </a:lnSpc>
               <a:buNone/>
             </a:pPr>
-            <a:r>
-              <a:rPr b="1" lang="en-US" sz="2700" spc="-1" strike="noStrike">
-                <a:solidFill>
-                  <a:srgbClr val="ffffff"/>
-                </a:solidFill>
-                <a:latin typeface="Noto Sans"/>
-              </a:rPr>
-              <a:t>Click to edit the title text format</a:t>
-            </a:r>
-            <a:endParaRPr b="1" lang="en-US" sz="2700" spc="-1" strike="noStrike">
-              <a:solidFill>
-                <a:srgbClr val="ffffff"/>
-              </a:solidFill>
-              <a:latin typeface="Noto Sans"/>
-            </a:endParaRPr>
-          </a:p>
-        </p:txBody>
-      </p:sp>
-      <p:sp>
-        <p:nvSpPr>
-          <p:cNvPr id="47" name="PlaceHolder 2"/>
-          <p:cNvSpPr>
-            <a:spLocks noGrp="1"/>
-          </p:cNvSpPr>
-          <p:nvPr>
-            <p:ph type="body"/>
-          </p:nvPr>
-        </p:nvSpPr>
-        <p:spPr>
-          <a:xfrm>
-            <a:off x="360000" y="3915000"/>
-            <a:ext cx="9360000" cy="1485000"/>
-          </a:xfrm>
-          <a:prstGeom prst="rect">
-            <a:avLst/>
-          </a:prstGeom>
-          <a:noFill/>
-          <a:ln w="0">
-            <a:noFill/>
-          </a:ln>
-        </p:spPr>
-        <p:txBody>
-          <a:bodyPr lIns="0" rIns="0" tIns="0" bIns="0" anchor="t">
-            <a:normAutofit fontScale="76000"/>
-          </a:bodyPr>
-          <a:p>
-            <a:pPr marL="432000" indent="-324000">
-              <a:spcAft>
-                <a:spcPts val="655"/>
-              </a:spcAft>
-            </a:pPr>
-            <a:r>
-              <a:rPr b="0" lang="en-US" sz="1500" spc="-1" strike="noStrike">
-                <a:solidFill>
-                  <a:srgbClr val="ffffff"/>
-                </a:solidFill>
-                <a:latin typeface="Noto Sans"/>
-              </a:rPr>
-              <a:t>Click to edit the outline text format</a:t>
-            </a:r>
-            <a:endParaRPr b="0" lang="en-US" sz="1500" spc="-1" strike="noStrike">
-              <a:solidFill>
-                <a:srgbClr val="ffffff"/>
-              </a:solidFill>
-              <a:latin typeface="Noto Sans"/>
-            </a:endParaRPr>
-          </a:p>
-          <a:p>
-            <a:pPr lvl="1" marL="864000" indent="-324000">
-              <a:spcAft>
-                <a:spcPts val="850"/>
-              </a:spcAft>
-            </a:pPr>
-            <a:r>
-              <a:rPr b="0" lang="en-US" sz="1500" spc="-1" strike="noStrike">
-                <a:solidFill>
-                  <a:srgbClr val="ffffff"/>
-                </a:solidFill>
-                <a:latin typeface="Noto Sans"/>
-              </a:rPr>
-              <a:t>Second Outline Level</a:t>
-            </a:r>
-            <a:endParaRPr b="0" lang="en-US" sz="1500" spc="-1" strike="noStrike">
-              <a:solidFill>
-                <a:srgbClr val="ffffff"/>
-              </a:solidFill>
-              <a:latin typeface="Noto Sans"/>
-            </a:endParaRPr>
-          </a:p>
-          <a:p>
-            <a:pPr lvl="2" marL="1296000" indent="-288000">
-              <a:spcAft>
-                <a:spcPts val="635"/>
-              </a:spcAft>
-            </a:pPr>
-            <a:r>
-              <a:rPr b="0" lang="en-US" sz="1500" spc="-1" strike="noStrike">
-                <a:solidFill>
-                  <a:srgbClr val="ffffff"/>
-                </a:solidFill>
-                <a:latin typeface="Noto Sans"/>
-              </a:rPr>
-              <a:t>Third Outline Level</a:t>
-            </a:r>
-            <a:endParaRPr b="0" lang="en-US" sz="1500" spc="-1" strike="noStrike">
-              <a:solidFill>
-                <a:srgbClr val="ffffff"/>
-              </a:solidFill>
-              <a:latin typeface="Noto Sans"/>
-            </a:endParaRPr>
-          </a:p>
-          <a:p>
-            <a:pPr lvl="3" marL="1728000" indent="-216000">
-              <a:spcAft>
-                <a:spcPts val="425"/>
-              </a:spcAft>
-            </a:pPr>
-            <a:r>
-              <a:rPr b="0" lang="en-US" sz="1500" spc="-1" strike="noStrike">
-                <a:solidFill>
-                  <a:srgbClr val="ffffff"/>
-                </a:solidFill>
-                <a:latin typeface="Noto Sans"/>
-              </a:rPr>
-              <a:t>Fourth Outline Level</a:t>
-            </a:r>
-            <a:endParaRPr b="0" lang="en-US" sz="1500" spc="-1" strike="noStrike">
-              <a:solidFill>
-                <a:srgbClr val="ffffff"/>
-              </a:solidFill>
-              <a:latin typeface="Noto Sans"/>
-            </a:endParaRPr>
-          </a:p>
-          <a:p>
-            <a:pPr lvl="4" marL="2160000" indent="-216000">
-              <a:spcAft>
-                <a:spcPts val="213"/>
-              </a:spcAft>
-            </a:pPr>
-            <a:r>
-              <a:rPr b="0" lang="en-US" sz="1500" spc="-1" strike="noStrike">
-                <a:solidFill>
-                  <a:srgbClr val="ffffff"/>
-                </a:solidFill>
-                <a:latin typeface="Noto Sans"/>
-              </a:rPr>
-              <a:t>Fifth Outline Level</a:t>
-            </a:r>
-            <a:endParaRPr b="0" lang="en-US" sz="1500" spc="-1" strike="noStrike">
-              <a:solidFill>
-                <a:srgbClr val="ffffff"/>
-              </a:solidFill>
-              <a:latin typeface="Noto Sans"/>
-            </a:endParaRPr>
-          </a:p>
-          <a:p>
-            <a:pPr lvl="5" marL="2592000" indent="-216000">
-              <a:spcAft>
-                <a:spcPts val="213"/>
-              </a:spcAft>
-            </a:pPr>
-            <a:r>
-              <a:rPr b="0" lang="en-US" sz="1500" spc="-1" strike="noStrike">
-                <a:solidFill>
-                  <a:srgbClr val="ffffff"/>
-                </a:solidFill>
-                <a:latin typeface="Noto Sans"/>
-              </a:rPr>
-              <a:t>Sixth Outline Level</a:t>
-            </a:r>
-            <a:endParaRPr b="0" lang="en-US" sz="1500" spc="-1" strike="noStrike">
-              <a:solidFill>
-                <a:srgbClr val="ffffff"/>
-              </a:solidFill>
-              <a:latin typeface="Noto Sans"/>
-            </a:endParaRPr>
-          </a:p>
-          <a:p>
-            <a:pPr lvl="6" marL="3024000" indent="-216000">
-              <a:spcAft>
-                <a:spcPts val="213"/>
-              </a:spcAft>
-            </a:pPr>
-            <a:r>
-              <a:rPr b="0" lang="en-US" sz="1500" spc="-1" strike="noStrike">
-                <a:solidFill>
-                  <a:srgbClr val="ffffff"/>
-                </a:solidFill>
-                <a:latin typeface="Noto Sans"/>
-              </a:rPr>
-              <a:t>Seventh Outline Level</a:t>
-            </a:r>
-            <a:endParaRPr b="0" lang="en-US" sz="1500" spc="-1" strike="noStrike">
-              <a:solidFill>
-                <a:srgbClr val="ffffff"/>
-              </a:solidFill>
-              <a:latin typeface="Noto Sans"/>
-            </a:endParaRPr>
-          </a:p>
-        </p:txBody>
-      </p:sp>
-      <p:sp>
-        <p:nvSpPr>
-          <p:cNvPr id="48" name="PlaceHolder 3"/>
-          <p:cNvSpPr>
-            <a:spLocks noGrp="1"/>
-          </p:cNvSpPr>
-          <p:nvPr>
-            <p:ph type="dt" idx="3"/>
-          </p:nvPr>
-        </p:nvSpPr>
-        <p:spPr>
-          <a:xfrm>
-            <a:off x="360000" y="5400000"/>
-            <a:ext cx="2880000" cy="270000"/>
-          </a:xfrm>
-          <a:prstGeom prst="rect">
-            <a:avLst/>
-          </a:prstGeom>
-          <a:noFill/>
-          <a:ln w="72000">
-            <a:noFill/>
-          </a:ln>
-        </p:spPr>
-        <p:txBody>
-          <a:bodyPr lIns="0" rIns="0" tIns="0" bIns="0" anchor="t">
-            <a:noAutofit/>
-          </a:bodyPr>
-          <a:lstStyle>
-            <a:lvl1pPr>
-              <a:defRPr b="1" lang="en-US" sz="1800" spc="-1" strike="noStrike">
-                <a:solidFill>
-                  <a:srgbClr val="ffffff"/>
-                </a:solidFill>
-                <a:latin typeface="Noto Sans"/>
-              </a:defRPr>
-            </a:lvl1pPr>
-          </a:lstStyle>
-          <a:p>
-            <a:r>
+            <a:fld id="{93C557A9-A8AF-40F8-A8D5-3DD2AE7FEA2A}" type="slidenum">
               <a:rPr b="1" lang="en-US" sz="1800" spc="-1" strike="noStrike">
                 <a:solidFill>
                   <a:srgbClr val="ffffff"/>
                 </a:solidFill>
                 <a:latin typeface="Noto Sans"/>
               </a:rPr>
-              <a:t>&lt;date/time&gt;</a:t>
-            </a:r>
-            <a:endParaRPr b="1" lang="en-US" sz="1800" spc="-1" strike="noStrike">
-              <a:solidFill>
-                <a:srgbClr val="ffffff"/>
-              </a:solidFill>
-              <a:latin typeface="Noto Sans"/>
-            </a:endParaRPr>
-          </a:p>
-        </p:txBody>
-      </p:sp>
-      <p:sp>
-        <p:nvSpPr>
-          <p:cNvPr id="49" name="PlaceHolder 4"/>
+              <a:t>&lt;number&gt;</a:t>
+            </a:fld>
+            <a:endParaRPr b="0" lang="en-US" sz="1800" spc="-1" strike="noStrike">
+              <a:latin typeface="Arial"/>
+            </a:endParaRPr>
+          </a:p>
+        </p:txBody>
+      </p:sp>
+      <p:sp>
+        <p:nvSpPr>
+          <p:cNvPr id="47" name="PlaceHolder 1"/>
+          <p:cNvSpPr>
+            <a:spLocks noGrp="1"/>
+          </p:cNvSpPr>
+          <p:nvPr>
+            <p:ph type="title"/>
+          </p:nvPr>
+        </p:nvSpPr>
+        <p:spPr>
+          <a:xfrm>
+            <a:off x="2700000" y="1485000"/>
+            <a:ext cx="4679640" cy="1619640"/>
+          </a:xfrm>
+          <a:prstGeom prst="rect">
+            <a:avLst/>
+          </a:prstGeom>
+          <a:noFill/>
+          <a:ln w="0">
+            <a:noFill/>
+          </a:ln>
+        </p:spPr>
+        <p:txBody>
+          <a:bodyPr lIns="0" rIns="0" tIns="0" bIns="0" anchor="ctr" anchorCtr="1">
+            <a:noAutofit/>
+          </a:bodyPr>
+          <a:p>
+            <a:r>
+              <a:rPr b="0" lang="en-US" sz="1800" spc="-1" strike="noStrike">
+                <a:latin typeface="Arial"/>
+              </a:rPr>
+              <a:t>Click to edit the title text format</a:t>
+            </a:r>
+            <a:endParaRPr b="0" lang="en-US" sz="1800" spc="-1" strike="noStrike">
+              <a:latin typeface="Arial"/>
+            </a:endParaRPr>
+          </a:p>
+        </p:txBody>
+      </p:sp>
+      <p:sp>
+        <p:nvSpPr>
+          <p:cNvPr id="48" name="PlaceHolder 2"/>
+          <p:cNvSpPr>
+            <a:spLocks noGrp="1"/>
+          </p:cNvSpPr>
+          <p:nvPr>
+            <p:ph type="body"/>
+          </p:nvPr>
+        </p:nvSpPr>
+        <p:spPr>
+          <a:xfrm>
+            <a:off x="3420000" y="3240000"/>
+            <a:ext cx="6299640" cy="1619640"/>
+          </a:xfrm>
+          <a:prstGeom prst="rect">
+            <a:avLst/>
+          </a:prstGeom>
+          <a:noFill/>
+          <a:ln w="0">
+            <a:noFill/>
+          </a:ln>
+        </p:spPr>
+        <p:txBody>
+          <a:bodyPr lIns="0" rIns="0" tIns="0" bIns="0" anchor="t">
+            <a:normAutofit fontScale="68000"/>
+          </a:bodyPr>
+          <a:p>
+            <a:pPr marL="432000" indent="-324000">
+              <a:spcBef>
+                <a:spcPts val="1417"/>
+              </a:spcBef>
+              <a:buClr>
+                <a:srgbClr val="000000"/>
+              </a:buClr>
+              <a:buSzPct val="45000"/>
+              <a:buFont typeface="Wingdings" charset="2"/>
+              <a:buChar char=""/>
+            </a:pPr>
+            <a:r>
+              <a:rPr b="0" lang="en-US" sz="1800" spc="-1" strike="noStrike">
+                <a:latin typeface="Arial"/>
+              </a:rPr>
+              <a:t>Click to edit the outline text format</a:t>
+            </a:r>
+            <a:endParaRPr b="0" lang="en-US" sz="1800" spc="-1" strike="noStrike">
+              <a:latin typeface="Arial"/>
+            </a:endParaRPr>
+          </a:p>
+          <a:p>
+            <a:pPr lvl="1" marL="864000" indent="-324000">
+              <a:spcBef>
+                <a:spcPts val="1134"/>
+              </a:spcBef>
+              <a:buClr>
+                <a:srgbClr val="000000"/>
+              </a:buClr>
+              <a:buSzPct val="75000"/>
+              <a:buFont typeface="Symbol" charset="2"/>
+              <a:buChar char=""/>
+            </a:pPr>
+            <a:r>
+              <a:rPr b="0" lang="en-US" sz="1800" spc="-1" strike="noStrike">
+                <a:latin typeface="Arial"/>
+              </a:rPr>
+              <a:t>Second Outline Level</a:t>
+            </a:r>
+            <a:endParaRPr b="0" lang="en-US" sz="1800" spc="-1" strike="noStrike">
+              <a:latin typeface="Arial"/>
+            </a:endParaRPr>
+          </a:p>
+          <a:p>
+            <a:pPr lvl="2" marL="1296000" indent="-288000">
+              <a:spcBef>
+                <a:spcPts val="850"/>
+              </a:spcBef>
+              <a:buClr>
+                <a:srgbClr val="000000"/>
+              </a:buClr>
+              <a:buSzPct val="45000"/>
+              <a:buFont typeface="Wingdings" charset="2"/>
+              <a:buChar char=""/>
+            </a:pPr>
+            <a:r>
+              <a:rPr b="0" lang="en-US" sz="1800" spc="-1" strike="noStrike">
+                <a:latin typeface="Arial"/>
+              </a:rPr>
+              <a:t>Third Outline Level</a:t>
+            </a:r>
+            <a:endParaRPr b="0" lang="en-US" sz="1800" spc="-1" strike="noStrike">
+              <a:latin typeface="Arial"/>
+            </a:endParaRPr>
+          </a:p>
+          <a:p>
+            <a:pPr lvl="3" marL="1728000" indent="-216000">
+              <a:spcBef>
+                <a:spcPts val="567"/>
+              </a:spcBef>
+              <a:buClr>
+                <a:srgbClr val="000000"/>
+              </a:buClr>
+              <a:buSzPct val="75000"/>
+              <a:buFont typeface="Symbol" charset="2"/>
+              <a:buChar char=""/>
+            </a:pPr>
+            <a:r>
+              <a:rPr b="0" lang="en-US" sz="1800" spc="-1" strike="noStrike">
+                <a:latin typeface="Arial"/>
+              </a:rPr>
+              <a:t>Fourth Outline Level</a:t>
+            </a:r>
+            <a:endParaRPr b="0" lang="en-US" sz="1800" spc="-1" strike="noStrike">
+              <a:latin typeface="Arial"/>
+            </a:endParaRPr>
+          </a:p>
+          <a:p>
+            <a:pPr lvl="4" marL="2160000" indent="-216000">
+              <a:spcBef>
+                <a:spcPts val="283"/>
+              </a:spcBef>
+              <a:buClr>
+                <a:srgbClr val="000000"/>
+              </a:buClr>
+              <a:buSzPct val="45000"/>
+              <a:buFont typeface="Wingdings" charset="2"/>
+              <a:buChar char=""/>
+            </a:pPr>
+            <a:r>
+              <a:rPr b="0" lang="en-US" sz="1800" spc="-1" strike="noStrike">
+                <a:latin typeface="Arial"/>
+              </a:rPr>
+              <a:t>Fifth Outline Level</a:t>
+            </a:r>
+            <a:endParaRPr b="0" lang="en-US" sz="1800" spc="-1" strike="noStrike">
+              <a:latin typeface="Arial"/>
+            </a:endParaRPr>
+          </a:p>
+          <a:p>
+            <a:pPr lvl="5" marL="2592000" indent="-216000">
+              <a:spcBef>
+                <a:spcPts val="283"/>
+              </a:spcBef>
+              <a:buClr>
+                <a:srgbClr val="000000"/>
+              </a:buClr>
+              <a:buSzPct val="45000"/>
+              <a:buFont typeface="Wingdings" charset="2"/>
+              <a:buChar char=""/>
+            </a:pPr>
+            <a:r>
+              <a:rPr b="0" lang="en-US" sz="1800" spc="-1" strike="noStrike">
+                <a:latin typeface="Arial"/>
+              </a:rPr>
+              <a:t>Sixth Outline Level</a:t>
+            </a:r>
+            <a:endParaRPr b="0" lang="en-US" sz="1800" spc="-1" strike="noStrike">
+              <a:latin typeface="Arial"/>
+            </a:endParaRPr>
+          </a:p>
+          <a:p>
+            <a:pPr lvl="6" marL="3024000" indent="-216000">
+              <a:spcBef>
+                <a:spcPts val="283"/>
+              </a:spcBef>
+              <a:buClr>
+                <a:srgbClr val="000000"/>
+              </a:buClr>
+              <a:buSzPct val="45000"/>
+              <a:buFont typeface="Wingdings" charset="2"/>
+              <a:buChar char=""/>
+            </a:pPr>
+            <a:r>
+              <a:rPr b="0" lang="en-US" sz="1800" spc="-1" strike="noStrike">
+                <a:latin typeface="Arial"/>
+              </a:rPr>
+              <a:t>Seventh Outline Level</a:t>
+            </a:r>
+            <a:endParaRPr b="0" lang="en-US" sz="1800" spc="-1" strike="noStrike">
+              <a:latin typeface="Arial"/>
+            </a:endParaRPr>
+          </a:p>
+        </p:txBody>
+      </p:sp>
+      <p:sp>
+        <p:nvSpPr>
+          <p:cNvPr id="49" name="PlaceHolder 3"/>
           <p:cNvSpPr>
             <a:spLocks noGrp="1"/>
           </p:cNvSpPr>
@@ -7815,7 +7438,7 @@
         <p:spPr>
           <a:xfrm>
             <a:off x="3420000" y="5400000"/>
-            <a:ext cx="3240000" cy="270000"/>
+            <a:ext cx="3239640" cy="269640"/>
           </a:xfrm>
           <a:prstGeom prst="rect">
             <a:avLst/>
@@ -7831,6 +7454,9 @@
           </a:bodyPr>
           <a:lstStyle>
             <a:lvl1pPr algn="ctr">
+              <a:lnSpc>
+                <a:spcPct val="100000"/>
+              </a:lnSpc>
               <a:buNone/>
               <a:defRPr b="1" lang="en-US" sz="1800" spc="-1" strike="noStrike">
                 <a:solidFill>
@@ -7842,6 +7468,9 @@
           </a:lstStyle>
           <a:p>
             <a:pPr algn="ctr">
+              <a:lnSpc>
+                <a:spcPct val="100000"/>
+              </a:lnSpc>
               <a:buNone/>
             </a:pPr>
             <a:r>
@@ -7853,29 +7482,26 @@
               </a:rPr>
               <a:t>&lt;footer&gt;</a:t>
             </a:r>
-            <a:endParaRPr b="1" lang="en-US" sz="1800" spc="-1" strike="noStrike">
-              <a:solidFill>
-                <a:srgbClr val="ffffff"/>
-              </a:solidFill>
-              <a:latin typeface="Noto Sans"/>
-            </a:endParaRPr>
-          </a:p>
-        </p:txBody>
-      </p:sp>
-      <p:sp>
-        <p:nvSpPr>
-          <p:cNvPr id="50" name="PlaceHolder 5"/>
-          <p:cNvSpPr>
-            <a:spLocks noGrp="1"/>
-          </p:cNvSpPr>
-          <p:nvPr>
-            <p:ph type="sldNum" idx="5"/>
-          </p:nvPr>
-        </p:nvSpPr>
-        <p:spPr>
-          <a:xfrm>
-            <a:off x="9180000" y="5130000"/>
-            <a:ext cx="720000" cy="540000"/>
+            <a:endParaRPr b="0" lang="en-US" sz="1800" spc="-1" strike="noStrike">
+              <a:latin typeface="Times New Roman"/>
+            </a:endParaRPr>
+          </a:p>
+        </p:txBody>
+      </p:sp>
+      <p:sp>
+        <p:nvSpPr>
+          <p:cNvPr id="50" name="PlaceHolder 4"/>
+          <p:cNvSpPr>
+            <a:spLocks noGrp="1"/>
+          </p:cNvSpPr>
+          <p:nvPr>
+            <p:ph type="dt" idx="5"/>
+          </p:nvPr>
+        </p:nvSpPr>
+        <p:spPr>
+          <a:xfrm>
+            <a:off x="360000" y="5400000"/>
+            <a:ext cx="2879640" cy="269640"/>
           </a:xfrm>
           <a:prstGeom prst="rect">
             <a:avLst/>
@@ -7886,38 +7512,25 @@
           </a:ln>
         </p:spPr>
         <p:txBody>
-          <a:bodyPr lIns="0" rIns="0" tIns="0" bIns="0" anchor="ctr">
+          <a:bodyPr lIns="0" rIns="0" tIns="0" bIns="0" anchor="t">
             <a:noAutofit/>
           </a:bodyPr>
           <a:lstStyle>
-            <a:lvl1pPr algn="ctr">
-              <a:buNone/>
-              <a:defRPr b="1" lang="en-US" sz="1800" spc="-1" strike="noStrike">
-                <a:solidFill>
-                  <a:srgbClr val="ffffff"/>
-                </a:solidFill>
-                <a:latin typeface="Noto Sans"/>
+            <a:lvl1pPr>
+              <a:defRPr b="0" lang="en-US" sz="1400" spc="-1" strike="noStrike">
+                <a:latin typeface="Times New Roman"/>
               </a:defRPr>
             </a:lvl1pPr>
           </a:lstStyle>
           <a:p>
-            <a:pPr algn="ctr">
-              <a:buNone/>
-            </a:pPr>
-            <a:fld id="{865E9178-7BFA-4B1F-B49C-D69552D5F74D}" type="slidenum">
-              <a:rPr b="1" lang="en-US" sz="1800" spc="-1" strike="noStrike">
-                <a:solidFill>
-                  <a:srgbClr val="ffffff"/>
-                </a:solidFill>
-                <a:latin typeface="Noto Sans"/>
+            <a:r>
+              <a:rPr b="0" lang="en-US" sz="1400" spc="-1" strike="noStrike">
+                <a:latin typeface="Times New Roman"/>
               </a:rPr>
-              <a:t>&lt;number&gt;</a:t>
-            </a:fld>
-            <a:endParaRPr b="1" lang="en-US" sz="1800" spc="-1" strike="noStrike">
-              <a:solidFill>
-                <a:srgbClr val="ffffff"/>
-              </a:solidFill>
-              <a:latin typeface="Noto Sans"/>
+              <a:t>&lt;date/time&gt;</a:t>
+            </a:r>
+            <a:endParaRPr b="0" lang="en-US" sz="1400" spc="-1" strike="noStrike">
+              <a:latin typeface="Times New Roman"/>
             </a:endParaRPr>
           </a:p>
         </p:txBody>
@@ -7968,7 +7581,7 @@
         <p:spPr>
           <a:xfrm>
             <a:off x="0" y="0"/>
-            <a:ext cx="10080000" cy="5670000"/>
+            <a:ext cx="10079640" cy="5669640"/>
           </a:xfrm>
           <a:prstGeom prst="rect">
             <a:avLst/>
@@ -7996,7 +7609,7 @@
         <p:spPr>
           <a:xfrm>
             <a:off x="2520000" y="1350000"/>
-            <a:ext cx="5040000" cy="1890000"/>
+            <a:ext cx="5039640" cy="1889640"/>
           </a:xfrm>
           <a:prstGeom prst="wedgeRectCallout">
             <a:avLst>
@@ -8034,7 +7647,7 @@
         <p:spPr>
           <a:xfrm>
             <a:off x="2700000" y="1485000"/>
-            <a:ext cx="4680000" cy="1620000"/>
+            <a:ext cx="4679640" cy="1619640"/>
           </a:xfrm>
           <a:prstGeom prst="rect">
             <a:avLst/>
@@ -8049,23 +7662,14 @@
             <a:noAutofit/>
           </a:bodyPr>
           <a:p>
-            <a:pPr algn="ctr">
-              <a:buNone/>
-            </a:pPr>
-            <a:r>
-              <a:rPr b="1" lang="en-US" sz="2700" spc="-1" strike="noStrike">
-                <a:solidFill>
-                  <a:srgbClr val="2c3e50"/>
-                </a:solidFill>
-                <a:latin typeface="Noto Sans"/>
+            <a:r>
+              <a:rPr b="0" lang="en-US" sz="1800" spc="-1" strike="noStrike">
+                <a:latin typeface="Arial"/>
               </a:rPr>
               <a:t>Click to edit the title text format</a:t>
             </a:r>
-            <a:endParaRPr b="1" lang="en-US" sz="2700" spc="-1" strike="noStrike">
-              <a:solidFill>
-                <a:srgbClr val="2c3e50"/>
-              </a:solidFill>
-              <a:latin typeface="Noto Sans"/>
+            <a:endParaRPr b="0" lang="en-US" sz="1800" spc="-1" strike="noStrike">
+              <a:latin typeface="Arial"/>
             </a:endParaRPr>
           </a:p>
         </p:txBody>
@@ -8083,7 +7687,7 @@
         <p:spPr>
           <a:xfrm>
             <a:off x="3420000" y="3240000"/>
-            <a:ext cx="6300000" cy="1620000"/>
+            <a:ext cx="6299640" cy="1619640"/>
           </a:xfrm>
           <a:prstGeom prst="rect">
             <a:avLst/>
@@ -8095,160 +7699,160 @@
         </p:spPr>
         <p:txBody>
           <a:bodyPr lIns="0" rIns="0" tIns="0" bIns="0" anchor="t">
-            <a:normAutofit fontScale="83000"/>
+            <a:normAutofit fontScale="68000"/>
           </a:bodyPr>
           <a:p>
             <a:pPr marL="432000" indent="-324000">
-              <a:spcAft>
-                <a:spcPts val="655"/>
-              </a:spcAft>
-            </a:pPr>
-            <a:r>
-              <a:rPr b="0" lang="en-US" sz="1500" spc="-1" strike="noStrike">
-                <a:solidFill>
-                  <a:srgbClr val="ffffff"/>
-                </a:solidFill>
-                <a:latin typeface="Noto Sans"/>
+              <a:spcBef>
+                <a:spcPts val="1417"/>
+              </a:spcBef>
+              <a:buClr>
+                <a:srgbClr val="000000"/>
+              </a:buClr>
+              <a:buSzPct val="45000"/>
+              <a:buFont typeface="Wingdings" charset="2"/>
+              <a:buChar char=""/>
+            </a:pPr>
+            <a:r>
+              <a:rPr b="0" lang="en-US" sz="1800" spc="-1" strike="noStrike">
+                <a:latin typeface="Arial"/>
               </a:rPr>
               <a:t>Click to edit the outline text format</a:t>
             </a:r>
-            <a:endParaRPr b="0" lang="en-US" sz="1500" spc="-1" strike="noStrike">
-              <a:solidFill>
-                <a:srgbClr val="ffffff"/>
-              </a:solidFill>
-              <a:latin typeface="Noto Sans"/>
+            <a:endParaRPr b="0" lang="en-US" sz="1800" spc="-1" strike="noStrike">
+              <a:latin typeface="Arial"/>
             </a:endParaRPr>
           </a:p>
           <a:p>
             <a:pPr lvl="1" marL="864000" indent="-324000">
-              <a:spcAft>
-                <a:spcPts val="850"/>
-              </a:spcAft>
-            </a:pPr>
-            <a:r>
-              <a:rPr b="0" lang="en-US" sz="1500" spc="-1" strike="noStrike">
-                <a:solidFill>
-                  <a:srgbClr val="ffffff"/>
-                </a:solidFill>
-                <a:latin typeface="Noto Sans"/>
+              <a:spcBef>
+                <a:spcPts val="1134"/>
+              </a:spcBef>
+              <a:buClr>
+                <a:srgbClr val="000000"/>
+              </a:buClr>
+              <a:buSzPct val="75000"/>
+              <a:buFont typeface="Symbol" charset="2"/>
+              <a:buChar char=""/>
+            </a:pPr>
+            <a:r>
+              <a:rPr b="0" lang="en-US" sz="1800" spc="-1" strike="noStrike">
+                <a:latin typeface="Arial"/>
               </a:rPr>
               <a:t>Second Outline Level</a:t>
             </a:r>
-            <a:endParaRPr b="0" lang="en-US" sz="1500" spc="-1" strike="noStrike">
-              <a:solidFill>
-                <a:srgbClr val="ffffff"/>
-              </a:solidFill>
-              <a:latin typeface="Noto Sans"/>
+            <a:endParaRPr b="0" lang="en-US" sz="1800" spc="-1" strike="noStrike">
+              <a:latin typeface="Arial"/>
             </a:endParaRPr>
           </a:p>
           <a:p>
             <a:pPr lvl="2" marL="1296000" indent="-288000">
-              <a:spcAft>
-                <a:spcPts val="635"/>
-              </a:spcAft>
-            </a:pPr>
-            <a:r>
-              <a:rPr b="0" lang="en-US" sz="1500" spc="-1" strike="noStrike">
-                <a:solidFill>
-                  <a:srgbClr val="ffffff"/>
-                </a:solidFill>
-                <a:latin typeface="Noto Sans"/>
+              <a:spcBef>
+                <a:spcPts val="850"/>
+              </a:spcBef>
+              <a:buClr>
+                <a:srgbClr val="000000"/>
+              </a:buClr>
+              <a:buSzPct val="45000"/>
+              <a:buFont typeface="Wingdings" charset="2"/>
+              <a:buChar char=""/>
+            </a:pPr>
+            <a:r>
+              <a:rPr b="0" lang="en-US" sz="1800" spc="-1" strike="noStrike">
+                <a:latin typeface="Arial"/>
               </a:rPr>
               <a:t>Third Outline Level</a:t>
             </a:r>
-            <a:endParaRPr b="0" lang="en-US" sz="1500" spc="-1" strike="noStrike">
-              <a:solidFill>
-                <a:srgbClr val="ffffff"/>
-              </a:solidFill>
-              <a:latin typeface="Noto Sans"/>
+            <a:endParaRPr b="0" lang="en-US" sz="1800" spc="-1" strike="noStrike">
+              <a:latin typeface="Arial"/>
             </a:endParaRPr>
           </a:p>
           <a:p>
             <a:pPr lvl="3" marL="1728000" indent="-216000">
-              <a:spcAft>
-                <a:spcPts val="425"/>
-              </a:spcAft>
-            </a:pPr>
-            <a:r>
-              <a:rPr b="0" lang="en-US" sz="1500" spc="-1" strike="noStrike">
-                <a:solidFill>
-                  <a:srgbClr val="ffffff"/>
-                </a:solidFill>
-                <a:latin typeface="Noto Sans"/>
+              <a:spcBef>
+                <a:spcPts val="567"/>
+              </a:spcBef>
+              <a:buClr>
+                <a:srgbClr val="000000"/>
+              </a:buClr>
+              <a:buSzPct val="75000"/>
+              <a:buFont typeface="Symbol" charset="2"/>
+              <a:buChar char=""/>
+            </a:pPr>
+            <a:r>
+              <a:rPr b="0" lang="en-US" sz="1800" spc="-1" strike="noStrike">
+                <a:latin typeface="Arial"/>
               </a:rPr>
               <a:t>Fourth Outline Level</a:t>
             </a:r>
-            <a:endParaRPr b="0" lang="en-US" sz="1500" spc="-1" strike="noStrike">
-              <a:solidFill>
-                <a:srgbClr val="ffffff"/>
-              </a:solidFill>
-              <a:latin typeface="Noto Sans"/>
+            <a:endParaRPr b="0" lang="en-US" sz="1800" spc="-1" strike="noStrike">
+              <a:latin typeface="Arial"/>
             </a:endParaRPr>
           </a:p>
           <a:p>
             <a:pPr lvl="4" marL="2160000" indent="-216000">
-              <a:spcAft>
-                <a:spcPts val="213"/>
-              </a:spcAft>
-            </a:pPr>
-            <a:r>
-              <a:rPr b="0" lang="en-US" sz="1500" spc="-1" strike="noStrike">
-                <a:solidFill>
-                  <a:srgbClr val="ffffff"/>
-                </a:solidFill>
-                <a:latin typeface="Noto Sans"/>
+              <a:spcBef>
+                <a:spcPts val="283"/>
+              </a:spcBef>
+              <a:buClr>
+                <a:srgbClr val="000000"/>
+              </a:buClr>
+              <a:buSzPct val="45000"/>
+              <a:buFont typeface="Wingdings" charset="2"/>
+              <a:buChar char=""/>
+            </a:pPr>
+            <a:r>
+              <a:rPr b="0" lang="en-US" sz="1800" spc="-1" strike="noStrike">
+                <a:latin typeface="Arial"/>
               </a:rPr>
               <a:t>Fifth Outline Level</a:t>
             </a:r>
-            <a:endParaRPr b="0" lang="en-US" sz="1500" spc="-1" strike="noStrike">
-              <a:solidFill>
-                <a:srgbClr val="ffffff"/>
-              </a:solidFill>
-              <a:latin typeface="Noto Sans"/>
+            <a:endParaRPr b="0" lang="en-US" sz="1800" spc="-1" strike="noStrike">
+              <a:latin typeface="Arial"/>
             </a:endParaRPr>
           </a:p>
           <a:p>
             <a:pPr lvl="5" marL="2592000" indent="-216000">
-              <a:spcAft>
-                <a:spcPts val="213"/>
-              </a:spcAft>
-            </a:pPr>
-            <a:r>
-              <a:rPr b="0" lang="en-US" sz="1500" spc="-1" strike="noStrike">
-                <a:solidFill>
-                  <a:srgbClr val="ffffff"/>
-                </a:solidFill>
-                <a:latin typeface="Noto Sans"/>
+              <a:spcBef>
+                <a:spcPts val="283"/>
+              </a:spcBef>
+              <a:buClr>
+                <a:srgbClr val="000000"/>
+              </a:buClr>
+              <a:buSzPct val="45000"/>
+              <a:buFont typeface="Wingdings" charset="2"/>
+              <a:buChar char=""/>
+            </a:pPr>
+            <a:r>
+              <a:rPr b="0" lang="en-US" sz="1800" spc="-1" strike="noStrike">
+                <a:latin typeface="Arial"/>
               </a:rPr>
               <a:t>Sixth Outline Level</a:t>
             </a:r>
-            <a:endParaRPr b="0" lang="en-US" sz="1500" spc="-1" strike="noStrike">
-              <a:solidFill>
-                <a:srgbClr val="ffffff"/>
-              </a:solidFill>
-              <a:latin typeface="Noto Sans"/>
+            <a:endParaRPr b="0" lang="en-US" sz="1800" spc="-1" strike="noStrike">
+              <a:latin typeface="Arial"/>
             </a:endParaRPr>
           </a:p>
           <a:p>
             <a:pPr lvl="6" marL="3024000" indent="-216000">
-              <a:spcAft>
-                <a:spcPts val="213"/>
-              </a:spcAft>
-            </a:pPr>
-            <a:r>
-              <a:rPr b="0" lang="en-US" sz="1500" spc="-1" strike="noStrike">
-                <a:solidFill>
-                  <a:srgbClr val="ffffff"/>
-                </a:solidFill>
-                <a:latin typeface="Noto Sans"/>
+              <a:spcBef>
+                <a:spcPts val="283"/>
+              </a:spcBef>
+              <a:buClr>
+                <a:srgbClr val="000000"/>
+              </a:buClr>
+              <a:buSzPct val="45000"/>
+              <a:buFont typeface="Wingdings" charset="2"/>
+              <a:buChar char=""/>
+            </a:pPr>
+            <a:r>
+              <a:rPr b="0" lang="en-US" sz="1800" spc="-1" strike="noStrike">
+                <a:latin typeface="Arial"/>
               </a:rPr>
               <a:t>Seventh Outline Level</a:t>
             </a:r>
-            <a:endParaRPr b="0" lang="en-US" sz="1500" spc="-1" strike="noStrike">
-              <a:solidFill>
-                <a:srgbClr val="ffffff"/>
-              </a:solidFill>
-              <a:latin typeface="Noto Sans"/>
+            <a:endParaRPr b="0" lang="en-US" sz="1800" spc="-1" strike="noStrike">
+              <a:latin typeface="Arial"/>
             </a:endParaRPr>
           </a:p>
         </p:txBody>
@@ -8260,13 +7864,13 @@
             <a:spLocks noGrp="1"/>
           </p:cNvSpPr>
           <p:nvPr>
-            <p:ph type="dt" idx="6"/>
-          </p:nvPr>
-        </p:nvSpPr>
-        <p:spPr>
-          <a:xfrm>
-            <a:off x="360000" y="5400000"/>
-            <a:ext cx="2880000" cy="270000"/>
+            <p:ph type="ftr" idx="6"/>
+          </p:nvPr>
+        </p:nvSpPr>
+        <p:spPr>
+          <a:xfrm>
+            <a:off x="3420000" y="5400000"/>
+            <a:ext cx="3239640" cy="269640"/>
           </a:xfrm>
           <a:prstGeom prst="rect">
             <a:avLst/>
@@ -8281,63 +7885,10 @@
             <a:noAutofit/>
           </a:bodyPr>
           <a:lstStyle>
-            <a:lvl1pPr>
-              <a:defRPr b="1" lang="en-US" sz="1800" spc="-1" strike="noStrike">
-                <a:solidFill>
-                  <a:srgbClr val="ffffff"/>
-                </a:solidFill>
-                <a:latin typeface="Noto Sans"/>
-              </a:defRPr>
-            </a:lvl1pPr>
-          </a:lstStyle>
-          <a:p>
-            <a:r>
-              <a:rPr b="1" lang="en-US" sz="1800" spc="-1" strike="noStrike">
-                <a:solidFill>
-                  <a:srgbClr val="ffffff"/>
-                </a:solidFill>
-                <a:latin typeface="Noto Sans"/>
-              </a:rPr>
-              <a:t>&lt;date/time&gt;</a:t>
-            </a:r>
-            <a:endParaRPr b="1" lang="en-US" sz="1800" spc="-1" strike="noStrike">
-              <a:solidFill>
-                <a:srgbClr val="ffffff"/>
-              </a:solidFill>
-              <a:latin typeface="Noto Sans"/>
-            </a:endParaRPr>
-          </a:p>
-        </p:txBody>
-      </p:sp>
-      <p:sp>
-        <p:nvSpPr>
-          <p:cNvPr id="92" name="PlaceHolder 4"/>
-          <p:cNvSpPr>
-            <a:spLocks noGrp="1"/>
-          </p:cNvSpPr>
-          <p:nvPr>
-            <p:ph type="ftr" idx="7"/>
-          </p:nvPr>
-        </p:nvSpPr>
-        <p:spPr>
-          <a:xfrm>
-            <a:off x="3420000" y="5400000"/>
-            <a:ext cx="3240000" cy="270000"/>
-          </a:xfrm>
-          <a:prstGeom prst="rect">
-            <a:avLst/>
-          </a:prstGeom>
-          <a:noFill/>
-          <a:ln w="72000">
-            <a:noFill/>
-          </a:ln>
-        </p:spPr>
-        <p:txBody>
-          <a:bodyPr lIns="0" rIns="0" tIns="0" bIns="0" anchor="t">
-            <a:noAutofit/>
-          </a:bodyPr>
-          <a:lstStyle>
             <a:lvl1pPr algn="ctr">
+              <a:lnSpc>
+                <a:spcPct val="100000"/>
+              </a:lnSpc>
               <a:buNone/>
               <a:defRPr b="1" lang="en-US" sz="1800" spc="-1" strike="noStrike">
                 <a:solidFill>
@@ -8349,6 +7900,9 @@
           </a:lstStyle>
           <a:p>
             <a:pPr algn="ctr">
+              <a:lnSpc>
+                <a:spcPct val="100000"/>
+              </a:lnSpc>
               <a:buNone/>
             </a:pPr>
             <a:r>
@@ -8360,29 +7914,26 @@
               </a:rPr>
               <a:t>&lt;footer&gt;</a:t>
             </a:r>
-            <a:endParaRPr b="1" lang="en-US" sz="1800" spc="-1" strike="noStrike">
-              <a:solidFill>
-                <a:srgbClr val="ffffff"/>
-              </a:solidFill>
-              <a:latin typeface="Noto Sans"/>
-            </a:endParaRPr>
-          </a:p>
-        </p:txBody>
-      </p:sp>
-      <p:sp>
-        <p:nvSpPr>
-          <p:cNvPr id="93" name="PlaceHolder 5"/>
-          <p:cNvSpPr>
-            <a:spLocks noGrp="1"/>
-          </p:cNvSpPr>
-          <p:nvPr>
-            <p:ph type="sldNum" idx="8"/>
+            <a:endParaRPr b="0" lang="en-US" sz="1800" spc="-1" strike="noStrike">
+              <a:latin typeface="Times New Roman"/>
+            </a:endParaRPr>
+          </a:p>
+        </p:txBody>
+      </p:sp>
+      <p:sp>
+        <p:nvSpPr>
+          <p:cNvPr id="92" name="PlaceHolder 4"/>
+          <p:cNvSpPr>
+            <a:spLocks noGrp="1"/>
+          </p:cNvSpPr>
+          <p:nvPr>
+            <p:ph type="sldNum" idx="7"/>
           </p:nvPr>
         </p:nvSpPr>
         <p:spPr>
           <a:xfrm>
             <a:off x="9180000" y="5130000"/>
-            <a:ext cx="720000" cy="540000"/>
+            <a:ext cx="719640" cy="539640"/>
           </a:xfrm>
           <a:prstGeom prst="rect">
             <a:avLst/>
@@ -8398,6 +7949,9 @@
           </a:bodyPr>
           <a:lstStyle>
             <a:lvl1pPr algn="ctr">
+              <a:lnSpc>
+                <a:spcPct val="100000"/>
+              </a:lnSpc>
               <a:buNone/>
               <a:defRPr b="1" lang="en-US" sz="1800" spc="-1" strike="noStrike">
                 <a:solidFill>
@@ -8409,9 +7963,12 @@
           </a:lstStyle>
           <a:p>
             <a:pPr algn="ctr">
+              <a:lnSpc>
+                <a:spcPct val="100000"/>
+              </a:lnSpc>
               <a:buNone/>
             </a:pPr>
-            <a:fld id="{B311103D-0F7E-44D7-8A84-D0EE7F7CC52B}" type="slidenum">
+            <a:fld id="{CA23671B-7EE9-492F-B01A-E762CFC50128}" type="slidenum">
               <a:rPr b="1" lang="en-US" sz="1800" spc="-1" strike="noStrike">
                 <a:solidFill>
                   <a:srgbClr val="ffffff"/>
@@ -8420,11 +7977,55 @@
               </a:rPr>
               <a:t>&lt;number&gt;</a:t>
             </a:fld>
-            <a:endParaRPr b="1" lang="en-US" sz="1800" spc="-1" strike="noStrike">
-              <a:solidFill>
-                <a:srgbClr val="ffffff"/>
-              </a:solidFill>
-              <a:latin typeface="Noto Sans"/>
+            <a:endParaRPr b="0" lang="en-US" sz="1800" spc="-1" strike="noStrike">
+              <a:latin typeface="Times New Roman"/>
+            </a:endParaRPr>
+          </a:p>
+        </p:txBody>
+      </p:sp>
+      <p:sp>
+        <p:nvSpPr>
+          <p:cNvPr id="93" name="PlaceHolder 5"/>
+          <p:cNvSpPr>
+            <a:spLocks noGrp="1"/>
+          </p:cNvSpPr>
+          <p:nvPr>
+            <p:ph type="dt" idx="8"/>
+          </p:nvPr>
+        </p:nvSpPr>
+        <p:spPr>
+          <a:xfrm>
+            <a:off x="360000" y="5400000"/>
+            <a:ext cx="2879640" cy="269640"/>
+          </a:xfrm>
+          <a:prstGeom prst="rect">
+            <a:avLst/>
+          </a:prstGeom>
+          <a:noFill/>
+          <a:ln w="72000">
+            <a:noFill/>
+          </a:ln>
+        </p:spPr>
+        <p:txBody>
+          <a:bodyPr lIns="0" rIns="0" tIns="0" bIns="0" anchor="t">
+            <a:noAutofit/>
+          </a:bodyPr>
+          <a:lstStyle>
+            <a:lvl1pPr>
+              <a:defRPr b="0" lang="en-US" sz="1400" spc="-1" strike="noStrike">
+                <a:latin typeface="Times New Roman"/>
+              </a:defRPr>
+            </a:lvl1pPr>
+          </a:lstStyle>
+          <a:p>
+            <a:r>
+              <a:rPr b="0" lang="en-US" sz="1400" spc="-1" strike="noStrike">
+                <a:latin typeface="Times New Roman"/>
+              </a:rPr>
+              <a:t>&lt;date/time&gt;</a:t>
+            </a:r>
+            <a:endParaRPr b="0" lang="en-US" sz="1400" spc="-1" strike="noStrike">
+              <a:latin typeface="Times New Roman"/>
             </a:endParaRPr>
           </a:p>
         </p:txBody>
@@ -8479,7 +8080,7 @@
         <p:spPr>
           <a:xfrm>
             <a:off x="360000" y="2835000"/>
-            <a:ext cx="9360000" cy="718920"/>
+            <a:ext cx="9359640" cy="718560"/>
           </a:xfrm>
           <a:prstGeom prst="rect">
             <a:avLst/>
@@ -8509,11 +8110,8 @@
               </a:rPr>
               <a:t>Replicated Virtual Driver Architecture</a:t>
             </a:r>
-            <a:endParaRPr b="1" lang="en-US" sz="2700" spc="-1" strike="noStrike">
-              <a:solidFill>
-                <a:srgbClr val="ffffff"/>
-              </a:solidFill>
-              <a:latin typeface="Noto Sans"/>
+            <a:endParaRPr b="0" lang="en-US" sz="2700" spc="-1" strike="noStrike">
+              <a:latin typeface="Arial"/>
             </a:endParaRPr>
           </a:p>
         </p:txBody>
@@ -8531,7 +8129,7 @@
         <p:spPr>
           <a:xfrm>
             <a:off x="360000" y="3915000"/>
-            <a:ext cx="9360000" cy="1485000"/>
+            <a:ext cx="9359640" cy="1484640"/>
           </a:xfrm>
           <a:prstGeom prst="rect">
             <a:avLst/>
@@ -8549,11 +8147,8 @@
             <a:pPr algn="ctr">
               <a:buNone/>
             </a:pPr>
-            <a:endParaRPr b="0" lang="en-US" sz="2200" spc="-1" strike="noStrike">
-              <a:solidFill>
-                <a:srgbClr val="ffffff"/>
-              </a:solidFill>
-              <a:latin typeface="Noto Sans"/>
+            <a:endParaRPr b="0" lang="en-US" sz="3200" spc="-1" strike="noStrike">
+              <a:latin typeface="Arial"/>
             </a:endParaRPr>
           </a:p>
         </p:txBody>
@@ -8601,7 +8196,7 @@
         <p:spPr>
           <a:xfrm>
             <a:off x="360000" y="225720"/>
-            <a:ext cx="9360000" cy="718920"/>
+            <a:ext cx="9359640" cy="718560"/>
           </a:xfrm>
           <a:prstGeom prst="rect">
             <a:avLst/>
@@ -8612,10 +8207,16 @@
           </a:ln>
         </p:spPr>
         <p:txBody>
-          <a:bodyPr lIns="0" rIns="0" tIns="0" bIns="0" anchor="ctr">
+          <a:bodyPr lIns="0" rIns="0" tIns="0" bIns="0" anchor="ctr" anchorCtr="1">
             <a:noAutofit/>
           </a:bodyPr>
           <a:p>
+            <a:pPr>
+              <a:lnSpc>
+                <a:spcPct val="100000"/>
+              </a:lnSpc>
+              <a:buNone/>
+            </a:pPr>
             <a:r>
               <a:rPr b="1" lang="en-US" sz="2700" spc="-1" strike="noStrike">
                 <a:solidFill>
@@ -8634,11 +8235,8 @@
               </a:rPr>
               <a:t>Replicated Virtual Driver Architecture</a:t>
             </a:r>
-            <a:endParaRPr b="1" lang="en-US" sz="2700" spc="-1" strike="noStrike">
-              <a:solidFill>
-                <a:srgbClr val="ffffff"/>
-              </a:solidFill>
-              <a:latin typeface="Noto Sans"/>
+            <a:endParaRPr b="0" lang="en-US" sz="2700" spc="-1" strike="noStrike">
+              <a:latin typeface="Arial"/>
             </a:endParaRPr>
           </a:p>
         </p:txBody>
@@ -8656,7 +8254,7 @@
         <p:spPr>
           <a:xfrm>
             <a:off x="360000" y="1485000"/>
-            <a:ext cx="9360000" cy="3780000"/>
+            <a:ext cx="9359640" cy="3779640"/>
           </a:xfrm>
           <a:prstGeom prst="rect">
             <a:avLst/>
@@ -8668,10 +8266,13 @@
         </p:spPr>
         <p:txBody>
           <a:bodyPr lIns="0" rIns="0" tIns="0" bIns="0" anchor="t">
-            <a:normAutofit fontScale="88000"/>
+            <a:normAutofit fontScale="86000"/>
           </a:bodyPr>
           <a:p>
             <a:pPr marL="432000" indent="-324000">
+              <a:lnSpc>
+                <a:spcPct val="100000"/>
+              </a:lnSpc>
               <a:spcAft>
                 <a:spcPts val="1057"/>
               </a:spcAft>
@@ -8691,15 +8292,15 @@
               </a:rPr>
               <a:t>Process and thread live migration</a:t>
             </a:r>
-            <a:endParaRPr b="1" lang="en-US" sz="2400" spc="-1" strike="noStrike">
-              <a:solidFill>
-                <a:srgbClr val="2c3e50"/>
-              </a:solidFill>
-              <a:latin typeface="Noto Sans"/>
+            <a:endParaRPr b="0" lang="en-US" sz="2400" spc="-1" strike="noStrike">
+              <a:latin typeface="Arial"/>
             </a:endParaRPr>
           </a:p>
           <a:p>
             <a:pPr marL="432000" indent="-324000">
+              <a:lnSpc>
+                <a:spcPct val="100000"/>
+              </a:lnSpc>
               <a:spcAft>
                 <a:spcPts val="1057"/>
               </a:spcAft>
@@ -8719,15 +8320,15 @@
               </a:rPr>
               <a:t>Virtual address space</a:t>
             </a:r>
-            <a:endParaRPr b="1" lang="en-US" sz="2400" spc="-1" strike="noStrike">
-              <a:solidFill>
-                <a:srgbClr val="2c3e50"/>
-              </a:solidFill>
-              <a:latin typeface="Noto Sans"/>
+            <a:endParaRPr b="0" lang="en-US" sz="2400" spc="-1" strike="noStrike">
+              <a:latin typeface="Arial"/>
             </a:endParaRPr>
           </a:p>
           <a:p>
             <a:pPr marL="432000" indent="-324000">
+              <a:lnSpc>
+                <a:spcPct val="100000"/>
+              </a:lnSpc>
               <a:spcAft>
                 <a:spcPts val="1057"/>
               </a:spcAft>
@@ -8747,15 +8348,15 @@
               </a:rPr>
               <a:t>Identify physical pages for processes and threads</a:t>
             </a:r>
-            <a:endParaRPr b="1" lang="en-US" sz="2400" spc="-1" strike="noStrike">
-              <a:solidFill>
-                <a:srgbClr val="2c3e50"/>
-              </a:solidFill>
-              <a:latin typeface="Noto Sans"/>
+            <a:endParaRPr b="0" lang="en-US" sz="2400" spc="-1" strike="noStrike">
+              <a:latin typeface="Arial"/>
             </a:endParaRPr>
           </a:p>
           <a:p>
             <a:pPr marL="432000" indent="-324000">
+              <a:lnSpc>
+                <a:spcPct val="100000"/>
+              </a:lnSpc>
               <a:spcAft>
                 <a:spcPts val="1057"/>
               </a:spcAft>
@@ -8775,15 +8376,15 @@
               </a:rPr>
               <a:t>Physical pages in the kernel can be live migrated from one kernel to another via the messaging layer as is</a:t>
             </a:r>
-            <a:endParaRPr b="1" lang="en-US" sz="2400" spc="-1" strike="noStrike">
-              <a:solidFill>
-                <a:srgbClr val="2c3e50"/>
-              </a:solidFill>
-              <a:latin typeface="Noto Sans"/>
+            <a:endParaRPr b="0" lang="en-US" sz="2400" spc="-1" strike="noStrike">
+              <a:latin typeface="Arial"/>
             </a:endParaRPr>
           </a:p>
           <a:p>
             <a:pPr marL="432000" indent="-324000">
+              <a:lnSpc>
+                <a:spcPct val="100000"/>
+              </a:lnSpc>
               <a:spcAft>
                 <a:spcPts val="1057"/>
               </a:spcAft>
@@ -8803,15 +8404,15 @@
               </a:rPr>
               <a:t>IPC memory mapping with synching of physical pages in the kernels with live migration via the messaging system</a:t>
             </a:r>
-            <a:endParaRPr b="1" lang="en-US" sz="2400" spc="-1" strike="noStrike">
-              <a:solidFill>
-                <a:srgbClr val="2c3e50"/>
-              </a:solidFill>
-              <a:latin typeface="Noto Sans"/>
+            <a:endParaRPr b="0" lang="en-US" sz="2400" spc="-1" strike="noStrike">
+              <a:latin typeface="Arial"/>
             </a:endParaRPr>
           </a:p>
           <a:p>
             <a:pPr marL="432000" indent="-324000">
+              <a:lnSpc>
+                <a:spcPct val="100000"/>
+              </a:lnSpc>
               <a:spcAft>
                 <a:spcPts val="1057"/>
               </a:spcAft>
@@ -8831,11 +8432,8 @@
               </a:rPr>
               <a:t>IPC data transfer to and from another process address space on another machine with live migration via the messaging system</a:t>
             </a:r>
-            <a:endParaRPr b="1" lang="en-US" sz="2400" spc="-1" strike="noStrike">
-              <a:solidFill>
-                <a:srgbClr val="2c3e50"/>
-              </a:solidFill>
-              <a:latin typeface="Noto Sans"/>
+            <a:endParaRPr b="0" lang="en-US" sz="2400" spc="-1" strike="noStrike">
+              <a:latin typeface="Arial"/>
             </a:endParaRPr>
           </a:p>
         </p:txBody>
@@ -8883,7 +8481,7 @@
         <p:spPr>
           <a:xfrm>
             <a:off x="360000" y="225720"/>
-            <a:ext cx="9360000" cy="718920"/>
+            <a:ext cx="9359640" cy="718560"/>
           </a:xfrm>
           <a:prstGeom prst="rect">
             <a:avLst/>
@@ -8894,10 +8492,16 @@
           </a:ln>
         </p:spPr>
         <p:txBody>
-          <a:bodyPr lIns="0" rIns="0" tIns="0" bIns="0" anchor="ctr">
+          <a:bodyPr lIns="0" rIns="0" tIns="0" bIns="0" anchor="ctr" anchorCtr="1">
             <a:noAutofit/>
           </a:bodyPr>
           <a:p>
+            <a:pPr>
+              <a:lnSpc>
+                <a:spcPct val="100000"/>
+              </a:lnSpc>
+              <a:buNone/>
+            </a:pPr>
             <a:r>
               <a:rPr b="1" lang="en-US" sz="2700" spc="-1" strike="noStrike">
                 <a:solidFill>
@@ -8916,11 +8520,8 @@
               </a:rPr>
               <a:t>Replicated Virtual Driver Architecture</a:t>
             </a:r>
-            <a:endParaRPr b="1" lang="en-US" sz="2700" spc="-1" strike="noStrike">
-              <a:solidFill>
-                <a:srgbClr val="ffffff"/>
-              </a:solidFill>
-              <a:latin typeface="Noto Sans"/>
+            <a:endParaRPr b="0" lang="en-US" sz="2700" spc="-1" strike="noStrike">
+              <a:latin typeface="Arial"/>
             </a:endParaRPr>
           </a:p>
         </p:txBody>
@@ -8938,7 +8539,7 @@
         <p:spPr>
           <a:xfrm>
             <a:off x="360000" y="1485000"/>
-            <a:ext cx="9360000" cy="3780000"/>
+            <a:ext cx="9359640" cy="3779640"/>
           </a:xfrm>
           <a:prstGeom prst="rect">
             <a:avLst/>
@@ -8950,10 +8551,13 @@
         </p:spPr>
         <p:txBody>
           <a:bodyPr lIns="0" rIns="0" tIns="0" bIns="0" anchor="t">
-            <a:normAutofit fontScale="74000"/>
+            <a:normAutofit fontScale="72000"/>
           </a:bodyPr>
           <a:p>
             <a:pPr marL="432000" indent="-324000">
+              <a:lnSpc>
+                <a:spcPct val="100000"/>
+              </a:lnSpc>
               <a:spcAft>
                 <a:spcPts val="1057"/>
               </a:spcAft>
@@ -8973,15 +8577,15 @@
               </a:rPr>
               <a:t>Live migration process</a:t>
             </a:r>
-            <a:endParaRPr b="1" lang="en-US" sz="2400" spc="-1" strike="noStrike">
-              <a:solidFill>
-                <a:srgbClr val="2c3e50"/>
-              </a:solidFill>
-              <a:latin typeface="Noto Sans"/>
+            <a:endParaRPr b="0" lang="en-US" sz="2400" spc="-1" strike="noStrike">
+              <a:latin typeface="Arial"/>
             </a:endParaRPr>
           </a:p>
           <a:p>
             <a:pPr marL="432000" indent="-324000">
+              <a:lnSpc>
+                <a:spcPct val="100000"/>
+              </a:lnSpc>
               <a:spcAft>
                 <a:spcPts val="1057"/>
               </a:spcAft>
@@ -9001,15 +8605,15 @@
               </a:rPr>
               <a:t>-Make a new network connection to the destination computer</a:t>
             </a:r>
-            <a:endParaRPr b="1" lang="en-US" sz="2400" spc="-1" strike="noStrike">
-              <a:solidFill>
-                <a:srgbClr val="2c3e50"/>
-              </a:solidFill>
-              <a:latin typeface="Noto Sans"/>
+            <a:endParaRPr b="0" lang="en-US" sz="2400" spc="-1" strike="noStrike">
+              <a:latin typeface="Arial"/>
             </a:endParaRPr>
           </a:p>
           <a:p>
             <a:pPr marL="432000" indent="-324000">
+              <a:lnSpc>
+                <a:spcPct val="100000"/>
+              </a:lnSpc>
               <a:spcAft>
                 <a:spcPts val="1057"/>
               </a:spcAft>
@@ -9029,15 +8633,15 @@
               </a:rPr>
               <a:t>-Begin sending data</a:t>
             </a:r>
-            <a:endParaRPr b="1" lang="en-US" sz="2400" spc="-1" strike="noStrike">
-              <a:solidFill>
-                <a:srgbClr val="2c3e50"/>
-              </a:solidFill>
-              <a:latin typeface="Noto Sans"/>
+            <a:endParaRPr b="0" lang="en-US" sz="2400" spc="-1" strike="noStrike">
+              <a:latin typeface="Arial"/>
             </a:endParaRPr>
           </a:p>
           <a:p>
             <a:pPr marL="432000" indent="-324000">
+              <a:lnSpc>
+                <a:spcPct val="100000"/>
+              </a:lnSpc>
               <a:spcAft>
                 <a:spcPts val="1057"/>
               </a:spcAft>
@@ -9057,15 +8661,15 @@
               </a:rPr>
               <a:t>-Any sent data that changes is resent</a:t>
             </a:r>
-            <a:endParaRPr b="1" lang="en-US" sz="2400" spc="-1" strike="noStrike">
-              <a:solidFill>
-                <a:srgbClr val="2c3e50"/>
-              </a:solidFill>
-              <a:latin typeface="Noto Sans"/>
+            <a:endParaRPr b="0" lang="en-US" sz="2400" spc="-1" strike="noStrike">
+              <a:latin typeface="Arial"/>
             </a:endParaRPr>
           </a:p>
           <a:p>
             <a:pPr marL="432000" indent="-324000">
+              <a:lnSpc>
+                <a:spcPct val="100000"/>
+              </a:lnSpc>
               <a:spcAft>
                 <a:spcPts val="1057"/>
               </a:spcAft>
@@ -9085,15 +8689,15 @@
               </a:rPr>
               <a:t>-Keep sending data until the data is completely sent</a:t>
             </a:r>
-            <a:endParaRPr b="1" lang="en-US" sz="2400" spc="-1" strike="noStrike">
-              <a:solidFill>
-                <a:srgbClr val="2c3e50"/>
-              </a:solidFill>
-              <a:latin typeface="Noto Sans"/>
+            <a:endParaRPr b="0" lang="en-US" sz="2400" spc="-1" strike="noStrike">
+              <a:latin typeface="Arial"/>
             </a:endParaRPr>
           </a:p>
           <a:p>
             <a:pPr marL="432000" indent="-324000">
+              <a:lnSpc>
+                <a:spcPct val="100000"/>
+              </a:lnSpc>
               <a:spcAft>
                 <a:spcPts val="1057"/>
               </a:spcAft>
@@ -9113,15 +8717,15 @@
               </a:rPr>
               <a:t>-Send the current instruction pointer and resume on the remote system</a:t>
             </a:r>
-            <a:endParaRPr b="1" lang="en-US" sz="2400" spc="-1" strike="noStrike">
-              <a:solidFill>
-                <a:srgbClr val="2c3e50"/>
-              </a:solidFill>
-              <a:latin typeface="Noto Sans"/>
+            <a:endParaRPr b="0" lang="en-US" sz="2400" spc="-1" strike="noStrike">
+              <a:latin typeface="Arial"/>
             </a:endParaRPr>
           </a:p>
           <a:p>
             <a:pPr marL="432000" indent="-324000">
+              <a:lnSpc>
+                <a:spcPct val="100000"/>
+              </a:lnSpc>
               <a:spcAft>
                 <a:spcPts val="1057"/>
               </a:spcAft>
@@ -9141,15 +8745,15 @@
               </a:rPr>
               <a:t>-Relinquish the data on the original system</a:t>
             </a:r>
-            <a:endParaRPr b="1" lang="en-US" sz="2400" spc="-1" strike="noStrike">
-              <a:solidFill>
-                <a:srgbClr val="2c3e50"/>
-              </a:solidFill>
-              <a:latin typeface="Noto Sans"/>
+            <a:endParaRPr b="0" lang="en-US" sz="2400" spc="-1" strike="noStrike">
+              <a:latin typeface="Arial"/>
             </a:endParaRPr>
           </a:p>
           <a:p>
             <a:pPr marL="432000" indent="-324000">
+              <a:lnSpc>
+                <a:spcPct val="100000"/>
+              </a:lnSpc>
               <a:spcAft>
                 <a:spcPts val="1057"/>
               </a:spcAft>
@@ -9169,15 +8773,15 @@
               </a:rPr>
               <a:t>-Drop the original connection leaving the new network connection</a:t>
             </a:r>
-            <a:endParaRPr b="1" lang="en-US" sz="2400" spc="-1" strike="noStrike">
-              <a:solidFill>
-                <a:srgbClr val="2c3e50"/>
-              </a:solidFill>
-              <a:latin typeface="Noto Sans"/>
+            <a:endParaRPr b="0" lang="en-US" sz="2400" spc="-1" strike="noStrike">
+              <a:latin typeface="Arial"/>
             </a:endParaRPr>
           </a:p>
           <a:p>
             <a:pPr marL="432000" indent="-324000">
+              <a:lnSpc>
+                <a:spcPct val="100000"/>
+              </a:lnSpc>
               <a:spcAft>
                 <a:spcPts val="1057"/>
               </a:spcAft>
@@ -9197,15 +8801,15 @@
               </a:rPr>
               <a:t>Seamless and in real time!</a:t>
             </a:r>
-            <a:endParaRPr b="1" lang="en-US" sz="2400" spc="-1" strike="noStrike">
-              <a:solidFill>
-                <a:srgbClr val="2c3e50"/>
-              </a:solidFill>
-              <a:latin typeface="Noto Sans"/>
+            <a:endParaRPr b="0" lang="en-US" sz="2400" spc="-1" strike="noStrike">
+              <a:latin typeface="Arial"/>
             </a:endParaRPr>
           </a:p>
           <a:p>
             <a:pPr marL="432000" indent="-324000">
+              <a:lnSpc>
+                <a:spcPct val="100000"/>
+              </a:lnSpc>
               <a:spcAft>
                 <a:spcPts val="1057"/>
               </a:spcAft>
@@ -9225,11 +8829,8 @@
               </a:rPr>
               <a:t>Allows for cascading live migration</a:t>
             </a:r>
-            <a:endParaRPr b="1" lang="en-US" sz="2400" spc="-1" strike="noStrike">
-              <a:solidFill>
-                <a:srgbClr val="2c3e50"/>
-              </a:solidFill>
-              <a:latin typeface="Noto Sans"/>
+            <a:endParaRPr b="0" lang="en-US" sz="2400" spc="-1" strike="noStrike">
+              <a:latin typeface="Arial"/>
             </a:endParaRPr>
           </a:p>
         </p:txBody>
@@ -9277,7 +8878,7 @@
         <p:spPr>
           <a:xfrm>
             <a:off x="360000" y="225720"/>
-            <a:ext cx="9360000" cy="718920"/>
+            <a:ext cx="9359640" cy="718560"/>
           </a:xfrm>
           <a:prstGeom prst="rect">
             <a:avLst/>
@@ -9288,10 +8889,16 @@
           </a:ln>
         </p:spPr>
         <p:txBody>
-          <a:bodyPr lIns="0" rIns="0" tIns="0" bIns="0" anchor="ctr">
+          <a:bodyPr lIns="0" rIns="0" tIns="0" bIns="0" anchor="ctr" anchorCtr="1">
             <a:noAutofit/>
           </a:bodyPr>
           <a:p>
+            <a:pPr>
+              <a:lnSpc>
+                <a:spcPct val="100000"/>
+              </a:lnSpc>
+              <a:buNone/>
+            </a:pPr>
             <a:r>
               <a:rPr b="1" lang="en-US" sz="2700" spc="-1" strike="noStrike">
                 <a:solidFill>
@@ -9310,11 +8917,8 @@
               </a:rPr>
               <a:t>Replicated Virtual Driver Architecture</a:t>
             </a:r>
-            <a:endParaRPr b="1" lang="en-US" sz="2700" spc="-1" strike="noStrike">
-              <a:solidFill>
-                <a:srgbClr val="ffffff"/>
-              </a:solidFill>
-              <a:latin typeface="Noto Sans"/>
+            <a:endParaRPr b="0" lang="en-US" sz="2700" spc="-1" strike="noStrike">
+              <a:latin typeface="Arial"/>
             </a:endParaRPr>
           </a:p>
         </p:txBody>
@@ -9332,7 +8936,7 @@
         <p:spPr>
           <a:xfrm>
             <a:off x="360000" y="1485000"/>
-            <a:ext cx="9360000" cy="3780000"/>
+            <a:ext cx="9359640" cy="3779640"/>
           </a:xfrm>
           <a:prstGeom prst="rect">
             <a:avLst/>
@@ -9344,10 +8948,13 @@
         </p:spPr>
         <p:txBody>
           <a:bodyPr lIns="0" rIns="0" tIns="0" bIns="0" anchor="t">
-            <a:normAutofit fontScale="73000"/>
+            <a:normAutofit fontScale="66000"/>
           </a:bodyPr>
           <a:p>
             <a:pPr marL="432000" indent="-324000">
+              <a:lnSpc>
+                <a:spcPct val="100000"/>
+              </a:lnSpc>
               <a:spcAft>
                 <a:spcPts val="1057"/>
               </a:spcAft>
@@ -9367,15 +8974,15 @@
               </a:rPr>
               <a:t>Recap!</a:t>
             </a:r>
-            <a:endParaRPr b="1" lang="en-US" sz="2400" spc="-1" strike="noStrike">
-              <a:solidFill>
-                <a:srgbClr val="2c3e50"/>
-              </a:solidFill>
-              <a:latin typeface="Noto Sans"/>
+            <a:endParaRPr b="0" lang="en-US" sz="2400" spc="-1" strike="noStrike">
+              <a:latin typeface="Arial"/>
             </a:endParaRPr>
           </a:p>
           <a:p>
             <a:pPr marL="432000" indent="-324000">
+              <a:lnSpc>
+                <a:spcPct val="100000"/>
+              </a:lnSpc>
               <a:spcAft>
                 <a:spcPts val="1057"/>
               </a:spcAft>
@@ -9395,15 +9002,15 @@
               </a:rPr>
               <a:t>-Transparency</a:t>
             </a:r>
-            <a:endParaRPr b="1" lang="en-US" sz="2400" spc="-1" strike="noStrike">
-              <a:solidFill>
-                <a:srgbClr val="2c3e50"/>
-              </a:solidFill>
-              <a:latin typeface="Noto Sans"/>
+            <a:endParaRPr b="0" lang="en-US" sz="2400" spc="-1" strike="noStrike">
+              <a:latin typeface="Arial"/>
             </a:endParaRPr>
           </a:p>
           <a:p>
             <a:pPr marL="432000" indent="-324000">
+              <a:lnSpc>
+                <a:spcPct val="100000"/>
+              </a:lnSpc>
               <a:spcAft>
                 <a:spcPts val="1057"/>
               </a:spcAft>
@@ -9423,15 +9030,15 @@
               </a:rPr>
               <a:t>-Can use with ANY driver</a:t>
             </a:r>
-            <a:endParaRPr b="1" lang="en-US" sz="2400" spc="-1" strike="noStrike">
-              <a:solidFill>
-                <a:srgbClr val="2c3e50"/>
-              </a:solidFill>
-              <a:latin typeface="Noto Sans"/>
+            <a:endParaRPr b="0" lang="en-US" sz="2400" spc="-1" strike="noStrike">
+              <a:latin typeface="Arial"/>
             </a:endParaRPr>
           </a:p>
           <a:p>
             <a:pPr marL="432000" indent="-324000">
+              <a:lnSpc>
+                <a:spcPct val="100000"/>
+              </a:lnSpc>
               <a:spcAft>
                 <a:spcPts val="1057"/>
               </a:spcAft>
@@ -9451,15 +9058,15 @@
               </a:rPr>
               <a:t>-No need to alter existing drivers</a:t>
             </a:r>
-            <a:endParaRPr b="1" lang="en-US" sz="2400" spc="-1" strike="noStrike">
-              <a:solidFill>
-                <a:srgbClr val="2c3e50"/>
-              </a:solidFill>
-              <a:latin typeface="Noto Sans"/>
+            <a:endParaRPr b="0" lang="en-US" sz="2400" spc="-1" strike="noStrike">
+              <a:latin typeface="Arial"/>
             </a:endParaRPr>
           </a:p>
           <a:p>
             <a:pPr marL="432000" indent="-324000">
+              <a:lnSpc>
+                <a:spcPct val="100000"/>
+              </a:lnSpc>
               <a:spcAft>
                 <a:spcPts val="1057"/>
               </a:spcAft>
@@ -9479,15 +9086,15 @@
               </a:rPr>
               <a:t>-Can load or unload drivers at runtime to enable or disable features</a:t>
             </a:r>
-            <a:endParaRPr b="1" lang="en-US" sz="2400" spc="-1" strike="noStrike">
-              <a:solidFill>
-                <a:srgbClr val="2c3e50"/>
-              </a:solidFill>
-              <a:latin typeface="Noto Sans"/>
+            <a:endParaRPr b="0" lang="en-US" sz="2400" spc="-1" strike="noStrike">
+              <a:latin typeface="Arial"/>
             </a:endParaRPr>
           </a:p>
           <a:p>
             <a:pPr marL="432000" indent="-324000">
+              <a:lnSpc>
+                <a:spcPct val="100000"/>
+              </a:lnSpc>
               <a:spcAft>
                 <a:spcPts val="1057"/>
               </a:spcAft>
@@ -9507,15 +9114,15 @@
               </a:rPr>
               <a:t>-Messaging layer is trivial to use with IOCTL packets, physical pages, and filesystem data blocks</a:t>
             </a:r>
-            <a:endParaRPr b="1" lang="en-US" sz="2400" spc="-1" strike="noStrike">
-              <a:solidFill>
-                <a:srgbClr val="2c3e50"/>
-              </a:solidFill>
-              <a:latin typeface="Noto Sans"/>
+            <a:endParaRPr b="0" lang="en-US" sz="2400" spc="-1" strike="noStrike">
+              <a:latin typeface="Arial"/>
             </a:endParaRPr>
           </a:p>
           <a:p>
             <a:pPr marL="432000" indent="-324000">
+              <a:lnSpc>
+                <a:spcPct val="100000"/>
+              </a:lnSpc>
               <a:spcAft>
                 <a:spcPts val="1057"/>
               </a:spcAft>
@@ -9535,15 +9142,15 @@
               </a:rPr>
               <a:t>-We can compile the driver for ANY kernel for ANY architecture</a:t>
             </a:r>
-            <a:endParaRPr b="1" lang="en-US" sz="2400" spc="-1" strike="noStrike">
-              <a:solidFill>
-                <a:srgbClr val="2c3e50"/>
-              </a:solidFill>
-              <a:latin typeface="Noto Sans"/>
+            <a:endParaRPr b="0" lang="en-US" sz="2400" spc="-1" strike="noStrike">
+              <a:latin typeface="Arial"/>
             </a:endParaRPr>
           </a:p>
           <a:p>
             <a:pPr marL="432000" indent="-324000">
+              <a:lnSpc>
+                <a:spcPct val="100000"/>
+              </a:lnSpc>
               <a:spcAft>
                 <a:spcPts val="1057"/>
               </a:spcAft>
@@ -9563,15 +9170,15 @@
               </a:rPr>
               <a:t>-One-to-one architecture</a:t>
             </a:r>
-            <a:endParaRPr b="1" lang="en-US" sz="2400" spc="-1" strike="noStrike">
-              <a:solidFill>
-                <a:srgbClr val="2c3e50"/>
-              </a:solidFill>
-              <a:latin typeface="Noto Sans"/>
+            <a:endParaRPr b="0" lang="en-US" sz="2400" spc="-1" strike="noStrike">
+              <a:latin typeface="Arial"/>
             </a:endParaRPr>
           </a:p>
           <a:p>
             <a:pPr marL="432000" indent="-324000">
+              <a:lnSpc>
+                <a:spcPct val="100000"/>
+              </a:lnSpc>
               <a:spcAft>
                 <a:spcPts val="1057"/>
               </a:spcAft>
@@ -9591,15 +9198,15 @@
               </a:rPr>
               <a:t>-One-to-many, many-to-one architecture</a:t>
             </a:r>
-            <a:endParaRPr b="1" lang="en-US" sz="2400" spc="-1" strike="noStrike">
-              <a:solidFill>
-                <a:srgbClr val="2c3e50"/>
-              </a:solidFill>
-              <a:latin typeface="Noto Sans"/>
+            <a:endParaRPr b="0" lang="en-US" sz="2400" spc="-1" strike="noStrike">
+              <a:latin typeface="Arial"/>
             </a:endParaRPr>
           </a:p>
           <a:p>
             <a:pPr marL="432000" indent="-324000">
+              <a:lnSpc>
+                <a:spcPct val="100000"/>
+              </a:lnSpc>
               <a:spcAft>
                 <a:spcPts val="1057"/>
               </a:spcAft>
@@ -9617,17 +9224,17 @@
                 </a:solidFill>
                 <a:latin typeface="Noto Sans"/>
               </a:rPr>
-              <a:t>-One driver to rule them all! ;)</a:t>
-            </a:r>
-            <a:endParaRPr b="1" lang="en-US" sz="2400" spc="-1" strike="noStrike">
-              <a:solidFill>
-                <a:srgbClr val="2c3e50"/>
-              </a:solidFill>
-              <a:latin typeface="Noto Sans"/>
+              <a:t>-Distributed driver architecture</a:t>
+            </a:r>
+            <a:endParaRPr b="0" lang="en-US" sz="2400" spc="-1" strike="noStrike">
+              <a:latin typeface="Arial"/>
             </a:endParaRPr>
           </a:p>
           <a:p>
             <a:pPr marL="432000" indent="-324000">
+              <a:lnSpc>
+                <a:spcPct val="100000"/>
+              </a:lnSpc>
               <a:spcAft>
                 <a:spcPts val="1057"/>
               </a:spcAft>
@@ -9638,11 +9245,31 @@
               <a:buFont typeface="Wingdings" charset="2"/>
               <a:buChar char=""/>
             </a:pPr>
-            <a:endParaRPr b="1" lang="en-US" sz="2400" spc="-1" strike="noStrike">
-              <a:solidFill>
-                <a:srgbClr val="2c3e50"/>
-              </a:solidFill>
-              <a:latin typeface="Noto Sans"/>
+            <a:r>
+              <a:rPr b="1" lang="en-US" sz="2400" spc="-1" strike="noStrike">
+                <a:solidFill>
+                  <a:srgbClr val="2c3e50"/>
+                </a:solidFill>
+                <a:latin typeface="Noto Sans"/>
+              </a:rPr>
+              <a:t>-One driver to rule them all! ;)</a:t>
+            </a:r>
+            <a:endParaRPr b="0" lang="en-US" sz="2400" spc="-1" strike="noStrike">
+              <a:latin typeface="Arial"/>
+            </a:endParaRPr>
+          </a:p>
+          <a:p>
+            <a:pPr>
+              <a:lnSpc>
+                <a:spcPct val="100000"/>
+              </a:lnSpc>
+              <a:spcAft>
+                <a:spcPts val="1057"/>
+              </a:spcAft>
+              <a:buNone/>
+            </a:pPr>
+            <a:endParaRPr b="0" lang="en-US" sz="2400" spc="-1" strike="noStrike">
+              <a:latin typeface="Arial"/>
             </a:endParaRPr>
           </a:p>
         </p:txBody>
@@ -9690,7 +9317,7 @@
         <p:spPr>
           <a:xfrm>
             <a:off x="360000" y="225720"/>
-            <a:ext cx="9360000" cy="718920"/>
+            <a:ext cx="9359640" cy="718560"/>
           </a:xfrm>
           <a:prstGeom prst="rect">
             <a:avLst/>
@@ -9701,10 +9328,16 @@
           </a:ln>
         </p:spPr>
         <p:txBody>
-          <a:bodyPr lIns="0" rIns="0" tIns="0" bIns="0" anchor="ctr">
+          <a:bodyPr lIns="0" rIns="0" tIns="0" bIns="0" anchor="ctr" anchorCtr="1">
             <a:noAutofit/>
           </a:bodyPr>
           <a:p>
+            <a:pPr>
+              <a:lnSpc>
+                <a:spcPct val="100000"/>
+              </a:lnSpc>
+              <a:buNone/>
+            </a:pPr>
             <a:r>
               <a:rPr b="1" lang="en-US" sz="2700" spc="-1" strike="noStrike">
                 <a:solidFill>
@@ -9723,11 +9356,8 @@
               </a:rPr>
               <a:t>Replicated Virtual Driver Architecture</a:t>
             </a:r>
-            <a:endParaRPr b="1" lang="en-US" sz="2700" spc="-1" strike="noStrike">
-              <a:solidFill>
-                <a:srgbClr val="ffffff"/>
-              </a:solidFill>
-              <a:latin typeface="Noto Sans"/>
+            <a:endParaRPr b="0" lang="en-US" sz="2700" spc="-1" strike="noStrike">
+              <a:latin typeface="Arial"/>
             </a:endParaRPr>
           </a:p>
         </p:txBody>
@@ -9745,7 +9375,7 @@
         <p:spPr>
           <a:xfrm>
             <a:off x="360000" y="1485000"/>
-            <a:ext cx="9360000" cy="3780000"/>
+            <a:ext cx="9359640" cy="3779640"/>
           </a:xfrm>
           <a:prstGeom prst="rect">
             <a:avLst/>
@@ -9761,6 +9391,9 @@
           </a:bodyPr>
           <a:p>
             <a:pPr marL="432000" indent="-324000">
+              <a:lnSpc>
+                <a:spcPct val="100000"/>
+              </a:lnSpc>
               <a:spcAft>
                 <a:spcPts val="1057"/>
               </a:spcAft>
@@ -9780,15 +9413,15 @@
               </a:rPr>
               <a:t>Reading…</a:t>
             </a:r>
-            <a:endParaRPr b="1" lang="en-US" sz="2400" spc="-1" strike="noStrike">
-              <a:solidFill>
-                <a:srgbClr val="2c3e50"/>
-              </a:solidFill>
-              <a:latin typeface="Noto Sans"/>
+            <a:endParaRPr b="0" lang="en-US" sz="2400" spc="-1" strike="noStrike">
+              <a:latin typeface="Arial"/>
             </a:endParaRPr>
           </a:p>
           <a:p>
             <a:pPr marL="432000" indent="-324000">
+              <a:lnSpc>
+                <a:spcPct val="100000"/>
+              </a:lnSpc>
               <a:spcAft>
                 <a:spcPts val="1057"/>
               </a:spcAft>
@@ -9800,24 +9433,25 @@
               <a:buChar char=""/>
             </a:pPr>
             <a:r>
-              <a:rPr b="1" lang="en-US" sz="2400" spc="-1" strike="noStrike">
+              <a:rPr b="1" lang="en-US" sz="2400" spc="-1" strike="noStrike" u="sng">
                 <a:solidFill>
-                  <a:srgbClr val="2c3e50"/>
+                  <a:srgbClr val="0000ff"/>
                 </a:solidFill>
+                <a:uFillTx/>
                 <a:latin typeface="Noto Sans"/>
                 <a:hlinkClick r:id="rId1"/>
               </a:rPr>
               <a:t>https://shorturl.at/E1Nik</a:t>
             </a:r>
-            <a:endParaRPr b="1" lang="en-US" sz="2400" spc="-1" strike="noStrike">
-              <a:solidFill>
-                <a:srgbClr val="2c3e50"/>
-              </a:solidFill>
-              <a:latin typeface="Noto Sans"/>
+            <a:endParaRPr b="0" lang="en-US" sz="2400" spc="-1" strike="noStrike">
+              <a:latin typeface="Arial"/>
             </a:endParaRPr>
           </a:p>
           <a:p>
             <a:pPr marL="432000" indent="-324000">
+              <a:lnSpc>
+                <a:spcPct val="100000"/>
+              </a:lnSpc>
               <a:spcAft>
                 <a:spcPts val="1057"/>
               </a:spcAft>
@@ -9829,20 +9463,18 @@
               <a:buChar char=""/>
             </a:pPr>
             <a:r>
-              <a:rPr b="1" lang="en-US" sz="2400" spc="-1" strike="noStrike">
+              <a:rPr b="1" lang="en-US" sz="2400" spc="-1" strike="noStrike" u="sng">
                 <a:solidFill>
-                  <a:srgbClr val="2c3e50"/>
+                  <a:srgbClr val="0000ff"/>
                 </a:solidFill>
+                <a:uFillTx/>
                 <a:latin typeface="Noto Sans"/>
                 <a:hlinkClick r:id="rId2"/>
               </a:rPr>
               <a:t>https://shorturl.at/KL0zM</a:t>
             </a:r>
-            <a:endParaRPr b="1" lang="en-US" sz="2400" spc="-1" strike="noStrike">
-              <a:solidFill>
-                <a:srgbClr val="2c3e50"/>
-              </a:solidFill>
-              <a:latin typeface="Noto Sans"/>
+            <a:endParaRPr b="0" lang="en-US" sz="2400" spc="-1" strike="noStrike">
+              <a:latin typeface="Arial"/>
             </a:endParaRPr>
           </a:p>
         </p:txBody>
@@ -9890,7 +9522,7 @@
         <p:spPr>
           <a:xfrm>
             <a:off x="2700000" y="1440000"/>
-            <a:ext cx="4680000" cy="1620000"/>
+            <a:ext cx="4679640" cy="1619640"/>
           </a:xfrm>
           <a:prstGeom prst="rect">
             <a:avLst/>
@@ -9906,6 +9538,9 @@
           </a:bodyPr>
           <a:p>
             <a:pPr algn="ctr">
+              <a:lnSpc>
+                <a:spcPct val="100000"/>
+              </a:lnSpc>
               <a:buNone/>
             </a:pPr>
             <a:r>
@@ -9917,11 +9552,8 @@
               </a:rPr>
               <a:t>THAT IS ALL!!!</a:t>
             </a:r>
-            <a:endParaRPr b="1" lang="en-US" sz="2700" spc="-1" strike="noStrike">
-              <a:solidFill>
-                <a:srgbClr val="2c3e50"/>
-              </a:solidFill>
-              <a:latin typeface="Noto Sans"/>
+            <a:endParaRPr b="0" lang="en-US" sz="2700" spc="-1" strike="noStrike">
+              <a:latin typeface="Arial"/>
             </a:endParaRPr>
           </a:p>
         </p:txBody>
@@ -9933,14 +9565,14 @@
             <a:spLocks noGrp="1"/>
           </p:cNvSpPr>
           <p:nvPr>
-            <p:ph type="sldNum" idx="8"/>
+            <p:ph type="sldNum" idx="7"/>
           </p:nvPr>
         </p:nvSpPr>
         <p:spPr/>
         <p:txBody>
           <a:bodyPr/>
           <a:p>
-            <a:fld id="{AA6780A3-7249-4B62-84FB-B287FFC7CC81}" type="slidenum">
+            <a:fld id="{FA3EA48E-8063-4C42-A1CA-24CF6A076F26}" type="slidenum">
               <a:t>14</a:t>
             </a:fld>
           </a:p>
@@ -9989,7 +9621,7 @@
         <p:spPr>
           <a:xfrm>
             <a:off x="360000" y="225720"/>
-            <a:ext cx="9360000" cy="720000"/>
+            <a:ext cx="9359640" cy="719640"/>
           </a:xfrm>
           <a:prstGeom prst="rect">
             <a:avLst/>
@@ -10000,10 +9632,16 @@
           </a:ln>
         </p:spPr>
         <p:txBody>
-          <a:bodyPr lIns="0" rIns="0" tIns="0" bIns="0" anchor="ctr">
+          <a:bodyPr lIns="0" rIns="0" tIns="0" bIns="0" anchor="ctr" anchorCtr="1">
             <a:noAutofit/>
           </a:bodyPr>
           <a:p>
+            <a:pPr>
+              <a:lnSpc>
+                <a:spcPct val="100000"/>
+              </a:lnSpc>
+              <a:buNone/>
+            </a:pPr>
             <a:r>
               <a:rPr b="1" lang="en-US" sz="2700" spc="-1" strike="noStrike">
                 <a:solidFill>
@@ -10022,11 +9660,8 @@
               </a:rPr>
               <a:t>Replicated Virtual Driver Architecture</a:t>
             </a:r>
-            <a:endParaRPr b="1" lang="en-US" sz="2700" spc="-1" strike="noStrike">
-              <a:solidFill>
-                <a:srgbClr val="ffffff"/>
-              </a:solidFill>
-              <a:latin typeface="Noto Sans"/>
+            <a:endParaRPr b="0" lang="en-US" sz="2700" spc="-1" strike="noStrike">
+              <a:latin typeface="Arial"/>
             </a:endParaRPr>
           </a:p>
         </p:txBody>
@@ -10044,7 +9679,7 @@
         <p:spPr>
           <a:xfrm>
             <a:off x="360000" y="1485000"/>
-            <a:ext cx="9360000" cy="3780000"/>
+            <a:ext cx="9359640" cy="3779640"/>
           </a:xfrm>
           <a:prstGeom prst="rect">
             <a:avLst/>
@@ -10056,10 +9691,13 @@
         </p:spPr>
         <p:txBody>
           <a:bodyPr lIns="0" rIns="0" tIns="0" bIns="0" anchor="t">
-            <a:normAutofit/>
+            <a:normAutofit fontScale="97000"/>
           </a:bodyPr>
           <a:p>
             <a:pPr marL="432000" indent="-324000">
+              <a:lnSpc>
+                <a:spcPct val="100000"/>
+              </a:lnSpc>
               <a:spcAft>
                 <a:spcPts val="1057"/>
               </a:spcAft>
@@ -10079,15 +9717,15 @@
               </a:rPr>
               <a:t>We create a single virtual driver which is replicated and sits in-between the top of each driver stack and the kernel or functions as a virtual driver on the remote system</a:t>
             </a:r>
-            <a:endParaRPr b="1" lang="en-US" sz="2400" spc="-1" strike="noStrike">
-              <a:solidFill>
-                <a:srgbClr val="2c3e50"/>
-              </a:solidFill>
-              <a:latin typeface="Noto Sans"/>
+            <a:endParaRPr b="0" lang="en-US" sz="2400" spc="-1" strike="noStrike">
+              <a:latin typeface="Arial"/>
             </a:endParaRPr>
           </a:p>
           <a:p>
             <a:pPr marL="432000" indent="-324000">
+              <a:lnSpc>
+                <a:spcPct val="100000"/>
+              </a:lnSpc>
               <a:spcAft>
                 <a:spcPts val="1057"/>
               </a:spcAft>
@@ -10107,15 +9745,15 @@
               </a:rPr>
               <a:t>Intercept I/O requests between the top of the driver stack and the kernel (IOCTL in the Linux kernel)</a:t>
             </a:r>
-            <a:endParaRPr b="1" lang="en-US" sz="2400" spc="-1" strike="noStrike">
-              <a:solidFill>
-                <a:srgbClr val="2c3e50"/>
-              </a:solidFill>
-              <a:latin typeface="Noto Sans"/>
+            <a:endParaRPr b="0" lang="en-US" sz="2400" spc="-1" strike="noStrike">
+              <a:latin typeface="Arial"/>
             </a:endParaRPr>
           </a:p>
           <a:p>
             <a:pPr marL="432000" indent="-324000">
+              <a:lnSpc>
+                <a:spcPct val="100000"/>
+              </a:lnSpc>
               <a:spcAft>
                 <a:spcPts val="1057"/>
               </a:spcAft>
@@ -10135,15 +9773,15 @@
               </a:rPr>
               <a:t>Packets are put on the network as is</a:t>
             </a:r>
-            <a:endParaRPr b="1" lang="en-US" sz="2400" spc="-1" strike="noStrike">
-              <a:solidFill>
-                <a:srgbClr val="2c3e50"/>
-              </a:solidFill>
-              <a:latin typeface="Noto Sans"/>
+            <a:endParaRPr b="0" lang="en-US" sz="2400" spc="-1" strike="noStrike">
+              <a:latin typeface="Arial"/>
             </a:endParaRPr>
           </a:p>
           <a:p>
             <a:pPr marL="432000" indent="-324000">
+              <a:lnSpc>
+                <a:spcPct val="100000"/>
+              </a:lnSpc>
               <a:spcAft>
                 <a:spcPts val="1057"/>
               </a:spcAft>
@@ -10161,13 +9799,38 @@
                 </a:solidFill>
                 <a:latin typeface="Noto Sans"/>
               </a:rPr>
+              <a:t>A form of distributed driver architecture</a:t>
+            </a:r>
+            <a:endParaRPr b="0" lang="en-US" sz="2400" spc="-1" strike="noStrike">
+              <a:latin typeface="Arial"/>
+            </a:endParaRPr>
+          </a:p>
+          <a:p>
+            <a:pPr marL="432000" indent="-324000">
+              <a:lnSpc>
+                <a:spcPct val="100000"/>
+              </a:lnSpc>
+              <a:spcAft>
+                <a:spcPts val="1057"/>
+              </a:spcAft>
+              <a:buClr>
+                <a:srgbClr val="2c3e50"/>
+              </a:buClr>
+              <a:buSzPct val="45000"/>
+              <a:buFont typeface="Wingdings" charset="2"/>
+              <a:buChar char=""/>
+            </a:pPr>
+            <a:r>
+              <a:rPr b="1" lang="en-US" sz="2400" spc="-1" strike="noStrike">
+                <a:solidFill>
+                  <a:srgbClr val="2c3e50"/>
+                </a:solidFill>
+                <a:latin typeface="Noto Sans"/>
+              </a:rPr>
               <a:t>Transparent virtual driver</a:t>
             </a:r>
-            <a:endParaRPr b="1" lang="en-US" sz="2400" spc="-1" strike="noStrike">
-              <a:solidFill>
-                <a:srgbClr val="2c3e50"/>
-              </a:solidFill>
-              <a:latin typeface="Noto Sans"/>
+            <a:endParaRPr b="0" lang="en-US" sz="2400" spc="-1" strike="noStrike">
+              <a:latin typeface="Arial"/>
             </a:endParaRPr>
           </a:p>
         </p:txBody>
@@ -10215,7 +9878,7 @@
         <p:spPr>
           <a:xfrm>
             <a:off x="360000" y="225720"/>
-            <a:ext cx="9360000" cy="720000"/>
+            <a:ext cx="9359640" cy="719640"/>
           </a:xfrm>
           <a:prstGeom prst="rect">
             <a:avLst/>
@@ -10226,10 +9889,16 @@
           </a:ln>
         </p:spPr>
         <p:txBody>
-          <a:bodyPr lIns="0" rIns="0" tIns="0" bIns="0" anchor="ctr">
+          <a:bodyPr lIns="0" rIns="0" tIns="0" bIns="0" anchor="ctr" anchorCtr="1">
             <a:noAutofit/>
           </a:bodyPr>
           <a:p>
+            <a:pPr>
+              <a:lnSpc>
+                <a:spcPct val="100000"/>
+              </a:lnSpc>
+              <a:buNone/>
+            </a:pPr>
             <a:r>
               <a:rPr b="1" lang="en-US" sz="2700" spc="-1" strike="noStrike">
                 <a:solidFill>
@@ -10248,11 +9917,8 @@
               </a:rPr>
               <a:t>Replicated Virtual Driver Architecture</a:t>
             </a:r>
-            <a:endParaRPr b="1" lang="en-US" sz="2700" spc="-1" strike="noStrike">
-              <a:solidFill>
-                <a:srgbClr val="ffffff"/>
-              </a:solidFill>
-              <a:latin typeface="Noto Sans"/>
+            <a:endParaRPr b="0" lang="en-US" sz="2700" spc="-1" strike="noStrike">
+              <a:latin typeface="Arial"/>
             </a:endParaRPr>
           </a:p>
         </p:txBody>
@@ -10270,7 +9936,7 @@
         <p:spPr>
           <a:xfrm>
             <a:off x="360000" y="1485000"/>
-            <a:ext cx="9360000" cy="3780000"/>
+            <a:ext cx="9359640" cy="3779640"/>
           </a:xfrm>
           <a:prstGeom prst="rect">
             <a:avLst/>
@@ -10286,6 +9952,9 @@
           </a:bodyPr>
           <a:p>
             <a:pPr marL="432000" indent="-324000">
+              <a:lnSpc>
+                <a:spcPct val="100000"/>
+              </a:lnSpc>
               <a:spcAft>
                 <a:spcPts val="1057"/>
               </a:spcAft>
@@ -10305,15 +9974,15 @@
               </a:rPr>
               <a:t>Kernel modules!</a:t>
             </a:r>
-            <a:endParaRPr b="1" lang="en-US" sz="2400" spc="-1" strike="noStrike">
-              <a:solidFill>
-                <a:srgbClr val="2c3e50"/>
-              </a:solidFill>
-              <a:latin typeface="Noto Sans"/>
+            <a:endParaRPr b="0" lang="en-US" sz="2400" spc="-1" strike="noStrike">
+              <a:latin typeface="Arial"/>
             </a:endParaRPr>
           </a:p>
           <a:p>
             <a:pPr marL="432000" indent="-324000">
+              <a:lnSpc>
+                <a:spcPct val="100000"/>
+              </a:lnSpc>
               <a:spcAft>
                 <a:spcPts val="1057"/>
               </a:spcAft>
@@ -10333,15 +10002,15 @@
               </a:rPr>
               <a:t>All drivers are kernel modules, but not all kernel modules are drivers!</a:t>
             </a:r>
-            <a:endParaRPr b="1" lang="en-US" sz="2400" spc="-1" strike="noStrike">
-              <a:solidFill>
-                <a:srgbClr val="2c3e50"/>
-              </a:solidFill>
-              <a:latin typeface="Noto Sans"/>
+            <a:endParaRPr b="0" lang="en-US" sz="2400" spc="-1" strike="noStrike">
+              <a:latin typeface="Arial"/>
             </a:endParaRPr>
           </a:p>
           <a:p>
             <a:pPr marL="432000" indent="-324000">
+              <a:lnSpc>
+                <a:spcPct val="100000"/>
+              </a:lnSpc>
               <a:spcAft>
                 <a:spcPts val="1057"/>
               </a:spcAft>
@@ -10361,11 +10030,8 @@
               </a:rPr>
               <a:t>Use all kernel modules, not just drivers?</a:t>
             </a:r>
-            <a:endParaRPr b="1" lang="en-US" sz="2400" spc="-1" strike="noStrike">
-              <a:solidFill>
-                <a:srgbClr val="2c3e50"/>
-              </a:solidFill>
-              <a:latin typeface="Noto Sans"/>
+            <a:endParaRPr b="0" lang="en-US" sz="2400" spc="-1" strike="noStrike">
+              <a:latin typeface="Arial"/>
             </a:endParaRPr>
           </a:p>
         </p:txBody>
@@ -10413,7 +10079,7 @@
         <p:spPr>
           <a:xfrm>
             <a:off x="360000" y="225720"/>
-            <a:ext cx="9360000" cy="718920"/>
+            <a:ext cx="9359640" cy="718560"/>
           </a:xfrm>
           <a:prstGeom prst="rect">
             <a:avLst/>
@@ -10424,10 +10090,16 @@
           </a:ln>
         </p:spPr>
         <p:txBody>
-          <a:bodyPr lIns="0" rIns="0" tIns="0" bIns="0" anchor="ctr">
+          <a:bodyPr lIns="0" rIns="0" tIns="0" bIns="0" anchor="ctr" anchorCtr="1">
             <a:noAutofit/>
           </a:bodyPr>
           <a:p>
+            <a:pPr>
+              <a:lnSpc>
+                <a:spcPct val="100000"/>
+              </a:lnSpc>
+              <a:buNone/>
+            </a:pPr>
             <a:r>
               <a:rPr b="1" lang="en-US" sz="2700" spc="-1" strike="noStrike">
                 <a:solidFill>
@@ -10446,11 +10118,8 @@
               </a:rPr>
               <a:t>Replicated Virtual Driver Architecture</a:t>
             </a:r>
-            <a:endParaRPr b="1" lang="en-US" sz="2700" spc="-1" strike="noStrike">
-              <a:solidFill>
-                <a:srgbClr val="ffffff"/>
-              </a:solidFill>
-              <a:latin typeface="Noto Sans"/>
+            <a:endParaRPr b="0" lang="en-US" sz="2700" spc="-1" strike="noStrike">
+              <a:latin typeface="Arial"/>
             </a:endParaRPr>
           </a:p>
         </p:txBody>
@@ -10468,7 +10137,7 @@
         <p:spPr>
           <a:xfrm>
             <a:off x="360000" y="1485000"/>
-            <a:ext cx="9360000" cy="3780000"/>
+            <a:ext cx="9359640" cy="3779640"/>
           </a:xfrm>
           <a:prstGeom prst="rect">
             <a:avLst/>
@@ -10480,10 +10149,13 @@
         </p:spPr>
         <p:txBody>
           <a:bodyPr lIns="0" rIns="0" tIns="0" bIns="0" anchor="t">
-            <a:normAutofit fontScale="89000"/>
+            <a:normAutofit fontScale="87000"/>
           </a:bodyPr>
           <a:p>
             <a:pPr marL="432000" indent="-324000">
+              <a:lnSpc>
+                <a:spcPct val="100000"/>
+              </a:lnSpc>
               <a:spcAft>
                 <a:spcPts val="1057"/>
               </a:spcAft>
@@ -10503,15 +10175,15 @@
               </a:rPr>
               <a:t>With this architecture we can use arbitrary drivers, even drivers we don’t know of or drivers that haven’t loaded yet!</a:t>
             </a:r>
-            <a:endParaRPr b="1" lang="en-US" sz="2400" spc="-1" strike="noStrike">
-              <a:solidFill>
-                <a:srgbClr val="2c3e50"/>
-              </a:solidFill>
-              <a:latin typeface="Noto Sans"/>
+            <a:endParaRPr b="0" lang="en-US" sz="2400" spc="-1" strike="noStrike">
+              <a:latin typeface="Arial"/>
             </a:endParaRPr>
           </a:p>
           <a:p>
             <a:pPr marL="432000" indent="-324000">
+              <a:lnSpc>
+                <a:spcPct val="100000"/>
+              </a:lnSpc>
               <a:spcAft>
                 <a:spcPts val="1057"/>
               </a:spcAft>
@@ -10531,15 +10203,15 @@
               </a:rPr>
               <a:t>No need to modify any existing drivers!</a:t>
             </a:r>
-            <a:endParaRPr b="1" lang="en-US" sz="2400" spc="-1" strike="noStrike">
-              <a:solidFill>
-                <a:srgbClr val="2c3e50"/>
-              </a:solidFill>
-              <a:latin typeface="Noto Sans"/>
+            <a:endParaRPr b="0" lang="en-US" sz="2400" spc="-1" strike="noStrike">
+              <a:latin typeface="Arial"/>
             </a:endParaRPr>
           </a:p>
           <a:p>
             <a:pPr marL="432000" indent="-324000">
+              <a:lnSpc>
+                <a:spcPct val="100000"/>
+              </a:lnSpc>
               <a:spcAft>
                 <a:spcPts val="1057"/>
               </a:spcAft>
@@ -10559,15 +10231,15 @@
               </a:rPr>
               <a:t>We can load and unload the virtual drivers at runtime to enable or disable features</a:t>
             </a:r>
-            <a:endParaRPr b="1" lang="en-US" sz="2400" spc="-1" strike="noStrike">
-              <a:solidFill>
-                <a:srgbClr val="2c3e50"/>
-              </a:solidFill>
-              <a:latin typeface="Noto Sans"/>
+            <a:endParaRPr b="0" lang="en-US" sz="2400" spc="-1" strike="noStrike">
+              <a:latin typeface="Arial"/>
             </a:endParaRPr>
           </a:p>
           <a:p>
             <a:pPr marL="432000" indent="-324000">
+              <a:lnSpc>
+                <a:spcPct val="100000"/>
+              </a:lnSpc>
               <a:spcAft>
                 <a:spcPts val="1057"/>
               </a:spcAft>
@@ -10587,15 +10259,15 @@
               </a:rPr>
               <a:t>We only need to write one virtual driver!</a:t>
             </a:r>
-            <a:endParaRPr b="1" lang="en-US" sz="2400" spc="-1" strike="noStrike">
-              <a:solidFill>
-                <a:srgbClr val="2c3e50"/>
-              </a:solidFill>
-              <a:latin typeface="Noto Sans"/>
+            <a:endParaRPr b="0" lang="en-US" sz="2400" spc="-1" strike="noStrike">
+              <a:latin typeface="Arial"/>
             </a:endParaRPr>
           </a:p>
           <a:p>
             <a:pPr marL="432000" indent="-324000">
+              <a:lnSpc>
+                <a:spcPct val="100000"/>
+              </a:lnSpc>
               <a:spcAft>
                 <a:spcPts val="1057"/>
               </a:spcAft>
@@ -10615,15 +10287,15 @@
               </a:rPr>
               <a:t>We can compile the virtual driver for ANY kernel for ANY architecture</a:t>
             </a:r>
-            <a:endParaRPr b="1" lang="en-US" sz="2400" spc="-1" strike="noStrike">
-              <a:solidFill>
-                <a:srgbClr val="2c3e50"/>
-              </a:solidFill>
-              <a:latin typeface="Noto Sans"/>
+            <a:endParaRPr b="0" lang="en-US" sz="2400" spc="-1" strike="noStrike">
+              <a:latin typeface="Arial"/>
             </a:endParaRPr>
           </a:p>
           <a:p>
             <a:pPr marL="432000" indent="-324000">
+              <a:lnSpc>
+                <a:spcPct val="100000"/>
+              </a:lnSpc>
               <a:spcAft>
                 <a:spcPts val="1057"/>
               </a:spcAft>
@@ -10643,11 +10315,8 @@
               </a:rPr>
               <a:t>One driver to rule them all! ;)</a:t>
             </a:r>
-            <a:endParaRPr b="1" lang="en-US" sz="2400" spc="-1" strike="noStrike">
-              <a:solidFill>
-                <a:srgbClr val="2c3e50"/>
-              </a:solidFill>
-              <a:latin typeface="Noto Sans"/>
+            <a:endParaRPr b="0" lang="en-US" sz="2400" spc="-1" strike="noStrike">
+              <a:latin typeface="Arial"/>
             </a:endParaRPr>
           </a:p>
         </p:txBody>
@@ -10695,7 +10364,7 @@
         <p:spPr>
           <a:xfrm>
             <a:off x="360000" y="225720"/>
-            <a:ext cx="9360000" cy="718920"/>
+            <a:ext cx="9359640" cy="718560"/>
           </a:xfrm>
           <a:prstGeom prst="rect">
             <a:avLst/>
@@ -10706,10 +10375,16 @@
           </a:ln>
         </p:spPr>
         <p:txBody>
-          <a:bodyPr lIns="0" rIns="0" tIns="0" bIns="0" anchor="ctr">
+          <a:bodyPr lIns="0" rIns="0" tIns="0" bIns="0" anchor="ctr" anchorCtr="1">
             <a:noAutofit/>
           </a:bodyPr>
           <a:p>
+            <a:pPr>
+              <a:lnSpc>
+                <a:spcPct val="100000"/>
+              </a:lnSpc>
+              <a:buNone/>
+            </a:pPr>
             <a:r>
               <a:rPr b="1" lang="en-US" sz="2700" spc="-1" strike="noStrike">
                 <a:solidFill>
@@ -10728,11 +10403,8 @@
               </a:rPr>
               <a:t>Replicated Virtual Driver Architecture</a:t>
             </a:r>
-            <a:endParaRPr b="1" lang="en-US" sz="2700" spc="-1" strike="noStrike">
-              <a:solidFill>
-                <a:srgbClr val="ffffff"/>
-              </a:solidFill>
-              <a:latin typeface="Noto Sans"/>
+            <a:endParaRPr b="0" lang="en-US" sz="2700" spc="-1" strike="noStrike">
+              <a:latin typeface="Arial"/>
             </a:endParaRPr>
           </a:p>
         </p:txBody>
@@ -10750,7 +10422,7 @@
         <p:spPr>
           <a:xfrm>
             <a:off x="368640" y="1521000"/>
-            <a:ext cx="9360000" cy="3780000"/>
+            <a:ext cx="9359640" cy="3779640"/>
           </a:xfrm>
           <a:prstGeom prst="rect">
             <a:avLst/>
@@ -10765,11 +10437,8 @@
             <a:normAutofit/>
           </a:bodyPr>
           <a:p>
-            <a:endParaRPr b="1" lang="en-US" sz="2400" spc="-1" strike="noStrike">
-              <a:solidFill>
-                <a:srgbClr val="2c3e50"/>
-              </a:solidFill>
-              <a:latin typeface="Noto Sans"/>
+            <a:endParaRPr b="0" lang="en-US" sz="3200" spc="-1" strike="noStrike">
+              <a:latin typeface="Arial"/>
             </a:endParaRPr>
           </a:p>
         </p:txBody>
@@ -10783,7 +10452,7 @@
         <p:spPr>
           <a:xfrm>
             <a:off x="228600" y="1828800"/>
-            <a:ext cx="1371600" cy="914400"/>
+            <a:ext cx="1371240" cy="914040"/>
           </a:xfrm>
           <a:prstGeom prst="rect">
             <a:avLst/>
@@ -10810,6 +10479,9 @@
           </a:bodyPr>
           <a:p>
             <a:pPr algn="ctr">
+              <a:lnSpc>
+                <a:spcPct val="100000"/>
+              </a:lnSpc>
               <a:buNone/>
             </a:pPr>
             <a:r>
@@ -10818,23 +10490,12 @@
                   <a:srgbClr val="2c3e50"/>
                 </a:solidFill>
                 <a:latin typeface="Noto Sans"/>
+                <a:ea typeface="DejaVu Sans"/>
               </a:rPr>
-              <a:t>Hardw</a:t>
-            </a:r>
-            <a:r>
-              <a:rPr b="0" lang="en-US" sz="1800" spc="-1" strike="noStrike">
-                <a:solidFill>
-                  <a:srgbClr val="2c3e50"/>
-                </a:solidFill>
-                <a:latin typeface="Noto Sans"/>
-              </a:rPr>
-              <a:t>are</a:t>
+              <a:t>Hardware</a:t>
             </a:r>
             <a:endParaRPr b="0" lang="en-US" sz="1800" spc="-1" strike="noStrike">
-              <a:solidFill>
-                <a:srgbClr val="2c3e50"/>
-              </a:solidFill>
-              <a:latin typeface="Noto Sans"/>
+              <a:latin typeface="Arial"/>
             </a:endParaRPr>
           </a:p>
         </p:txBody>
@@ -10848,7 +10509,7 @@
         <p:spPr>
           <a:xfrm>
             <a:off x="2057400" y="1828800"/>
-            <a:ext cx="914400" cy="914400"/>
+            <a:ext cx="914040" cy="914040"/>
           </a:xfrm>
           <a:prstGeom prst="rect">
             <a:avLst/>
@@ -10875,6 +10536,9 @@
           </a:bodyPr>
           <a:p>
             <a:pPr algn="ctr">
+              <a:lnSpc>
+                <a:spcPct val="100000"/>
+              </a:lnSpc>
               <a:buNone/>
             </a:pPr>
             <a:r>
@@ -10883,14 +10547,12 @@
                   <a:srgbClr val="2c3e50"/>
                 </a:solidFill>
                 <a:latin typeface="Noto Sans"/>
+                <a:ea typeface="DejaVu Sans"/>
               </a:rPr>
               <a:t>Driver</a:t>
             </a:r>
             <a:endParaRPr b="0" lang="en-US" sz="1800" spc="-1" strike="noStrike">
-              <a:solidFill>
-                <a:srgbClr val="2c3e50"/>
-              </a:solidFill>
-              <a:latin typeface="Noto Sans"/>
+              <a:latin typeface="Arial"/>
             </a:endParaRPr>
           </a:p>
         </p:txBody>
@@ -10904,7 +10566,7 @@
         <p:spPr>
           <a:xfrm>
             <a:off x="3429000" y="1828800"/>
-            <a:ext cx="914400" cy="914400"/>
+            <a:ext cx="914040" cy="914040"/>
           </a:xfrm>
           <a:prstGeom prst="rect">
             <a:avLst/>
@@ -10931,6 +10593,9 @@
           </a:bodyPr>
           <a:p>
             <a:pPr algn="ctr">
+              <a:lnSpc>
+                <a:spcPct val="100000"/>
+              </a:lnSpc>
               <a:buNone/>
             </a:pPr>
             <a:r>
@@ -10939,14 +10604,12 @@
                   <a:srgbClr val="2c3e50"/>
                 </a:solidFill>
                 <a:latin typeface="Noto Sans"/>
+                <a:ea typeface="DejaVu Sans"/>
               </a:rPr>
               <a:t>Driver</a:t>
             </a:r>
             <a:endParaRPr b="0" lang="en-US" sz="1800" spc="-1" strike="noStrike">
-              <a:solidFill>
-                <a:srgbClr val="2c3e50"/>
-              </a:solidFill>
-              <a:latin typeface="Noto Sans"/>
+              <a:latin typeface="Arial"/>
             </a:endParaRPr>
           </a:p>
         </p:txBody>
@@ -10960,7 +10623,7 @@
         <p:spPr>
           <a:xfrm>
             <a:off x="4800600" y="1828800"/>
-            <a:ext cx="914400" cy="914400"/>
+            <a:ext cx="914040" cy="914040"/>
           </a:xfrm>
           <a:prstGeom prst="rect">
             <a:avLst/>
@@ -10987,6 +10650,9 @@
           </a:bodyPr>
           <a:p>
             <a:pPr algn="ctr">
+              <a:lnSpc>
+                <a:spcPct val="100000"/>
+              </a:lnSpc>
               <a:buNone/>
             </a:pPr>
             <a:r>
@@ -10995,14 +10661,12 @@
                   <a:srgbClr val="2c3e50"/>
                 </a:solidFill>
                 <a:latin typeface="Noto Sans"/>
+                <a:ea typeface="DejaVu Sans"/>
               </a:rPr>
               <a:t>Driver</a:t>
             </a:r>
             <a:endParaRPr b="0" lang="en-US" sz="1800" spc="-1" strike="noStrike">
-              <a:solidFill>
-                <a:srgbClr val="2c3e50"/>
-              </a:solidFill>
-              <a:latin typeface="Noto Sans"/>
+              <a:latin typeface="Arial"/>
             </a:endParaRPr>
           </a:p>
         </p:txBody>
@@ -11016,7 +10680,7 @@
         <p:spPr>
           <a:xfrm>
             <a:off x="6172200" y="1829160"/>
-            <a:ext cx="914400" cy="914040"/>
+            <a:ext cx="914040" cy="913680"/>
           </a:xfrm>
           <a:prstGeom prst="rect">
             <a:avLst/>
@@ -11043,6 +10707,9 @@
           </a:bodyPr>
           <a:p>
             <a:pPr algn="ctr">
+              <a:lnSpc>
+                <a:spcPct val="100000"/>
+              </a:lnSpc>
               <a:buNone/>
             </a:pPr>
             <a:r>
@@ -11051,18 +10718,19 @@
                   <a:srgbClr val="2c3e50"/>
                 </a:solidFill>
                 <a:latin typeface="Noto Sans"/>
+                <a:ea typeface="DejaVu Sans"/>
               </a:rPr>
               <a:t>Virtual</a:t>
             </a:r>
             <a:endParaRPr b="0" lang="en-US" sz="1800" spc="-1" strike="noStrike">
-              <a:solidFill>
-                <a:srgbClr val="2c3e50"/>
-              </a:solidFill>
-              <a:latin typeface="Noto Sans"/>
+              <a:latin typeface="Arial"/>
             </a:endParaRPr>
           </a:p>
           <a:p>
             <a:pPr algn="ctr">
+              <a:lnSpc>
+                <a:spcPct val="100000"/>
+              </a:lnSpc>
               <a:buNone/>
             </a:pPr>
             <a:r>
@@ -11071,14 +10739,12 @@
                   <a:srgbClr val="2c3e50"/>
                 </a:solidFill>
                 <a:latin typeface="Noto Sans"/>
+                <a:ea typeface="DejaVu Sans"/>
               </a:rPr>
               <a:t>Driver</a:t>
             </a:r>
             <a:endParaRPr b="0" lang="en-US" sz="1800" spc="-1" strike="noStrike">
-              <a:solidFill>
-                <a:srgbClr val="2c3e50"/>
-              </a:solidFill>
-              <a:latin typeface="Noto Sans"/>
+              <a:latin typeface="Arial"/>
             </a:endParaRPr>
           </a:p>
         </p:txBody>
@@ -11092,7 +10758,7 @@
         <p:spPr>
           <a:xfrm>
             <a:off x="7543800" y="1828800"/>
-            <a:ext cx="1828800" cy="914400"/>
+            <a:ext cx="1828440" cy="914040"/>
           </a:xfrm>
           <a:prstGeom prst="rect">
             <a:avLst/>
@@ -11119,6 +10785,9 @@
           </a:bodyPr>
           <a:p>
             <a:pPr algn="ctr">
+              <a:lnSpc>
+                <a:spcPct val="100000"/>
+              </a:lnSpc>
               <a:buNone/>
             </a:pPr>
             <a:r>
@@ -11127,14 +10796,12 @@
                   <a:srgbClr val="2c3e50"/>
                 </a:solidFill>
                 <a:latin typeface="Noto Sans"/>
+                <a:ea typeface="DejaVu Sans"/>
               </a:rPr>
               <a:t>Kernel</a:t>
             </a:r>
             <a:endParaRPr b="0" lang="en-US" sz="1800" spc="-1" strike="noStrike">
-              <a:solidFill>
-                <a:srgbClr val="2c3e50"/>
-              </a:solidFill>
-              <a:latin typeface="Noto Sans"/>
+              <a:latin typeface="Arial"/>
             </a:endParaRPr>
           </a:p>
         </p:txBody>
@@ -11148,7 +10815,7 @@
         <p:spPr>
           <a:xfrm>
             <a:off x="7543800" y="4350600"/>
-            <a:ext cx="1828800" cy="914400"/>
+            <a:ext cx="1828440" cy="914040"/>
           </a:xfrm>
           <a:prstGeom prst="rect">
             <a:avLst/>
@@ -11175,6 +10842,9 @@
           </a:bodyPr>
           <a:p>
             <a:pPr algn="ctr">
+              <a:lnSpc>
+                <a:spcPct val="100000"/>
+              </a:lnSpc>
               <a:buNone/>
             </a:pPr>
             <a:r>
@@ -11183,14 +10853,12 @@
                   <a:srgbClr val="2c3e50"/>
                 </a:solidFill>
                 <a:latin typeface="Noto Sans"/>
+                <a:ea typeface="DejaVu Sans"/>
               </a:rPr>
               <a:t>Kernel</a:t>
             </a:r>
             <a:endParaRPr b="0" lang="en-US" sz="1800" spc="-1" strike="noStrike">
-              <a:solidFill>
-                <a:srgbClr val="2c3e50"/>
-              </a:solidFill>
-              <a:latin typeface="Noto Sans"/>
+              <a:latin typeface="Arial"/>
             </a:endParaRPr>
           </a:p>
         </p:txBody>
@@ -11204,7 +10872,7 @@
         <p:spPr>
           <a:xfrm>
             <a:off x="6172200" y="4343400"/>
-            <a:ext cx="914400" cy="914400"/>
+            <a:ext cx="914040" cy="914040"/>
           </a:xfrm>
           <a:prstGeom prst="rect">
             <a:avLst/>
@@ -11231,6 +10899,9 @@
           </a:bodyPr>
           <a:p>
             <a:pPr algn="ctr">
+              <a:lnSpc>
+                <a:spcPct val="100000"/>
+              </a:lnSpc>
               <a:buNone/>
             </a:pPr>
             <a:r>
@@ -11239,18 +10910,19 @@
                   <a:srgbClr val="2c3e50"/>
                 </a:solidFill>
                 <a:latin typeface="Noto Sans"/>
+                <a:ea typeface="DejaVu Sans"/>
               </a:rPr>
               <a:t>Virtual</a:t>
             </a:r>
             <a:endParaRPr b="0" lang="en-US" sz="1800" spc="-1" strike="noStrike">
-              <a:solidFill>
-                <a:srgbClr val="2c3e50"/>
-              </a:solidFill>
-              <a:latin typeface="Noto Sans"/>
+              <a:latin typeface="Arial"/>
             </a:endParaRPr>
           </a:p>
           <a:p>
             <a:pPr algn="ctr">
+              <a:lnSpc>
+                <a:spcPct val="100000"/>
+              </a:lnSpc>
               <a:buNone/>
             </a:pPr>
             <a:r>
@@ -11259,14 +10931,12 @@
                   <a:srgbClr val="2c3e50"/>
                 </a:solidFill>
                 <a:latin typeface="Noto Sans"/>
+                <a:ea typeface="DejaVu Sans"/>
               </a:rPr>
               <a:t>Driver</a:t>
             </a:r>
             <a:endParaRPr b="0" lang="en-US" sz="1800" spc="-1" strike="noStrike">
-              <a:solidFill>
-                <a:srgbClr val="2c3e50"/>
-              </a:solidFill>
-              <a:latin typeface="Noto Sans"/>
+              <a:latin typeface="Arial"/>
             </a:endParaRPr>
           </a:p>
         </p:txBody>
@@ -11280,7 +10950,7 @@
         <p:spPr>
           <a:xfrm>
             <a:off x="1719000" y="2210400"/>
-            <a:ext cx="228600" cy="228600"/>
+            <a:ext cx="228240" cy="228240"/>
           </a:xfrm>
           <a:custGeom>
             <a:avLst/>
@@ -11349,7 +11019,7 @@
         <p:spPr>
           <a:xfrm>
             <a:off x="3090600" y="2185200"/>
-            <a:ext cx="228600" cy="228600"/>
+            <a:ext cx="228240" cy="228240"/>
           </a:xfrm>
           <a:custGeom>
             <a:avLst/>
@@ -11418,7 +11088,7 @@
         <p:spPr>
           <a:xfrm>
             <a:off x="4461480" y="2200680"/>
-            <a:ext cx="228600" cy="228600"/>
+            <a:ext cx="228240" cy="228240"/>
           </a:xfrm>
           <a:custGeom>
             <a:avLst/>
@@ -11487,7 +11157,7 @@
         <p:spPr>
           <a:xfrm>
             <a:off x="5824800" y="2201400"/>
-            <a:ext cx="228600" cy="228600"/>
+            <a:ext cx="228240" cy="228240"/>
           </a:xfrm>
           <a:custGeom>
             <a:avLst/>
@@ -11556,7 +11226,7 @@
         <p:spPr>
           <a:xfrm>
             <a:off x="7195320" y="2193120"/>
-            <a:ext cx="228600" cy="228600"/>
+            <a:ext cx="228240" cy="228240"/>
           </a:xfrm>
           <a:custGeom>
             <a:avLst/>
@@ -11625,7 +11295,7 @@
         <p:spPr>
           <a:xfrm>
             <a:off x="7196400" y="4715640"/>
-            <a:ext cx="228600" cy="228600"/>
+            <a:ext cx="228240" cy="228240"/>
           </a:xfrm>
           <a:custGeom>
             <a:avLst/>
@@ -11694,7 +11364,7 @@
         <p:spPr>
           <a:xfrm>
             <a:off x="6501960" y="4005360"/>
-            <a:ext cx="228600" cy="228600"/>
+            <a:ext cx="228240" cy="228240"/>
           </a:xfrm>
           <a:custGeom>
             <a:avLst/>
@@ -11763,7 +11433,7 @@
         <p:spPr>
           <a:xfrm>
             <a:off x="2057400" y="1360800"/>
-            <a:ext cx="5029200" cy="239400"/>
+            <a:ext cx="5028840" cy="239040"/>
           </a:xfrm>
           <a:prstGeom prst="rect">
             <a:avLst/>
@@ -11790,6 +11460,9 @@
           </a:bodyPr>
           <a:p>
             <a:pPr algn="ctr">
+              <a:lnSpc>
+                <a:spcPct val="100000"/>
+              </a:lnSpc>
               <a:buNone/>
             </a:pPr>
             <a:r>
@@ -11798,14 +11471,12 @@
                   <a:srgbClr val="2c3e50"/>
                 </a:solidFill>
                 <a:latin typeface="Noto Sans"/>
+                <a:ea typeface="DejaVu Sans"/>
               </a:rPr>
               <a:t>Driver Stack</a:t>
             </a:r>
             <a:endParaRPr b="0" lang="en-US" sz="1800" spc="-1" strike="noStrike">
-              <a:solidFill>
-                <a:srgbClr val="2c3e50"/>
-              </a:solidFill>
-              <a:latin typeface="Noto Sans"/>
+              <a:latin typeface="Arial"/>
             </a:endParaRPr>
           </a:p>
         </p:txBody>
@@ -11819,7 +11490,7 @@
         <p:spPr>
           <a:xfrm>
             <a:off x="5943600" y="3200400"/>
-            <a:ext cx="1481040" cy="685800"/>
+            <a:ext cx="1480680" cy="685440"/>
           </a:xfrm>
           <a:prstGeom prst="rect">
             <a:avLst/>
@@ -11846,6 +11517,9 @@
           </a:bodyPr>
           <a:p>
             <a:pPr algn="ctr">
+              <a:lnSpc>
+                <a:spcPct val="100000"/>
+              </a:lnSpc>
               <a:buNone/>
             </a:pPr>
             <a:r>
@@ -11854,18 +11528,19 @@
                   <a:srgbClr val="2c3e50"/>
                 </a:solidFill>
                 <a:latin typeface="Noto Sans"/>
+                <a:ea typeface="DejaVu Sans"/>
               </a:rPr>
               <a:t>Messaging</a:t>
             </a:r>
             <a:endParaRPr b="0" lang="en-US" sz="1800" spc="-1" strike="noStrike">
-              <a:solidFill>
-                <a:srgbClr val="2c3e50"/>
-              </a:solidFill>
-              <a:latin typeface="Noto Sans"/>
+              <a:latin typeface="Arial"/>
             </a:endParaRPr>
           </a:p>
           <a:p>
             <a:pPr algn="ctr">
+              <a:lnSpc>
+                <a:spcPct val="100000"/>
+              </a:lnSpc>
               <a:buNone/>
             </a:pPr>
             <a:r>
@@ -11874,14 +11549,12 @@
                   <a:srgbClr val="2c3e50"/>
                 </a:solidFill>
                 <a:latin typeface="Noto Sans"/>
+                <a:ea typeface="DejaVu Sans"/>
               </a:rPr>
               <a:t>Layer</a:t>
             </a:r>
             <a:endParaRPr b="0" lang="en-US" sz="1800" spc="-1" strike="noStrike">
-              <a:solidFill>
-                <a:srgbClr val="2c3e50"/>
-              </a:solidFill>
-              <a:latin typeface="Noto Sans"/>
+              <a:latin typeface="Arial"/>
             </a:endParaRPr>
           </a:p>
         </p:txBody>
@@ -11895,7 +11568,7 @@
         <p:spPr>
           <a:xfrm>
             <a:off x="6502320" y="2853000"/>
-            <a:ext cx="228600" cy="228600"/>
+            <a:ext cx="228240" cy="228240"/>
           </a:xfrm>
           <a:custGeom>
             <a:avLst/>
@@ -11998,7 +11671,7 @@
         <p:spPr>
           <a:xfrm>
             <a:off x="360000" y="225720"/>
-            <a:ext cx="9360000" cy="718920"/>
+            <a:ext cx="9359640" cy="718560"/>
           </a:xfrm>
           <a:prstGeom prst="rect">
             <a:avLst/>
@@ -12009,10 +11682,16 @@
           </a:ln>
         </p:spPr>
         <p:txBody>
-          <a:bodyPr lIns="0" rIns="0" tIns="0" bIns="0" anchor="ctr">
+          <a:bodyPr lIns="0" rIns="0" tIns="0" bIns="0" anchor="ctr" anchorCtr="1">
             <a:noAutofit/>
           </a:bodyPr>
           <a:p>
+            <a:pPr>
+              <a:lnSpc>
+                <a:spcPct val="100000"/>
+              </a:lnSpc>
+              <a:buNone/>
+            </a:pPr>
             <a:r>
               <a:rPr b="1" lang="en-US" sz="2700" spc="-1" strike="noStrike">
                 <a:solidFill>
@@ -12031,11 +11710,8 @@
               </a:rPr>
               <a:t>Replicated Virtual Driver Architecture</a:t>
             </a:r>
-            <a:endParaRPr b="1" lang="en-US" sz="2700" spc="-1" strike="noStrike">
-              <a:solidFill>
-                <a:srgbClr val="ffffff"/>
-              </a:solidFill>
-              <a:latin typeface="Noto Sans"/>
+            <a:endParaRPr b="0" lang="en-US" sz="2700" spc="-1" strike="noStrike">
+              <a:latin typeface="Arial"/>
             </a:endParaRPr>
           </a:p>
         </p:txBody>
@@ -12053,7 +11729,7 @@
         <p:spPr>
           <a:xfrm>
             <a:off x="360000" y="1485000"/>
-            <a:ext cx="9360000" cy="3780000"/>
+            <a:ext cx="9359640" cy="3779640"/>
           </a:xfrm>
           <a:prstGeom prst="rect">
             <a:avLst/>
@@ -12068,11 +11744,8 @@
             <a:normAutofit/>
           </a:bodyPr>
           <a:p>
-            <a:endParaRPr b="1" lang="en-US" sz="2400" spc="-1" strike="noStrike">
-              <a:solidFill>
-                <a:srgbClr val="2c3e50"/>
-              </a:solidFill>
-              <a:latin typeface="Noto Sans"/>
+            <a:endParaRPr b="0" lang="en-US" sz="3200" spc="-1" strike="noStrike">
+              <a:latin typeface="Arial"/>
             </a:endParaRPr>
           </a:p>
         </p:txBody>
@@ -12086,7 +11759,7 @@
         <p:spPr>
           <a:xfrm>
             <a:off x="685800" y="1846800"/>
-            <a:ext cx="914400" cy="914400"/>
+            <a:ext cx="914040" cy="914040"/>
           </a:xfrm>
           <a:prstGeom prst="rect">
             <a:avLst/>
@@ -12113,6 +11786,9 @@
           </a:bodyPr>
           <a:p>
             <a:pPr algn="ctr">
+              <a:lnSpc>
+                <a:spcPct val="100000"/>
+              </a:lnSpc>
               <a:buNone/>
             </a:pPr>
             <a:r>
@@ -12121,14 +11797,12 @@
                   <a:srgbClr val="2c3e50"/>
                 </a:solidFill>
                 <a:latin typeface="Noto Sans"/>
+                <a:ea typeface="DejaVu Sans"/>
               </a:rPr>
               <a:t>Kernel</a:t>
             </a:r>
             <a:endParaRPr b="0" lang="en-US" sz="1800" spc="-1" strike="noStrike">
-              <a:solidFill>
-                <a:srgbClr val="2c3e50"/>
-              </a:solidFill>
-              <a:latin typeface="Noto Sans"/>
+              <a:latin typeface="Arial"/>
             </a:endParaRPr>
           </a:p>
         </p:txBody>
@@ -12142,7 +11816,7 @@
         <p:spPr>
           <a:xfrm>
             <a:off x="685800" y="2971800"/>
-            <a:ext cx="914400" cy="914400"/>
+            <a:ext cx="914040" cy="914040"/>
           </a:xfrm>
           <a:prstGeom prst="rect">
             <a:avLst/>
@@ -12169,6 +11843,9 @@
           </a:bodyPr>
           <a:p>
             <a:pPr algn="ctr">
+              <a:lnSpc>
+                <a:spcPct val="100000"/>
+              </a:lnSpc>
               <a:buNone/>
             </a:pPr>
             <a:r>
@@ -12177,14 +11854,12 @@
                   <a:srgbClr val="2c3e50"/>
                 </a:solidFill>
                 <a:latin typeface="Noto Sans"/>
+                <a:ea typeface="DejaVu Sans"/>
               </a:rPr>
               <a:t>Kernel</a:t>
             </a:r>
             <a:endParaRPr b="0" lang="en-US" sz="1800" spc="-1" strike="noStrike">
-              <a:solidFill>
-                <a:srgbClr val="2c3e50"/>
-              </a:solidFill>
-              <a:latin typeface="Noto Sans"/>
+              <a:latin typeface="Arial"/>
             </a:endParaRPr>
           </a:p>
         </p:txBody>
@@ -12198,7 +11873,7 @@
         <p:spPr>
           <a:xfrm>
             <a:off x="685800" y="4114800"/>
-            <a:ext cx="914400" cy="914400"/>
+            <a:ext cx="914040" cy="914040"/>
           </a:xfrm>
           <a:prstGeom prst="rect">
             <a:avLst/>
@@ -12225,6 +11900,9 @@
           </a:bodyPr>
           <a:p>
             <a:pPr algn="ctr">
+              <a:lnSpc>
+                <a:spcPct val="100000"/>
+              </a:lnSpc>
               <a:buNone/>
             </a:pPr>
             <a:r>
@@ -12233,14 +11911,12 @@
                   <a:srgbClr val="2c3e50"/>
                 </a:solidFill>
                 <a:latin typeface="Noto Sans"/>
+                <a:ea typeface="DejaVu Sans"/>
               </a:rPr>
               <a:t>Kernel</a:t>
             </a:r>
             <a:endParaRPr b="0" lang="en-US" sz="1800" spc="-1" strike="noStrike">
-              <a:solidFill>
-                <a:srgbClr val="2c3e50"/>
-              </a:solidFill>
-              <a:latin typeface="Noto Sans"/>
+              <a:latin typeface="Arial"/>
             </a:endParaRPr>
           </a:p>
         </p:txBody>
@@ -12254,7 +11930,7 @@
         <p:spPr>
           <a:xfrm>
             <a:off x="2057400" y="1828800"/>
-            <a:ext cx="914400" cy="914400"/>
+            <a:ext cx="914040" cy="914040"/>
           </a:xfrm>
           <a:prstGeom prst="rect">
             <a:avLst/>
@@ -12281,6 +11957,9 @@
           </a:bodyPr>
           <a:p>
             <a:pPr algn="ctr">
+              <a:lnSpc>
+                <a:spcPct val="100000"/>
+              </a:lnSpc>
               <a:buNone/>
             </a:pPr>
             <a:r>
@@ -12289,6 +11968,7 @@
                   <a:srgbClr val="2c3e50"/>
                 </a:solidFill>
                 <a:latin typeface="Noto Sans"/>
+                <a:ea typeface="DejaVu Sans"/>
               </a:rPr>
               <a:t>Virtual</a:t>
             </a:r>
@@ -12301,14 +11981,12 @@
                   <a:srgbClr val="2c3e50"/>
                 </a:solidFill>
                 <a:latin typeface="Noto Sans"/>
+                <a:ea typeface="DejaVu Sans"/>
               </a:rPr>
               <a:t>Driver</a:t>
             </a:r>
             <a:endParaRPr b="0" lang="en-US" sz="1800" spc="-1" strike="noStrike">
-              <a:solidFill>
-                <a:srgbClr val="2c3e50"/>
-              </a:solidFill>
-              <a:latin typeface="Noto Sans"/>
+              <a:latin typeface="Arial"/>
             </a:endParaRPr>
           </a:p>
         </p:txBody>
@@ -12322,7 +12000,7 @@
         <p:spPr>
           <a:xfrm>
             <a:off x="2057400" y="2971800"/>
-            <a:ext cx="914400" cy="914400"/>
+            <a:ext cx="914040" cy="914040"/>
           </a:xfrm>
           <a:prstGeom prst="rect">
             <a:avLst/>
@@ -12349,6 +12027,9 @@
           </a:bodyPr>
           <a:p>
             <a:pPr algn="ctr">
+              <a:lnSpc>
+                <a:spcPct val="100000"/>
+              </a:lnSpc>
               <a:buNone/>
             </a:pPr>
             <a:r>
@@ -12357,6 +12038,7 @@
                   <a:srgbClr val="2c3e50"/>
                 </a:solidFill>
                 <a:latin typeface="Noto Sans"/>
+                <a:ea typeface="DejaVu Sans"/>
               </a:rPr>
               <a:t>Virtual</a:t>
             </a:r>
@@ -12369,14 +12051,12 @@
                   <a:srgbClr val="2c3e50"/>
                 </a:solidFill>
                 <a:latin typeface="Noto Sans"/>
+                <a:ea typeface="DejaVu Sans"/>
               </a:rPr>
               <a:t>Driver</a:t>
             </a:r>
             <a:endParaRPr b="0" lang="en-US" sz="1800" spc="-1" strike="noStrike">
-              <a:solidFill>
-                <a:srgbClr val="2c3e50"/>
-              </a:solidFill>
-              <a:latin typeface="Noto Sans"/>
+              <a:latin typeface="Arial"/>
             </a:endParaRPr>
           </a:p>
         </p:txBody>
@@ -12390,7 +12070,7 @@
         <p:spPr>
           <a:xfrm>
             <a:off x="2057400" y="4114800"/>
-            <a:ext cx="914400" cy="914400"/>
+            <a:ext cx="914040" cy="914040"/>
           </a:xfrm>
           <a:prstGeom prst="rect">
             <a:avLst/>
@@ -12417,6 +12097,9 @@
           </a:bodyPr>
           <a:p>
             <a:pPr algn="ctr">
+              <a:lnSpc>
+                <a:spcPct val="100000"/>
+              </a:lnSpc>
               <a:buNone/>
             </a:pPr>
             <a:r>
@@ -12425,6 +12108,7 @@
                   <a:srgbClr val="2c3e50"/>
                 </a:solidFill>
                 <a:latin typeface="Noto Sans"/>
+                <a:ea typeface="DejaVu Sans"/>
               </a:rPr>
               <a:t>Virtual</a:t>
             </a:r>
@@ -12437,14 +12121,12 @@
                   <a:srgbClr val="2c3e50"/>
                 </a:solidFill>
                 <a:latin typeface="Noto Sans"/>
+                <a:ea typeface="DejaVu Sans"/>
               </a:rPr>
               <a:t>Driver</a:t>
             </a:r>
             <a:endParaRPr b="0" lang="en-US" sz="1800" spc="-1" strike="noStrike">
-              <a:solidFill>
-                <a:srgbClr val="2c3e50"/>
-              </a:solidFill>
-              <a:latin typeface="Noto Sans"/>
+              <a:latin typeface="Arial"/>
             </a:endParaRPr>
           </a:p>
         </p:txBody>
@@ -12458,7 +12140,7 @@
         <p:spPr>
           <a:xfrm>
             <a:off x="1700640" y="2193480"/>
-            <a:ext cx="228600" cy="228600"/>
+            <a:ext cx="228240" cy="228240"/>
           </a:xfrm>
           <a:custGeom>
             <a:avLst/>
@@ -12527,7 +12209,7 @@
         <p:spPr>
           <a:xfrm>
             <a:off x="1710000" y="3318840"/>
-            <a:ext cx="228600" cy="228600"/>
+            <a:ext cx="228240" cy="228240"/>
           </a:xfrm>
           <a:custGeom>
             <a:avLst/>
@@ -12596,7 +12278,7 @@
         <p:spPr>
           <a:xfrm>
             <a:off x="1701360" y="4471200"/>
-            <a:ext cx="228600" cy="228600"/>
+            <a:ext cx="228240" cy="228240"/>
           </a:xfrm>
           <a:custGeom>
             <a:avLst/>
@@ -12665,7 +12347,7 @@
         <p:spPr>
           <a:xfrm>
             <a:off x="3120120" y="3309840"/>
-            <a:ext cx="228600" cy="228600"/>
+            <a:ext cx="228240" cy="228240"/>
           </a:xfrm>
           <a:custGeom>
             <a:avLst/>
@@ -12734,7 +12416,7 @@
         <p:spPr>
           <a:xfrm>
             <a:off x="3123000" y="2176560"/>
-            <a:ext cx="228600" cy="228600"/>
+            <a:ext cx="228240" cy="228240"/>
           </a:xfrm>
           <a:custGeom>
             <a:avLst/>
@@ -12803,7 +12485,7 @@
         <p:spPr>
           <a:xfrm>
             <a:off x="3123720" y="4462920"/>
-            <a:ext cx="228600" cy="228600"/>
+            <a:ext cx="228240" cy="228240"/>
           </a:xfrm>
           <a:custGeom>
             <a:avLst/>
@@ -12872,7 +12554,7 @@
         <p:spPr>
           <a:xfrm>
             <a:off x="5291280" y="3343680"/>
-            <a:ext cx="228600" cy="228600"/>
+            <a:ext cx="228240" cy="228240"/>
           </a:xfrm>
           <a:custGeom>
             <a:avLst/>
@@ -12941,7 +12623,7 @@
         <p:spPr>
           <a:xfrm>
             <a:off x="5715000" y="2971800"/>
-            <a:ext cx="914400" cy="914400"/>
+            <a:ext cx="914040" cy="914040"/>
           </a:xfrm>
           <a:prstGeom prst="rect">
             <a:avLst/>
@@ -12968,6 +12650,9 @@
           </a:bodyPr>
           <a:p>
             <a:pPr algn="ctr">
+              <a:lnSpc>
+                <a:spcPct val="100000"/>
+              </a:lnSpc>
               <a:buNone/>
             </a:pPr>
             <a:r>
@@ -12976,6 +12661,7 @@
                   <a:srgbClr val="2c3e50"/>
                 </a:solidFill>
                 <a:latin typeface="Noto Sans"/>
+                <a:ea typeface="DejaVu Sans"/>
               </a:rPr>
               <a:t>Virtual</a:t>
             </a:r>
@@ -12988,14 +12674,12 @@
                   <a:srgbClr val="2c3e50"/>
                 </a:solidFill>
                 <a:latin typeface="Noto Sans"/>
+                <a:ea typeface="DejaVu Sans"/>
               </a:rPr>
               <a:t>Driver</a:t>
             </a:r>
             <a:endParaRPr b="0" lang="en-US" sz="1800" spc="-1" strike="noStrike">
-              <a:solidFill>
-                <a:srgbClr val="2c3e50"/>
-              </a:solidFill>
-              <a:latin typeface="Noto Sans"/>
+              <a:latin typeface="Arial"/>
             </a:endParaRPr>
           </a:p>
         </p:txBody>
@@ -13009,7 +12693,7 @@
         <p:spPr>
           <a:xfrm>
             <a:off x="7086600" y="2971800"/>
-            <a:ext cx="914400" cy="914400"/>
+            <a:ext cx="914040" cy="914040"/>
           </a:xfrm>
           <a:prstGeom prst="rect">
             <a:avLst/>
@@ -13036,6 +12720,9 @@
           </a:bodyPr>
           <a:p>
             <a:pPr algn="ctr">
+              <a:lnSpc>
+                <a:spcPct val="100000"/>
+              </a:lnSpc>
               <a:buNone/>
             </a:pPr>
             <a:r>
@@ -13044,14 +12731,12 @@
                   <a:srgbClr val="2c3e50"/>
                 </a:solidFill>
                 <a:latin typeface="Noto Sans"/>
+                <a:ea typeface="DejaVu Sans"/>
               </a:rPr>
               <a:t>Kernel</a:t>
             </a:r>
             <a:endParaRPr b="0" lang="en-US" sz="1800" spc="-1" strike="noStrike">
-              <a:solidFill>
-                <a:srgbClr val="2c3e50"/>
-              </a:solidFill>
-              <a:latin typeface="Noto Sans"/>
+              <a:latin typeface="Arial"/>
             </a:endParaRPr>
           </a:p>
         </p:txBody>
@@ -13065,7 +12750,7 @@
         <p:spPr>
           <a:xfrm>
             <a:off x="6746760" y="3335040"/>
-            <a:ext cx="228600" cy="228600"/>
+            <a:ext cx="228240" cy="228240"/>
           </a:xfrm>
           <a:custGeom>
             <a:avLst/>
@@ -13134,7 +12819,7 @@
         <p:spPr>
           <a:xfrm>
             <a:off x="3496320" y="1836720"/>
-            <a:ext cx="1600200" cy="3200400"/>
+            <a:ext cx="1599840" cy="3200040"/>
           </a:xfrm>
           <a:prstGeom prst="rect">
             <a:avLst/>
@@ -13161,6 +12846,9 @@
           </a:bodyPr>
           <a:p>
             <a:pPr algn="ctr">
+              <a:lnSpc>
+                <a:spcPct val="100000"/>
+              </a:lnSpc>
               <a:buNone/>
             </a:pPr>
             <a:r>
@@ -13169,18 +12857,19 @@
                   <a:srgbClr val="2c3e50"/>
                 </a:solidFill>
                 <a:latin typeface="Noto Sans"/>
+                <a:ea typeface="DejaVu Sans"/>
               </a:rPr>
               <a:t>Messaging</a:t>
             </a:r>
             <a:endParaRPr b="0" lang="en-US" sz="1800" spc="-1" strike="noStrike">
-              <a:solidFill>
-                <a:srgbClr val="2c3e50"/>
-              </a:solidFill>
-              <a:latin typeface="Noto Sans"/>
+              <a:latin typeface="Arial"/>
             </a:endParaRPr>
           </a:p>
           <a:p>
             <a:pPr algn="ctr">
+              <a:lnSpc>
+                <a:spcPct val="100000"/>
+              </a:lnSpc>
               <a:buNone/>
             </a:pPr>
             <a:r>
@@ -13189,14 +12878,12 @@
                   <a:srgbClr val="2c3e50"/>
                 </a:solidFill>
                 <a:latin typeface="Noto Sans"/>
+                <a:ea typeface="DejaVu Sans"/>
               </a:rPr>
               <a:t>Layer</a:t>
             </a:r>
             <a:endParaRPr b="0" lang="en-US" sz="1800" spc="-1" strike="noStrike">
-              <a:solidFill>
-                <a:srgbClr val="2c3e50"/>
-              </a:solidFill>
-              <a:latin typeface="Noto Sans"/>
+              <a:latin typeface="Arial"/>
             </a:endParaRPr>
           </a:p>
         </p:txBody>
@@ -13244,7 +12931,7 @@
         <p:spPr>
           <a:xfrm>
             <a:off x="360000" y="225720"/>
-            <a:ext cx="9360000" cy="718920"/>
+            <a:ext cx="9359640" cy="718560"/>
           </a:xfrm>
           <a:prstGeom prst="rect">
             <a:avLst/>
@@ -13255,10 +12942,16 @@
           </a:ln>
         </p:spPr>
         <p:txBody>
-          <a:bodyPr lIns="0" rIns="0" tIns="0" bIns="0" anchor="ctr">
+          <a:bodyPr lIns="0" rIns="0" tIns="0" bIns="0" anchor="ctr" anchorCtr="1">
             <a:noAutofit/>
           </a:bodyPr>
           <a:p>
+            <a:pPr>
+              <a:lnSpc>
+                <a:spcPct val="100000"/>
+              </a:lnSpc>
+              <a:buNone/>
+            </a:pPr>
             <a:r>
               <a:rPr b="1" lang="en-US" sz="2700" spc="-1" strike="noStrike">
                 <a:solidFill>
@@ -13277,11 +12970,8 @@
               </a:rPr>
               <a:t>Replicated Virtual Driver Architecture</a:t>
             </a:r>
-            <a:endParaRPr b="1" lang="en-US" sz="2700" spc="-1" strike="noStrike">
-              <a:solidFill>
-                <a:srgbClr val="ffffff"/>
-              </a:solidFill>
-              <a:latin typeface="Noto Sans"/>
+            <a:endParaRPr b="0" lang="en-US" sz="2700" spc="-1" strike="noStrike">
+              <a:latin typeface="Arial"/>
             </a:endParaRPr>
           </a:p>
         </p:txBody>
@@ -13299,7 +12989,7 @@
         <p:spPr>
           <a:xfrm>
             <a:off x="360000" y="1485000"/>
-            <a:ext cx="9360000" cy="3780000"/>
+            <a:ext cx="9359640" cy="3779640"/>
           </a:xfrm>
           <a:prstGeom prst="rect">
             <a:avLst/>
@@ -13315,6 +13005,9 @@
           </a:bodyPr>
           <a:p>
             <a:pPr marL="432000" indent="-324000">
+              <a:lnSpc>
+                <a:spcPct val="100000"/>
+              </a:lnSpc>
               <a:spcAft>
                 <a:spcPts val="1057"/>
               </a:spcAft>
@@ -13334,15 +13027,15 @@
               </a:rPr>
               <a:t>One-to-one architecture</a:t>
             </a:r>
-            <a:endParaRPr b="1" lang="en-US" sz="2400" spc="-1" strike="noStrike">
-              <a:solidFill>
-                <a:srgbClr val="2c3e50"/>
-              </a:solidFill>
-              <a:latin typeface="Noto Sans"/>
+            <a:endParaRPr b="0" lang="en-US" sz="2400" spc="-1" strike="noStrike">
+              <a:latin typeface="Arial"/>
             </a:endParaRPr>
           </a:p>
           <a:p>
             <a:pPr marL="432000" indent="-324000">
+              <a:lnSpc>
+                <a:spcPct val="100000"/>
+              </a:lnSpc>
               <a:spcAft>
                 <a:spcPts val="1057"/>
               </a:spcAft>
@@ -13362,15 +13055,15 @@
               </a:rPr>
               <a:t>One-to-many, many-to-one architecture</a:t>
             </a:r>
-            <a:endParaRPr b="1" lang="en-US" sz="2400" spc="-1" strike="noStrike">
-              <a:solidFill>
-                <a:srgbClr val="2c3e50"/>
-              </a:solidFill>
-              <a:latin typeface="Noto Sans"/>
+            <a:endParaRPr b="0" lang="en-US" sz="2400" spc="-1" strike="noStrike">
+              <a:latin typeface="Arial"/>
             </a:endParaRPr>
           </a:p>
           <a:p>
             <a:pPr marL="432000" indent="-324000">
+              <a:lnSpc>
+                <a:spcPct val="100000"/>
+              </a:lnSpc>
               <a:spcAft>
                 <a:spcPts val="1057"/>
               </a:spcAft>
@@ -13390,11 +13083,8 @@
               </a:rPr>
               <a:t>Device driver major and minor numbers for identifying similar drivers across the cluster</a:t>
             </a:r>
-            <a:endParaRPr b="1" lang="en-US" sz="2400" spc="-1" strike="noStrike">
-              <a:solidFill>
-                <a:srgbClr val="2c3e50"/>
-              </a:solidFill>
-              <a:latin typeface="Noto Sans"/>
+            <a:endParaRPr b="0" lang="en-US" sz="2400" spc="-1" strike="noStrike">
+              <a:latin typeface="Arial"/>
             </a:endParaRPr>
           </a:p>
         </p:txBody>
@@ -13442,7 +13132,7 @@
         <p:spPr>
           <a:xfrm>
             <a:off x="360000" y="225720"/>
-            <a:ext cx="9360000" cy="720000"/>
+            <a:ext cx="9359640" cy="719640"/>
           </a:xfrm>
           <a:prstGeom prst="rect">
             <a:avLst/>
@@ -13453,10 +13143,16 @@
           </a:ln>
         </p:spPr>
         <p:txBody>
-          <a:bodyPr lIns="0" rIns="0" tIns="0" bIns="0" anchor="ctr">
+          <a:bodyPr lIns="0" rIns="0" tIns="0" bIns="0" anchor="ctr" anchorCtr="1">
             <a:noAutofit/>
           </a:bodyPr>
           <a:p>
+            <a:pPr>
+              <a:lnSpc>
+                <a:spcPct val="100000"/>
+              </a:lnSpc>
+              <a:buNone/>
+            </a:pPr>
             <a:r>
               <a:rPr b="1" lang="en-US" sz="2700" spc="-1" strike="noStrike">
                 <a:solidFill>
@@ -13475,11 +13171,8 @@
               </a:rPr>
               <a:t>Replicated Virtual Driver Architecture</a:t>
             </a:r>
-            <a:endParaRPr b="1" lang="en-US" sz="2700" spc="-1" strike="noStrike">
-              <a:solidFill>
-                <a:srgbClr val="ffffff"/>
-              </a:solidFill>
-              <a:latin typeface="Noto Sans"/>
+            <a:endParaRPr b="0" lang="en-US" sz="2700" spc="-1" strike="noStrike">
+              <a:latin typeface="Arial"/>
             </a:endParaRPr>
           </a:p>
         </p:txBody>
@@ -13497,7 +13190,7 @@
         <p:spPr>
           <a:xfrm>
             <a:off x="360000" y="1485000"/>
-            <a:ext cx="9360000" cy="3780000"/>
+            <a:ext cx="9359640" cy="3779640"/>
           </a:xfrm>
           <a:prstGeom prst="rect">
             <a:avLst/>
@@ -13509,10 +13202,13 @@
         </p:spPr>
         <p:txBody>
           <a:bodyPr lIns="0" rIns="0" tIns="0" bIns="0" anchor="t">
-            <a:normAutofit fontScale="97000"/>
+            <a:normAutofit fontScale="95000"/>
           </a:bodyPr>
           <a:p>
             <a:pPr marL="432000" indent="-324000">
+              <a:lnSpc>
+                <a:spcPct val="100000"/>
+              </a:lnSpc>
               <a:spcAft>
                 <a:spcPts val="1057"/>
               </a:spcAft>
@@ -13532,15 +13228,15 @@
               </a:rPr>
               <a:t>Unified filesystem</a:t>
             </a:r>
-            <a:endParaRPr b="1" lang="en-US" sz="2400" spc="-1" strike="noStrike">
-              <a:solidFill>
-                <a:srgbClr val="2c3e50"/>
-              </a:solidFill>
-              <a:latin typeface="Noto Sans"/>
+            <a:endParaRPr b="0" lang="en-US" sz="2400" spc="-1" strike="noStrike">
+              <a:latin typeface="Arial"/>
             </a:endParaRPr>
           </a:p>
           <a:p>
             <a:pPr marL="432000" indent="-324000">
+              <a:lnSpc>
+                <a:spcPct val="100000"/>
+              </a:lnSpc>
               <a:spcAft>
                 <a:spcPts val="1057"/>
               </a:spcAft>
@@ -13560,15 +13256,15 @@
               </a:rPr>
               <a:t>Mount root filesystem on our distributed filesystem from initramfs during boot</a:t>
             </a:r>
-            <a:endParaRPr b="1" lang="en-US" sz="2400" spc="-1" strike="noStrike">
-              <a:solidFill>
-                <a:srgbClr val="2c3e50"/>
-              </a:solidFill>
-              <a:latin typeface="Noto Sans"/>
+            <a:endParaRPr b="0" lang="en-US" sz="2400" spc="-1" strike="noStrike">
+              <a:latin typeface="Arial"/>
             </a:endParaRPr>
           </a:p>
           <a:p>
             <a:pPr marL="432000" indent="-324000">
+              <a:lnSpc>
+                <a:spcPct val="100000"/>
+              </a:lnSpc>
               <a:spcAft>
                 <a:spcPts val="1057"/>
               </a:spcAft>
@@ -13588,15 +13284,15 @@
               </a:rPr>
               <a:t>Live migration of blocks of data between individual disks over the messaging layer as is</a:t>
             </a:r>
-            <a:endParaRPr b="1" lang="en-US" sz="2400" spc="-1" strike="noStrike">
-              <a:solidFill>
-                <a:srgbClr val="2c3e50"/>
-              </a:solidFill>
-              <a:latin typeface="Noto Sans"/>
+            <a:endParaRPr b="0" lang="en-US" sz="2400" spc="-1" strike="noStrike">
+              <a:latin typeface="Arial"/>
             </a:endParaRPr>
           </a:p>
           <a:p>
             <a:pPr marL="432000" indent="-324000">
+              <a:lnSpc>
+                <a:spcPct val="100000"/>
+              </a:lnSpc>
               <a:spcAft>
                 <a:spcPts val="1057"/>
               </a:spcAft>
@@ -13616,15 +13312,15 @@
               </a:rPr>
               <a:t>Single root scenario</a:t>
             </a:r>
-            <a:endParaRPr b="1" lang="en-US" sz="2400" spc="-1" strike="noStrike">
-              <a:solidFill>
-                <a:srgbClr val="2c3e50"/>
-              </a:solidFill>
-              <a:latin typeface="Noto Sans"/>
+            <a:endParaRPr b="0" lang="en-US" sz="2400" spc="-1" strike="noStrike">
+              <a:latin typeface="Arial"/>
             </a:endParaRPr>
           </a:p>
           <a:p>
             <a:pPr marL="432000" indent="-324000">
+              <a:lnSpc>
+                <a:spcPct val="100000"/>
+              </a:lnSpc>
               <a:spcAft>
                 <a:spcPts val="1057"/>
               </a:spcAft>
@@ -13644,15 +13340,15 @@
               </a:rPr>
               <a:t>Migration of files for processes and threads is not necessary!</a:t>
             </a:r>
-            <a:endParaRPr b="1" lang="en-US" sz="2400" spc="-1" strike="noStrike">
-              <a:solidFill>
-                <a:srgbClr val="2c3e50"/>
-              </a:solidFill>
-              <a:latin typeface="Noto Sans"/>
+            <a:endParaRPr b="0" lang="en-US" sz="2400" spc="-1" strike="noStrike">
+              <a:latin typeface="Arial"/>
             </a:endParaRPr>
           </a:p>
           <a:p>
             <a:pPr marL="432000" indent="-324000">
+              <a:lnSpc>
+                <a:spcPct val="100000"/>
+              </a:lnSpc>
               <a:spcAft>
                 <a:spcPts val="1057"/>
               </a:spcAft>
@@ -13672,11 +13368,8 @@
               </a:rPr>
               <a:t>All data appears to be in one place!</a:t>
             </a:r>
-            <a:endParaRPr b="1" lang="en-US" sz="2400" spc="-1" strike="noStrike">
-              <a:solidFill>
-                <a:srgbClr val="2c3e50"/>
-              </a:solidFill>
-              <a:latin typeface="Noto Sans"/>
+            <a:endParaRPr b="0" lang="en-US" sz="2400" spc="-1" strike="noStrike">
+              <a:latin typeface="Arial"/>
             </a:endParaRPr>
           </a:p>
         </p:txBody>
@@ -13724,7 +13417,7 @@
         <p:spPr>
           <a:xfrm>
             <a:off x="360000" y="225720"/>
-            <a:ext cx="9360000" cy="718920"/>
+            <a:ext cx="9359640" cy="718560"/>
           </a:xfrm>
           <a:prstGeom prst="rect">
             <a:avLst/>
@@ -13735,10 +13428,16 @@
           </a:ln>
         </p:spPr>
         <p:txBody>
-          <a:bodyPr lIns="0" rIns="0" tIns="0" bIns="0" anchor="ctr">
+          <a:bodyPr lIns="0" rIns="0" tIns="0" bIns="0" anchor="ctr" anchorCtr="1">
             <a:noAutofit/>
           </a:bodyPr>
           <a:p>
+            <a:pPr>
+              <a:lnSpc>
+                <a:spcPct val="100000"/>
+              </a:lnSpc>
+              <a:buNone/>
+            </a:pPr>
             <a:r>
               <a:rPr b="1" lang="en-US" sz="2700" spc="-1" strike="noStrike">
                 <a:solidFill>
@@ -13757,11 +13456,8 @@
               </a:rPr>
               <a:t>Replicated Virtual Driver Architecture</a:t>
             </a:r>
-            <a:endParaRPr b="1" lang="en-US" sz="2700" spc="-1" strike="noStrike">
-              <a:solidFill>
-                <a:srgbClr val="ffffff"/>
-              </a:solidFill>
-              <a:latin typeface="Noto Sans"/>
+            <a:endParaRPr b="0" lang="en-US" sz="2700" spc="-1" strike="noStrike">
+              <a:latin typeface="Arial"/>
             </a:endParaRPr>
           </a:p>
         </p:txBody>
@@ -13779,7 +13475,7 @@
         <p:spPr>
           <a:xfrm>
             <a:off x="360000" y="1485000"/>
-            <a:ext cx="9360000" cy="3780000"/>
+            <a:ext cx="9359640" cy="3779640"/>
           </a:xfrm>
           <a:prstGeom prst="rect">
             <a:avLst/>
@@ -13795,6 +13491,9 @@
           </a:bodyPr>
           <a:p>
             <a:pPr marL="432000" indent="-324000">
+              <a:lnSpc>
+                <a:spcPct val="100000"/>
+              </a:lnSpc>
               <a:spcAft>
                 <a:spcPts val="1057"/>
               </a:spcAft>
@@ -13814,15 +13513,15 @@
               </a:rPr>
               <a:t>Unified network interface</a:t>
             </a:r>
-            <a:endParaRPr b="1" lang="en-US" sz="2400" spc="-1" strike="noStrike">
-              <a:solidFill>
-                <a:srgbClr val="2c3e50"/>
-              </a:solidFill>
-              <a:latin typeface="Noto Sans"/>
+            <a:endParaRPr b="0" lang="en-US" sz="2400" spc="-1" strike="noStrike">
+              <a:latin typeface="Arial"/>
             </a:endParaRPr>
           </a:p>
           <a:p>
             <a:pPr marL="432000" indent="-324000">
+              <a:lnSpc>
+                <a:spcPct val="100000"/>
+              </a:lnSpc>
               <a:spcAft>
                 <a:spcPts val="1057"/>
               </a:spcAft>
@@ -13842,15 +13541,15 @@
               </a:rPr>
               <a:t>Distribute the load over multiple network interfaces</a:t>
             </a:r>
-            <a:endParaRPr b="1" lang="en-US" sz="2400" spc="-1" strike="noStrike">
-              <a:solidFill>
-                <a:srgbClr val="2c3e50"/>
-              </a:solidFill>
-              <a:latin typeface="Noto Sans"/>
+            <a:endParaRPr b="0" lang="en-US" sz="2400" spc="-1" strike="noStrike">
+              <a:latin typeface="Arial"/>
             </a:endParaRPr>
           </a:p>
           <a:p>
             <a:pPr marL="432000" indent="-324000">
+              <a:lnSpc>
+                <a:spcPct val="100000"/>
+              </a:lnSpc>
               <a:spcAft>
                 <a:spcPts val="1057"/>
               </a:spcAft>
@@ -13870,11 +13569,8 @@
               </a:rPr>
               <a:t>Any of the interfaces can send or accept network traffic as if it were the same interface</a:t>
             </a:r>
-            <a:endParaRPr b="1" lang="en-US" sz="2400" spc="-1" strike="noStrike">
-              <a:solidFill>
-                <a:srgbClr val="2c3e50"/>
-              </a:solidFill>
-              <a:latin typeface="Noto Sans"/>
+            <a:endParaRPr b="0" lang="en-US" sz="2400" spc="-1" strike="noStrike">
+              <a:latin typeface="Arial"/>
             </a:endParaRPr>
           </a:p>
         </p:txBody>

--- a/Replicated.pptx
+++ b/Replicated.pptx
@@ -78,7 +78,7 @@
         <p:txBody>
           <a:bodyPr/>
           <a:p>
-            <a:fld id="{D2E5A0D5-01A1-4DF9-A006-27B8A7C48EFE}" type="slidenum">
+            <a:fld id="{D0286A85-9DA0-4E9A-8DA5-5B467B9179F9}" type="slidenum">
               <a:t>&lt;#&gt;</a:t>
             </a:fld>
           </a:p>
@@ -266,7 +266,7 @@
         <p:txBody>
           <a:bodyPr/>
           <a:p>
-            <a:fld id="{FD1EB83A-14C7-4CC5-B9EA-C62FA41130BE}" type="slidenum">
+            <a:fld id="{3E4CC9CE-01BE-438D-8975-506D770B56B0}" type="slidenum">
               <a:t>&lt;#&gt;</a:t>
             </a:fld>
           </a:p>
@@ -522,7 +522,7 @@
         <p:txBody>
           <a:bodyPr/>
           <a:p>
-            <a:fld id="{BBCB5502-8DBD-49CF-B7AB-DB418AA5F35D}" type="slidenum">
+            <a:fld id="{C3FC0949-B112-483D-AC59-745C2BA324B4}" type="slidenum">
               <a:t>&lt;#&gt;</a:t>
             </a:fld>
           </a:p>
@@ -846,7 +846,7 @@
         <p:txBody>
           <a:bodyPr/>
           <a:p>
-            <a:fld id="{CB955764-8BEF-4F13-98EC-B5F792EF6E88}" type="slidenum">
+            <a:fld id="{DE99FEAA-1218-42E8-B38C-8B6B282C3CF1}" type="slidenum">
               <a:t>&lt;#&gt;</a:t>
             </a:fld>
           </a:p>
@@ -1907,7 +1907,7 @@
         <p:txBody>
           <a:bodyPr/>
           <a:p>
-            <a:fld id="{28F369D7-FE32-410B-9976-2CBE846DCA8E}" type="slidenum">
+            <a:fld id="{5C65CA13-DC9A-4C9A-90BA-32FDF493ACE7}" type="slidenum">
               <a:t>&lt;#&gt;</a:t>
             </a:fld>
           </a:p>
@@ -3102,7 +3102,7 @@
         <p:txBody>
           <a:bodyPr/>
           <a:p>
-            <a:fld id="{049D7B51-96F0-46A8-8458-C8937FC4A0D8}" type="slidenum">
+            <a:fld id="{AEB30121-6C7E-4457-8EF8-A20BFCB8605A}" type="slidenum">
               <a:t>&lt;#&gt;</a:t>
             </a:fld>
           </a:p>
@@ -3259,7 +3259,7 @@
         <p:txBody>
           <a:bodyPr/>
           <a:p>
-            <a:fld id="{34209A5C-C598-4FF5-8A8D-799BF6DCB83D}" type="slidenum">
+            <a:fld id="{55AAF3E6-C7BB-4CD4-A510-4762801DA6CA}" type="slidenum">
               <a:t>&lt;#&gt;</a:t>
             </a:fld>
           </a:p>
@@ -3413,7 +3413,7 @@
         <p:txBody>
           <a:bodyPr/>
           <a:p>
-            <a:fld id="{049DA114-5A81-4FC8-A122-FF720783778F}" type="slidenum">
+            <a:fld id="{2878E9DD-A693-4C67-9569-A0087DD74F2C}" type="slidenum">
               <a:t>&lt;#&gt;</a:t>
             </a:fld>
           </a:p>
@@ -3601,7 +3601,7 @@
         <p:txBody>
           <a:bodyPr/>
           <a:p>
-            <a:fld id="{DE51D943-100E-4EBE-B0F0-2CED1F960A61}" type="slidenum">
+            <a:fld id="{1904D33D-FDF8-47C4-BC91-7331495E2BFA}" type="slidenum">
               <a:t>&lt;#&gt;</a:t>
             </a:fld>
           </a:p>
@@ -3721,7 +3721,7 @@
         <p:txBody>
           <a:bodyPr/>
           <a:p>
-            <a:fld id="{1025795F-4092-4FC5-8DC1-71EAC4740F86}" type="slidenum">
+            <a:fld id="{F80D831E-818A-450F-9363-7462BA005F63}" type="slidenum">
               <a:t>&lt;#&gt;</a:t>
             </a:fld>
           </a:p>
@@ -3875,7 +3875,7 @@
         <p:txBody>
           <a:bodyPr/>
           <a:p>
-            <a:fld id="{8989B5A2-B294-4018-B35A-1D95E468A170}" type="slidenum">
+            <a:fld id="{4A987889-A41E-44A1-80EA-1C8E4C2879D0}" type="slidenum">
               <a:t>&lt;#&gt;</a:t>
             </a:fld>
           </a:p>
@@ -3995,7 +3995,7 @@
         <p:txBody>
           <a:bodyPr/>
           <a:p>
-            <a:fld id="{693A5AF2-B5AA-471C-A14A-6E348A30C04B}" type="slidenum">
+            <a:fld id="{38C26E2B-EE02-406F-8EBF-6189A202532B}" type="slidenum">
               <a:t>&lt;#&gt;</a:t>
             </a:fld>
           </a:p>
@@ -4217,7 +4217,7 @@
         <p:txBody>
           <a:bodyPr/>
           <a:p>
-            <a:fld id="{C7033EE9-69D6-48E3-A31A-C5501FD016DA}" type="slidenum">
+            <a:fld id="{7EF3A9A1-5894-4AD2-B42E-44DBEAB05FB5}" type="slidenum">
               <a:t>&lt;#&gt;</a:t>
             </a:fld>
           </a:p>
@@ -4439,7 +4439,7 @@
         <p:txBody>
           <a:bodyPr/>
           <a:p>
-            <a:fld id="{63288FB5-F992-4939-84A8-532B1363E2DD}" type="slidenum">
+            <a:fld id="{6D0D9410-2E8C-474C-BF5E-166D86D4BEE0}" type="slidenum">
               <a:t>&lt;#&gt;</a:t>
             </a:fld>
           </a:p>
@@ -4661,7 +4661,7 @@
         <p:txBody>
           <a:bodyPr/>
           <a:p>
-            <a:fld id="{3629BB18-0F1C-4C44-BE7B-AF529940BE0F}" type="slidenum">
+            <a:fld id="{C16F45DB-8220-421A-B75E-7B030A09E492}" type="slidenum">
               <a:t>&lt;#&gt;</a:t>
             </a:fld>
           </a:p>
@@ -4849,7 +4849,7 @@
         <p:txBody>
           <a:bodyPr/>
           <a:p>
-            <a:fld id="{7B7B4649-2AC9-4F4F-A28A-DB03A03773AE}" type="slidenum">
+            <a:fld id="{B84AEBC9-955A-4F7A-BB3D-C0722FDF016C}" type="slidenum">
               <a:t>&lt;#&gt;</a:t>
             </a:fld>
           </a:p>
@@ -5105,7 +5105,7 @@
         <p:txBody>
           <a:bodyPr/>
           <a:p>
-            <a:fld id="{1C11E534-DB9F-4A04-B4A4-E00094DEBB11}" type="slidenum">
+            <a:fld id="{DFD59913-1D0E-4185-9028-033CFFECB300}" type="slidenum">
               <a:t>&lt;#&gt;</a:t>
             </a:fld>
           </a:p>
@@ -5429,7 +5429,7 @@
         <p:txBody>
           <a:bodyPr/>
           <a:p>
-            <a:fld id="{7430BEC2-D779-46E9-9104-D300C5B3A8AF}" type="slidenum">
+            <a:fld id="{7B918DA1-7F61-4AF7-97B4-8DC6CC8A9C0F}" type="slidenum">
               <a:t>&lt;#&gt;</a:t>
             </a:fld>
           </a:p>
@@ -5617,7 +5617,7 @@
         <p:txBody>
           <a:bodyPr/>
           <a:p>
-            <a:fld id="{4921EECB-BF57-4150-AEC6-0EA089CFEB51}" type="slidenum">
+            <a:fld id="{3E89D590-A4A1-4707-9548-C9A688EBF0E2}" type="slidenum">
               <a:t>&lt;#&gt;</a:t>
             </a:fld>
           </a:p>
@@ -5737,7 +5737,7 @@
         <p:txBody>
           <a:bodyPr/>
           <a:p>
-            <a:fld id="{83C9F108-5B0A-47F7-A1CA-5C2111AEA055}" type="slidenum">
+            <a:fld id="{8811BAB0-05D6-4F20-8811-03C66565994F}" type="slidenum">
               <a:t>&lt;#&gt;</a:t>
             </a:fld>
           </a:p>
@@ -5857,7 +5857,7 @@
         <p:txBody>
           <a:bodyPr/>
           <a:p>
-            <a:fld id="{8E60BEDD-8803-4048-B738-6CE5CBA0C86E}" type="slidenum">
+            <a:fld id="{21F6AD37-BB09-42F8-836D-6E7E798C086D}" type="slidenum">
               <a:t>&lt;#&gt;</a:t>
             </a:fld>
           </a:p>
@@ -6079,7 +6079,7 @@
         <p:txBody>
           <a:bodyPr/>
           <a:p>
-            <a:fld id="{F4296AB8-50D8-43B5-A4E4-029B7A466814}" type="slidenum">
+            <a:fld id="{80375CEB-1352-4EF8-B1B0-68740A89628D}" type="slidenum">
               <a:t>&lt;#&gt;</a:t>
             </a:fld>
           </a:p>
@@ -6301,7 +6301,7 @@
         <p:txBody>
           <a:bodyPr/>
           <a:p>
-            <a:fld id="{C76FE4FD-1A1C-4BD3-96DD-1D47DBE42B4C}" type="slidenum">
+            <a:fld id="{BC4716A8-758A-4660-A12E-0A2C9F1F9F00}" type="slidenum">
               <a:t>&lt;#&gt;</a:t>
             </a:fld>
           </a:p>
@@ -6523,7 +6523,7 @@
         <p:txBody>
           <a:bodyPr/>
           <a:p>
-            <a:fld id="{3E53C1B6-744A-4CA3-9136-E31914AD1557}" type="slidenum">
+            <a:fld id="{30D9D39F-0AA9-49BA-B078-4B7CA0330BBB}" type="slidenum">
               <a:t>&lt;#&gt;</a:t>
             </a:fld>
           </a:p>
@@ -6726,7 +6726,7 @@
                 </a:solidFill>
                 <a:latin typeface="Noto Sans"/>
               </a:rPr>
-              <a:t>&lt;footer&gt;</a:t>
+              <a:t> </a:t>
             </a:r>
             <a:endParaRPr b="0" lang="en-US" sz="1800" spc="-1" strike="noStrike">
               <a:latin typeface="Times New Roman"/>
@@ -6782,14 +6782,14 @@
               </a:lnSpc>
               <a:buNone/>
             </a:pPr>
-            <a:fld id="{3697F1D4-A0EC-44E4-82F7-68BB17B7696E}" type="slidenum">
+            <a:fld id="{9EB780B8-6CF3-40F8-8EDB-5F034F2052A0}" type="slidenum">
               <a:rPr b="1" lang="en-US" sz="1800" spc="-1" strike="noStrike">
                 <a:solidFill>
                   <a:srgbClr val="ffffff"/>
                 </a:solidFill>
                 <a:latin typeface="Noto Sans"/>
               </a:rPr>
-              <a:t>&lt;number&gt;</a:t>
+              <a:t>2</a:t>
             </a:fld>
             <a:endParaRPr b="0" lang="en-US" sz="1800" spc="-1" strike="noStrike">
               <a:latin typeface="Times New Roman"/>
@@ -6836,7 +6836,7 @@
               <a:rPr b="0" lang="en-US" sz="1400" spc="-1" strike="noStrike">
                 <a:latin typeface="Times New Roman"/>
               </a:rPr>
-              <a:t>&lt;date/time&gt;</a:t>
+              <a:t> </a:t>
             </a:r>
             <a:endParaRPr b="0" lang="en-US" sz="1400" spc="-1" strike="noStrike">
               <a:latin typeface="Times New Roman"/>
@@ -7187,7 +7187,7 @@
               </a:lnSpc>
               <a:buNone/>
             </a:pPr>
-            <a:fld id="{93C557A9-A8AF-40F8-A8D5-3DD2AE7FEA2A}" type="slidenum">
+            <a:fld id="{2B63D33F-A48B-4228-85BC-B19AC2746D41}" type="slidenum">
               <a:rPr b="1" lang="en-US" sz="1800" spc="-1" strike="noStrike">
                 <a:solidFill>
                   <a:srgbClr val="ffffff"/>
@@ -7234,7 +7234,31 @@
               <a:rPr b="0" lang="en-US" sz="1800" spc="-1" strike="noStrike">
                 <a:latin typeface="Arial"/>
               </a:rPr>
-              <a:t>Click to edit the title text format</a:t>
+              <a:t>Click </a:t>
+            </a:r>
+            <a:r>
+              <a:rPr b="0" lang="en-US" sz="1800" spc="-1" strike="noStrike">
+                <a:latin typeface="Arial"/>
+              </a:rPr>
+              <a:t>to edit </a:t>
+            </a:r>
+            <a:r>
+              <a:rPr b="0" lang="en-US" sz="1800" spc="-1" strike="noStrike">
+                <a:latin typeface="Arial"/>
+              </a:rPr>
+              <a:t>the title </a:t>
+            </a:r>
+            <a:r>
+              <a:rPr b="0" lang="en-US" sz="1800" spc="-1" strike="noStrike">
+                <a:latin typeface="Arial"/>
+              </a:rPr>
+              <a:t>text </a:t>
+            </a:r>
+            <a:r>
+              <a:rPr b="0" lang="en-US" sz="1800" spc="-1" strike="noStrike">
+                <a:latin typeface="Arial"/>
+              </a:rPr>
+              <a:t>format</a:t>
             </a:r>
             <a:endParaRPr b="0" lang="en-US" sz="1800" spc="-1" strike="noStrike">
               <a:latin typeface="Arial"/>
@@ -7968,7 +7992,7 @@
               </a:lnSpc>
               <a:buNone/>
             </a:pPr>
-            <a:fld id="{CA23671B-7EE9-492F-B01A-E762CFC50128}" type="slidenum">
+            <a:fld id="{E6A69AF3-77A5-4CDD-9483-8E172298E9C0}" type="slidenum">
               <a:rPr b="1" lang="en-US" sz="1800" spc="-1" strike="noStrike">
                 <a:solidFill>
                   <a:srgbClr val="ffffff"/>
@@ -9196,7 +9220,7 @@
                 </a:solidFill>
                 <a:latin typeface="Noto Sans"/>
               </a:rPr>
-              <a:t>-One-to-many, many-to-one architecture</a:t>
+              <a:t>-One-to-many architecture</a:t>
             </a:r>
             <a:endParaRPr b="0" lang="en-US" sz="2400" spc="-1" strike="noStrike">
               <a:latin typeface="Arial"/>
@@ -9224,7 +9248,7 @@
                 </a:solidFill>
                 <a:latin typeface="Noto Sans"/>
               </a:rPr>
-              <a:t>-Distributed driver architecture</a:t>
+              <a:t>-Many-to-one architecture (distributed driver architecture)</a:t>
             </a:r>
             <a:endParaRPr b="0" lang="en-US" sz="2400" spc="-1" strike="noStrike">
               <a:latin typeface="Arial"/>
@@ -9572,7 +9596,7 @@
         <p:txBody>
           <a:bodyPr/>
           <a:p>
-            <a:fld id="{FA3EA48E-8063-4C42-A1CA-24CF6A076F26}" type="slidenum">
+            <a:fld id="{3D973278-6457-4D95-A214-40E3E84417B8}" type="slidenum">
               <a:t>14</a:t>
             </a:fld>
           </a:p>
@@ -9691,7 +9715,7 @@
         </p:spPr>
         <p:txBody>
           <a:bodyPr lIns="0" rIns="0" tIns="0" bIns="0" anchor="t">
-            <a:normAutofit fontScale="97000"/>
+            <a:normAutofit/>
           </a:bodyPr>
           <a:p>
             <a:pPr marL="432000" indent="-324000">
@@ -9715,7 +9739,25 @@
                 </a:solidFill>
                 <a:latin typeface="Noto Sans"/>
               </a:rPr>
-              <a:t>We create a single virtual driver which is replicated and sits in-between the top of each driver stack and the kernel or functions as a virtual driver on the remote system</a:t>
+              <a:t>We create a single virtual driver which is replicated and sits in-between </a:t>
+            </a:r>
+            <a:r>
+              <a:rPr b="1" lang="en-US" sz="2400" spc="-1" strike="noStrike">
+                <a:solidFill>
+                  <a:srgbClr val="2c3e50"/>
+                </a:solidFill>
+                <a:latin typeface="Noto Sans"/>
+              </a:rPr>
+              <a:t>the top of each driver stack and the kernel and functions as a virtual </a:t>
+            </a:r>
+            <a:r>
+              <a:rPr b="1" lang="en-US" sz="2400" spc="-1" strike="noStrike">
+                <a:solidFill>
+                  <a:srgbClr val="2c3e50"/>
+                </a:solidFill>
+                <a:latin typeface="Noto Sans"/>
+              </a:rPr>
+              <a:t>driver on the remote system</a:t>
             </a:r>
             <a:endParaRPr b="0" lang="en-US" sz="2400" spc="-1" strike="noStrike">
               <a:latin typeface="Arial"/>
@@ -9743,7 +9785,16 @@
                 </a:solidFill>
                 <a:latin typeface="Noto Sans"/>
               </a:rPr>
-              <a:t>Intercept I/O requests between the top of the driver stack and the kernel (IOCTL in the Linux kernel)</a:t>
+              <a:t>Intercept I/O requests between the top of the driver stack and the </a:t>
+            </a:r>
+            <a:r>
+              <a:rPr b="1" lang="en-US" sz="2400" spc="-1" strike="noStrike">
+                <a:solidFill>
+                  <a:srgbClr val="2c3e50"/>
+                </a:solidFill>
+                <a:latin typeface="Noto Sans"/>
+              </a:rPr>
+              <a:t>kernel (IOCTL in the Linux kernel)</a:t>
             </a:r>
             <a:endParaRPr b="0" lang="en-US" sz="2400" spc="-1" strike="noStrike">
               <a:latin typeface="Arial"/>
@@ -9772,34 +9823,6 @@
                 <a:latin typeface="Noto Sans"/>
               </a:rPr>
               <a:t>Packets are put on the network as is</a:t>
-            </a:r>
-            <a:endParaRPr b="0" lang="en-US" sz="2400" spc="-1" strike="noStrike">
-              <a:latin typeface="Arial"/>
-            </a:endParaRPr>
-          </a:p>
-          <a:p>
-            <a:pPr marL="432000" indent="-324000">
-              <a:lnSpc>
-                <a:spcPct val="100000"/>
-              </a:lnSpc>
-              <a:spcAft>
-                <a:spcPts val="1057"/>
-              </a:spcAft>
-              <a:buClr>
-                <a:srgbClr val="2c3e50"/>
-              </a:buClr>
-              <a:buSzPct val="45000"/>
-              <a:buFont typeface="Wingdings" charset="2"/>
-              <a:buChar char=""/>
-            </a:pPr>
-            <a:r>
-              <a:rPr b="1" lang="en-US" sz="2400" spc="-1" strike="noStrike">
-                <a:solidFill>
-                  <a:srgbClr val="2c3e50"/>
-                </a:solidFill>
-                <a:latin typeface="Noto Sans"/>
-              </a:rPr>
-              <a:t>A form of distributed driver architecture</a:t>
             </a:r>
             <a:endParaRPr b="0" lang="en-US" sz="2400" spc="-1" strike="noStrike">
               <a:latin typeface="Arial"/>

--- a/Replicated.pptx
+++ b/Replicated.pptx
@@ -78,7 +78,7 @@
         <p:txBody>
           <a:bodyPr/>
           <a:p>
-            <a:fld id="{D0286A85-9DA0-4E9A-8DA5-5B467B9179F9}" type="slidenum">
+            <a:fld id="{29F0D330-43EF-4066-87C3-08166D70447A}" type="slidenum">
               <a:t>&lt;#&gt;</a:t>
             </a:fld>
           </a:p>
@@ -266,7 +266,7 @@
         <p:txBody>
           <a:bodyPr/>
           <a:p>
-            <a:fld id="{3E4CC9CE-01BE-438D-8975-506D770B56B0}" type="slidenum">
+            <a:fld id="{5124C356-E782-4A8B-B5DC-83448DF373BF}" type="slidenum">
               <a:t>&lt;#&gt;</a:t>
             </a:fld>
           </a:p>
@@ -522,7 +522,7 @@
         <p:txBody>
           <a:bodyPr/>
           <a:p>
-            <a:fld id="{C3FC0949-B112-483D-AC59-745C2BA324B4}" type="slidenum">
+            <a:fld id="{61759042-A008-489B-A009-AB9FB74095B8}" type="slidenum">
               <a:t>&lt;#&gt;</a:t>
             </a:fld>
           </a:p>
@@ -846,7 +846,7 @@
         <p:txBody>
           <a:bodyPr/>
           <a:p>
-            <a:fld id="{DE99FEAA-1218-42E8-B38C-8B6B282C3CF1}" type="slidenum">
+            <a:fld id="{37D776FF-E2EC-4413-A2AB-9DD199C4A777}" type="slidenum">
               <a:t>&lt;#&gt;</a:t>
             </a:fld>
           </a:p>
@@ -1907,7 +1907,7 @@
         <p:txBody>
           <a:bodyPr/>
           <a:p>
-            <a:fld id="{5C65CA13-DC9A-4C9A-90BA-32FDF493ACE7}" type="slidenum">
+            <a:fld id="{06AE0A0F-7060-4FD1-8D63-EC23E583240C}" type="slidenum">
               <a:t>&lt;#&gt;</a:t>
             </a:fld>
           </a:p>
@@ -3102,7 +3102,7 @@
         <p:txBody>
           <a:bodyPr/>
           <a:p>
-            <a:fld id="{AEB30121-6C7E-4457-8EF8-A20BFCB8605A}" type="slidenum">
+            <a:fld id="{7B0C120E-AB9A-4636-B80D-A322F72056F6}" type="slidenum">
               <a:t>&lt;#&gt;</a:t>
             </a:fld>
           </a:p>
@@ -3259,7 +3259,7 @@
         <p:txBody>
           <a:bodyPr/>
           <a:p>
-            <a:fld id="{55AAF3E6-C7BB-4CD4-A510-4762801DA6CA}" type="slidenum">
+            <a:fld id="{57113C3F-DA22-42E7-B528-8A0626B79C0D}" type="slidenum">
               <a:t>&lt;#&gt;</a:t>
             </a:fld>
           </a:p>
@@ -3413,7 +3413,7 @@
         <p:txBody>
           <a:bodyPr/>
           <a:p>
-            <a:fld id="{2878E9DD-A693-4C67-9569-A0087DD74F2C}" type="slidenum">
+            <a:fld id="{919A168A-A419-4415-9F96-2BC4D11E7A14}" type="slidenum">
               <a:t>&lt;#&gt;</a:t>
             </a:fld>
           </a:p>
@@ -3601,7 +3601,7 @@
         <p:txBody>
           <a:bodyPr/>
           <a:p>
-            <a:fld id="{1904D33D-FDF8-47C4-BC91-7331495E2BFA}" type="slidenum">
+            <a:fld id="{6BFC5053-D087-4EFC-86E9-32D7D36076BD}" type="slidenum">
               <a:t>&lt;#&gt;</a:t>
             </a:fld>
           </a:p>
@@ -3721,7 +3721,7 @@
         <p:txBody>
           <a:bodyPr/>
           <a:p>
-            <a:fld id="{F80D831E-818A-450F-9363-7462BA005F63}" type="slidenum">
+            <a:fld id="{05536FB1-35FD-4100-A30F-816C5467722E}" type="slidenum">
               <a:t>&lt;#&gt;</a:t>
             </a:fld>
           </a:p>
@@ -3875,7 +3875,7 @@
         <p:txBody>
           <a:bodyPr/>
           <a:p>
-            <a:fld id="{4A987889-A41E-44A1-80EA-1C8E4C2879D0}" type="slidenum">
+            <a:fld id="{A9EC1D5E-C35C-4D61-9B30-46C5837BF40E}" type="slidenum">
               <a:t>&lt;#&gt;</a:t>
             </a:fld>
           </a:p>
@@ -3995,7 +3995,7 @@
         <p:txBody>
           <a:bodyPr/>
           <a:p>
-            <a:fld id="{38C26E2B-EE02-406F-8EBF-6189A202532B}" type="slidenum">
+            <a:fld id="{A7FF6A1C-D894-4C7C-B041-6C1EFF8579A0}" type="slidenum">
               <a:t>&lt;#&gt;</a:t>
             </a:fld>
           </a:p>
@@ -4217,7 +4217,7 @@
         <p:txBody>
           <a:bodyPr/>
           <a:p>
-            <a:fld id="{7EF3A9A1-5894-4AD2-B42E-44DBEAB05FB5}" type="slidenum">
+            <a:fld id="{22BEACEC-8832-496B-AE17-57AF9FD1DC7F}" type="slidenum">
               <a:t>&lt;#&gt;</a:t>
             </a:fld>
           </a:p>
@@ -4439,7 +4439,7 @@
         <p:txBody>
           <a:bodyPr/>
           <a:p>
-            <a:fld id="{6D0D9410-2E8C-474C-BF5E-166D86D4BEE0}" type="slidenum">
+            <a:fld id="{3B472866-75E5-467A-AB90-5D44BAE980E6}" type="slidenum">
               <a:t>&lt;#&gt;</a:t>
             </a:fld>
           </a:p>
@@ -4661,7 +4661,7 @@
         <p:txBody>
           <a:bodyPr/>
           <a:p>
-            <a:fld id="{C16F45DB-8220-421A-B75E-7B030A09E492}" type="slidenum">
+            <a:fld id="{AD7E7196-97C5-4A57-A95A-9CE7C75E418F}" type="slidenum">
               <a:t>&lt;#&gt;</a:t>
             </a:fld>
           </a:p>
@@ -4849,7 +4849,7 @@
         <p:txBody>
           <a:bodyPr/>
           <a:p>
-            <a:fld id="{B84AEBC9-955A-4F7A-BB3D-C0722FDF016C}" type="slidenum">
+            <a:fld id="{E6B6E1AD-60E6-40A8-8658-9E6B9772E84E}" type="slidenum">
               <a:t>&lt;#&gt;</a:t>
             </a:fld>
           </a:p>
@@ -5105,7 +5105,7 @@
         <p:txBody>
           <a:bodyPr/>
           <a:p>
-            <a:fld id="{DFD59913-1D0E-4185-9028-033CFFECB300}" type="slidenum">
+            <a:fld id="{8BD54180-55EC-4709-A5F6-E1CB542E892C}" type="slidenum">
               <a:t>&lt;#&gt;</a:t>
             </a:fld>
           </a:p>
@@ -5429,7 +5429,7 @@
         <p:txBody>
           <a:bodyPr/>
           <a:p>
-            <a:fld id="{7B918DA1-7F61-4AF7-97B4-8DC6CC8A9C0F}" type="slidenum">
+            <a:fld id="{E2CDF129-8148-46B3-AA50-3C919770D7D5}" type="slidenum">
               <a:t>&lt;#&gt;</a:t>
             </a:fld>
           </a:p>
@@ -5617,7 +5617,7 @@
         <p:txBody>
           <a:bodyPr/>
           <a:p>
-            <a:fld id="{3E89D590-A4A1-4707-9548-C9A688EBF0E2}" type="slidenum">
+            <a:fld id="{63CEAA79-878E-49BE-AEF1-4CFD0B750CA9}" type="slidenum">
               <a:t>&lt;#&gt;</a:t>
             </a:fld>
           </a:p>
@@ -5737,7 +5737,7 @@
         <p:txBody>
           <a:bodyPr/>
           <a:p>
-            <a:fld id="{8811BAB0-05D6-4F20-8811-03C66565994F}" type="slidenum">
+            <a:fld id="{B0F53692-8CE5-4CBB-9D3E-30C95C992588}" type="slidenum">
               <a:t>&lt;#&gt;</a:t>
             </a:fld>
           </a:p>
@@ -5857,7 +5857,7 @@
         <p:txBody>
           <a:bodyPr/>
           <a:p>
-            <a:fld id="{21F6AD37-BB09-42F8-836D-6E7E798C086D}" type="slidenum">
+            <a:fld id="{94E0D2A9-52A3-4F58-88C4-4438D88451FC}" type="slidenum">
               <a:t>&lt;#&gt;</a:t>
             </a:fld>
           </a:p>
@@ -6079,7 +6079,7 @@
         <p:txBody>
           <a:bodyPr/>
           <a:p>
-            <a:fld id="{80375CEB-1352-4EF8-B1B0-68740A89628D}" type="slidenum">
+            <a:fld id="{D72BF176-4867-471A-8EE0-C9DB3E514061}" type="slidenum">
               <a:t>&lt;#&gt;</a:t>
             </a:fld>
           </a:p>
@@ -6301,7 +6301,7 @@
         <p:txBody>
           <a:bodyPr/>
           <a:p>
-            <a:fld id="{BC4716A8-758A-4660-A12E-0A2C9F1F9F00}" type="slidenum">
+            <a:fld id="{2E6368E3-B248-44B2-9E27-B855A3FBAA9C}" type="slidenum">
               <a:t>&lt;#&gt;</a:t>
             </a:fld>
           </a:p>
@@ -6523,7 +6523,7 @@
         <p:txBody>
           <a:bodyPr/>
           <a:p>
-            <a:fld id="{30D9D39F-0AA9-49BA-B078-4B7CA0330BBB}" type="slidenum">
+            <a:fld id="{342ABE21-EE41-406A-96CA-4839D0EF3591}" type="slidenum">
               <a:t>&lt;#&gt;</a:t>
             </a:fld>
           </a:p>
@@ -6726,7 +6726,7 @@
                 </a:solidFill>
                 <a:latin typeface="Noto Sans"/>
               </a:rPr>
-              <a:t> </a:t>
+              <a:t>&lt;footer&gt;</a:t>
             </a:r>
             <a:endParaRPr b="0" lang="en-US" sz="1800" spc="-1" strike="noStrike">
               <a:latin typeface="Times New Roman"/>
@@ -6782,14 +6782,14 @@
               </a:lnSpc>
               <a:buNone/>
             </a:pPr>
-            <a:fld id="{9EB780B8-6CF3-40F8-8EDB-5F034F2052A0}" type="slidenum">
+            <a:fld id="{7372300B-9C5B-4226-9ED8-AACC5EEB3E56}" type="slidenum">
               <a:rPr b="1" lang="en-US" sz="1800" spc="-1" strike="noStrike">
                 <a:solidFill>
                   <a:srgbClr val="ffffff"/>
                 </a:solidFill>
                 <a:latin typeface="Noto Sans"/>
               </a:rPr>
-              <a:t>2</a:t>
+              <a:t>&lt;number&gt;</a:t>
             </a:fld>
             <a:endParaRPr b="0" lang="en-US" sz="1800" spc="-1" strike="noStrike">
               <a:latin typeface="Times New Roman"/>
@@ -6836,7 +6836,7 @@
               <a:rPr b="0" lang="en-US" sz="1400" spc="-1" strike="noStrike">
                 <a:latin typeface="Times New Roman"/>
               </a:rPr>
-              <a:t> </a:t>
+              <a:t>&lt;date/time&gt;</a:t>
             </a:r>
             <a:endParaRPr b="0" lang="en-US" sz="1400" spc="-1" strike="noStrike">
               <a:latin typeface="Times New Roman"/>
@@ -7187,7 +7187,7 @@
               </a:lnSpc>
               <a:buNone/>
             </a:pPr>
-            <a:fld id="{2B63D33F-A48B-4228-85BC-B19AC2746D41}" type="slidenum">
+            <a:fld id="{BC42AE1D-AEFD-43ED-B080-62627BC600F8}" type="slidenum">
               <a:rPr b="1" lang="en-US" sz="1800" spc="-1" strike="noStrike">
                 <a:solidFill>
                   <a:srgbClr val="ffffff"/>
@@ -7234,31 +7234,7 @@
               <a:rPr b="0" lang="en-US" sz="1800" spc="-1" strike="noStrike">
                 <a:latin typeface="Arial"/>
               </a:rPr>
-              <a:t>Click </a:t>
-            </a:r>
-            <a:r>
-              <a:rPr b="0" lang="en-US" sz="1800" spc="-1" strike="noStrike">
-                <a:latin typeface="Arial"/>
-              </a:rPr>
-              <a:t>to edit </a:t>
-            </a:r>
-            <a:r>
-              <a:rPr b="0" lang="en-US" sz="1800" spc="-1" strike="noStrike">
-                <a:latin typeface="Arial"/>
-              </a:rPr>
-              <a:t>the title </a:t>
-            </a:r>
-            <a:r>
-              <a:rPr b="0" lang="en-US" sz="1800" spc="-1" strike="noStrike">
-                <a:latin typeface="Arial"/>
-              </a:rPr>
-              <a:t>text </a:t>
-            </a:r>
-            <a:r>
-              <a:rPr b="0" lang="en-US" sz="1800" spc="-1" strike="noStrike">
-                <a:latin typeface="Arial"/>
-              </a:rPr>
-              <a:t>format</a:t>
+              <a:t>Click to edit the title text format</a:t>
             </a:r>
             <a:endParaRPr b="0" lang="en-US" sz="1800" spc="-1" strike="noStrike">
               <a:latin typeface="Arial"/>
@@ -7690,7 +7666,31 @@
               <a:rPr b="0" lang="en-US" sz="1800" spc="-1" strike="noStrike">
                 <a:latin typeface="Arial"/>
               </a:rPr>
-              <a:t>Click to edit the title text format</a:t>
+              <a:t>Click </a:t>
+            </a:r>
+            <a:r>
+              <a:rPr b="0" lang="en-US" sz="1800" spc="-1" strike="noStrike">
+                <a:latin typeface="Arial"/>
+              </a:rPr>
+              <a:t>to edit </a:t>
+            </a:r>
+            <a:r>
+              <a:rPr b="0" lang="en-US" sz="1800" spc="-1" strike="noStrike">
+                <a:latin typeface="Arial"/>
+              </a:rPr>
+              <a:t>the title </a:t>
+            </a:r>
+            <a:r>
+              <a:rPr b="0" lang="en-US" sz="1800" spc="-1" strike="noStrike">
+                <a:latin typeface="Arial"/>
+              </a:rPr>
+              <a:t>text </a:t>
+            </a:r>
+            <a:r>
+              <a:rPr b="0" lang="en-US" sz="1800" spc="-1" strike="noStrike">
+                <a:latin typeface="Arial"/>
+              </a:rPr>
+              <a:t>format</a:t>
             </a:r>
             <a:endParaRPr b="0" lang="en-US" sz="1800" spc="-1" strike="noStrike">
               <a:latin typeface="Arial"/>
@@ -7992,7 +7992,7 @@
               </a:lnSpc>
               <a:buNone/>
             </a:pPr>
-            <a:fld id="{E6A69AF3-77A5-4CDD-9483-8E172298E9C0}" type="slidenum">
+            <a:fld id="{4961B04F-0290-4182-9850-D96A60C66852}" type="slidenum">
               <a:rPr b="1" lang="en-US" sz="1800" spc="-1" strike="noStrike">
                 <a:solidFill>
                   <a:srgbClr val="ffffff"/>
@@ -8972,7 +8972,7 @@
         </p:spPr>
         <p:txBody>
           <a:bodyPr lIns="0" rIns="0" tIns="0" bIns="0" anchor="t">
-            <a:normAutofit fontScale="66000"/>
+            <a:normAutofit fontScale="60000"/>
           </a:bodyPr>
           <a:p>
             <a:pPr marL="432000" indent="-324000">
@@ -9024,7 +9024,7 @@
                 </a:solidFill>
                 <a:latin typeface="Noto Sans"/>
               </a:rPr>
-              <a:t>-Transparency</a:t>
+              <a:t>-Replicated virtual driver</a:t>
             </a:r>
             <a:endParaRPr b="0" lang="en-US" sz="2400" spc="-1" strike="noStrike">
               <a:latin typeface="Arial"/>
@@ -9052,7 +9052,7 @@
                 </a:solidFill>
                 <a:latin typeface="Noto Sans"/>
               </a:rPr>
-              <a:t>-Can use with ANY driver</a:t>
+              <a:t>-Transparency</a:t>
             </a:r>
             <a:endParaRPr b="0" lang="en-US" sz="2400" spc="-1" strike="noStrike">
               <a:latin typeface="Arial"/>
@@ -9080,7 +9080,7 @@
                 </a:solidFill>
                 <a:latin typeface="Noto Sans"/>
               </a:rPr>
-              <a:t>-No need to alter existing drivers</a:t>
+              <a:t>-Can use with ANY driver or specific drivers</a:t>
             </a:r>
             <a:endParaRPr b="0" lang="en-US" sz="2400" spc="-1" strike="noStrike">
               <a:latin typeface="Arial"/>
@@ -9108,7 +9108,7 @@
                 </a:solidFill>
                 <a:latin typeface="Noto Sans"/>
               </a:rPr>
-              <a:t>-Can load or unload drivers at runtime to enable or disable features</a:t>
+              <a:t>-No need to alter existing drivers</a:t>
             </a:r>
             <a:endParaRPr b="0" lang="en-US" sz="2400" spc="-1" strike="noStrike">
               <a:latin typeface="Arial"/>
@@ -9136,7 +9136,7 @@
                 </a:solidFill>
                 <a:latin typeface="Noto Sans"/>
               </a:rPr>
-              <a:t>-Messaging layer is trivial to use with IOCTL packets, physical pages, and filesystem data blocks</a:t>
+              <a:t>-Can load or unload drivers at runtime to enable or disable features</a:t>
             </a:r>
             <a:endParaRPr b="0" lang="en-US" sz="2400" spc="-1" strike="noStrike">
               <a:latin typeface="Arial"/>
@@ -9164,7 +9164,7 @@
                 </a:solidFill>
                 <a:latin typeface="Noto Sans"/>
               </a:rPr>
-              <a:t>-We can compile the driver for ANY kernel for ANY architecture</a:t>
+              <a:t>-Messaging layer is trivial to use with IOCTL packets, physical pages, and filesystem data blocks</a:t>
             </a:r>
             <a:endParaRPr b="0" lang="en-US" sz="2400" spc="-1" strike="noStrike">
               <a:latin typeface="Arial"/>
@@ -9192,7 +9192,7 @@
                 </a:solidFill>
                 <a:latin typeface="Noto Sans"/>
               </a:rPr>
-              <a:t>-One-to-one architecture</a:t>
+              <a:t>-We can compile the driver for ANY kernel for ANY architecture</a:t>
             </a:r>
             <a:endParaRPr b="0" lang="en-US" sz="2400" spc="-1" strike="noStrike">
               <a:latin typeface="Arial"/>
@@ -9220,7 +9220,7 @@
                 </a:solidFill>
                 <a:latin typeface="Noto Sans"/>
               </a:rPr>
-              <a:t>-One-to-many architecture</a:t>
+              <a:t>-One-to-one architecture</a:t>
             </a:r>
             <a:endParaRPr b="0" lang="en-US" sz="2400" spc="-1" strike="noStrike">
               <a:latin typeface="Arial"/>
@@ -9248,7 +9248,35 @@
                 </a:solidFill>
                 <a:latin typeface="Noto Sans"/>
               </a:rPr>
-              <a:t>-Many-to-one architecture (distributed driver architecture)</a:t>
+              <a:t>-One-to-many architecture</a:t>
+            </a:r>
+            <a:endParaRPr b="0" lang="en-US" sz="2400" spc="-1" strike="noStrike">
+              <a:latin typeface="Arial"/>
+            </a:endParaRPr>
+          </a:p>
+          <a:p>
+            <a:pPr marL="432000" indent="-324000">
+              <a:lnSpc>
+                <a:spcPct val="100000"/>
+              </a:lnSpc>
+              <a:spcAft>
+                <a:spcPts val="1057"/>
+              </a:spcAft>
+              <a:buClr>
+                <a:srgbClr val="2c3e50"/>
+              </a:buClr>
+              <a:buSzPct val="45000"/>
+              <a:buFont typeface="Wingdings" charset="2"/>
+              <a:buChar char=""/>
+            </a:pPr>
+            <a:r>
+              <a:rPr b="1" lang="en-US" sz="2400" spc="-1" strike="noStrike">
+                <a:solidFill>
+                  <a:srgbClr val="2c3e50"/>
+                </a:solidFill>
+                <a:latin typeface="Noto Sans"/>
+              </a:rPr>
+              <a:t>-Many-to-one architecture (distributed virtual driver architecture)</a:t>
             </a:r>
             <a:endParaRPr b="0" lang="en-US" sz="2400" spc="-1" strike="noStrike">
               <a:latin typeface="Arial"/>
@@ -9596,7 +9624,7 @@
         <p:txBody>
           <a:bodyPr/>
           <a:p>
-            <a:fld id="{3D973278-6457-4D95-A214-40E3E84417B8}" type="slidenum">
+            <a:fld id="{336E3EA0-D386-48B4-A7AE-6FEB115376BF}" type="slidenum">
               <a:t>14</a:t>
             </a:fld>
           </a:p>
@@ -9739,7 +9767,7 @@
                 </a:solidFill>
                 <a:latin typeface="Noto Sans"/>
               </a:rPr>
-              <a:t>We create a single virtual driver which is replicated and sits in-between </a:t>
+              <a:t>We create a single virtual driver which is replicated and sits in-between the top </a:t>
             </a:r>
             <a:r>
               <a:rPr b="1" lang="en-US" sz="2400" spc="-1" strike="noStrike">
@@ -9748,7 +9776,7 @@
                 </a:solidFill>
                 <a:latin typeface="Noto Sans"/>
               </a:rPr>
-              <a:t>the top of each driver stack and the kernel and functions as a virtual </a:t>
+              <a:t>of each driver stack and the kernel and functions as a virtual driver on the </a:t>
             </a:r>
             <a:r>
               <a:rPr b="1" lang="en-US" sz="2400" spc="-1" strike="noStrike">
@@ -9757,7 +9785,7 @@
                 </a:solidFill>
                 <a:latin typeface="Noto Sans"/>
               </a:rPr>
-              <a:t>driver on the remote system</a:t>
+              <a:t>remote system</a:t>
             </a:r>
             <a:endParaRPr b="0" lang="en-US" sz="2400" spc="-1" strike="noStrike">
               <a:latin typeface="Arial"/>
@@ -9785,7 +9813,7 @@
                 </a:solidFill>
                 <a:latin typeface="Noto Sans"/>
               </a:rPr>
-              <a:t>Intercept I/O requests between the top of the driver stack and the </a:t>
+              <a:t>Intercept I/O requests between the top of the driver stack and the kernel (IOCTL </a:t>
             </a:r>
             <a:r>
               <a:rPr b="1" lang="en-US" sz="2400" spc="-1" strike="noStrike">
@@ -9794,7 +9822,7 @@
                 </a:solidFill>
                 <a:latin typeface="Noto Sans"/>
               </a:rPr>
-              <a:t>kernel (IOCTL in the Linux kernel)</a:t>
+              <a:t>in the Linux kernel)</a:t>
             </a:r>
             <a:endParaRPr b="0" lang="en-US" sz="2400" spc="-1" strike="noStrike">
               <a:latin typeface="Arial"/>
@@ -10023,7 +10051,16 @@
                 </a:solidFill>
                 <a:latin typeface="Noto Sans"/>
               </a:rPr>
-              <a:t>All drivers are kernel modules, but not all kernel modules are drivers!</a:t>
+              <a:t>All drivers are kernel modules, but not all kernel </a:t>
+            </a:r>
+            <a:r>
+              <a:rPr b="1" lang="en-US" sz="2400" spc="-1" strike="noStrike">
+                <a:solidFill>
+                  <a:srgbClr val="2c3e50"/>
+                </a:solidFill>
+                <a:latin typeface="Noto Sans"/>
+              </a:rPr>
+              <a:t>modules are drivers!</a:t>
             </a:r>
             <a:endParaRPr b="0" lang="en-US" sz="2400" spc="-1" strike="noStrike">
               <a:latin typeface="Arial"/>
@@ -10196,7 +10233,25 @@
                 </a:solidFill>
                 <a:latin typeface="Noto Sans"/>
               </a:rPr>
-              <a:t>With this architecture we can use arbitrary drivers, even drivers we don’t know of or drivers that haven’t loaded yet!</a:t>
+              <a:t>With this architecture we can use arbitrary drivers, even </a:t>
+            </a:r>
+            <a:r>
+              <a:rPr b="1" lang="en-US" sz="2400" spc="-1" strike="noStrike">
+                <a:solidFill>
+                  <a:srgbClr val="2c3e50"/>
+                </a:solidFill>
+                <a:latin typeface="Noto Sans"/>
+              </a:rPr>
+              <a:t>drivers we don’t know of or drivers that haven’t loaded </a:t>
+            </a:r>
+            <a:r>
+              <a:rPr b="1" lang="en-US" sz="2400" spc="-1" strike="noStrike">
+                <a:solidFill>
+                  <a:srgbClr val="2c3e50"/>
+                </a:solidFill>
+                <a:latin typeface="Noto Sans"/>
+              </a:rPr>
+              <a:t>yet!</a:t>
             </a:r>
             <a:endParaRPr b="0" lang="en-US" sz="2400" spc="-1" strike="noStrike">
               <a:latin typeface="Arial"/>
@@ -10252,7 +10307,16 @@
                 </a:solidFill>
                 <a:latin typeface="Noto Sans"/>
               </a:rPr>
-              <a:t>We can load and unload the virtual drivers at runtime to enable or disable features</a:t>
+              <a:t>We can load and unload the virtual drivers at runtime to </a:t>
+            </a:r>
+            <a:r>
+              <a:rPr b="1" lang="en-US" sz="2400" spc="-1" strike="noStrike">
+                <a:solidFill>
+                  <a:srgbClr val="2c3e50"/>
+                </a:solidFill>
+                <a:latin typeface="Noto Sans"/>
+              </a:rPr>
+              <a:t>enable or disable features with specific drivers</a:t>
             </a:r>
             <a:endParaRPr b="0" lang="en-US" sz="2400" spc="-1" strike="noStrike">
               <a:latin typeface="Arial"/>
@@ -10308,7 +10372,16 @@
                 </a:solidFill>
                 <a:latin typeface="Noto Sans"/>
               </a:rPr>
-              <a:t>We can compile the virtual driver for ANY kernel for ANY architecture</a:t>
+              <a:t>We can compile the virtual driver for ANY kernel for ANY </a:t>
+            </a:r>
+            <a:r>
+              <a:rPr b="1" lang="en-US" sz="2400" spc="-1" strike="noStrike">
+                <a:solidFill>
+                  <a:srgbClr val="2c3e50"/>
+                </a:solidFill>
+                <a:latin typeface="Noto Sans"/>
+              </a:rPr>
+              <a:t>architecture</a:t>
             </a:r>
             <a:endParaRPr b="0" lang="en-US" sz="2400" spc="-1" strike="noStrike">
               <a:latin typeface="Arial"/>
@@ -13076,7 +13149,35 @@
                 </a:solidFill>
                 <a:latin typeface="Noto Sans"/>
               </a:rPr>
-              <a:t>One-to-many, many-to-one architecture</a:t>
+              <a:t>One-to-many</a:t>
+            </a:r>
+            <a:endParaRPr b="0" lang="en-US" sz="2400" spc="-1" strike="noStrike">
+              <a:latin typeface="Arial"/>
+            </a:endParaRPr>
+          </a:p>
+          <a:p>
+            <a:pPr marL="432000" indent="-324000">
+              <a:lnSpc>
+                <a:spcPct val="100000"/>
+              </a:lnSpc>
+              <a:spcAft>
+                <a:spcPts val="1057"/>
+              </a:spcAft>
+              <a:buClr>
+                <a:srgbClr val="2c3e50"/>
+              </a:buClr>
+              <a:buSzPct val="45000"/>
+              <a:buFont typeface="Wingdings" charset="2"/>
+              <a:buChar char=""/>
+            </a:pPr>
+            <a:r>
+              <a:rPr b="1" lang="en-US" sz="2400" spc="-1" strike="noStrike">
+                <a:solidFill>
+                  <a:srgbClr val="2c3e50"/>
+                </a:solidFill>
+                <a:latin typeface="Noto Sans"/>
+              </a:rPr>
+              <a:t>Many-to-one (distributed virtual driver architecture)</a:t>
             </a:r>
             <a:endParaRPr b="0" lang="en-US" sz="2400" spc="-1" strike="noStrike">
               <a:latin typeface="Arial"/>
@@ -13225,7 +13326,7 @@
         </p:spPr>
         <p:txBody>
           <a:bodyPr lIns="0" rIns="0" tIns="0" bIns="0" anchor="t">
-            <a:normAutofit fontScale="95000"/>
+            <a:normAutofit fontScale="85000"/>
           </a:bodyPr>
           <a:p>
             <a:pPr marL="432000" indent="-324000">
@@ -13362,6 +13463,34 @@
                 <a:latin typeface="Noto Sans"/>
               </a:rPr>
               <a:t>Migration of files for processes and threads is not necessary!</a:t>
+            </a:r>
+            <a:endParaRPr b="0" lang="en-US" sz="2400" spc="-1" strike="noStrike">
+              <a:latin typeface="Arial"/>
+            </a:endParaRPr>
+          </a:p>
+          <a:p>
+            <a:pPr marL="432000" indent="-324000">
+              <a:lnSpc>
+                <a:spcPct val="100000"/>
+              </a:lnSpc>
+              <a:spcAft>
+                <a:spcPts val="1057"/>
+              </a:spcAft>
+              <a:buClr>
+                <a:srgbClr val="2c3e50"/>
+              </a:buClr>
+              <a:buSzPct val="45000"/>
+              <a:buFont typeface="Wingdings" charset="2"/>
+              <a:buChar char=""/>
+            </a:pPr>
+            <a:r>
+              <a:rPr b="1" lang="en-US" sz="2400" spc="-1" strike="noStrike">
+                <a:solidFill>
+                  <a:srgbClr val="2c3e50"/>
+                </a:solidFill>
+                <a:latin typeface="Noto Sans"/>
+              </a:rPr>
+              <a:t>A form of distributed virtual driver architecture</a:t>
             </a:r>
             <a:endParaRPr b="0" lang="en-US" sz="2400" spc="-1" strike="noStrike">
               <a:latin typeface="Arial"/>
@@ -13591,6 +13720,34 @@
                 <a:latin typeface="Noto Sans"/>
               </a:rPr>
               <a:t>Any of the interfaces can send or accept network traffic as if it were the same interface</a:t>
+            </a:r>
+            <a:endParaRPr b="0" lang="en-US" sz="2400" spc="-1" strike="noStrike">
+              <a:latin typeface="Arial"/>
+            </a:endParaRPr>
+          </a:p>
+          <a:p>
+            <a:pPr marL="432000" indent="-324000">
+              <a:lnSpc>
+                <a:spcPct val="100000"/>
+              </a:lnSpc>
+              <a:spcAft>
+                <a:spcPts val="1057"/>
+              </a:spcAft>
+              <a:buClr>
+                <a:srgbClr val="2c3e50"/>
+              </a:buClr>
+              <a:buSzPct val="45000"/>
+              <a:buFont typeface="Wingdings" charset="2"/>
+              <a:buChar char=""/>
+            </a:pPr>
+            <a:r>
+              <a:rPr b="1" lang="en-US" sz="2400" spc="-1" strike="noStrike">
+                <a:solidFill>
+                  <a:srgbClr val="2c3e50"/>
+                </a:solidFill>
+                <a:latin typeface="Noto Sans"/>
+              </a:rPr>
+              <a:t>A form of distributed virtual driver architecture</a:t>
             </a:r>
             <a:endParaRPr b="0" lang="en-US" sz="2400" spc="-1" strike="noStrike">
               <a:latin typeface="Arial"/>

--- a/Replicated.pptx
+++ b/Replicated.pptx
@@ -78,7 +78,7 @@
         <p:txBody>
           <a:bodyPr/>
           <a:p>
-            <a:fld id="{29F0D330-43EF-4066-87C3-08166D70447A}" type="slidenum">
+            <a:fld id="{763FD96B-9311-4A22-99F3-B5B9431922D7}" type="slidenum">
               <a:t>&lt;#&gt;</a:t>
             </a:fld>
           </a:p>
@@ -266,7 +266,7 @@
         <p:txBody>
           <a:bodyPr/>
           <a:p>
-            <a:fld id="{5124C356-E782-4A8B-B5DC-83448DF373BF}" type="slidenum">
+            <a:fld id="{5E2EC649-9EB6-48A3-A47F-63A9B2CCC7DD}" type="slidenum">
               <a:t>&lt;#&gt;</a:t>
             </a:fld>
           </a:p>
@@ -522,7 +522,7 @@
         <p:txBody>
           <a:bodyPr/>
           <a:p>
-            <a:fld id="{61759042-A008-489B-A009-AB9FB74095B8}" type="slidenum">
+            <a:fld id="{B6DE0F27-235C-4B49-A330-218600BA63EC}" type="slidenum">
               <a:t>&lt;#&gt;</a:t>
             </a:fld>
           </a:p>
@@ -846,7 +846,7 @@
         <p:txBody>
           <a:bodyPr/>
           <a:p>
-            <a:fld id="{37D776FF-E2EC-4413-A2AB-9DD199C4A777}" type="slidenum">
+            <a:fld id="{468361BF-0FBB-4F23-8551-27BD98F60D69}" type="slidenum">
               <a:t>&lt;#&gt;</a:t>
             </a:fld>
           </a:p>
@@ -1907,7 +1907,7 @@
         <p:txBody>
           <a:bodyPr/>
           <a:p>
-            <a:fld id="{06AE0A0F-7060-4FD1-8D63-EC23E583240C}" type="slidenum">
+            <a:fld id="{843F74CF-5775-4971-B381-40BBF67CF81D}" type="slidenum">
               <a:t>&lt;#&gt;</a:t>
             </a:fld>
           </a:p>
@@ -3102,7 +3102,7 @@
         <p:txBody>
           <a:bodyPr/>
           <a:p>
-            <a:fld id="{7B0C120E-AB9A-4636-B80D-A322F72056F6}" type="slidenum">
+            <a:fld id="{89D8A991-F815-4BA0-A9F8-75D9E8DF1243}" type="slidenum">
               <a:t>&lt;#&gt;</a:t>
             </a:fld>
           </a:p>
@@ -3259,7 +3259,7 @@
         <p:txBody>
           <a:bodyPr/>
           <a:p>
-            <a:fld id="{57113C3F-DA22-42E7-B528-8A0626B79C0D}" type="slidenum">
+            <a:fld id="{5637A797-A789-47BA-B475-8AA26BE72150}" type="slidenum">
               <a:t>&lt;#&gt;</a:t>
             </a:fld>
           </a:p>
@@ -3413,7 +3413,7 @@
         <p:txBody>
           <a:bodyPr/>
           <a:p>
-            <a:fld id="{919A168A-A419-4415-9F96-2BC4D11E7A14}" type="slidenum">
+            <a:fld id="{7C09315C-40DC-4F9C-ABD7-9D3E792F4917}" type="slidenum">
               <a:t>&lt;#&gt;</a:t>
             </a:fld>
           </a:p>
@@ -3601,7 +3601,7 @@
         <p:txBody>
           <a:bodyPr/>
           <a:p>
-            <a:fld id="{6BFC5053-D087-4EFC-86E9-32D7D36076BD}" type="slidenum">
+            <a:fld id="{BE72964E-6140-45F0-9207-B3EA405BC608}" type="slidenum">
               <a:t>&lt;#&gt;</a:t>
             </a:fld>
           </a:p>
@@ -3721,7 +3721,7 @@
         <p:txBody>
           <a:bodyPr/>
           <a:p>
-            <a:fld id="{05536FB1-35FD-4100-A30F-816C5467722E}" type="slidenum">
+            <a:fld id="{42CE29A2-D257-4C97-A704-A3D93B335F05}" type="slidenum">
               <a:t>&lt;#&gt;</a:t>
             </a:fld>
           </a:p>
@@ -3875,7 +3875,7 @@
         <p:txBody>
           <a:bodyPr/>
           <a:p>
-            <a:fld id="{A9EC1D5E-C35C-4D61-9B30-46C5837BF40E}" type="slidenum">
+            <a:fld id="{C51507E2-8F8F-470A-9F05-D6453B877EFA}" type="slidenum">
               <a:t>&lt;#&gt;</a:t>
             </a:fld>
           </a:p>
@@ -3995,7 +3995,7 @@
         <p:txBody>
           <a:bodyPr/>
           <a:p>
-            <a:fld id="{A7FF6A1C-D894-4C7C-B041-6C1EFF8579A0}" type="slidenum">
+            <a:fld id="{5D56EA5B-3204-47DA-BC01-68EC95965FAF}" type="slidenum">
               <a:t>&lt;#&gt;</a:t>
             </a:fld>
           </a:p>
@@ -4217,7 +4217,7 @@
         <p:txBody>
           <a:bodyPr/>
           <a:p>
-            <a:fld id="{22BEACEC-8832-496B-AE17-57AF9FD1DC7F}" type="slidenum">
+            <a:fld id="{7D875F72-E88E-4B9B-AD5B-32DE01628B22}" type="slidenum">
               <a:t>&lt;#&gt;</a:t>
             </a:fld>
           </a:p>
@@ -4439,7 +4439,7 @@
         <p:txBody>
           <a:bodyPr/>
           <a:p>
-            <a:fld id="{3B472866-75E5-467A-AB90-5D44BAE980E6}" type="slidenum">
+            <a:fld id="{344B79EC-6184-4608-A4FA-0453B066783C}" type="slidenum">
               <a:t>&lt;#&gt;</a:t>
             </a:fld>
           </a:p>
@@ -4661,7 +4661,7 @@
         <p:txBody>
           <a:bodyPr/>
           <a:p>
-            <a:fld id="{AD7E7196-97C5-4A57-A95A-9CE7C75E418F}" type="slidenum">
+            <a:fld id="{D1096CEC-7A61-480B-8ECC-3D4C5913F9BC}" type="slidenum">
               <a:t>&lt;#&gt;</a:t>
             </a:fld>
           </a:p>
@@ -4849,7 +4849,7 @@
         <p:txBody>
           <a:bodyPr/>
           <a:p>
-            <a:fld id="{E6B6E1AD-60E6-40A8-8658-9E6B9772E84E}" type="slidenum">
+            <a:fld id="{D943FF3C-45CA-4D8F-9347-DFE72509BC0E}" type="slidenum">
               <a:t>&lt;#&gt;</a:t>
             </a:fld>
           </a:p>
@@ -5105,7 +5105,7 @@
         <p:txBody>
           <a:bodyPr/>
           <a:p>
-            <a:fld id="{8BD54180-55EC-4709-A5F6-E1CB542E892C}" type="slidenum">
+            <a:fld id="{ED20522D-F82C-42CF-8B3E-653F2E8CA7F1}" type="slidenum">
               <a:t>&lt;#&gt;</a:t>
             </a:fld>
           </a:p>
@@ -5429,7 +5429,7 @@
         <p:txBody>
           <a:bodyPr/>
           <a:p>
-            <a:fld id="{E2CDF129-8148-46B3-AA50-3C919770D7D5}" type="slidenum">
+            <a:fld id="{B670D4BD-5CFC-417F-8447-CB2B17DA49B9}" type="slidenum">
               <a:t>&lt;#&gt;</a:t>
             </a:fld>
           </a:p>
@@ -5617,7 +5617,7 @@
         <p:txBody>
           <a:bodyPr/>
           <a:p>
-            <a:fld id="{63CEAA79-878E-49BE-AEF1-4CFD0B750CA9}" type="slidenum">
+            <a:fld id="{AA9504D9-8C6B-413B-9A9F-4CAB1EA935F3}" type="slidenum">
               <a:t>&lt;#&gt;</a:t>
             </a:fld>
           </a:p>
@@ -5737,7 +5737,7 @@
         <p:txBody>
           <a:bodyPr/>
           <a:p>
-            <a:fld id="{B0F53692-8CE5-4CBB-9D3E-30C95C992588}" type="slidenum">
+            <a:fld id="{47793762-12CE-4509-B110-4C162BDE10C1}" type="slidenum">
               <a:t>&lt;#&gt;</a:t>
             </a:fld>
           </a:p>
@@ -5857,7 +5857,7 @@
         <p:txBody>
           <a:bodyPr/>
           <a:p>
-            <a:fld id="{94E0D2A9-52A3-4F58-88C4-4438D88451FC}" type="slidenum">
+            <a:fld id="{19721242-03E7-43F4-8D9E-4C1045B3E7F2}" type="slidenum">
               <a:t>&lt;#&gt;</a:t>
             </a:fld>
           </a:p>
@@ -6079,7 +6079,7 @@
         <p:txBody>
           <a:bodyPr/>
           <a:p>
-            <a:fld id="{D72BF176-4867-471A-8EE0-C9DB3E514061}" type="slidenum">
+            <a:fld id="{8DC017DF-BD0A-4F35-B237-9FDDDEC401CC}" type="slidenum">
               <a:t>&lt;#&gt;</a:t>
             </a:fld>
           </a:p>
@@ -6301,7 +6301,7 @@
         <p:txBody>
           <a:bodyPr/>
           <a:p>
-            <a:fld id="{2E6368E3-B248-44B2-9E27-B855A3FBAA9C}" type="slidenum">
+            <a:fld id="{16D37D73-1180-4FB7-B955-CDC787D17287}" type="slidenum">
               <a:t>&lt;#&gt;</a:t>
             </a:fld>
           </a:p>
@@ -6523,7 +6523,7 @@
         <p:txBody>
           <a:bodyPr/>
           <a:p>
-            <a:fld id="{342ABE21-EE41-406A-96CA-4839D0EF3591}" type="slidenum">
+            <a:fld id="{C6402703-E933-4A5E-A7EF-BFEA2BAB1164}" type="slidenum">
               <a:t>&lt;#&gt;</a:t>
             </a:fld>
           </a:p>
@@ -6655,17 +6655,98 @@
           </a:ln>
         </p:spPr>
         <p:txBody>
-          <a:bodyPr lIns="0" rIns="0" tIns="0" bIns="0" anchor="ctr" anchorCtr="1">
+          <a:bodyPr lIns="0" rIns="0" tIns="0" bIns="0" anchor="ctr">
             <a:noAutofit/>
           </a:bodyPr>
           <a:p>
-            <a:r>
-              <a:rPr b="0" lang="en-US" sz="1800" spc="-1" strike="noStrike">
+            <a:pPr algn="ctr">
+              <a:buNone/>
+            </a:pPr>
+            <a:r>
+              <a:rPr b="0" lang="en-US" sz="4400" spc="-1" strike="noStrike">
                 <a:latin typeface="Arial"/>
               </a:rPr>
-              <a:t>Click to edit the title text format</a:t>
-            </a:r>
-            <a:endParaRPr b="0" lang="en-US" sz="1800" spc="-1" strike="noStrike">
+              <a:t>Cli</a:t>
+            </a:r>
+            <a:r>
+              <a:rPr b="0" lang="en-US" sz="4400" spc="-1" strike="noStrike">
+                <a:latin typeface="Arial"/>
+              </a:rPr>
+              <a:t>ck </a:t>
+            </a:r>
+            <a:r>
+              <a:rPr b="0" lang="en-US" sz="4400" spc="-1" strike="noStrike">
+                <a:latin typeface="Arial"/>
+              </a:rPr>
+              <a:t>to </a:t>
+            </a:r>
+            <a:r>
+              <a:rPr b="0" lang="en-US" sz="4400" spc="-1" strike="noStrike">
+                <a:latin typeface="Arial"/>
+              </a:rPr>
+              <a:t>edi</a:t>
+            </a:r>
+            <a:r>
+              <a:rPr b="0" lang="en-US" sz="4400" spc="-1" strike="noStrike">
+                <a:latin typeface="Arial"/>
+              </a:rPr>
+              <a:t>t </a:t>
+            </a:r>
+            <a:r>
+              <a:rPr b="0" lang="en-US" sz="4400" spc="-1" strike="noStrike">
+                <a:latin typeface="Arial"/>
+              </a:rPr>
+              <a:t>th</a:t>
+            </a:r>
+            <a:r>
+              <a:rPr b="0" lang="en-US" sz="4400" spc="-1" strike="noStrike">
+                <a:latin typeface="Arial"/>
+              </a:rPr>
+              <a:t>e </a:t>
+            </a:r>
+            <a:r>
+              <a:rPr b="0" lang="en-US" sz="4400" spc="-1" strike="noStrike">
+                <a:latin typeface="Arial"/>
+              </a:rPr>
+              <a:t>titl</a:t>
+            </a:r>
+            <a:r>
+              <a:rPr b="0" lang="en-US" sz="4400" spc="-1" strike="noStrike">
+                <a:latin typeface="Arial"/>
+              </a:rPr>
+              <a:t>e </a:t>
+            </a:r>
+            <a:r>
+              <a:rPr b="0" lang="en-US" sz="4400" spc="-1" strike="noStrike">
+                <a:latin typeface="Arial"/>
+              </a:rPr>
+              <a:t>tex</a:t>
+            </a:r>
+            <a:r>
+              <a:rPr b="0" lang="en-US" sz="4400" spc="-1" strike="noStrike">
+                <a:latin typeface="Arial"/>
+              </a:rPr>
+              <a:t>t </a:t>
+            </a:r>
+            <a:r>
+              <a:rPr b="0" lang="en-US" sz="4400" spc="-1" strike="noStrike">
+                <a:latin typeface="Arial"/>
+              </a:rPr>
+              <a:t>for</a:t>
+            </a:r>
+            <a:r>
+              <a:rPr b="0" lang="en-US" sz="4400" spc="-1" strike="noStrike">
+                <a:latin typeface="Arial"/>
+              </a:rPr>
+              <a:t>m</a:t>
+            </a:r>
+            <a:r>
+              <a:rPr b="0" lang="en-US" sz="4400" spc="-1" strike="noStrike">
+                <a:latin typeface="Arial"/>
+              </a:rPr>
+              <a:t>at</a:t>
+            </a:r>
+            <a:endParaRPr b="0" lang="en-US" sz="4400" spc="-1" strike="noStrike">
               <a:latin typeface="Arial"/>
             </a:endParaRPr>
           </a:p>
@@ -6782,7 +6863,7 @@
               </a:lnSpc>
               <a:buNone/>
             </a:pPr>
-            <a:fld id="{7372300B-9C5B-4226-9ED8-AACC5EEB3E56}" type="slidenum">
+            <a:fld id="{CFDE7DFB-57A8-438C-9665-9808FC135925}" type="slidenum">
               <a:rPr b="1" lang="en-US" sz="1800" spc="-1" strike="noStrike">
                 <a:solidFill>
                   <a:srgbClr val="ffffff"/>
@@ -7187,7 +7268,7 @@
               </a:lnSpc>
               <a:buNone/>
             </a:pPr>
-            <a:fld id="{BC42AE1D-AEFD-43ED-B080-62627BC600F8}" type="slidenum">
+            <a:fld id="{60804DCC-0BFE-482F-A16D-FF1DABC2FC55}" type="slidenum">
               <a:rPr b="1" lang="en-US" sz="1800" spc="-1" strike="noStrike">
                 <a:solidFill>
                   <a:srgbClr val="ffffff"/>
@@ -7226,17 +7307,98 @@
           </a:ln>
         </p:spPr>
         <p:txBody>
-          <a:bodyPr lIns="0" rIns="0" tIns="0" bIns="0" anchor="ctr" anchorCtr="1">
+          <a:bodyPr lIns="0" rIns="0" tIns="0" bIns="0" anchor="ctr">
             <a:noAutofit/>
           </a:bodyPr>
           <a:p>
-            <a:r>
-              <a:rPr b="0" lang="en-US" sz="1800" spc="-1" strike="noStrike">
+            <a:pPr algn="ctr">
+              <a:buNone/>
+            </a:pPr>
+            <a:r>
+              <a:rPr b="0" lang="en-US" sz="4400" spc="-1" strike="noStrike">
                 <a:latin typeface="Arial"/>
               </a:rPr>
-              <a:t>Click to edit the title text format</a:t>
-            </a:r>
-            <a:endParaRPr b="0" lang="en-US" sz="1800" spc="-1" strike="noStrike">
+              <a:t>Cli</a:t>
+            </a:r>
+            <a:r>
+              <a:rPr b="0" lang="en-US" sz="4400" spc="-1" strike="noStrike">
+                <a:latin typeface="Arial"/>
+              </a:rPr>
+              <a:t>ck </a:t>
+            </a:r>
+            <a:r>
+              <a:rPr b="0" lang="en-US" sz="4400" spc="-1" strike="noStrike">
+                <a:latin typeface="Arial"/>
+              </a:rPr>
+              <a:t>to </a:t>
+            </a:r>
+            <a:r>
+              <a:rPr b="0" lang="en-US" sz="4400" spc="-1" strike="noStrike">
+                <a:latin typeface="Arial"/>
+              </a:rPr>
+              <a:t>ed</a:t>
+            </a:r>
+            <a:r>
+              <a:rPr b="0" lang="en-US" sz="4400" spc="-1" strike="noStrike">
+                <a:latin typeface="Arial"/>
+              </a:rPr>
+              <a:t>it </a:t>
+            </a:r>
+            <a:r>
+              <a:rPr b="0" lang="en-US" sz="4400" spc="-1" strike="noStrike">
+                <a:latin typeface="Arial"/>
+              </a:rPr>
+              <a:t>th</a:t>
+            </a:r>
+            <a:r>
+              <a:rPr b="0" lang="en-US" sz="4400" spc="-1" strike="noStrike">
+                <a:latin typeface="Arial"/>
+              </a:rPr>
+              <a:t>e </a:t>
+            </a:r>
+            <a:r>
+              <a:rPr b="0" lang="en-US" sz="4400" spc="-1" strike="noStrike">
+                <a:latin typeface="Arial"/>
+              </a:rPr>
+              <a:t>titl</a:t>
+            </a:r>
+            <a:r>
+              <a:rPr b="0" lang="en-US" sz="4400" spc="-1" strike="noStrike">
+                <a:latin typeface="Arial"/>
+              </a:rPr>
+              <a:t>e </a:t>
+            </a:r>
+            <a:r>
+              <a:rPr b="0" lang="en-US" sz="4400" spc="-1" strike="noStrike">
+                <a:latin typeface="Arial"/>
+              </a:rPr>
+              <a:t>te</a:t>
+            </a:r>
+            <a:r>
+              <a:rPr b="0" lang="en-US" sz="4400" spc="-1" strike="noStrike">
+                <a:latin typeface="Arial"/>
+              </a:rPr>
+              <a:t>xt </a:t>
+            </a:r>
+            <a:r>
+              <a:rPr b="0" lang="en-US" sz="4400" spc="-1" strike="noStrike">
+                <a:latin typeface="Arial"/>
+              </a:rPr>
+              <a:t>for</a:t>
+            </a:r>
+            <a:r>
+              <a:rPr b="0" lang="en-US" sz="4400" spc="-1" strike="noStrike">
+                <a:latin typeface="Arial"/>
+              </a:rPr>
+              <a:t>m</a:t>
+            </a:r>
+            <a:r>
+              <a:rPr b="0" lang="en-US" sz="4400" spc="-1" strike="noStrike">
+                <a:latin typeface="Arial"/>
+              </a:rPr>
+              <a:t>at</a:t>
+            </a:r>
+            <a:endParaRPr b="0" lang="en-US" sz="4400" spc="-1" strike="noStrike">
               <a:latin typeface="Arial"/>
             </a:endParaRPr>
           </a:p>
@@ -7267,7 +7429,7 @@
         </p:spPr>
         <p:txBody>
           <a:bodyPr lIns="0" rIns="0" tIns="0" bIns="0" anchor="t">
-            <a:normAutofit fontScale="68000"/>
+            <a:normAutofit fontScale="58000"/>
           </a:bodyPr>
           <a:p>
             <a:pPr marL="432000" indent="-324000">
@@ -7282,12 +7444,12 @@
               <a:buChar char=""/>
             </a:pPr>
             <a:r>
-              <a:rPr b="0" lang="en-US" sz="1800" spc="-1" strike="noStrike">
+              <a:rPr b="0" lang="en-US" sz="3200" spc="-1" strike="noStrike">
                 <a:latin typeface="Arial"/>
               </a:rPr>
               <a:t>Click to edit the outline text format</a:t>
             </a:r>
-            <a:endParaRPr b="0" lang="en-US" sz="1800" spc="-1" strike="noStrike">
+            <a:endParaRPr b="0" lang="en-US" sz="3200" spc="-1" strike="noStrike">
               <a:latin typeface="Arial"/>
             </a:endParaRPr>
           </a:p>
@@ -7304,12 +7466,12 @@
               <a:buChar char=""/>
             </a:pPr>
             <a:r>
-              <a:rPr b="0" lang="en-US" sz="1800" spc="-1" strike="noStrike">
+              <a:rPr b="0" lang="en-US" sz="2800" spc="-1" strike="noStrike">
                 <a:latin typeface="Arial"/>
               </a:rPr>
               <a:t>Second Outline Level</a:t>
             </a:r>
-            <a:endParaRPr b="0" lang="en-US" sz="1800" spc="-1" strike="noStrike">
+            <a:endParaRPr b="0" lang="en-US" sz="2800" spc="-1" strike="noStrike">
               <a:latin typeface="Arial"/>
             </a:endParaRPr>
           </a:p>
@@ -7326,12 +7488,12 @@
               <a:buChar char=""/>
             </a:pPr>
             <a:r>
-              <a:rPr b="0" lang="en-US" sz="1800" spc="-1" strike="noStrike">
+              <a:rPr b="0" lang="en-US" sz="2400" spc="-1" strike="noStrike">
                 <a:latin typeface="Arial"/>
               </a:rPr>
               <a:t>Third Outline Level</a:t>
             </a:r>
-            <a:endParaRPr b="0" lang="en-US" sz="1800" spc="-1" strike="noStrike">
+            <a:endParaRPr b="0" lang="en-US" sz="2400" spc="-1" strike="noStrike">
               <a:latin typeface="Arial"/>
             </a:endParaRPr>
           </a:p>
@@ -7348,12 +7510,12 @@
               <a:buChar char=""/>
             </a:pPr>
             <a:r>
-              <a:rPr b="0" lang="en-US" sz="1800" spc="-1" strike="noStrike">
+              <a:rPr b="0" lang="en-US" sz="2000" spc="-1" strike="noStrike">
                 <a:latin typeface="Arial"/>
               </a:rPr>
               <a:t>Fourth Outline Level</a:t>
             </a:r>
-            <a:endParaRPr b="0" lang="en-US" sz="1800" spc="-1" strike="noStrike">
+            <a:endParaRPr b="0" lang="en-US" sz="2000" spc="-1" strike="noStrike">
               <a:latin typeface="Arial"/>
             </a:endParaRPr>
           </a:p>
@@ -7370,12 +7532,12 @@
               <a:buChar char=""/>
             </a:pPr>
             <a:r>
-              <a:rPr b="0" lang="en-US" sz="1800" spc="-1" strike="noStrike">
+              <a:rPr b="0" lang="en-US" sz="2000" spc="-1" strike="noStrike">
                 <a:latin typeface="Arial"/>
               </a:rPr>
               <a:t>Fifth Outline Level</a:t>
             </a:r>
-            <a:endParaRPr b="0" lang="en-US" sz="1800" spc="-1" strike="noStrike">
+            <a:endParaRPr b="0" lang="en-US" sz="2000" spc="-1" strike="noStrike">
               <a:latin typeface="Arial"/>
             </a:endParaRPr>
           </a:p>
@@ -7392,12 +7554,12 @@
               <a:buChar char=""/>
             </a:pPr>
             <a:r>
-              <a:rPr b="0" lang="en-US" sz="1800" spc="-1" strike="noStrike">
+              <a:rPr b="0" lang="en-US" sz="2000" spc="-1" strike="noStrike">
                 <a:latin typeface="Arial"/>
               </a:rPr>
               <a:t>Sixth Outline Level</a:t>
             </a:r>
-            <a:endParaRPr b="0" lang="en-US" sz="1800" spc="-1" strike="noStrike">
+            <a:endParaRPr b="0" lang="en-US" sz="2000" spc="-1" strike="noStrike">
               <a:latin typeface="Arial"/>
             </a:endParaRPr>
           </a:p>
@@ -7414,12 +7576,12 @@
               <a:buChar char=""/>
             </a:pPr>
             <a:r>
-              <a:rPr b="0" lang="en-US" sz="1800" spc="-1" strike="noStrike">
+              <a:rPr b="0" lang="en-US" sz="2000" spc="-1" strike="noStrike">
                 <a:latin typeface="Arial"/>
               </a:rPr>
               <a:t>Seventh Outline Level</a:t>
             </a:r>
-            <a:endParaRPr b="0" lang="en-US" sz="1800" spc="-1" strike="noStrike">
+            <a:endParaRPr b="0" lang="en-US" sz="2000" spc="-1" strike="noStrike">
               <a:latin typeface="Arial"/>
             </a:endParaRPr>
           </a:p>
@@ -7658,41 +7820,26 @@
           </a:ln>
         </p:spPr>
         <p:txBody>
-          <a:bodyPr lIns="0" rIns="0" tIns="0" bIns="0" anchor="ctr" anchorCtr="1">
+          <a:bodyPr lIns="0" rIns="0" tIns="0" bIns="0" anchor="ctr">
             <a:noAutofit/>
           </a:bodyPr>
           <a:p>
-            <a:r>
-              <a:rPr b="0" lang="en-US" sz="1800" spc="-1" strike="noStrike">
+            <a:pPr algn="ctr">
+              <a:buNone/>
+            </a:pPr>
+            <a:r>
+              <a:rPr b="0" lang="en-US" sz="4400" spc="-1" strike="noStrike">
                 <a:latin typeface="Arial"/>
               </a:rPr>
-              <a:t>Click </a:t>
-            </a:r>
-            <a:r>
-              <a:rPr b="0" lang="en-US" sz="1800" spc="-1" strike="noStrike">
+              <a:t>Click to edit the title text </a:t>
+            </a:r>
+            <a:r>
+              <a:rPr b="0" lang="en-US" sz="4400" spc="-1" strike="noStrike">
                 <a:latin typeface="Arial"/>
               </a:rPr>
-              <a:t>to edit </a:t>
-            </a:r>
-            <a:r>
-              <a:rPr b="0" lang="en-US" sz="1800" spc="-1" strike="noStrike">
-                <a:latin typeface="Arial"/>
-              </a:rPr>
-              <a:t>the title </a:t>
-            </a:r>
-            <a:r>
-              <a:rPr b="0" lang="en-US" sz="1800" spc="-1" strike="noStrike">
-                <a:latin typeface="Arial"/>
-              </a:rPr>
-              <a:t>text </a:t>
-            </a:r>
-            <a:r>
-              <a:rPr b="0" lang="en-US" sz="1800" spc="-1" strike="noStrike">
-                <a:latin typeface="Arial"/>
-              </a:rPr>
               <a:t>format</a:t>
             </a:r>
-            <a:endParaRPr b="0" lang="en-US" sz="1800" spc="-1" strike="noStrike">
+            <a:endParaRPr b="0" lang="en-US" sz="4400" spc="-1" strike="noStrike">
               <a:latin typeface="Arial"/>
             </a:endParaRPr>
           </a:p>
@@ -7723,7 +7870,7 @@
         </p:spPr>
         <p:txBody>
           <a:bodyPr lIns="0" rIns="0" tIns="0" bIns="0" anchor="t">
-            <a:normAutofit fontScale="68000"/>
+            <a:normAutofit fontScale="58000"/>
           </a:bodyPr>
           <a:p>
             <a:pPr marL="432000" indent="-324000">
@@ -7738,12 +7885,12 @@
               <a:buChar char=""/>
             </a:pPr>
             <a:r>
-              <a:rPr b="0" lang="en-US" sz="1800" spc="-1" strike="noStrike">
+              <a:rPr b="0" lang="en-US" sz="3200" spc="-1" strike="noStrike">
                 <a:latin typeface="Arial"/>
               </a:rPr>
               <a:t>Click to edit the outline text format</a:t>
             </a:r>
-            <a:endParaRPr b="0" lang="en-US" sz="1800" spc="-1" strike="noStrike">
+            <a:endParaRPr b="0" lang="en-US" sz="3200" spc="-1" strike="noStrike">
               <a:latin typeface="Arial"/>
             </a:endParaRPr>
           </a:p>
@@ -7760,12 +7907,12 @@
               <a:buChar char=""/>
             </a:pPr>
             <a:r>
-              <a:rPr b="0" lang="en-US" sz="1800" spc="-1" strike="noStrike">
+              <a:rPr b="0" lang="en-US" sz="2800" spc="-1" strike="noStrike">
                 <a:latin typeface="Arial"/>
               </a:rPr>
               <a:t>Second Outline Level</a:t>
             </a:r>
-            <a:endParaRPr b="0" lang="en-US" sz="1800" spc="-1" strike="noStrike">
+            <a:endParaRPr b="0" lang="en-US" sz="2800" spc="-1" strike="noStrike">
               <a:latin typeface="Arial"/>
             </a:endParaRPr>
           </a:p>
@@ -7782,12 +7929,12 @@
               <a:buChar char=""/>
             </a:pPr>
             <a:r>
-              <a:rPr b="0" lang="en-US" sz="1800" spc="-1" strike="noStrike">
+              <a:rPr b="0" lang="en-US" sz="2400" spc="-1" strike="noStrike">
                 <a:latin typeface="Arial"/>
               </a:rPr>
               <a:t>Third Outline Level</a:t>
             </a:r>
-            <a:endParaRPr b="0" lang="en-US" sz="1800" spc="-1" strike="noStrike">
+            <a:endParaRPr b="0" lang="en-US" sz="2400" spc="-1" strike="noStrike">
               <a:latin typeface="Arial"/>
             </a:endParaRPr>
           </a:p>
@@ -7804,12 +7951,12 @@
               <a:buChar char=""/>
             </a:pPr>
             <a:r>
-              <a:rPr b="0" lang="en-US" sz="1800" spc="-1" strike="noStrike">
+              <a:rPr b="0" lang="en-US" sz="2000" spc="-1" strike="noStrike">
                 <a:latin typeface="Arial"/>
               </a:rPr>
               <a:t>Fourth Outline Level</a:t>
             </a:r>
-            <a:endParaRPr b="0" lang="en-US" sz="1800" spc="-1" strike="noStrike">
+            <a:endParaRPr b="0" lang="en-US" sz="2000" spc="-1" strike="noStrike">
               <a:latin typeface="Arial"/>
             </a:endParaRPr>
           </a:p>
@@ -7826,12 +7973,12 @@
               <a:buChar char=""/>
             </a:pPr>
             <a:r>
-              <a:rPr b="0" lang="en-US" sz="1800" spc="-1" strike="noStrike">
+              <a:rPr b="0" lang="en-US" sz="2000" spc="-1" strike="noStrike">
                 <a:latin typeface="Arial"/>
               </a:rPr>
               <a:t>Fifth Outline Level</a:t>
             </a:r>
-            <a:endParaRPr b="0" lang="en-US" sz="1800" spc="-1" strike="noStrike">
+            <a:endParaRPr b="0" lang="en-US" sz="2000" spc="-1" strike="noStrike">
               <a:latin typeface="Arial"/>
             </a:endParaRPr>
           </a:p>
@@ -7848,12 +7995,12 @@
               <a:buChar char=""/>
             </a:pPr>
             <a:r>
-              <a:rPr b="0" lang="en-US" sz="1800" spc="-1" strike="noStrike">
+              <a:rPr b="0" lang="en-US" sz="2000" spc="-1" strike="noStrike">
                 <a:latin typeface="Arial"/>
               </a:rPr>
               <a:t>Sixth Outline Level</a:t>
             </a:r>
-            <a:endParaRPr b="0" lang="en-US" sz="1800" spc="-1" strike="noStrike">
+            <a:endParaRPr b="0" lang="en-US" sz="2000" spc="-1" strike="noStrike">
               <a:latin typeface="Arial"/>
             </a:endParaRPr>
           </a:p>
@@ -7870,12 +8017,12 @@
               <a:buChar char=""/>
             </a:pPr>
             <a:r>
-              <a:rPr b="0" lang="en-US" sz="1800" spc="-1" strike="noStrike">
+              <a:rPr b="0" lang="en-US" sz="2000" spc="-1" strike="noStrike">
                 <a:latin typeface="Arial"/>
               </a:rPr>
               <a:t>Seventh Outline Level</a:t>
             </a:r>
-            <a:endParaRPr b="0" lang="en-US" sz="1800" spc="-1" strike="noStrike">
+            <a:endParaRPr b="0" lang="en-US" sz="2000" spc="-1" strike="noStrike">
               <a:latin typeface="Arial"/>
             </a:endParaRPr>
           </a:p>
@@ -7992,7 +8139,7 @@
               </a:lnSpc>
               <a:buNone/>
             </a:pPr>
-            <a:fld id="{4961B04F-0290-4182-9850-D96A60C66852}" type="slidenum">
+            <a:fld id="{AFCA7C51-1DF5-4E4D-93BE-CBDEF6505AAA}" type="slidenum">
               <a:rPr b="1" lang="en-US" sz="1800" spc="-1" strike="noStrike">
                 <a:solidFill>
                   <a:srgbClr val="ffffff"/>
@@ -8972,7 +9119,7 @@
         </p:spPr>
         <p:txBody>
           <a:bodyPr lIns="0" rIns="0" tIns="0" bIns="0" anchor="t">
-            <a:normAutofit fontScale="60000"/>
+            <a:normAutofit fontScale="66000"/>
           </a:bodyPr>
           <a:p>
             <a:pPr marL="432000" indent="-324000">
@@ -9024,7 +9171,7 @@
                 </a:solidFill>
                 <a:latin typeface="Noto Sans"/>
               </a:rPr>
-              <a:t>-Replicated virtual driver</a:t>
+              <a:t>-Transparency</a:t>
             </a:r>
             <a:endParaRPr b="0" lang="en-US" sz="2400" spc="-1" strike="noStrike">
               <a:latin typeface="Arial"/>
@@ -9052,7 +9199,7 @@
                 </a:solidFill>
                 <a:latin typeface="Noto Sans"/>
               </a:rPr>
-              <a:t>-Transparency</a:t>
+              <a:t>-Can use with ANY driver</a:t>
             </a:r>
             <a:endParaRPr b="0" lang="en-US" sz="2400" spc="-1" strike="noStrike">
               <a:latin typeface="Arial"/>
@@ -9080,7 +9227,7 @@
                 </a:solidFill>
                 <a:latin typeface="Noto Sans"/>
               </a:rPr>
-              <a:t>-Can use with ANY driver or specific drivers</a:t>
+              <a:t>-No need to alter existing drivers</a:t>
             </a:r>
             <a:endParaRPr b="0" lang="en-US" sz="2400" spc="-1" strike="noStrike">
               <a:latin typeface="Arial"/>
@@ -9108,7 +9255,7 @@
                 </a:solidFill>
                 <a:latin typeface="Noto Sans"/>
               </a:rPr>
-              <a:t>-No need to alter existing drivers</a:t>
+              <a:t>-Can load or unload drivers at runtime to enable or disable features</a:t>
             </a:r>
             <a:endParaRPr b="0" lang="en-US" sz="2400" spc="-1" strike="noStrike">
               <a:latin typeface="Arial"/>
@@ -9136,7 +9283,7 @@
                 </a:solidFill>
                 <a:latin typeface="Noto Sans"/>
               </a:rPr>
-              <a:t>-Can load or unload drivers at runtime to enable or disable features</a:t>
+              <a:t>-Messaging layer is trivial to use with IOCTL packets, physical pages, and filesystem data blocks</a:t>
             </a:r>
             <a:endParaRPr b="0" lang="en-US" sz="2400" spc="-1" strike="noStrike">
               <a:latin typeface="Arial"/>
@@ -9164,7 +9311,7 @@
                 </a:solidFill>
                 <a:latin typeface="Noto Sans"/>
               </a:rPr>
-              <a:t>-Messaging layer is trivial to use with IOCTL packets, physical pages, and filesystem data blocks</a:t>
+              <a:t>-We can compile the driver for ANY kernel for ANY architecture</a:t>
             </a:r>
             <a:endParaRPr b="0" lang="en-US" sz="2400" spc="-1" strike="noStrike">
               <a:latin typeface="Arial"/>
@@ -9192,7 +9339,7 @@
                 </a:solidFill>
                 <a:latin typeface="Noto Sans"/>
               </a:rPr>
-              <a:t>-We can compile the driver for ANY kernel for ANY architecture</a:t>
+              <a:t>-One-to-one architecture</a:t>
             </a:r>
             <a:endParaRPr b="0" lang="en-US" sz="2400" spc="-1" strike="noStrike">
               <a:latin typeface="Arial"/>
@@ -9220,7 +9367,7 @@
                 </a:solidFill>
                 <a:latin typeface="Noto Sans"/>
               </a:rPr>
-              <a:t>-One-to-one architecture</a:t>
+              <a:t>-One-to-many, many-to-one architecture</a:t>
             </a:r>
             <a:endParaRPr b="0" lang="en-US" sz="2400" spc="-1" strike="noStrike">
               <a:latin typeface="Arial"/>
@@ -9248,35 +9395,7 @@
                 </a:solidFill>
                 <a:latin typeface="Noto Sans"/>
               </a:rPr>
-              <a:t>-One-to-many architecture</a:t>
-            </a:r>
-            <a:endParaRPr b="0" lang="en-US" sz="2400" spc="-1" strike="noStrike">
-              <a:latin typeface="Arial"/>
-            </a:endParaRPr>
-          </a:p>
-          <a:p>
-            <a:pPr marL="432000" indent="-324000">
-              <a:lnSpc>
-                <a:spcPct val="100000"/>
-              </a:lnSpc>
-              <a:spcAft>
-                <a:spcPts val="1057"/>
-              </a:spcAft>
-              <a:buClr>
-                <a:srgbClr val="2c3e50"/>
-              </a:buClr>
-              <a:buSzPct val="45000"/>
-              <a:buFont typeface="Wingdings" charset="2"/>
-              <a:buChar char=""/>
-            </a:pPr>
-            <a:r>
-              <a:rPr b="1" lang="en-US" sz="2400" spc="-1" strike="noStrike">
-                <a:solidFill>
-                  <a:srgbClr val="2c3e50"/>
-                </a:solidFill>
-                <a:latin typeface="Noto Sans"/>
-              </a:rPr>
-              <a:t>-Many-to-one architecture (distributed virtual driver architecture)</a:t>
+              <a:t>-Distributed driver architecture</a:t>
             </a:r>
             <a:endParaRPr b="0" lang="en-US" sz="2400" spc="-1" strike="noStrike">
               <a:latin typeface="Arial"/>
@@ -9624,7 +9743,7 @@
         <p:txBody>
           <a:bodyPr/>
           <a:p>
-            <a:fld id="{336E3EA0-D386-48B4-A7AE-6FEB115376BF}" type="slidenum">
+            <a:fld id="{83F3FEF8-6CDD-42AA-9F29-F074AD81FC64}" type="slidenum">
               <a:t>14</a:t>
             </a:fld>
           </a:p>
@@ -9743,7 +9862,7 @@
         </p:spPr>
         <p:txBody>
           <a:bodyPr lIns="0" rIns="0" tIns="0" bIns="0" anchor="t">
-            <a:normAutofit/>
+            <a:normAutofit fontScale="86000"/>
           </a:bodyPr>
           <a:p>
             <a:pPr marL="432000" indent="-324000">
@@ -9767,25 +9886,7 @@
                 </a:solidFill>
                 <a:latin typeface="Noto Sans"/>
               </a:rPr>
-              <a:t>We create a single virtual driver which is replicated and sits in-between the top </a:t>
-            </a:r>
-            <a:r>
-              <a:rPr b="1" lang="en-US" sz="2400" spc="-1" strike="noStrike">
-                <a:solidFill>
-                  <a:srgbClr val="2c3e50"/>
-                </a:solidFill>
-                <a:latin typeface="Noto Sans"/>
-              </a:rPr>
-              <a:t>of each driver stack and the kernel and functions as a virtual driver on the </a:t>
-            </a:r>
-            <a:r>
-              <a:rPr b="1" lang="en-US" sz="2400" spc="-1" strike="noStrike">
-                <a:solidFill>
-                  <a:srgbClr val="2c3e50"/>
-                </a:solidFill>
-                <a:latin typeface="Noto Sans"/>
-              </a:rPr>
-              <a:t>remote system</a:t>
+              <a:t>We create a single virtual driver which is replicated and sits in-between the top of each driver stack and the kernel or functions as a virtual driver on the remote system</a:t>
             </a:r>
             <a:endParaRPr b="0" lang="en-US" sz="2400" spc="-1" strike="noStrike">
               <a:latin typeface="Arial"/>
@@ -9813,16 +9914,7 @@
                 </a:solidFill>
                 <a:latin typeface="Noto Sans"/>
               </a:rPr>
-              <a:t>Intercept I/O requests between the top of the driver stack and the kernel (IOCTL </a:t>
-            </a:r>
-            <a:r>
-              <a:rPr b="1" lang="en-US" sz="2400" spc="-1" strike="noStrike">
-                <a:solidFill>
-                  <a:srgbClr val="2c3e50"/>
-                </a:solidFill>
-                <a:latin typeface="Noto Sans"/>
-              </a:rPr>
-              <a:t>in the Linux kernel)</a:t>
+              <a:t>Intercept I/O requests between the top of the driver stack and the kernel (IOCTL in the Linux kernel)</a:t>
             </a:r>
             <a:endParaRPr b="0" lang="en-US" sz="2400" spc="-1" strike="noStrike">
               <a:latin typeface="Arial"/>
@@ -9851,6 +9943,62 @@
                 <a:latin typeface="Noto Sans"/>
               </a:rPr>
               <a:t>Packets are put on the network as is</a:t>
+            </a:r>
+            <a:endParaRPr b="0" lang="en-US" sz="2400" spc="-1" strike="noStrike">
+              <a:latin typeface="Arial"/>
+            </a:endParaRPr>
+          </a:p>
+          <a:p>
+            <a:pPr marL="432000" indent="-324000">
+              <a:lnSpc>
+                <a:spcPct val="100000"/>
+              </a:lnSpc>
+              <a:spcAft>
+                <a:spcPts val="1057"/>
+              </a:spcAft>
+              <a:buClr>
+                <a:srgbClr val="2c3e50"/>
+              </a:buClr>
+              <a:buSzPct val="45000"/>
+              <a:buFont typeface="Wingdings" charset="2"/>
+              <a:buChar char=""/>
+            </a:pPr>
+            <a:r>
+              <a:rPr b="1" lang="en-US" sz="2400" spc="-1" strike="noStrike">
+                <a:solidFill>
+                  <a:srgbClr val="2c3e50"/>
+                </a:solidFill>
+                <a:latin typeface="Noto Sans"/>
+              </a:rPr>
+              <a:t>A form of distributed driver architecture</a:t>
+            </a:r>
+            <a:endParaRPr b="0" lang="en-US" sz="2400" spc="-1" strike="noStrike">
+              <a:latin typeface="Arial"/>
+            </a:endParaRPr>
+          </a:p>
+          <a:p>
+            <a:pPr marL="432000" indent="-324000">
+              <a:lnSpc>
+                <a:spcPct val="100000"/>
+              </a:lnSpc>
+              <a:spcAft>
+                <a:spcPts val="1057"/>
+              </a:spcAft>
+              <a:buClr>
+                <a:srgbClr val="2c3e50"/>
+              </a:buClr>
+              <a:buSzPct val="45000"/>
+              <a:buFont typeface="Wingdings" charset="2"/>
+              <a:buChar char=""/>
+            </a:pPr>
+            <a:r>
+              <a:rPr b="1" lang="en-US" sz="2400" spc="-1" strike="noStrike">
+                <a:solidFill>
+                  <a:srgbClr val="2c3e50"/>
+                </a:solidFill>
+                <a:latin typeface="Noto Sans"/>
+              </a:rPr>
+              <a:t>Virtual driver exports all symbols, variables, and functions of the underlying driver stack transparently</a:t>
             </a:r>
             <a:endParaRPr b="0" lang="en-US" sz="2400" spc="-1" strike="noStrike">
               <a:latin typeface="Arial"/>
@@ -10051,16 +10199,7 @@
                 </a:solidFill>
                 <a:latin typeface="Noto Sans"/>
               </a:rPr>
-              <a:t>All drivers are kernel modules, but not all kernel </a:t>
-            </a:r>
-            <a:r>
-              <a:rPr b="1" lang="en-US" sz="2400" spc="-1" strike="noStrike">
-                <a:solidFill>
-                  <a:srgbClr val="2c3e50"/>
-                </a:solidFill>
-                <a:latin typeface="Noto Sans"/>
-              </a:rPr>
-              <a:t>modules are drivers!</a:t>
+              <a:t>All drivers are kernel modules, but not all kernel modules are drivers!</a:t>
             </a:r>
             <a:endParaRPr b="0" lang="en-US" sz="2400" spc="-1" strike="noStrike">
               <a:latin typeface="Arial"/>
@@ -10233,25 +10372,7 @@
                 </a:solidFill>
                 <a:latin typeface="Noto Sans"/>
               </a:rPr>
-              <a:t>With this architecture we can use arbitrary drivers, even </a:t>
-            </a:r>
-            <a:r>
-              <a:rPr b="1" lang="en-US" sz="2400" spc="-1" strike="noStrike">
-                <a:solidFill>
-                  <a:srgbClr val="2c3e50"/>
-                </a:solidFill>
-                <a:latin typeface="Noto Sans"/>
-              </a:rPr>
-              <a:t>drivers we don’t know of or drivers that haven’t loaded </a:t>
-            </a:r>
-            <a:r>
-              <a:rPr b="1" lang="en-US" sz="2400" spc="-1" strike="noStrike">
-                <a:solidFill>
-                  <a:srgbClr val="2c3e50"/>
-                </a:solidFill>
-                <a:latin typeface="Noto Sans"/>
-              </a:rPr>
-              <a:t>yet!</a:t>
+              <a:t>With this architecture we can use arbitrary drivers, even drivers we don’t know of or drivers that haven’t loaded yet!</a:t>
             </a:r>
             <a:endParaRPr b="0" lang="en-US" sz="2400" spc="-1" strike="noStrike">
               <a:latin typeface="Arial"/>
@@ -10307,16 +10428,7 @@
                 </a:solidFill>
                 <a:latin typeface="Noto Sans"/>
               </a:rPr>
-              <a:t>We can load and unload the virtual drivers at runtime to </a:t>
-            </a:r>
-            <a:r>
-              <a:rPr b="1" lang="en-US" sz="2400" spc="-1" strike="noStrike">
-                <a:solidFill>
-                  <a:srgbClr val="2c3e50"/>
-                </a:solidFill>
-                <a:latin typeface="Noto Sans"/>
-              </a:rPr>
-              <a:t>enable or disable features with specific drivers</a:t>
+              <a:t>We can load and unload the virtual drivers at runtime to enable or disable features</a:t>
             </a:r>
             <a:endParaRPr b="0" lang="en-US" sz="2400" spc="-1" strike="noStrike">
               <a:latin typeface="Arial"/>
@@ -10372,16 +10484,7 @@
                 </a:solidFill>
                 <a:latin typeface="Noto Sans"/>
               </a:rPr>
-              <a:t>We can compile the virtual driver for ANY kernel for ANY </a:t>
-            </a:r>
-            <a:r>
-              <a:rPr b="1" lang="en-US" sz="2400" spc="-1" strike="noStrike">
-                <a:solidFill>
-                  <a:srgbClr val="2c3e50"/>
-                </a:solidFill>
-                <a:latin typeface="Noto Sans"/>
-              </a:rPr>
-              <a:t>architecture</a:t>
+              <a:t>We can compile the virtual driver for ANY kernel for ANY architecture</a:t>
             </a:r>
             <a:endParaRPr b="0" lang="en-US" sz="2400" spc="-1" strike="noStrike">
               <a:latin typeface="Arial"/>
@@ -10533,7 +10636,29 @@
             <a:normAutofit/>
           </a:bodyPr>
           <a:p>
-            <a:endParaRPr b="0" lang="en-US" sz="3200" spc="-1" strike="noStrike">
+            <a:pPr indent="-324000">
+              <a:lnSpc>
+                <a:spcPct val="100000"/>
+              </a:lnSpc>
+              <a:buClr>
+                <a:srgbClr val="000000"/>
+              </a:buClr>
+              <a:buFont typeface="Wingdings" charset="2"/>
+              <a:buChar char=""/>
+            </a:pPr>
+            <a:r>
+              <a:rPr b="0" lang="en-US" sz="1800" spc="-1" strike="noStrike">
+                <a:latin typeface="Arial"/>
+              </a:rPr>
+              <a:t> </a:t>
+            </a:r>
+            <a:r>
+              <a:rPr b="0" lang="en-US" sz="1800" spc="-1" strike="noStrike">
+                <a:latin typeface="Arial"/>
+              </a:rPr>
+              <a:t>	</a:t>
+            </a:r>
+            <a:endParaRPr b="0" lang="en-US" sz="1800" spc="-1" strike="noStrike">
               <a:latin typeface="Arial"/>
             </a:endParaRPr>
           </a:p>
@@ -13097,7 +13222,7 @@
         </p:spPr>
         <p:txBody>
           <a:bodyPr lIns="0" rIns="0" tIns="0" bIns="0" anchor="t">
-            <a:normAutofit/>
+            <a:normAutofit fontScale="76000"/>
           </a:bodyPr>
           <a:p>
             <a:pPr marL="432000" indent="-324000">
@@ -13149,7 +13274,7 @@
                 </a:solidFill>
                 <a:latin typeface="Noto Sans"/>
               </a:rPr>
-              <a:t>One-to-many</a:t>
+              <a:t>One-to-many, many-to-one architecture</a:t>
             </a:r>
             <a:endParaRPr b="0" lang="en-US" sz="2400" spc="-1" strike="noStrike">
               <a:latin typeface="Arial"/>
@@ -13177,7 +13302,16 @@
                 </a:solidFill>
                 <a:latin typeface="Noto Sans"/>
               </a:rPr>
-              <a:t>Many-to-one (distributed virtual driver architecture)</a:t>
+              <a:t>Device driver major and minor numbers for </a:t>
+            </a:r>
+            <a:r>
+              <a:rPr b="1" lang="en-US" sz="2400" spc="-1" strike="noStrike">
+                <a:solidFill>
+                  <a:srgbClr val="2c3e50"/>
+                </a:solidFill>
+                <a:latin typeface="Noto Sans"/>
+              </a:rPr>
+              <a:t>identifying similar drivers across the cluster</a:t>
             </a:r>
             <a:endParaRPr b="0" lang="en-US" sz="2400" spc="-1" strike="noStrike">
               <a:latin typeface="Arial"/>
@@ -13205,7 +13339,107 @@
                 </a:solidFill>
                 <a:latin typeface="Noto Sans"/>
               </a:rPr>
-              <a:t>Device driver major and minor numbers for identifying similar drivers across the cluster</a:t>
+              <a:t>We can pool resources with virtual hardware by </a:t>
+            </a:r>
+            <a:r>
+              <a:rPr b="1" lang="en-US" sz="2400" spc="-1" strike="noStrike">
+                <a:solidFill>
+                  <a:srgbClr val="2c3e50"/>
+                </a:solidFill>
+                <a:latin typeface="Noto Sans"/>
+              </a:rPr>
+              <a:t>enumerating all similar hardware resources and </a:t>
+            </a:r>
+            <a:r>
+              <a:rPr b="1" lang="en-US" sz="2400" spc="-1" strike="noStrike">
+                <a:solidFill>
+                  <a:srgbClr val="2c3e50"/>
+                </a:solidFill>
+                <a:latin typeface="Noto Sans"/>
+              </a:rPr>
+              <a:t>using a load balancing algorithm to treat the </a:t>
+            </a:r>
+            <a:r>
+              <a:rPr b="1" lang="en-US" sz="2400" spc="-1" strike="noStrike">
+                <a:solidFill>
+                  <a:srgbClr val="2c3e50"/>
+                </a:solidFill>
+                <a:latin typeface="Noto Sans"/>
+              </a:rPr>
+              <a:t>resources as one large pool of resources</a:t>
+            </a:r>
+            <a:endParaRPr b="0" lang="en-US" sz="2400" spc="-1" strike="noStrike">
+              <a:latin typeface="Arial"/>
+            </a:endParaRPr>
+          </a:p>
+          <a:p>
+            <a:pPr marL="432000" indent="-324000">
+              <a:lnSpc>
+                <a:spcPct val="100000"/>
+              </a:lnSpc>
+              <a:spcAft>
+                <a:spcPts val="1057"/>
+              </a:spcAft>
+              <a:buClr>
+                <a:srgbClr val="2c3e50"/>
+              </a:buClr>
+              <a:buSzPct val="45000"/>
+              <a:buFont typeface="Wingdings" charset="2"/>
+              <a:buChar char=""/>
+            </a:pPr>
+            <a:r>
+              <a:rPr b="1" lang="en-US" sz="2400" spc="-1" strike="noStrike">
+                <a:solidFill>
+                  <a:srgbClr val="2c3e50"/>
+                </a:solidFill>
+                <a:latin typeface="Noto Sans"/>
+              </a:rPr>
+              <a:t>Virtual hardware transparently mimics the </a:t>
+            </a:r>
+            <a:r>
+              <a:rPr b="1" lang="en-US" sz="2400" spc="-1" strike="noStrike">
+                <a:solidFill>
+                  <a:srgbClr val="2c3e50"/>
+                </a:solidFill>
+                <a:latin typeface="Noto Sans"/>
+              </a:rPr>
+              <a:t>underlying resource pool and a regular driver stack </a:t>
+            </a:r>
+            <a:r>
+              <a:rPr b="1" lang="en-US" sz="2400" spc="-1" strike="noStrike">
+                <a:solidFill>
+                  <a:srgbClr val="2c3e50"/>
+                </a:solidFill>
+                <a:latin typeface="Noto Sans"/>
+              </a:rPr>
+              <a:t>can be used on top of it, treating the distributed </a:t>
+            </a:r>
+            <a:r>
+              <a:rPr b="1" lang="en-US" sz="2400" spc="-1" strike="noStrike">
+                <a:solidFill>
+                  <a:srgbClr val="2c3e50"/>
+                </a:solidFill>
+                <a:latin typeface="Noto Sans"/>
+              </a:rPr>
+              <a:t>hardware resources as one large virtual hardware </a:t>
+            </a:r>
+            <a:r>
+              <a:rPr b="1" lang="en-US" sz="2400" spc="-1" strike="noStrike">
+                <a:solidFill>
+                  <a:srgbClr val="2c3e50"/>
+                </a:solidFill>
+                <a:latin typeface="Noto Sans"/>
+              </a:rPr>
+              <a:t>resource, the opposite of our transparent virtual </a:t>
+            </a:r>
+            <a:r>
+              <a:rPr b="1" lang="en-US" sz="2400" spc="-1" strike="noStrike">
+                <a:solidFill>
+                  <a:srgbClr val="2c3e50"/>
+                </a:solidFill>
+                <a:latin typeface="Noto Sans"/>
+              </a:rPr>
+              <a:t>driver architecture</a:t>
             </a:r>
             <a:endParaRPr b="0" lang="en-US" sz="2400" spc="-1" strike="noStrike">
               <a:latin typeface="Arial"/>
@@ -13326,7 +13560,7 @@
         </p:spPr>
         <p:txBody>
           <a:bodyPr lIns="0" rIns="0" tIns="0" bIns="0" anchor="t">
-            <a:normAutofit fontScale="85000"/>
+            <a:normAutofit fontScale="95000"/>
           </a:bodyPr>
           <a:p>
             <a:pPr marL="432000" indent="-324000">
@@ -13463,34 +13697,6 @@
                 <a:latin typeface="Noto Sans"/>
               </a:rPr>
               <a:t>Migration of files for processes and threads is not necessary!</a:t>
-            </a:r>
-            <a:endParaRPr b="0" lang="en-US" sz="2400" spc="-1" strike="noStrike">
-              <a:latin typeface="Arial"/>
-            </a:endParaRPr>
-          </a:p>
-          <a:p>
-            <a:pPr marL="432000" indent="-324000">
-              <a:lnSpc>
-                <a:spcPct val="100000"/>
-              </a:lnSpc>
-              <a:spcAft>
-                <a:spcPts val="1057"/>
-              </a:spcAft>
-              <a:buClr>
-                <a:srgbClr val="2c3e50"/>
-              </a:buClr>
-              <a:buSzPct val="45000"/>
-              <a:buFont typeface="Wingdings" charset="2"/>
-              <a:buChar char=""/>
-            </a:pPr>
-            <a:r>
-              <a:rPr b="1" lang="en-US" sz="2400" spc="-1" strike="noStrike">
-                <a:solidFill>
-                  <a:srgbClr val="2c3e50"/>
-                </a:solidFill>
-                <a:latin typeface="Noto Sans"/>
-              </a:rPr>
-              <a:t>A form of distributed virtual driver architecture</a:t>
             </a:r>
             <a:endParaRPr b="0" lang="en-US" sz="2400" spc="-1" strike="noStrike">
               <a:latin typeface="Arial"/>
@@ -13720,34 +13926,6 @@
                 <a:latin typeface="Noto Sans"/>
               </a:rPr>
               <a:t>Any of the interfaces can send or accept network traffic as if it were the same interface</a:t>
-            </a:r>
-            <a:endParaRPr b="0" lang="en-US" sz="2400" spc="-1" strike="noStrike">
-              <a:latin typeface="Arial"/>
-            </a:endParaRPr>
-          </a:p>
-          <a:p>
-            <a:pPr marL="432000" indent="-324000">
-              <a:lnSpc>
-                <a:spcPct val="100000"/>
-              </a:lnSpc>
-              <a:spcAft>
-                <a:spcPts val="1057"/>
-              </a:spcAft>
-              <a:buClr>
-                <a:srgbClr val="2c3e50"/>
-              </a:buClr>
-              <a:buSzPct val="45000"/>
-              <a:buFont typeface="Wingdings" charset="2"/>
-              <a:buChar char=""/>
-            </a:pPr>
-            <a:r>
-              <a:rPr b="1" lang="en-US" sz="2400" spc="-1" strike="noStrike">
-                <a:solidFill>
-                  <a:srgbClr val="2c3e50"/>
-                </a:solidFill>
-                <a:latin typeface="Noto Sans"/>
-              </a:rPr>
-              <a:t>A form of distributed virtual driver architecture</a:t>
             </a:r>
             <a:endParaRPr b="0" lang="en-US" sz="2400" spc="-1" strike="noStrike">
               <a:latin typeface="Arial"/>

--- a/Replicated.pptx
+++ b/Replicated.pptx
@@ -78,7 +78,7 @@
         <p:txBody>
           <a:bodyPr/>
           <a:p>
-            <a:fld id="{763FD96B-9311-4A22-99F3-B5B9431922D7}" type="slidenum">
+            <a:fld id="{DDDD694E-71F2-4F32-96E7-45F18D40C606}" type="slidenum">
               <a:t>&lt;#&gt;</a:t>
             </a:fld>
           </a:p>
@@ -266,7 +266,7 @@
         <p:txBody>
           <a:bodyPr/>
           <a:p>
-            <a:fld id="{5E2EC649-9EB6-48A3-A47F-63A9B2CCC7DD}" type="slidenum">
+            <a:fld id="{9E7093D2-6B01-4FE8-9537-8FE660DC2BE1}" type="slidenum">
               <a:t>&lt;#&gt;</a:t>
             </a:fld>
           </a:p>
@@ -522,7 +522,7 @@
         <p:txBody>
           <a:bodyPr/>
           <a:p>
-            <a:fld id="{B6DE0F27-235C-4B49-A330-218600BA63EC}" type="slidenum">
+            <a:fld id="{B4AED440-D098-4C83-9CBD-16BC9B2DE5F4}" type="slidenum">
               <a:t>&lt;#&gt;</a:t>
             </a:fld>
           </a:p>
@@ -846,7 +846,7 @@
         <p:txBody>
           <a:bodyPr/>
           <a:p>
-            <a:fld id="{468361BF-0FBB-4F23-8551-27BD98F60D69}" type="slidenum">
+            <a:fld id="{FA5A0835-93E0-43AE-902A-24CB5F9DC640}" type="slidenum">
               <a:t>&lt;#&gt;</a:t>
             </a:fld>
           </a:p>
@@ -1907,7 +1907,7 @@
         <p:txBody>
           <a:bodyPr/>
           <a:p>
-            <a:fld id="{843F74CF-5775-4971-B381-40BBF67CF81D}" type="slidenum">
+            <a:fld id="{86DF502D-5CC9-4BB8-9907-B34AB9F941CD}" type="slidenum">
               <a:t>&lt;#&gt;</a:t>
             </a:fld>
           </a:p>
@@ -3102,7 +3102,7 @@
         <p:txBody>
           <a:bodyPr/>
           <a:p>
-            <a:fld id="{89D8A991-F815-4BA0-A9F8-75D9E8DF1243}" type="slidenum">
+            <a:fld id="{97A1B41E-FC64-4986-8629-96618DC366D0}" type="slidenum">
               <a:t>&lt;#&gt;</a:t>
             </a:fld>
           </a:p>
@@ -3259,7 +3259,7 @@
         <p:txBody>
           <a:bodyPr/>
           <a:p>
-            <a:fld id="{5637A797-A789-47BA-B475-8AA26BE72150}" type="slidenum">
+            <a:fld id="{6BB5B209-D0B4-4043-8BC9-DEE8E5E7B102}" type="slidenum">
               <a:t>&lt;#&gt;</a:t>
             </a:fld>
           </a:p>
@@ -3413,7 +3413,7 @@
         <p:txBody>
           <a:bodyPr/>
           <a:p>
-            <a:fld id="{7C09315C-40DC-4F9C-ABD7-9D3E792F4917}" type="slidenum">
+            <a:fld id="{36254D17-18E7-4E4A-980D-9472713EFC29}" type="slidenum">
               <a:t>&lt;#&gt;</a:t>
             </a:fld>
           </a:p>
@@ -3601,7 +3601,7 @@
         <p:txBody>
           <a:bodyPr/>
           <a:p>
-            <a:fld id="{BE72964E-6140-45F0-9207-B3EA405BC608}" type="slidenum">
+            <a:fld id="{FE88BA4D-12D3-485A-923A-8E03855A25AA}" type="slidenum">
               <a:t>&lt;#&gt;</a:t>
             </a:fld>
           </a:p>
@@ -3721,7 +3721,7 @@
         <p:txBody>
           <a:bodyPr/>
           <a:p>
-            <a:fld id="{42CE29A2-D257-4C97-A704-A3D93B335F05}" type="slidenum">
+            <a:fld id="{7567D9D9-FF8C-4F8C-9D4E-A1F9E5E2F793}" type="slidenum">
               <a:t>&lt;#&gt;</a:t>
             </a:fld>
           </a:p>
@@ -3875,7 +3875,7 @@
         <p:txBody>
           <a:bodyPr/>
           <a:p>
-            <a:fld id="{C51507E2-8F8F-470A-9F05-D6453B877EFA}" type="slidenum">
+            <a:fld id="{9385B390-83ED-4ECD-9BA1-5071E5031D69}" type="slidenum">
               <a:t>&lt;#&gt;</a:t>
             </a:fld>
           </a:p>
@@ -3995,7 +3995,7 @@
         <p:txBody>
           <a:bodyPr/>
           <a:p>
-            <a:fld id="{5D56EA5B-3204-47DA-BC01-68EC95965FAF}" type="slidenum">
+            <a:fld id="{40B334B9-B3D8-4D66-AB91-09683FDBC337}" type="slidenum">
               <a:t>&lt;#&gt;</a:t>
             </a:fld>
           </a:p>
@@ -4217,7 +4217,7 @@
         <p:txBody>
           <a:bodyPr/>
           <a:p>
-            <a:fld id="{7D875F72-E88E-4B9B-AD5B-32DE01628B22}" type="slidenum">
+            <a:fld id="{BDC1254C-8E0A-4C52-B713-829D5EBBFA7A}" type="slidenum">
               <a:t>&lt;#&gt;</a:t>
             </a:fld>
           </a:p>
@@ -4439,7 +4439,7 @@
         <p:txBody>
           <a:bodyPr/>
           <a:p>
-            <a:fld id="{344B79EC-6184-4608-A4FA-0453B066783C}" type="slidenum">
+            <a:fld id="{00B2620E-02AB-4AF6-BB9F-CC28BAB8AED4}" type="slidenum">
               <a:t>&lt;#&gt;</a:t>
             </a:fld>
           </a:p>
@@ -4661,7 +4661,7 @@
         <p:txBody>
           <a:bodyPr/>
           <a:p>
-            <a:fld id="{D1096CEC-7A61-480B-8ECC-3D4C5913F9BC}" type="slidenum">
+            <a:fld id="{3D142FCD-9326-4638-9E13-ABC537B6A68D}" type="slidenum">
               <a:t>&lt;#&gt;</a:t>
             </a:fld>
           </a:p>
@@ -4849,7 +4849,7 @@
         <p:txBody>
           <a:bodyPr/>
           <a:p>
-            <a:fld id="{D943FF3C-45CA-4D8F-9347-DFE72509BC0E}" type="slidenum">
+            <a:fld id="{5F3A4C5C-9134-4A47-8B76-074EE765D1E9}" type="slidenum">
               <a:t>&lt;#&gt;</a:t>
             </a:fld>
           </a:p>
@@ -5105,7 +5105,7 @@
         <p:txBody>
           <a:bodyPr/>
           <a:p>
-            <a:fld id="{ED20522D-F82C-42CF-8B3E-653F2E8CA7F1}" type="slidenum">
+            <a:fld id="{5D231C34-9878-43E6-B624-0C209CA97047}" type="slidenum">
               <a:t>&lt;#&gt;</a:t>
             </a:fld>
           </a:p>
@@ -5429,7 +5429,7 @@
         <p:txBody>
           <a:bodyPr/>
           <a:p>
-            <a:fld id="{B670D4BD-5CFC-417F-8447-CB2B17DA49B9}" type="slidenum">
+            <a:fld id="{A4195C33-775B-401C-9939-FF911A47525E}" type="slidenum">
               <a:t>&lt;#&gt;</a:t>
             </a:fld>
           </a:p>
@@ -5617,7 +5617,7 @@
         <p:txBody>
           <a:bodyPr/>
           <a:p>
-            <a:fld id="{AA9504D9-8C6B-413B-9A9F-4CAB1EA935F3}" type="slidenum">
+            <a:fld id="{0A26676C-F7B0-4C98-9464-E3F445FBD549}" type="slidenum">
               <a:t>&lt;#&gt;</a:t>
             </a:fld>
           </a:p>
@@ -5737,7 +5737,7 @@
         <p:txBody>
           <a:bodyPr/>
           <a:p>
-            <a:fld id="{47793762-12CE-4509-B110-4C162BDE10C1}" type="slidenum">
+            <a:fld id="{E628AD8C-E06A-48A5-B195-EB219595BB03}" type="slidenum">
               <a:t>&lt;#&gt;</a:t>
             </a:fld>
           </a:p>
@@ -5857,7 +5857,7 @@
         <p:txBody>
           <a:bodyPr/>
           <a:p>
-            <a:fld id="{19721242-03E7-43F4-8D9E-4C1045B3E7F2}" type="slidenum">
+            <a:fld id="{AC0B3730-4001-417D-960A-3235148551CA}" type="slidenum">
               <a:t>&lt;#&gt;</a:t>
             </a:fld>
           </a:p>
@@ -6079,7 +6079,7 @@
         <p:txBody>
           <a:bodyPr/>
           <a:p>
-            <a:fld id="{8DC017DF-BD0A-4F35-B237-9FDDDEC401CC}" type="slidenum">
+            <a:fld id="{27F0F010-6319-4B76-8F9F-D0A1B827723A}" type="slidenum">
               <a:t>&lt;#&gt;</a:t>
             </a:fld>
           </a:p>
@@ -6301,7 +6301,7 @@
         <p:txBody>
           <a:bodyPr/>
           <a:p>
-            <a:fld id="{16D37D73-1180-4FB7-B955-CDC787D17287}" type="slidenum">
+            <a:fld id="{3900191A-77D4-4E82-839A-2A5F58D470A3}" type="slidenum">
               <a:t>&lt;#&gt;</a:t>
             </a:fld>
           </a:p>
@@ -6523,7 +6523,7 @@
         <p:txBody>
           <a:bodyPr/>
           <a:p>
-            <a:fld id="{C6402703-E933-4A5E-A7EF-BFEA2BAB1164}" type="slidenum">
+            <a:fld id="{14E98C3A-8403-44D1-B850-1B00571414D5}" type="slidenum">
               <a:t>&lt;#&gt;</a:t>
             </a:fld>
           </a:p>
@@ -6666,85 +6666,7 @@
               <a:rPr b="0" lang="en-US" sz="4400" spc="-1" strike="noStrike">
                 <a:latin typeface="Arial"/>
               </a:rPr>
-              <a:t>Cli</a:t>
-            </a:r>
-            <a:r>
-              <a:rPr b="0" lang="en-US" sz="4400" spc="-1" strike="noStrike">
-                <a:latin typeface="Arial"/>
-              </a:rPr>
-              <a:t>ck </a:t>
-            </a:r>
-            <a:r>
-              <a:rPr b="0" lang="en-US" sz="4400" spc="-1" strike="noStrike">
-                <a:latin typeface="Arial"/>
-              </a:rPr>
-              <a:t>to </a:t>
-            </a:r>
-            <a:r>
-              <a:rPr b="0" lang="en-US" sz="4400" spc="-1" strike="noStrike">
-                <a:latin typeface="Arial"/>
-              </a:rPr>
-              <a:t>edi</a:t>
-            </a:r>
-            <a:r>
-              <a:rPr b="0" lang="en-US" sz="4400" spc="-1" strike="noStrike">
-                <a:latin typeface="Arial"/>
-              </a:rPr>
-              <a:t>t </a:t>
-            </a:r>
-            <a:r>
-              <a:rPr b="0" lang="en-US" sz="4400" spc="-1" strike="noStrike">
-                <a:latin typeface="Arial"/>
-              </a:rPr>
-              <a:t>th</a:t>
-            </a:r>
-            <a:r>
-              <a:rPr b="0" lang="en-US" sz="4400" spc="-1" strike="noStrike">
-                <a:latin typeface="Arial"/>
-              </a:rPr>
-              <a:t>e </a:t>
-            </a:r>
-            <a:r>
-              <a:rPr b="0" lang="en-US" sz="4400" spc="-1" strike="noStrike">
-                <a:latin typeface="Arial"/>
-              </a:rPr>
-              <a:t>titl</a:t>
-            </a:r>
-            <a:r>
-              <a:rPr b="0" lang="en-US" sz="4400" spc="-1" strike="noStrike">
-                <a:latin typeface="Arial"/>
-              </a:rPr>
-              <a:t>e </a:t>
-            </a:r>
-            <a:r>
-              <a:rPr b="0" lang="en-US" sz="4400" spc="-1" strike="noStrike">
-                <a:latin typeface="Arial"/>
-              </a:rPr>
-              <a:t>tex</a:t>
-            </a:r>
-            <a:r>
-              <a:rPr b="0" lang="en-US" sz="4400" spc="-1" strike="noStrike">
-                <a:latin typeface="Arial"/>
-              </a:rPr>
-              <a:t>t </a:t>
-            </a:r>
-            <a:r>
-              <a:rPr b="0" lang="en-US" sz="4400" spc="-1" strike="noStrike">
-                <a:latin typeface="Arial"/>
-              </a:rPr>
-              <a:t>for</a:t>
-            </a:r>
-            <a:r>
-              <a:rPr b="0" lang="en-US" sz="4400" spc="-1" strike="noStrike">
-                <a:latin typeface="Arial"/>
-              </a:rPr>
-              <a:t>m</a:t>
-            </a:r>
-            <a:r>
-              <a:rPr b="0" lang="en-US" sz="4400" spc="-1" strike="noStrike">
-                <a:latin typeface="Arial"/>
-              </a:rPr>
-              <a:t>at</a:t>
+              <a:t>Click to edit the title text format</a:t>
             </a:r>
             <a:endParaRPr b="0" lang="en-US" sz="4400" spc="-1" strike="noStrike">
               <a:latin typeface="Arial"/>
@@ -6863,7 +6785,7 @@
               </a:lnSpc>
               <a:buNone/>
             </a:pPr>
-            <a:fld id="{CFDE7DFB-57A8-438C-9665-9808FC135925}" type="slidenum">
+            <a:fld id="{7C32DFDA-2551-4553-81B1-E41FD912B3C7}" type="slidenum">
               <a:rPr b="1" lang="en-US" sz="1800" spc="-1" strike="noStrike">
                 <a:solidFill>
                   <a:srgbClr val="ffffff"/>
@@ -7268,7 +7190,7 @@
               </a:lnSpc>
               <a:buNone/>
             </a:pPr>
-            <a:fld id="{60804DCC-0BFE-482F-A16D-FF1DABC2FC55}" type="slidenum">
+            <a:fld id="{B43AEF72-0473-4A6D-8A3C-CA5776E767CE}" type="slidenum">
               <a:rPr b="1" lang="en-US" sz="1800" spc="-1" strike="noStrike">
                 <a:solidFill>
                   <a:srgbClr val="ffffff"/>
@@ -7318,85 +7240,7 @@
               <a:rPr b="0" lang="en-US" sz="4400" spc="-1" strike="noStrike">
                 <a:latin typeface="Arial"/>
               </a:rPr>
-              <a:t>Cli</a:t>
-            </a:r>
-            <a:r>
-              <a:rPr b="0" lang="en-US" sz="4400" spc="-1" strike="noStrike">
-                <a:latin typeface="Arial"/>
-              </a:rPr>
-              <a:t>ck </a:t>
-            </a:r>
-            <a:r>
-              <a:rPr b="0" lang="en-US" sz="4400" spc="-1" strike="noStrike">
-                <a:latin typeface="Arial"/>
-              </a:rPr>
-              <a:t>to </a:t>
-            </a:r>
-            <a:r>
-              <a:rPr b="0" lang="en-US" sz="4400" spc="-1" strike="noStrike">
-                <a:latin typeface="Arial"/>
-              </a:rPr>
-              <a:t>ed</a:t>
-            </a:r>
-            <a:r>
-              <a:rPr b="0" lang="en-US" sz="4400" spc="-1" strike="noStrike">
-                <a:latin typeface="Arial"/>
-              </a:rPr>
-              <a:t>it </a:t>
-            </a:r>
-            <a:r>
-              <a:rPr b="0" lang="en-US" sz="4400" spc="-1" strike="noStrike">
-                <a:latin typeface="Arial"/>
-              </a:rPr>
-              <a:t>th</a:t>
-            </a:r>
-            <a:r>
-              <a:rPr b="0" lang="en-US" sz="4400" spc="-1" strike="noStrike">
-                <a:latin typeface="Arial"/>
-              </a:rPr>
-              <a:t>e </a:t>
-            </a:r>
-            <a:r>
-              <a:rPr b="0" lang="en-US" sz="4400" spc="-1" strike="noStrike">
-                <a:latin typeface="Arial"/>
-              </a:rPr>
-              <a:t>titl</a:t>
-            </a:r>
-            <a:r>
-              <a:rPr b="0" lang="en-US" sz="4400" spc="-1" strike="noStrike">
-                <a:latin typeface="Arial"/>
-              </a:rPr>
-              <a:t>e </a:t>
-            </a:r>
-            <a:r>
-              <a:rPr b="0" lang="en-US" sz="4400" spc="-1" strike="noStrike">
-                <a:latin typeface="Arial"/>
-              </a:rPr>
-              <a:t>te</a:t>
-            </a:r>
-            <a:r>
-              <a:rPr b="0" lang="en-US" sz="4400" spc="-1" strike="noStrike">
-                <a:latin typeface="Arial"/>
-              </a:rPr>
-              <a:t>xt </a:t>
-            </a:r>
-            <a:r>
-              <a:rPr b="0" lang="en-US" sz="4400" spc="-1" strike="noStrike">
-                <a:latin typeface="Arial"/>
-              </a:rPr>
-              <a:t>for</a:t>
-            </a:r>
-            <a:r>
-              <a:rPr b="0" lang="en-US" sz="4400" spc="-1" strike="noStrike">
-                <a:latin typeface="Arial"/>
-              </a:rPr>
-              <a:t>m</a:t>
-            </a:r>
-            <a:r>
-              <a:rPr b="0" lang="en-US" sz="4400" spc="-1" strike="noStrike">
-                <a:latin typeface="Arial"/>
-              </a:rPr>
-              <a:t>at</a:t>
+              <a:t>Click to edit the title text format</a:t>
             </a:r>
             <a:endParaRPr b="0" lang="en-US" sz="4400" spc="-1" strike="noStrike">
               <a:latin typeface="Arial"/>
@@ -7831,13 +7675,7 @@
               <a:rPr b="0" lang="en-US" sz="4400" spc="-1" strike="noStrike">
                 <a:latin typeface="Arial"/>
               </a:rPr>
-              <a:t>Click to edit the title text </a:t>
-            </a:r>
-            <a:r>
-              <a:rPr b="0" lang="en-US" sz="4400" spc="-1" strike="noStrike">
-                <a:latin typeface="Arial"/>
-              </a:rPr>
-              <a:t>format</a:t>
+              <a:t>Click to edit the title text format</a:t>
             </a:r>
             <a:endParaRPr b="0" lang="en-US" sz="4400" spc="-1" strike="noStrike">
               <a:latin typeface="Arial"/>
@@ -8139,7 +7977,7 @@
               </a:lnSpc>
               <a:buNone/>
             </a:pPr>
-            <a:fld id="{AFCA7C51-1DF5-4E4D-93BE-CBDEF6505AAA}" type="slidenum">
+            <a:fld id="{EEDA5597-91FA-4FF2-B381-69005DE72C39}" type="slidenum">
               <a:rPr b="1" lang="en-US" sz="1800" spc="-1" strike="noStrike">
                 <a:solidFill>
                   <a:srgbClr val="ffffff"/>
@@ -9743,7 +9581,7 @@
         <p:txBody>
           <a:bodyPr/>
           <a:p>
-            <a:fld id="{83F3FEF8-6CDD-42AA-9F29-F074AD81FC64}" type="slidenum">
+            <a:fld id="{EE1D0F03-F190-4AF7-9F77-5D3E1E89BD09}" type="slidenum">
               <a:t>14</a:t>
             </a:fld>
           </a:p>
@@ -13222,7 +13060,7 @@
         </p:spPr>
         <p:txBody>
           <a:bodyPr lIns="0" rIns="0" tIns="0" bIns="0" anchor="t">
-            <a:normAutofit fontScale="76000"/>
+            <a:normAutofit fontScale="73000"/>
           </a:bodyPr>
           <a:p>
             <a:pPr marL="432000" indent="-324000">
@@ -13357,7 +13195,7 @@
                 </a:solidFill>
                 <a:latin typeface="Noto Sans"/>
               </a:rPr>
-              <a:t>using a load balancing algorithm to treat the </a:t>
+              <a:t>using a load balancing algorithm using IOCTL </a:t>
             </a:r>
             <a:r>
               <a:rPr b="1" lang="en-US" sz="2400" spc="-1" strike="noStrike">
@@ -13366,7 +13204,16 @@
                 </a:solidFill>
                 <a:latin typeface="Noto Sans"/>
               </a:rPr>
-              <a:t>resources as one large pool of resources</a:t>
+              <a:t>requests to treat the resources as one large pool of </a:t>
+            </a:r>
+            <a:r>
+              <a:rPr b="1" lang="en-US" sz="2400" spc="-1" strike="noStrike">
+                <a:solidFill>
+                  <a:srgbClr val="2c3e50"/>
+                </a:solidFill>
+                <a:latin typeface="Noto Sans"/>
+              </a:rPr>
+              <a:t>resources</a:t>
             </a:r>
             <a:endParaRPr b="0" lang="en-US" sz="2400" spc="-1" strike="noStrike">
               <a:latin typeface="Arial"/>
@@ -13430,7 +13277,16 @@
                 </a:solidFill>
                 <a:latin typeface="Noto Sans"/>
               </a:rPr>
-              <a:t>resource, the opposite of our transparent virtual </a:t>
+              <a:t>resource backed by physical hardware resources on </a:t>
+            </a:r>
+            <a:r>
+              <a:rPr b="1" lang="en-US" sz="2400" spc="-1" strike="noStrike">
+                <a:solidFill>
+                  <a:srgbClr val="2c3e50"/>
+                </a:solidFill>
+                <a:latin typeface="Noto Sans"/>
+              </a:rPr>
+              <a:t>the network, the opposite of our transparent virtual </a:t>
             </a:r>
             <a:r>
               <a:rPr b="1" lang="en-US" sz="2400" spc="-1" strike="noStrike">

--- a/Replicated.pptx
+++ b/Replicated.pptx
@@ -78,7 +78,7 @@
         <p:txBody>
           <a:bodyPr/>
           <a:p>
-            <a:fld id="{DDDD694E-71F2-4F32-96E7-45F18D40C606}" type="slidenum">
+            <a:fld id="{2365DE6F-D19C-4970-8C81-4301BC7B26EA}" type="slidenum">
               <a:t>&lt;#&gt;</a:t>
             </a:fld>
           </a:p>
@@ -266,7 +266,7 @@
         <p:txBody>
           <a:bodyPr/>
           <a:p>
-            <a:fld id="{9E7093D2-6B01-4FE8-9537-8FE660DC2BE1}" type="slidenum">
+            <a:fld id="{C9FF54DC-4A41-4BCF-8B29-C4F9CBC1232E}" type="slidenum">
               <a:t>&lt;#&gt;</a:t>
             </a:fld>
           </a:p>
@@ -522,7 +522,7 @@
         <p:txBody>
           <a:bodyPr/>
           <a:p>
-            <a:fld id="{B4AED440-D098-4C83-9CBD-16BC9B2DE5F4}" type="slidenum">
+            <a:fld id="{95B377B5-0867-4BD7-8120-D15E172EFF10}" type="slidenum">
               <a:t>&lt;#&gt;</a:t>
             </a:fld>
           </a:p>
@@ -846,7 +846,7 @@
         <p:txBody>
           <a:bodyPr/>
           <a:p>
-            <a:fld id="{FA5A0835-93E0-43AE-902A-24CB5F9DC640}" type="slidenum">
+            <a:fld id="{94305356-D451-449A-8522-B33BCB45217F}" type="slidenum">
               <a:t>&lt;#&gt;</a:t>
             </a:fld>
           </a:p>
@@ -1907,7 +1907,7 @@
         <p:txBody>
           <a:bodyPr/>
           <a:p>
-            <a:fld id="{86DF502D-5CC9-4BB8-9907-B34AB9F941CD}" type="slidenum">
+            <a:fld id="{61AF88AF-CEA7-482A-9C18-24A6344D0B17}" type="slidenum">
               <a:t>&lt;#&gt;</a:t>
             </a:fld>
           </a:p>
@@ -3102,7 +3102,7 @@
         <p:txBody>
           <a:bodyPr/>
           <a:p>
-            <a:fld id="{97A1B41E-FC64-4986-8629-96618DC366D0}" type="slidenum">
+            <a:fld id="{A6481DF5-082B-471C-94C7-C57EEEBF5395}" type="slidenum">
               <a:t>&lt;#&gt;</a:t>
             </a:fld>
           </a:p>
@@ -3259,7 +3259,7 @@
         <p:txBody>
           <a:bodyPr/>
           <a:p>
-            <a:fld id="{6BB5B209-D0B4-4043-8BC9-DEE8E5E7B102}" type="slidenum">
+            <a:fld id="{CA8EFDBB-947F-4462-A135-F2EE9B748519}" type="slidenum">
               <a:t>&lt;#&gt;</a:t>
             </a:fld>
           </a:p>
@@ -3413,7 +3413,7 @@
         <p:txBody>
           <a:bodyPr/>
           <a:p>
-            <a:fld id="{36254D17-18E7-4E4A-980D-9472713EFC29}" type="slidenum">
+            <a:fld id="{14181779-9A98-4A47-9D4E-79DA1EDAE7AD}" type="slidenum">
               <a:t>&lt;#&gt;</a:t>
             </a:fld>
           </a:p>
@@ -3601,7 +3601,7 @@
         <p:txBody>
           <a:bodyPr/>
           <a:p>
-            <a:fld id="{FE88BA4D-12D3-485A-923A-8E03855A25AA}" type="slidenum">
+            <a:fld id="{4914975A-B9D2-49D0-AA52-8A677C4D4451}" type="slidenum">
               <a:t>&lt;#&gt;</a:t>
             </a:fld>
           </a:p>
@@ -3721,7 +3721,7 @@
         <p:txBody>
           <a:bodyPr/>
           <a:p>
-            <a:fld id="{7567D9D9-FF8C-4F8C-9D4E-A1F9E5E2F793}" type="slidenum">
+            <a:fld id="{3CFA1276-CA91-482D-A412-ED115AF74CA5}" type="slidenum">
               <a:t>&lt;#&gt;</a:t>
             </a:fld>
           </a:p>
@@ -3875,7 +3875,7 @@
         <p:txBody>
           <a:bodyPr/>
           <a:p>
-            <a:fld id="{9385B390-83ED-4ECD-9BA1-5071E5031D69}" type="slidenum">
+            <a:fld id="{0D9AE0A1-0466-4566-A5DB-491A5F13B449}" type="slidenum">
               <a:t>&lt;#&gt;</a:t>
             </a:fld>
           </a:p>
@@ -3995,7 +3995,7 @@
         <p:txBody>
           <a:bodyPr/>
           <a:p>
-            <a:fld id="{40B334B9-B3D8-4D66-AB91-09683FDBC337}" type="slidenum">
+            <a:fld id="{7433D7F5-E073-4775-874E-EAE9D764930C}" type="slidenum">
               <a:t>&lt;#&gt;</a:t>
             </a:fld>
           </a:p>
@@ -4217,7 +4217,7 @@
         <p:txBody>
           <a:bodyPr/>
           <a:p>
-            <a:fld id="{BDC1254C-8E0A-4C52-B713-829D5EBBFA7A}" type="slidenum">
+            <a:fld id="{0016A3EC-9A4A-42D5-8F2C-71665EF9E860}" type="slidenum">
               <a:t>&lt;#&gt;</a:t>
             </a:fld>
           </a:p>
@@ -4439,7 +4439,7 @@
         <p:txBody>
           <a:bodyPr/>
           <a:p>
-            <a:fld id="{00B2620E-02AB-4AF6-BB9F-CC28BAB8AED4}" type="slidenum">
+            <a:fld id="{7C5D1EE2-3488-4C62-A406-441F8FFA7DD4}" type="slidenum">
               <a:t>&lt;#&gt;</a:t>
             </a:fld>
           </a:p>
@@ -4661,7 +4661,7 @@
         <p:txBody>
           <a:bodyPr/>
           <a:p>
-            <a:fld id="{3D142FCD-9326-4638-9E13-ABC537B6A68D}" type="slidenum">
+            <a:fld id="{A4B7830B-B793-4124-8C83-832D308C48DE}" type="slidenum">
               <a:t>&lt;#&gt;</a:t>
             </a:fld>
           </a:p>
@@ -4849,7 +4849,7 @@
         <p:txBody>
           <a:bodyPr/>
           <a:p>
-            <a:fld id="{5F3A4C5C-9134-4A47-8B76-074EE765D1E9}" type="slidenum">
+            <a:fld id="{59069A99-23AF-4B8C-9D4B-E568CB8FB019}" type="slidenum">
               <a:t>&lt;#&gt;</a:t>
             </a:fld>
           </a:p>
@@ -5105,7 +5105,7 @@
         <p:txBody>
           <a:bodyPr/>
           <a:p>
-            <a:fld id="{5D231C34-9878-43E6-B624-0C209CA97047}" type="slidenum">
+            <a:fld id="{2C269F20-557E-408A-AF41-DC8D00C6BA5A}" type="slidenum">
               <a:t>&lt;#&gt;</a:t>
             </a:fld>
           </a:p>
@@ -5429,7 +5429,7 @@
         <p:txBody>
           <a:bodyPr/>
           <a:p>
-            <a:fld id="{A4195C33-775B-401C-9939-FF911A47525E}" type="slidenum">
+            <a:fld id="{BF2D66AD-947F-46D0-88D4-821C0E96D15D}" type="slidenum">
               <a:t>&lt;#&gt;</a:t>
             </a:fld>
           </a:p>
@@ -5617,7 +5617,7 @@
         <p:txBody>
           <a:bodyPr/>
           <a:p>
-            <a:fld id="{0A26676C-F7B0-4C98-9464-E3F445FBD549}" type="slidenum">
+            <a:fld id="{A80B49A6-10D4-4C43-AC9B-437DCBB94942}" type="slidenum">
               <a:t>&lt;#&gt;</a:t>
             </a:fld>
           </a:p>
@@ -5737,7 +5737,7 @@
         <p:txBody>
           <a:bodyPr/>
           <a:p>
-            <a:fld id="{E628AD8C-E06A-48A5-B195-EB219595BB03}" type="slidenum">
+            <a:fld id="{F941ABD1-A78D-499D-ADFB-F0552EFB6513}" type="slidenum">
               <a:t>&lt;#&gt;</a:t>
             </a:fld>
           </a:p>
@@ -5857,7 +5857,7 @@
         <p:txBody>
           <a:bodyPr/>
           <a:p>
-            <a:fld id="{AC0B3730-4001-417D-960A-3235148551CA}" type="slidenum">
+            <a:fld id="{D1E3640E-724A-410C-AAC9-2549FDD4E36A}" type="slidenum">
               <a:t>&lt;#&gt;</a:t>
             </a:fld>
           </a:p>
@@ -6079,7 +6079,7 @@
         <p:txBody>
           <a:bodyPr/>
           <a:p>
-            <a:fld id="{27F0F010-6319-4B76-8F9F-D0A1B827723A}" type="slidenum">
+            <a:fld id="{7AAB0010-2CD6-4195-8239-0AAEC40AA3EC}" type="slidenum">
               <a:t>&lt;#&gt;</a:t>
             </a:fld>
           </a:p>
@@ -6301,7 +6301,7 @@
         <p:txBody>
           <a:bodyPr/>
           <a:p>
-            <a:fld id="{3900191A-77D4-4E82-839A-2A5F58D470A3}" type="slidenum">
+            <a:fld id="{156543CF-0CD3-4EC6-8FA4-ABDC6D7B3F1F}" type="slidenum">
               <a:t>&lt;#&gt;</a:t>
             </a:fld>
           </a:p>
@@ -6523,7 +6523,7 @@
         <p:txBody>
           <a:bodyPr/>
           <a:p>
-            <a:fld id="{14E98C3A-8403-44D1-B850-1B00571414D5}" type="slidenum">
+            <a:fld id="{D8E7A335-11C7-431F-9262-0794C18284E8}" type="slidenum">
               <a:t>&lt;#&gt;</a:t>
             </a:fld>
           </a:p>
@@ -6666,7 +6666,85 @@
               <a:rPr b="0" lang="en-US" sz="4400" spc="-1" strike="noStrike">
                 <a:latin typeface="Arial"/>
               </a:rPr>
-              <a:t>Click to edit the title text format</a:t>
+              <a:t>Cli</a:t>
+            </a:r>
+            <a:r>
+              <a:rPr b="0" lang="en-US" sz="4400" spc="-1" strike="noStrike">
+                <a:latin typeface="Arial"/>
+              </a:rPr>
+              <a:t>ck </a:t>
+            </a:r>
+            <a:r>
+              <a:rPr b="0" lang="en-US" sz="4400" spc="-1" strike="noStrike">
+                <a:latin typeface="Arial"/>
+              </a:rPr>
+              <a:t>to </a:t>
+            </a:r>
+            <a:r>
+              <a:rPr b="0" lang="en-US" sz="4400" spc="-1" strike="noStrike">
+                <a:latin typeface="Arial"/>
+              </a:rPr>
+              <a:t>edi</a:t>
+            </a:r>
+            <a:r>
+              <a:rPr b="0" lang="en-US" sz="4400" spc="-1" strike="noStrike">
+                <a:latin typeface="Arial"/>
+              </a:rPr>
+              <a:t>t </a:t>
+            </a:r>
+            <a:r>
+              <a:rPr b="0" lang="en-US" sz="4400" spc="-1" strike="noStrike">
+                <a:latin typeface="Arial"/>
+              </a:rPr>
+              <a:t>th</a:t>
+            </a:r>
+            <a:r>
+              <a:rPr b="0" lang="en-US" sz="4400" spc="-1" strike="noStrike">
+                <a:latin typeface="Arial"/>
+              </a:rPr>
+              <a:t>e </a:t>
+            </a:r>
+            <a:r>
+              <a:rPr b="0" lang="en-US" sz="4400" spc="-1" strike="noStrike">
+                <a:latin typeface="Arial"/>
+              </a:rPr>
+              <a:t>titl</a:t>
+            </a:r>
+            <a:r>
+              <a:rPr b="0" lang="en-US" sz="4400" spc="-1" strike="noStrike">
+                <a:latin typeface="Arial"/>
+              </a:rPr>
+              <a:t>e </a:t>
+            </a:r>
+            <a:r>
+              <a:rPr b="0" lang="en-US" sz="4400" spc="-1" strike="noStrike">
+                <a:latin typeface="Arial"/>
+              </a:rPr>
+              <a:t>tex</a:t>
+            </a:r>
+            <a:r>
+              <a:rPr b="0" lang="en-US" sz="4400" spc="-1" strike="noStrike">
+                <a:latin typeface="Arial"/>
+              </a:rPr>
+              <a:t>t </a:t>
+            </a:r>
+            <a:r>
+              <a:rPr b="0" lang="en-US" sz="4400" spc="-1" strike="noStrike">
+                <a:latin typeface="Arial"/>
+              </a:rPr>
+              <a:t>for</a:t>
+            </a:r>
+            <a:r>
+              <a:rPr b="0" lang="en-US" sz="4400" spc="-1" strike="noStrike">
+                <a:latin typeface="Arial"/>
+              </a:rPr>
+              <a:t>m</a:t>
+            </a:r>
+            <a:r>
+              <a:rPr b="0" lang="en-US" sz="4400" spc="-1" strike="noStrike">
+                <a:latin typeface="Arial"/>
+              </a:rPr>
+              <a:t>at</a:t>
             </a:r>
             <a:endParaRPr b="0" lang="en-US" sz="4400" spc="-1" strike="noStrike">
               <a:latin typeface="Arial"/>
@@ -6785,7 +6863,7 @@
               </a:lnSpc>
               <a:buNone/>
             </a:pPr>
-            <a:fld id="{7C32DFDA-2551-4553-81B1-E41FD912B3C7}" type="slidenum">
+            <a:fld id="{B03EB248-C6F8-4D90-983C-70CE721BF7FE}" type="slidenum">
               <a:rPr b="1" lang="en-US" sz="1800" spc="-1" strike="noStrike">
                 <a:solidFill>
                   <a:srgbClr val="ffffff"/>
@@ -7190,7 +7268,7 @@
               </a:lnSpc>
               <a:buNone/>
             </a:pPr>
-            <a:fld id="{B43AEF72-0473-4A6D-8A3C-CA5776E767CE}" type="slidenum">
+            <a:fld id="{F0BEB4AB-B352-4016-B5BB-0FBA64039AD4}" type="slidenum">
               <a:rPr b="1" lang="en-US" sz="1800" spc="-1" strike="noStrike">
                 <a:solidFill>
                   <a:srgbClr val="ffffff"/>
@@ -7977,7 +8055,7 @@
               </a:lnSpc>
               <a:buNone/>
             </a:pPr>
-            <a:fld id="{EEDA5597-91FA-4FF2-B381-69005DE72C39}" type="slidenum">
+            <a:fld id="{493B2E6C-7E9B-4037-A368-A4B321FC6313}" type="slidenum">
               <a:rPr b="1" lang="en-US" sz="1800" spc="-1" strike="noStrike">
                 <a:solidFill>
                   <a:srgbClr val="ffffff"/>
@@ -9581,7 +9659,7 @@
         <p:txBody>
           <a:bodyPr/>
           <a:p>
-            <a:fld id="{EE1D0F03-F190-4AF7-9F77-5D3E1E89BD09}" type="slidenum">
+            <a:fld id="{7ED16FA3-2A10-4697-8283-ED55864D760C}" type="slidenum">
               <a:t>14</a:t>
             </a:fld>
           </a:p>
@@ -13060,7 +13138,7 @@
         </p:spPr>
         <p:txBody>
           <a:bodyPr lIns="0" rIns="0" tIns="0" bIns="0" anchor="t">
-            <a:normAutofit fontScale="73000"/>
+            <a:normAutofit fontScale="58000"/>
           </a:bodyPr>
           <a:p>
             <a:pPr marL="432000" indent="-324000">
@@ -13112,7 +13190,16 @@
                 </a:solidFill>
                 <a:latin typeface="Noto Sans"/>
               </a:rPr>
-              <a:t>One-to-many, many-to-one architecture</a:t>
+              <a:t>One-to-many, many-to-one architecture; virtual </a:t>
+            </a:r>
+            <a:r>
+              <a:rPr b="1" lang="en-US" sz="2400" spc="-1" strike="noStrike">
+                <a:solidFill>
+                  <a:srgbClr val="2c3e50"/>
+                </a:solidFill>
+                <a:latin typeface="Noto Sans"/>
+              </a:rPr>
+              <a:t>distributed virtual driver architecture</a:t>
             </a:r>
             <a:endParaRPr b="0" lang="en-US" sz="2400" spc="-1" strike="noStrike">
               <a:latin typeface="Arial"/>
@@ -13204,7 +13291,7 @@
                 </a:solidFill>
                 <a:latin typeface="Noto Sans"/>
               </a:rPr>
-              <a:t>requests to treat the resources as one large pool of </a:t>
+              <a:t>requests to treat the resources as one large pool </a:t>
             </a:r>
             <a:r>
               <a:rPr b="1" lang="en-US" sz="2400" spc="-1" strike="noStrike">
@@ -13213,7 +13300,7 @@
                 </a:solidFill>
                 <a:latin typeface="Noto Sans"/>
               </a:rPr>
-              <a:t>resources</a:t>
+              <a:t>of resources</a:t>
             </a:r>
             <a:endParaRPr b="0" lang="en-US" sz="2400" spc="-1" strike="noStrike">
               <a:latin typeface="Arial"/>
@@ -13241,7 +13328,7 @@
                 </a:solidFill>
                 <a:latin typeface="Noto Sans"/>
               </a:rPr>
-              <a:t>Virtual hardware transparently mimics the </a:t>
+              <a:t>Technically we can have a distributed driver </a:t>
             </a:r>
             <a:r>
               <a:rPr b="1" lang="en-US" sz="2400" spc="-1" strike="noStrike">
@@ -13250,7 +13337,7 @@
                 </a:solidFill>
                 <a:latin typeface="Noto Sans"/>
               </a:rPr>
-              <a:t>underlying resource pool and a regular driver stack </a:t>
+              <a:t>shared between nodes accessing remote resources </a:t>
             </a:r>
             <a:r>
               <a:rPr b="1" lang="en-US" sz="2400" spc="-1" strike="noStrike">
@@ -13259,7 +13346,7 @@
                 </a:solidFill>
                 <a:latin typeface="Noto Sans"/>
               </a:rPr>
-              <a:t>can be used on top of it, treating the distributed </a:t>
+              <a:t>in a pool, and be able to access these resources </a:t>
             </a:r>
             <a:r>
               <a:rPr b="1" lang="en-US" sz="2400" spc="-1" strike="noStrike">
@@ -13268,7 +13355,7 @@
                 </a:solidFill>
                 <a:latin typeface="Noto Sans"/>
               </a:rPr>
-              <a:t>hardware resources as one large virtual hardware </a:t>
+              <a:t>remotely, but let’s simplify and say all that have </a:t>
             </a:r>
             <a:r>
               <a:rPr b="1" lang="en-US" sz="2400" spc="-1" strike="noStrike">
@@ -13277,7 +13364,7 @@
                 </a:solidFill>
                 <a:latin typeface="Noto Sans"/>
               </a:rPr>
-              <a:t>resource backed by physical hardware resources on </a:t>
+              <a:t>the virtual distributed driver are accessing the </a:t>
             </a:r>
             <a:r>
               <a:rPr b="1" lang="en-US" sz="2400" spc="-1" strike="noStrike">
@@ -13286,7 +13373,7 @@
                 </a:solidFill>
                 <a:latin typeface="Noto Sans"/>
               </a:rPr>
-              <a:t>the network, the opposite of our transparent virtual </a:t>
+              <a:t>resources they share and that these resources can </a:t>
             </a:r>
             <a:r>
               <a:rPr b="1" lang="en-US" sz="2400" spc="-1" strike="noStrike">
@@ -13295,8 +13382,127 @@
                 </a:solidFill>
                 <a:latin typeface="Noto Sans"/>
               </a:rPr>
+              <a:t>only be accessed by those with the virtual </a:t>
+            </a:r>
+            <a:r>
+              <a:rPr b="1" lang="en-US" sz="2400" spc="-1" strike="noStrike">
+                <a:solidFill>
+                  <a:srgbClr val="2c3e50"/>
+                </a:solidFill>
+                <a:latin typeface="Noto Sans"/>
+              </a:rPr>
+              <a:t>distributed driver</a:t>
+            </a:r>
+            <a:endParaRPr b="0" lang="en-US" sz="2400" spc="-1" strike="noStrike">
+              <a:latin typeface="Arial"/>
+            </a:endParaRPr>
+          </a:p>
+          <a:p>
+            <a:pPr marL="432000" indent="-324000">
+              <a:lnSpc>
+                <a:spcPct val="100000"/>
+              </a:lnSpc>
+              <a:spcAft>
+                <a:spcPts val="1057"/>
+              </a:spcAft>
+              <a:buClr>
+                <a:srgbClr val="2c3e50"/>
+              </a:buClr>
+              <a:buSzPct val="45000"/>
+              <a:buFont typeface="Wingdings" charset="2"/>
+              <a:buChar char=""/>
+            </a:pPr>
+            <a:r>
+              <a:rPr b="1" lang="en-US" sz="2400" spc="-1" strike="noStrike">
+                <a:solidFill>
+                  <a:srgbClr val="2c3e50"/>
+                </a:solidFill>
+                <a:latin typeface="Noto Sans"/>
+              </a:rPr>
+              <a:t>Virtual distributed driver architecture virtual </a:t>
+            </a:r>
+            <a:r>
+              <a:rPr b="1" lang="en-US" sz="2400" spc="-1" strike="noStrike">
+                <a:solidFill>
+                  <a:srgbClr val="2c3e50"/>
+                </a:solidFill>
+                <a:latin typeface="Noto Sans"/>
+              </a:rPr>
+              <a:t>hardware transparently mimics the underlying </a:t>
+            </a:r>
+            <a:r>
+              <a:rPr b="1" lang="en-US" sz="2400" spc="-1" strike="noStrike">
+                <a:solidFill>
+                  <a:srgbClr val="2c3e50"/>
+                </a:solidFill>
+                <a:latin typeface="Noto Sans"/>
+              </a:rPr>
+              <a:t>resource pool and a regular driver stack can be </a:t>
+            </a:r>
+            <a:r>
+              <a:rPr b="1" lang="en-US" sz="2400" spc="-1" strike="noStrike">
+                <a:solidFill>
+                  <a:srgbClr val="2c3e50"/>
+                </a:solidFill>
+                <a:latin typeface="Noto Sans"/>
+              </a:rPr>
+              <a:t>used on top of it, treating the distributed hardware </a:t>
+            </a:r>
+            <a:r>
+              <a:rPr b="1" lang="en-US" sz="2400" spc="-1" strike="noStrike">
+                <a:solidFill>
+                  <a:srgbClr val="2c3e50"/>
+                </a:solidFill>
+                <a:latin typeface="Noto Sans"/>
+              </a:rPr>
+              <a:t>resources as one large virtual hardware resource </a:t>
+            </a:r>
+            <a:r>
+              <a:rPr b="1" lang="en-US" sz="2400" spc="-1" strike="noStrike">
+                <a:solidFill>
+                  <a:srgbClr val="2c3e50"/>
+                </a:solidFill>
+                <a:latin typeface="Noto Sans"/>
+              </a:rPr>
+              <a:t>backed by physical hardware resources on the </a:t>
+            </a:r>
+            <a:r>
+              <a:rPr b="1" lang="en-US" sz="2400" spc="-1" strike="noStrike">
+                <a:solidFill>
+                  <a:srgbClr val="2c3e50"/>
+                </a:solidFill>
+                <a:latin typeface="Noto Sans"/>
+              </a:rPr>
+              <a:t>network, the opposite of our transparent virtual </a:t>
+            </a:r>
+            <a:r>
+              <a:rPr b="1" lang="en-US" sz="2400" spc="-1" strike="noStrike">
+                <a:solidFill>
+                  <a:srgbClr val="2c3e50"/>
+                </a:solidFill>
+                <a:latin typeface="Noto Sans"/>
+              </a:rPr>
               <a:t>driver architecture</a:t>
             </a:r>
+            <a:endParaRPr b="0" lang="en-US" sz="2400" spc="-1" strike="noStrike">
+              <a:latin typeface="Arial"/>
+            </a:endParaRPr>
+          </a:p>
+          <a:p>
+            <a:pPr marL="432000" indent="-324000">
+              <a:lnSpc>
+                <a:spcPct val="100000"/>
+              </a:lnSpc>
+              <a:spcAft>
+                <a:spcPts val="1057"/>
+              </a:spcAft>
+              <a:buClr>
+                <a:srgbClr val="2c3e50"/>
+              </a:buClr>
+              <a:buSzPct val="45000"/>
+              <a:buFont typeface="Wingdings" charset="2"/>
+              <a:buChar char=""/>
+            </a:pPr>
             <a:endParaRPr b="0" lang="en-US" sz="2400" spc="-1" strike="noStrike">
               <a:latin typeface="Arial"/>
             </a:endParaRPr>

--- a/Replicated.pptx
+++ b/Replicated.pptx
@@ -78,7 +78,7 @@
         <p:txBody>
           <a:bodyPr/>
           <a:p>
-            <a:fld id="{2365DE6F-D19C-4970-8C81-4301BC7B26EA}" type="slidenum">
+            <a:fld id="{50134B08-258D-4FF3-A48F-21F67390E6CA}" type="slidenum">
               <a:t>&lt;#&gt;</a:t>
             </a:fld>
           </a:p>
@@ -266,7 +266,7 @@
         <p:txBody>
           <a:bodyPr/>
           <a:p>
-            <a:fld id="{C9FF54DC-4A41-4BCF-8B29-C4F9CBC1232E}" type="slidenum">
+            <a:fld id="{E02B5E94-FC81-4009-AB7A-14DDF6398D3A}" type="slidenum">
               <a:t>&lt;#&gt;</a:t>
             </a:fld>
           </a:p>
@@ -522,7 +522,7 @@
         <p:txBody>
           <a:bodyPr/>
           <a:p>
-            <a:fld id="{95B377B5-0867-4BD7-8120-D15E172EFF10}" type="slidenum">
+            <a:fld id="{3A626F68-4A12-470D-B3DD-E066DE166508}" type="slidenum">
               <a:t>&lt;#&gt;</a:t>
             </a:fld>
           </a:p>
@@ -846,7 +846,7 @@
         <p:txBody>
           <a:bodyPr/>
           <a:p>
-            <a:fld id="{94305356-D451-449A-8522-B33BCB45217F}" type="slidenum">
+            <a:fld id="{1958D2DE-8FA6-4608-BFAE-03CD1B4756C8}" type="slidenum">
               <a:t>&lt;#&gt;</a:t>
             </a:fld>
           </a:p>
@@ -1907,7 +1907,7 @@
         <p:txBody>
           <a:bodyPr/>
           <a:p>
-            <a:fld id="{61AF88AF-CEA7-482A-9C18-24A6344D0B17}" type="slidenum">
+            <a:fld id="{EA7EF24B-B68F-41EB-A6ED-E80D456BA8D1}" type="slidenum">
               <a:t>&lt;#&gt;</a:t>
             </a:fld>
           </a:p>
@@ -3102,7 +3102,7 @@
         <p:txBody>
           <a:bodyPr/>
           <a:p>
-            <a:fld id="{A6481DF5-082B-471C-94C7-C57EEEBF5395}" type="slidenum">
+            <a:fld id="{3CDFF3DF-02BD-474F-9B78-015C681AE828}" type="slidenum">
               <a:t>&lt;#&gt;</a:t>
             </a:fld>
           </a:p>
@@ -3259,7 +3259,7 @@
         <p:txBody>
           <a:bodyPr/>
           <a:p>
-            <a:fld id="{CA8EFDBB-947F-4462-A135-F2EE9B748519}" type="slidenum">
+            <a:fld id="{71315270-8699-41FF-BA0D-46720A43E3B6}" type="slidenum">
               <a:t>&lt;#&gt;</a:t>
             </a:fld>
           </a:p>
@@ -3413,7 +3413,7 @@
         <p:txBody>
           <a:bodyPr/>
           <a:p>
-            <a:fld id="{14181779-9A98-4A47-9D4E-79DA1EDAE7AD}" type="slidenum">
+            <a:fld id="{11B8B34E-A635-467E-8E05-C6A2479B171E}" type="slidenum">
               <a:t>&lt;#&gt;</a:t>
             </a:fld>
           </a:p>
@@ -3601,7 +3601,7 @@
         <p:txBody>
           <a:bodyPr/>
           <a:p>
-            <a:fld id="{4914975A-B9D2-49D0-AA52-8A677C4D4451}" type="slidenum">
+            <a:fld id="{66BF13EC-8EDF-423E-810E-C7329D443AE1}" type="slidenum">
               <a:t>&lt;#&gt;</a:t>
             </a:fld>
           </a:p>
@@ -3721,7 +3721,7 @@
         <p:txBody>
           <a:bodyPr/>
           <a:p>
-            <a:fld id="{3CFA1276-CA91-482D-A412-ED115AF74CA5}" type="slidenum">
+            <a:fld id="{25B0EB47-A99B-4B9F-AAD2-F3428AB84784}" type="slidenum">
               <a:t>&lt;#&gt;</a:t>
             </a:fld>
           </a:p>
@@ -3875,7 +3875,7 @@
         <p:txBody>
           <a:bodyPr/>
           <a:p>
-            <a:fld id="{0D9AE0A1-0466-4566-A5DB-491A5F13B449}" type="slidenum">
+            <a:fld id="{EF816CF5-3E6E-48F1-913F-6B323B97E856}" type="slidenum">
               <a:t>&lt;#&gt;</a:t>
             </a:fld>
           </a:p>
@@ -3995,7 +3995,7 @@
         <p:txBody>
           <a:bodyPr/>
           <a:p>
-            <a:fld id="{7433D7F5-E073-4775-874E-EAE9D764930C}" type="slidenum">
+            <a:fld id="{10EA69AB-F344-443F-84B4-B680C92BBB98}" type="slidenum">
               <a:t>&lt;#&gt;</a:t>
             </a:fld>
           </a:p>
@@ -4217,7 +4217,7 @@
         <p:txBody>
           <a:bodyPr/>
           <a:p>
-            <a:fld id="{0016A3EC-9A4A-42D5-8F2C-71665EF9E860}" type="slidenum">
+            <a:fld id="{252B3F99-5583-4CAC-B8CB-BB62E4932247}" type="slidenum">
               <a:t>&lt;#&gt;</a:t>
             </a:fld>
           </a:p>
@@ -4439,7 +4439,7 @@
         <p:txBody>
           <a:bodyPr/>
           <a:p>
-            <a:fld id="{7C5D1EE2-3488-4C62-A406-441F8FFA7DD4}" type="slidenum">
+            <a:fld id="{1759926B-4F10-49EB-8EB0-9E2E0F2E2472}" type="slidenum">
               <a:t>&lt;#&gt;</a:t>
             </a:fld>
           </a:p>
@@ -4661,7 +4661,7 @@
         <p:txBody>
           <a:bodyPr/>
           <a:p>
-            <a:fld id="{A4B7830B-B793-4124-8C83-832D308C48DE}" type="slidenum">
+            <a:fld id="{31AAEAE0-5B6F-4E1B-BFD8-5B2C6C2120F9}" type="slidenum">
               <a:t>&lt;#&gt;</a:t>
             </a:fld>
           </a:p>
@@ -4849,7 +4849,7 @@
         <p:txBody>
           <a:bodyPr/>
           <a:p>
-            <a:fld id="{59069A99-23AF-4B8C-9D4B-E568CB8FB019}" type="slidenum">
+            <a:fld id="{1579C1C0-1102-43D8-87CE-F9A0146D8875}" type="slidenum">
               <a:t>&lt;#&gt;</a:t>
             </a:fld>
           </a:p>
@@ -5105,7 +5105,7 @@
         <p:txBody>
           <a:bodyPr/>
           <a:p>
-            <a:fld id="{2C269F20-557E-408A-AF41-DC8D00C6BA5A}" type="slidenum">
+            <a:fld id="{5D7B0D95-BA36-4D21-A72C-34BB2EBF005D}" type="slidenum">
               <a:t>&lt;#&gt;</a:t>
             </a:fld>
           </a:p>
@@ -5429,7 +5429,7 @@
         <p:txBody>
           <a:bodyPr/>
           <a:p>
-            <a:fld id="{BF2D66AD-947F-46D0-88D4-821C0E96D15D}" type="slidenum">
+            <a:fld id="{4C4E68F4-2ACE-4AC1-8BAE-41B345E479C6}" type="slidenum">
               <a:t>&lt;#&gt;</a:t>
             </a:fld>
           </a:p>
@@ -5617,7 +5617,7 @@
         <p:txBody>
           <a:bodyPr/>
           <a:p>
-            <a:fld id="{A80B49A6-10D4-4C43-AC9B-437DCBB94942}" type="slidenum">
+            <a:fld id="{AE099355-7DF7-44DA-8BF6-7F89DA91C5F6}" type="slidenum">
               <a:t>&lt;#&gt;</a:t>
             </a:fld>
           </a:p>
@@ -5737,7 +5737,7 @@
         <p:txBody>
           <a:bodyPr/>
           <a:p>
-            <a:fld id="{F941ABD1-A78D-499D-ADFB-F0552EFB6513}" type="slidenum">
+            <a:fld id="{4BA64A46-7BAA-4A04-AA83-9A4D96F2EB26}" type="slidenum">
               <a:t>&lt;#&gt;</a:t>
             </a:fld>
           </a:p>
@@ -5857,7 +5857,7 @@
         <p:txBody>
           <a:bodyPr/>
           <a:p>
-            <a:fld id="{D1E3640E-724A-410C-AAC9-2549FDD4E36A}" type="slidenum">
+            <a:fld id="{B1EA8C4F-AB7C-4DE4-956F-8205E231804F}" type="slidenum">
               <a:t>&lt;#&gt;</a:t>
             </a:fld>
           </a:p>
@@ -6079,7 +6079,7 @@
         <p:txBody>
           <a:bodyPr/>
           <a:p>
-            <a:fld id="{7AAB0010-2CD6-4195-8239-0AAEC40AA3EC}" type="slidenum">
+            <a:fld id="{7E13D0A1-C6A4-4BA9-AF28-DFFD7DAF1EAD}" type="slidenum">
               <a:t>&lt;#&gt;</a:t>
             </a:fld>
           </a:p>
@@ -6301,7 +6301,7 @@
         <p:txBody>
           <a:bodyPr/>
           <a:p>
-            <a:fld id="{156543CF-0CD3-4EC6-8FA4-ABDC6D7B3F1F}" type="slidenum">
+            <a:fld id="{65C5D29A-A507-47FE-B43D-9F534A7970E2}" type="slidenum">
               <a:t>&lt;#&gt;</a:t>
             </a:fld>
           </a:p>
@@ -6523,7 +6523,7 @@
         <p:txBody>
           <a:bodyPr/>
           <a:p>
-            <a:fld id="{D8E7A335-11C7-431F-9262-0794C18284E8}" type="slidenum">
+            <a:fld id="{AC0E6E9B-F2E9-40DB-BDB9-E95EC2C4D2DA}" type="slidenum">
               <a:t>&lt;#&gt;</a:t>
             </a:fld>
           </a:p>
@@ -6666,85 +6666,7 @@
               <a:rPr b="0" lang="en-US" sz="4400" spc="-1" strike="noStrike">
                 <a:latin typeface="Arial"/>
               </a:rPr>
-              <a:t>Cli</a:t>
-            </a:r>
-            <a:r>
-              <a:rPr b="0" lang="en-US" sz="4400" spc="-1" strike="noStrike">
-                <a:latin typeface="Arial"/>
-              </a:rPr>
-              <a:t>ck </a:t>
-            </a:r>
-            <a:r>
-              <a:rPr b="0" lang="en-US" sz="4400" spc="-1" strike="noStrike">
-                <a:latin typeface="Arial"/>
-              </a:rPr>
-              <a:t>to </a:t>
-            </a:r>
-            <a:r>
-              <a:rPr b="0" lang="en-US" sz="4400" spc="-1" strike="noStrike">
-                <a:latin typeface="Arial"/>
-              </a:rPr>
-              <a:t>edi</a:t>
-            </a:r>
-            <a:r>
-              <a:rPr b="0" lang="en-US" sz="4400" spc="-1" strike="noStrike">
-                <a:latin typeface="Arial"/>
-              </a:rPr>
-              <a:t>t </a:t>
-            </a:r>
-            <a:r>
-              <a:rPr b="0" lang="en-US" sz="4400" spc="-1" strike="noStrike">
-                <a:latin typeface="Arial"/>
-              </a:rPr>
-              <a:t>th</a:t>
-            </a:r>
-            <a:r>
-              <a:rPr b="0" lang="en-US" sz="4400" spc="-1" strike="noStrike">
-                <a:latin typeface="Arial"/>
-              </a:rPr>
-              <a:t>e </a:t>
-            </a:r>
-            <a:r>
-              <a:rPr b="0" lang="en-US" sz="4400" spc="-1" strike="noStrike">
-                <a:latin typeface="Arial"/>
-              </a:rPr>
-              <a:t>titl</a:t>
-            </a:r>
-            <a:r>
-              <a:rPr b="0" lang="en-US" sz="4400" spc="-1" strike="noStrike">
-                <a:latin typeface="Arial"/>
-              </a:rPr>
-              <a:t>e </a:t>
-            </a:r>
-            <a:r>
-              <a:rPr b="0" lang="en-US" sz="4400" spc="-1" strike="noStrike">
-                <a:latin typeface="Arial"/>
-              </a:rPr>
-              <a:t>tex</a:t>
-            </a:r>
-            <a:r>
-              <a:rPr b="0" lang="en-US" sz="4400" spc="-1" strike="noStrike">
-                <a:latin typeface="Arial"/>
-              </a:rPr>
-              <a:t>t </a:t>
-            </a:r>
-            <a:r>
-              <a:rPr b="0" lang="en-US" sz="4400" spc="-1" strike="noStrike">
-                <a:latin typeface="Arial"/>
-              </a:rPr>
-              <a:t>for</a:t>
-            </a:r>
-            <a:r>
-              <a:rPr b="0" lang="en-US" sz="4400" spc="-1" strike="noStrike">
-                <a:latin typeface="Arial"/>
-              </a:rPr>
-              <a:t>m</a:t>
-            </a:r>
-            <a:r>
-              <a:rPr b="0" lang="en-US" sz="4400" spc="-1" strike="noStrike">
-                <a:latin typeface="Arial"/>
-              </a:rPr>
-              <a:t>at</a:t>
+              <a:t>Click to edit the title text format</a:t>
             </a:r>
             <a:endParaRPr b="0" lang="en-US" sz="4400" spc="-1" strike="noStrike">
               <a:latin typeface="Arial"/>
@@ -6863,7 +6785,7 @@
               </a:lnSpc>
               <a:buNone/>
             </a:pPr>
-            <a:fld id="{B03EB248-C6F8-4D90-983C-70CE721BF7FE}" type="slidenum">
+            <a:fld id="{96DD33D1-7276-47DC-BCBC-1FFB8DF80A5A}" type="slidenum">
               <a:rPr b="1" lang="en-US" sz="1800" spc="-1" strike="noStrike">
                 <a:solidFill>
                   <a:srgbClr val="ffffff"/>
@@ -7268,7 +7190,7 @@
               </a:lnSpc>
               <a:buNone/>
             </a:pPr>
-            <a:fld id="{F0BEB4AB-B352-4016-B5BB-0FBA64039AD4}" type="slidenum">
+            <a:fld id="{E47716E0-02E6-4EDE-B596-C18CC1582112}" type="slidenum">
               <a:rPr b="1" lang="en-US" sz="1800" spc="-1" strike="noStrike">
                 <a:solidFill>
                   <a:srgbClr val="ffffff"/>
@@ -8055,7 +7977,7 @@
               </a:lnSpc>
               <a:buNone/>
             </a:pPr>
-            <a:fld id="{493B2E6C-7E9B-4037-A368-A4B321FC6313}" type="slidenum">
+            <a:fld id="{F89233AE-59D2-4294-BD15-576F05174838}" type="slidenum">
               <a:rPr b="1" lang="en-US" sz="1800" spc="-1" strike="noStrike">
                 <a:solidFill>
                   <a:srgbClr val="ffffff"/>
@@ -9659,7 +9581,7 @@
         <p:txBody>
           <a:bodyPr/>
           <a:p>
-            <a:fld id="{7ED16FA3-2A10-4697-8283-ED55864D760C}" type="slidenum">
+            <a:fld id="{07A4E700-DF2D-4DCB-A868-43C1602AA436}" type="slidenum">
               <a:t>14</a:t>
             </a:fld>
           </a:p>
@@ -13162,7 +13084,7 @@
                 </a:solidFill>
                 <a:latin typeface="Noto Sans"/>
               </a:rPr>
-              <a:t>One-to-one architecture</a:t>
+              <a:t>One-to-one architecture; virtual driver architecture</a:t>
             </a:r>
             <a:endParaRPr b="0" lang="en-US" sz="2400" spc="-1" strike="noStrike">
               <a:latin typeface="Arial"/>
@@ -13190,16 +13112,7 @@
                 </a:solidFill>
                 <a:latin typeface="Noto Sans"/>
               </a:rPr>
-              <a:t>One-to-many, many-to-one architecture; virtual </a:t>
-            </a:r>
-            <a:r>
-              <a:rPr b="1" lang="en-US" sz="2400" spc="-1" strike="noStrike">
-                <a:solidFill>
-                  <a:srgbClr val="2c3e50"/>
-                </a:solidFill>
-                <a:latin typeface="Noto Sans"/>
-              </a:rPr>
-              <a:t>distributed virtual driver architecture</a:t>
+              <a:t>One-to-many, many-to-one architecture; virtual distributed virtual driver architecture</a:t>
             </a:r>
             <a:endParaRPr b="0" lang="en-US" sz="2400" spc="-1" strike="noStrike">
               <a:latin typeface="Arial"/>
@@ -13227,16 +13140,7 @@
                 </a:solidFill>
                 <a:latin typeface="Noto Sans"/>
               </a:rPr>
-              <a:t>Device driver major and minor numbers for </a:t>
-            </a:r>
-            <a:r>
-              <a:rPr b="1" lang="en-US" sz="2400" spc="-1" strike="noStrike">
-                <a:solidFill>
-                  <a:srgbClr val="2c3e50"/>
-                </a:solidFill>
-                <a:latin typeface="Noto Sans"/>
-              </a:rPr>
-              <a:t>identifying similar drivers across the cluster</a:t>
+              <a:t>Device driver major and minor numbers for identifying similar drivers across the cluster</a:t>
             </a:r>
             <a:endParaRPr b="0" lang="en-US" sz="2400" spc="-1" strike="noStrike">
               <a:latin typeface="Arial"/>
@@ -13264,43 +13168,7 @@
                 </a:solidFill>
                 <a:latin typeface="Noto Sans"/>
               </a:rPr>
-              <a:t>We can pool resources with virtual hardware by </a:t>
-            </a:r>
-            <a:r>
-              <a:rPr b="1" lang="en-US" sz="2400" spc="-1" strike="noStrike">
-                <a:solidFill>
-                  <a:srgbClr val="2c3e50"/>
-                </a:solidFill>
-                <a:latin typeface="Noto Sans"/>
-              </a:rPr>
-              <a:t>enumerating all similar hardware resources and </a:t>
-            </a:r>
-            <a:r>
-              <a:rPr b="1" lang="en-US" sz="2400" spc="-1" strike="noStrike">
-                <a:solidFill>
-                  <a:srgbClr val="2c3e50"/>
-                </a:solidFill>
-                <a:latin typeface="Noto Sans"/>
-              </a:rPr>
-              <a:t>using a load balancing algorithm using IOCTL </a:t>
-            </a:r>
-            <a:r>
-              <a:rPr b="1" lang="en-US" sz="2400" spc="-1" strike="noStrike">
-                <a:solidFill>
-                  <a:srgbClr val="2c3e50"/>
-                </a:solidFill>
-                <a:latin typeface="Noto Sans"/>
-              </a:rPr>
-              <a:t>requests to treat the resources as one large pool </a:t>
-            </a:r>
-            <a:r>
-              <a:rPr b="1" lang="en-US" sz="2400" spc="-1" strike="noStrike">
-                <a:solidFill>
-                  <a:srgbClr val="2c3e50"/>
-                </a:solidFill>
-                <a:latin typeface="Noto Sans"/>
-              </a:rPr>
-              <a:t>of resources</a:t>
+              <a:t>We can pool resources with virtual hardware by enumerating all similar hardware resources and using a load balancing algorithm using IOCTL requests to treat the resources as one large pool of resources</a:t>
             </a:r>
             <a:endParaRPr b="0" lang="en-US" sz="2400" spc="-1" strike="noStrike">
               <a:latin typeface="Arial"/>
@@ -13328,70 +13196,7 @@
                 </a:solidFill>
                 <a:latin typeface="Noto Sans"/>
               </a:rPr>
-              <a:t>Technically we can have a distributed driver </a:t>
-            </a:r>
-            <a:r>
-              <a:rPr b="1" lang="en-US" sz="2400" spc="-1" strike="noStrike">
-                <a:solidFill>
-                  <a:srgbClr val="2c3e50"/>
-                </a:solidFill>
-                <a:latin typeface="Noto Sans"/>
-              </a:rPr>
-              <a:t>shared between nodes accessing remote resources </a:t>
-            </a:r>
-            <a:r>
-              <a:rPr b="1" lang="en-US" sz="2400" spc="-1" strike="noStrike">
-                <a:solidFill>
-                  <a:srgbClr val="2c3e50"/>
-                </a:solidFill>
-                <a:latin typeface="Noto Sans"/>
-              </a:rPr>
-              <a:t>in a pool, and be able to access these resources </a:t>
-            </a:r>
-            <a:r>
-              <a:rPr b="1" lang="en-US" sz="2400" spc="-1" strike="noStrike">
-                <a:solidFill>
-                  <a:srgbClr val="2c3e50"/>
-                </a:solidFill>
-                <a:latin typeface="Noto Sans"/>
-              </a:rPr>
-              <a:t>remotely, but let’s simplify and say all that have </a:t>
-            </a:r>
-            <a:r>
-              <a:rPr b="1" lang="en-US" sz="2400" spc="-1" strike="noStrike">
-                <a:solidFill>
-                  <a:srgbClr val="2c3e50"/>
-                </a:solidFill>
-                <a:latin typeface="Noto Sans"/>
-              </a:rPr>
-              <a:t>the virtual distributed driver are accessing the </a:t>
-            </a:r>
-            <a:r>
-              <a:rPr b="1" lang="en-US" sz="2400" spc="-1" strike="noStrike">
-                <a:solidFill>
-                  <a:srgbClr val="2c3e50"/>
-                </a:solidFill>
-                <a:latin typeface="Noto Sans"/>
-              </a:rPr>
-              <a:t>resources they share and that these resources can </a:t>
-            </a:r>
-            <a:r>
-              <a:rPr b="1" lang="en-US" sz="2400" spc="-1" strike="noStrike">
-                <a:solidFill>
-                  <a:srgbClr val="2c3e50"/>
-                </a:solidFill>
-                <a:latin typeface="Noto Sans"/>
-              </a:rPr>
-              <a:t>only be accessed by those with the virtual </a:t>
-            </a:r>
-            <a:r>
-              <a:rPr b="1" lang="en-US" sz="2400" spc="-1" strike="noStrike">
-                <a:solidFill>
-                  <a:srgbClr val="2c3e50"/>
-                </a:solidFill>
-                <a:latin typeface="Noto Sans"/>
-              </a:rPr>
-              <a:t>distributed driver</a:t>
+              <a:t>Technically we can have a distributed driver shared between nodes accessing remote resources in a pool, and be able to access these resources remotely, but let’s simplify and say all that have the virtual distributed driver are accessing the resources they share and that these resources can only be accessed by those with the virtual distributed driver</a:t>
             </a:r>
             <a:endParaRPr b="0" lang="en-US" sz="2400" spc="-1" strike="noStrike">
               <a:latin typeface="Arial"/>
@@ -13419,70 +13224,7 @@
                 </a:solidFill>
                 <a:latin typeface="Noto Sans"/>
               </a:rPr>
-              <a:t>Virtual distributed driver architecture virtual </a:t>
-            </a:r>
-            <a:r>
-              <a:rPr b="1" lang="en-US" sz="2400" spc="-1" strike="noStrike">
-                <a:solidFill>
-                  <a:srgbClr val="2c3e50"/>
-                </a:solidFill>
-                <a:latin typeface="Noto Sans"/>
-              </a:rPr>
-              <a:t>hardware transparently mimics the underlying </a:t>
-            </a:r>
-            <a:r>
-              <a:rPr b="1" lang="en-US" sz="2400" spc="-1" strike="noStrike">
-                <a:solidFill>
-                  <a:srgbClr val="2c3e50"/>
-                </a:solidFill>
-                <a:latin typeface="Noto Sans"/>
-              </a:rPr>
-              <a:t>resource pool and a regular driver stack can be </a:t>
-            </a:r>
-            <a:r>
-              <a:rPr b="1" lang="en-US" sz="2400" spc="-1" strike="noStrike">
-                <a:solidFill>
-                  <a:srgbClr val="2c3e50"/>
-                </a:solidFill>
-                <a:latin typeface="Noto Sans"/>
-              </a:rPr>
-              <a:t>used on top of it, treating the distributed hardware </a:t>
-            </a:r>
-            <a:r>
-              <a:rPr b="1" lang="en-US" sz="2400" spc="-1" strike="noStrike">
-                <a:solidFill>
-                  <a:srgbClr val="2c3e50"/>
-                </a:solidFill>
-                <a:latin typeface="Noto Sans"/>
-              </a:rPr>
-              <a:t>resources as one large virtual hardware resource </a:t>
-            </a:r>
-            <a:r>
-              <a:rPr b="1" lang="en-US" sz="2400" spc="-1" strike="noStrike">
-                <a:solidFill>
-                  <a:srgbClr val="2c3e50"/>
-                </a:solidFill>
-                <a:latin typeface="Noto Sans"/>
-              </a:rPr>
-              <a:t>backed by physical hardware resources on the </a:t>
-            </a:r>
-            <a:r>
-              <a:rPr b="1" lang="en-US" sz="2400" spc="-1" strike="noStrike">
-                <a:solidFill>
-                  <a:srgbClr val="2c3e50"/>
-                </a:solidFill>
-                <a:latin typeface="Noto Sans"/>
-              </a:rPr>
-              <a:t>network, the opposite of our transparent virtual </a:t>
-            </a:r>
-            <a:r>
-              <a:rPr b="1" lang="en-US" sz="2400" spc="-1" strike="noStrike">
-                <a:solidFill>
-                  <a:srgbClr val="2c3e50"/>
-                </a:solidFill>
-                <a:latin typeface="Noto Sans"/>
-              </a:rPr>
-              <a:t>driver architecture</a:t>
+              <a:t>Virtual distributed driver architecture virtual hardware transparently mimics the underlying resource pool and a regular driver stack can be used on top of it, treating the distributed hardware resources as one large virtual hardware resource backed by physical hardware resources on the network, the opposite of our one-to-one stransparent  virtual driver architecture</a:t>
             </a:r>
             <a:endParaRPr b="0" lang="en-US" sz="2400" spc="-1" strike="noStrike">
               <a:latin typeface="Arial"/>

--- a/Replicated.pptx
+++ b/Replicated.pptx
@@ -78,7 +78,7 @@
         <p:txBody>
           <a:bodyPr/>
           <a:p>
-            <a:fld id="{50134B08-258D-4FF3-A48F-21F67390E6CA}" type="slidenum">
+            <a:fld id="{1238A284-FF80-4B19-BA2A-E26124ED918D}" type="slidenum">
               <a:t>&lt;#&gt;</a:t>
             </a:fld>
           </a:p>
@@ -266,7 +266,7 @@
         <p:txBody>
           <a:bodyPr/>
           <a:p>
-            <a:fld id="{E02B5E94-FC81-4009-AB7A-14DDF6398D3A}" type="slidenum">
+            <a:fld id="{55DF7353-DB8E-4456-8994-7564838E169A}" type="slidenum">
               <a:t>&lt;#&gt;</a:t>
             </a:fld>
           </a:p>
@@ -522,7 +522,7 @@
         <p:txBody>
           <a:bodyPr/>
           <a:p>
-            <a:fld id="{3A626F68-4A12-470D-B3DD-E066DE166508}" type="slidenum">
+            <a:fld id="{DCABFE5B-162E-48EA-B188-AD31508C4EBB}" type="slidenum">
               <a:t>&lt;#&gt;</a:t>
             </a:fld>
           </a:p>
@@ -846,7 +846,7 @@
         <p:txBody>
           <a:bodyPr/>
           <a:p>
-            <a:fld id="{1958D2DE-8FA6-4608-BFAE-03CD1B4756C8}" type="slidenum">
+            <a:fld id="{34142E88-8FB6-43BA-9BB7-50890A71CF76}" type="slidenum">
               <a:t>&lt;#&gt;</a:t>
             </a:fld>
           </a:p>
@@ -1907,7 +1907,7 @@
         <p:txBody>
           <a:bodyPr/>
           <a:p>
-            <a:fld id="{EA7EF24B-B68F-41EB-A6ED-E80D456BA8D1}" type="slidenum">
+            <a:fld id="{041C60CC-49B4-435F-8465-3E5011B68C29}" type="slidenum">
               <a:t>&lt;#&gt;</a:t>
             </a:fld>
           </a:p>
@@ -3102,7 +3102,7 @@
         <p:txBody>
           <a:bodyPr/>
           <a:p>
-            <a:fld id="{3CDFF3DF-02BD-474F-9B78-015C681AE828}" type="slidenum">
+            <a:fld id="{334A4997-51E9-4A22-A1F8-91F5B0138C65}" type="slidenum">
               <a:t>&lt;#&gt;</a:t>
             </a:fld>
           </a:p>
@@ -3259,7 +3259,7 @@
         <p:txBody>
           <a:bodyPr/>
           <a:p>
-            <a:fld id="{71315270-8699-41FF-BA0D-46720A43E3B6}" type="slidenum">
+            <a:fld id="{44963BD7-B3BE-44B1-8127-5D002ADDDDE4}" type="slidenum">
               <a:t>&lt;#&gt;</a:t>
             </a:fld>
           </a:p>
@@ -3413,7 +3413,7 @@
         <p:txBody>
           <a:bodyPr/>
           <a:p>
-            <a:fld id="{11B8B34E-A635-467E-8E05-C6A2479B171E}" type="slidenum">
+            <a:fld id="{F907EF8A-6503-4610-B9C6-543959889E67}" type="slidenum">
               <a:t>&lt;#&gt;</a:t>
             </a:fld>
           </a:p>
@@ -3601,7 +3601,7 @@
         <p:txBody>
           <a:bodyPr/>
           <a:p>
-            <a:fld id="{66BF13EC-8EDF-423E-810E-C7329D443AE1}" type="slidenum">
+            <a:fld id="{54C59ED8-4AED-4966-865C-E5142CF6B78F}" type="slidenum">
               <a:t>&lt;#&gt;</a:t>
             </a:fld>
           </a:p>
@@ -3721,7 +3721,7 @@
         <p:txBody>
           <a:bodyPr/>
           <a:p>
-            <a:fld id="{25B0EB47-A99B-4B9F-AAD2-F3428AB84784}" type="slidenum">
+            <a:fld id="{262ECCF6-0008-407F-9969-610496687C75}" type="slidenum">
               <a:t>&lt;#&gt;</a:t>
             </a:fld>
           </a:p>
@@ -3875,7 +3875,7 @@
         <p:txBody>
           <a:bodyPr/>
           <a:p>
-            <a:fld id="{EF816CF5-3E6E-48F1-913F-6B323B97E856}" type="slidenum">
+            <a:fld id="{D7609489-4C87-434B-9FA0-105ACD85EB8D}" type="slidenum">
               <a:t>&lt;#&gt;</a:t>
             </a:fld>
           </a:p>
@@ -3995,7 +3995,7 @@
         <p:txBody>
           <a:bodyPr/>
           <a:p>
-            <a:fld id="{10EA69AB-F344-443F-84B4-B680C92BBB98}" type="slidenum">
+            <a:fld id="{837B80A4-6336-4E11-BB1C-415524B92D68}" type="slidenum">
               <a:t>&lt;#&gt;</a:t>
             </a:fld>
           </a:p>
@@ -4217,7 +4217,7 @@
         <p:txBody>
           <a:bodyPr/>
           <a:p>
-            <a:fld id="{252B3F99-5583-4CAC-B8CB-BB62E4932247}" type="slidenum">
+            <a:fld id="{57A4A48B-2989-469D-85CA-781721846471}" type="slidenum">
               <a:t>&lt;#&gt;</a:t>
             </a:fld>
           </a:p>
@@ -4439,7 +4439,7 @@
         <p:txBody>
           <a:bodyPr/>
           <a:p>
-            <a:fld id="{1759926B-4F10-49EB-8EB0-9E2E0F2E2472}" type="slidenum">
+            <a:fld id="{AD1FCF40-014F-4B0C-A374-D29988AF0C6F}" type="slidenum">
               <a:t>&lt;#&gt;</a:t>
             </a:fld>
           </a:p>
@@ -4661,7 +4661,7 @@
         <p:txBody>
           <a:bodyPr/>
           <a:p>
-            <a:fld id="{31AAEAE0-5B6F-4E1B-BFD8-5B2C6C2120F9}" type="slidenum">
+            <a:fld id="{751A5EE8-7BBC-40AB-B678-6B4CFC72914E}" type="slidenum">
               <a:t>&lt;#&gt;</a:t>
             </a:fld>
           </a:p>
@@ -4849,7 +4849,7 @@
         <p:txBody>
           <a:bodyPr/>
           <a:p>
-            <a:fld id="{1579C1C0-1102-43D8-87CE-F9A0146D8875}" type="slidenum">
+            <a:fld id="{24DF8F0B-5AE6-468D-9071-44C96D1CBCEB}" type="slidenum">
               <a:t>&lt;#&gt;</a:t>
             </a:fld>
           </a:p>
@@ -5105,7 +5105,7 @@
         <p:txBody>
           <a:bodyPr/>
           <a:p>
-            <a:fld id="{5D7B0D95-BA36-4D21-A72C-34BB2EBF005D}" type="slidenum">
+            <a:fld id="{61856499-89D6-48C3-87ED-9C13E0339A5B}" type="slidenum">
               <a:t>&lt;#&gt;</a:t>
             </a:fld>
           </a:p>
@@ -5429,7 +5429,7 @@
         <p:txBody>
           <a:bodyPr/>
           <a:p>
-            <a:fld id="{4C4E68F4-2ACE-4AC1-8BAE-41B345E479C6}" type="slidenum">
+            <a:fld id="{AB535A2A-133D-45FA-987A-0BF58D9DEEDE}" type="slidenum">
               <a:t>&lt;#&gt;</a:t>
             </a:fld>
           </a:p>
@@ -5617,7 +5617,7 @@
         <p:txBody>
           <a:bodyPr/>
           <a:p>
-            <a:fld id="{AE099355-7DF7-44DA-8BF6-7F89DA91C5F6}" type="slidenum">
+            <a:fld id="{8BD866A4-2EB5-4C4C-95B2-2048A97E62BF}" type="slidenum">
               <a:t>&lt;#&gt;</a:t>
             </a:fld>
           </a:p>
@@ -5737,7 +5737,7 @@
         <p:txBody>
           <a:bodyPr/>
           <a:p>
-            <a:fld id="{4BA64A46-7BAA-4A04-AA83-9A4D96F2EB26}" type="slidenum">
+            <a:fld id="{9729B2B8-10B8-468B-B1F6-4DC89F8109A4}" type="slidenum">
               <a:t>&lt;#&gt;</a:t>
             </a:fld>
           </a:p>
@@ -5857,7 +5857,7 @@
         <p:txBody>
           <a:bodyPr/>
           <a:p>
-            <a:fld id="{B1EA8C4F-AB7C-4DE4-956F-8205E231804F}" type="slidenum">
+            <a:fld id="{C3BD1559-F817-452F-AEB0-18E3713062BF}" type="slidenum">
               <a:t>&lt;#&gt;</a:t>
             </a:fld>
           </a:p>
@@ -6079,7 +6079,7 @@
         <p:txBody>
           <a:bodyPr/>
           <a:p>
-            <a:fld id="{7E13D0A1-C6A4-4BA9-AF28-DFFD7DAF1EAD}" type="slidenum">
+            <a:fld id="{93293AB8-A9CC-4034-B3F7-E9D9237385A1}" type="slidenum">
               <a:t>&lt;#&gt;</a:t>
             </a:fld>
           </a:p>
@@ -6301,7 +6301,7 @@
         <p:txBody>
           <a:bodyPr/>
           <a:p>
-            <a:fld id="{65C5D29A-A507-47FE-B43D-9F534A7970E2}" type="slidenum">
+            <a:fld id="{F7207D37-B59B-49E8-B6F1-2145DA793BB8}" type="slidenum">
               <a:t>&lt;#&gt;</a:t>
             </a:fld>
           </a:p>
@@ -6523,7 +6523,7 @@
         <p:txBody>
           <a:bodyPr/>
           <a:p>
-            <a:fld id="{AC0E6E9B-F2E9-40DB-BDB9-E95EC2C4D2DA}" type="slidenum">
+            <a:fld id="{9C82F7C0-3415-4C21-AE78-DA6C06697FCD}" type="slidenum">
               <a:t>&lt;#&gt;</a:t>
             </a:fld>
           </a:p>
@@ -6785,7 +6785,7 @@
               </a:lnSpc>
               <a:buNone/>
             </a:pPr>
-            <a:fld id="{96DD33D1-7276-47DC-BCBC-1FFB8DF80A5A}" type="slidenum">
+            <a:fld id="{4019390D-CAD3-4068-9EE5-546077C82F77}" type="slidenum">
               <a:rPr b="1" lang="en-US" sz="1800" spc="-1" strike="noStrike">
                 <a:solidFill>
                   <a:srgbClr val="ffffff"/>
@@ -7190,7 +7190,7 @@
               </a:lnSpc>
               <a:buNone/>
             </a:pPr>
-            <a:fld id="{E47716E0-02E6-4EDE-B596-C18CC1582112}" type="slidenum">
+            <a:fld id="{73C0E411-66AC-4280-979E-553FE251F3D7}" type="slidenum">
               <a:rPr b="1" lang="en-US" sz="1800" spc="-1" strike="noStrike">
                 <a:solidFill>
                   <a:srgbClr val="ffffff"/>
@@ -7977,7 +7977,7 @@
               </a:lnSpc>
               <a:buNone/>
             </a:pPr>
-            <a:fld id="{F89233AE-59D2-4294-BD15-576F05174838}" type="slidenum">
+            <a:fld id="{BC9D331F-5876-4026-92D7-047C602E1658}" type="slidenum">
               <a:rPr b="1" lang="en-US" sz="1800" spc="-1" strike="noStrike">
                 <a:solidFill>
                   <a:srgbClr val="ffffff"/>
@@ -9581,7 +9581,7 @@
         <p:txBody>
           <a:bodyPr/>
           <a:p>
-            <a:fld id="{07A4E700-DF2D-4DCB-A868-43C1602AA436}" type="slidenum">
+            <a:fld id="{ED5FE7F6-D78C-430E-8004-4F855577CC0B}" type="slidenum">
               <a:t>14</a:t>
             </a:fld>
           </a:p>
@@ -9724,7 +9724,25 @@
                 </a:solidFill>
                 <a:latin typeface="Noto Sans"/>
               </a:rPr>
-              <a:t>We create a single virtual driver which is replicated and sits in-between the top of each driver stack and the kernel or functions as a virtual driver on the remote system</a:t>
+              <a:t>We create a single virtual driver which is replicated and sits in-between </a:t>
+            </a:r>
+            <a:r>
+              <a:rPr b="1" lang="en-US" sz="2400" spc="-1" strike="noStrike">
+                <a:solidFill>
+                  <a:srgbClr val="2c3e50"/>
+                </a:solidFill>
+                <a:latin typeface="Noto Sans"/>
+              </a:rPr>
+              <a:t>the top of each driver stack and the kernel or functions as a virtual </a:t>
+            </a:r>
+            <a:r>
+              <a:rPr b="1" lang="en-US" sz="2400" spc="-1" strike="noStrike">
+                <a:solidFill>
+                  <a:srgbClr val="2c3e50"/>
+                </a:solidFill>
+                <a:latin typeface="Noto Sans"/>
+              </a:rPr>
+              <a:t>driver on the remote system</a:t>
             </a:r>
             <a:endParaRPr b="0" lang="en-US" sz="2400" spc="-1" strike="noStrike">
               <a:latin typeface="Arial"/>
@@ -9752,7 +9770,16 @@
                 </a:solidFill>
                 <a:latin typeface="Noto Sans"/>
               </a:rPr>
-              <a:t>Intercept I/O requests between the top of the driver stack and the kernel (IOCTL in the Linux kernel)</a:t>
+              <a:t>Intercept I/O requests between the top of the driver stack and the </a:t>
+            </a:r>
+            <a:r>
+              <a:rPr b="1" lang="en-US" sz="2400" spc="-1" strike="noStrike">
+                <a:solidFill>
+                  <a:srgbClr val="2c3e50"/>
+                </a:solidFill>
+                <a:latin typeface="Noto Sans"/>
+              </a:rPr>
+              <a:t>kernel (IOCTL in the Linux kernel)</a:t>
             </a:r>
             <a:endParaRPr b="0" lang="en-US" sz="2400" spc="-1" strike="noStrike">
               <a:latin typeface="Arial"/>
@@ -9836,7 +9863,16 @@
                 </a:solidFill>
                 <a:latin typeface="Noto Sans"/>
               </a:rPr>
-              <a:t>Virtual driver exports all symbols, variables, and functions of the underlying driver stack transparently</a:t>
+              <a:t>Virtual driver exports all symbols, variables, and functions of the </a:t>
+            </a:r>
+            <a:r>
+              <a:rPr b="1" lang="en-US" sz="2400" spc="-1" strike="noStrike">
+                <a:solidFill>
+                  <a:srgbClr val="2c3e50"/>
+                </a:solidFill>
+                <a:latin typeface="Noto Sans"/>
+              </a:rPr>
+              <a:t>underlying driver stack transparently</a:t>
             </a:r>
             <a:endParaRPr b="0" lang="en-US" sz="2400" spc="-1" strike="noStrike">
               <a:latin typeface="Arial"/>
@@ -13224,7 +13260,7 @@
                 </a:solidFill>
                 <a:latin typeface="Noto Sans"/>
               </a:rPr>
-              <a:t>Virtual distributed driver architecture virtual hardware transparently mimics the underlying resource pool and a regular driver stack can be used on top of it, treating the distributed hardware resources as one large virtual hardware resource backed by physical hardware resources on the network, the opposite of our one-to-one stransparent  virtual driver architecture</a:t>
+              <a:t>Virtual distributed driver architecture virtual hardware transparently mimics the underlying resource pool and a regular driver stack can be used on top of it, treating the distributed hardware resources as one large virtual hardware resource backed by physical hardware resources on the network, the opposite of our one-to-one transparent  virtual driver architecture</a:t>
             </a:r>
             <a:endParaRPr b="0" lang="en-US" sz="2400" spc="-1" strike="noStrike">
               <a:latin typeface="Arial"/>

--- a/Replicated.pptx
+++ b/Replicated.pptx
@@ -78,7 +78,7 @@
         <p:txBody>
           <a:bodyPr/>
           <a:p>
-            <a:fld id="{1238A284-FF80-4B19-BA2A-E26124ED918D}" type="slidenum">
+            <a:fld id="{48327C5C-80B1-4409-910D-39400B1AD81B}" type="slidenum">
               <a:t>&lt;#&gt;</a:t>
             </a:fld>
           </a:p>
@@ -266,7 +266,7 @@
         <p:txBody>
           <a:bodyPr/>
           <a:p>
-            <a:fld id="{55DF7353-DB8E-4456-8994-7564838E169A}" type="slidenum">
+            <a:fld id="{E588DC1F-3C7A-42BC-9083-C03FC0751B25}" type="slidenum">
               <a:t>&lt;#&gt;</a:t>
             </a:fld>
           </a:p>
@@ -522,7 +522,7 @@
         <p:txBody>
           <a:bodyPr/>
           <a:p>
-            <a:fld id="{DCABFE5B-162E-48EA-B188-AD31508C4EBB}" type="slidenum">
+            <a:fld id="{6B8642E0-0C52-49A3-A6B3-D6AB66408C9F}" type="slidenum">
               <a:t>&lt;#&gt;</a:t>
             </a:fld>
           </a:p>
@@ -846,7 +846,7 @@
         <p:txBody>
           <a:bodyPr/>
           <a:p>
-            <a:fld id="{34142E88-8FB6-43BA-9BB7-50890A71CF76}" type="slidenum">
+            <a:fld id="{98EAF13F-6EE8-44AF-B702-EFCC924738E1}" type="slidenum">
               <a:t>&lt;#&gt;</a:t>
             </a:fld>
           </a:p>
@@ -1907,7 +1907,7 @@
         <p:txBody>
           <a:bodyPr/>
           <a:p>
-            <a:fld id="{041C60CC-49B4-435F-8465-3E5011B68C29}" type="slidenum">
+            <a:fld id="{1D9B8E77-8A1D-4266-94C3-DF37A5E19F52}" type="slidenum">
               <a:t>&lt;#&gt;</a:t>
             </a:fld>
           </a:p>
@@ -3102,7 +3102,7 @@
         <p:txBody>
           <a:bodyPr/>
           <a:p>
-            <a:fld id="{334A4997-51E9-4A22-A1F8-91F5B0138C65}" type="slidenum">
+            <a:fld id="{9DEE2596-EE2A-4CFB-8139-10400B31B809}" type="slidenum">
               <a:t>&lt;#&gt;</a:t>
             </a:fld>
           </a:p>
@@ -3259,7 +3259,7 @@
         <p:txBody>
           <a:bodyPr/>
           <a:p>
-            <a:fld id="{44963BD7-B3BE-44B1-8127-5D002ADDDDE4}" type="slidenum">
+            <a:fld id="{4BBD1380-D779-4E4A-9E98-554737B09C1B}" type="slidenum">
               <a:t>&lt;#&gt;</a:t>
             </a:fld>
           </a:p>
@@ -3413,7 +3413,7 @@
         <p:txBody>
           <a:bodyPr/>
           <a:p>
-            <a:fld id="{F907EF8A-6503-4610-B9C6-543959889E67}" type="slidenum">
+            <a:fld id="{D1F6EB0E-DA1D-4918-81C4-D05D66F9BF3B}" type="slidenum">
               <a:t>&lt;#&gt;</a:t>
             </a:fld>
           </a:p>
@@ -3601,7 +3601,7 @@
         <p:txBody>
           <a:bodyPr/>
           <a:p>
-            <a:fld id="{54C59ED8-4AED-4966-865C-E5142CF6B78F}" type="slidenum">
+            <a:fld id="{75A0D621-258A-4948-88CE-E2D620DD5C3B}" type="slidenum">
               <a:t>&lt;#&gt;</a:t>
             </a:fld>
           </a:p>
@@ -3721,7 +3721,7 @@
         <p:txBody>
           <a:bodyPr/>
           <a:p>
-            <a:fld id="{262ECCF6-0008-407F-9969-610496687C75}" type="slidenum">
+            <a:fld id="{D9FDB0DC-166C-41DC-B01B-3E42BF811A27}" type="slidenum">
               <a:t>&lt;#&gt;</a:t>
             </a:fld>
           </a:p>
@@ -3875,7 +3875,7 @@
         <p:txBody>
           <a:bodyPr/>
           <a:p>
-            <a:fld id="{D7609489-4C87-434B-9FA0-105ACD85EB8D}" type="slidenum">
+            <a:fld id="{37930E81-B32A-454E-ABDD-A043EC0F5952}" type="slidenum">
               <a:t>&lt;#&gt;</a:t>
             </a:fld>
           </a:p>
@@ -3995,7 +3995,7 @@
         <p:txBody>
           <a:bodyPr/>
           <a:p>
-            <a:fld id="{837B80A4-6336-4E11-BB1C-415524B92D68}" type="slidenum">
+            <a:fld id="{E73B2CA3-3F8A-4573-A122-DDB449204859}" type="slidenum">
               <a:t>&lt;#&gt;</a:t>
             </a:fld>
           </a:p>
@@ -4217,7 +4217,7 @@
         <p:txBody>
           <a:bodyPr/>
           <a:p>
-            <a:fld id="{57A4A48B-2989-469D-85CA-781721846471}" type="slidenum">
+            <a:fld id="{92E762C5-2DDA-47D8-A531-65B997FA78A0}" type="slidenum">
               <a:t>&lt;#&gt;</a:t>
             </a:fld>
           </a:p>
@@ -4439,7 +4439,7 @@
         <p:txBody>
           <a:bodyPr/>
           <a:p>
-            <a:fld id="{AD1FCF40-014F-4B0C-A374-D29988AF0C6F}" type="slidenum">
+            <a:fld id="{2E3885F3-E42E-4578-9766-35C60A1503F5}" type="slidenum">
               <a:t>&lt;#&gt;</a:t>
             </a:fld>
           </a:p>
@@ -4661,7 +4661,7 @@
         <p:txBody>
           <a:bodyPr/>
           <a:p>
-            <a:fld id="{751A5EE8-7BBC-40AB-B678-6B4CFC72914E}" type="slidenum">
+            <a:fld id="{97DB303D-13DC-4E62-9FD0-C1F0C6B50F3C}" type="slidenum">
               <a:t>&lt;#&gt;</a:t>
             </a:fld>
           </a:p>
@@ -4849,7 +4849,7 @@
         <p:txBody>
           <a:bodyPr/>
           <a:p>
-            <a:fld id="{24DF8F0B-5AE6-468D-9071-44C96D1CBCEB}" type="slidenum">
+            <a:fld id="{91CCCE83-C6DF-46F0-BC18-54BFB018D348}" type="slidenum">
               <a:t>&lt;#&gt;</a:t>
             </a:fld>
           </a:p>
@@ -5105,7 +5105,7 @@
         <p:txBody>
           <a:bodyPr/>
           <a:p>
-            <a:fld id="{61856499-89D6-48C3-87ED-9C13E0339A5B}" type="slidenum">
+            <a:fld id="{DAD5A828-A3DB-48E0-B50D-3627145E00D2}" type="slidenum">
               <a:t>&lt;#&gt;</a:t>
             </a:fld>
           </a:p>
@@ -5429,7 +5429,7 @@
         <p:txBody>
           <a:bodyPr/>
           <a:p>
-            <a:fld id="{AB535A2A-133D-45FA-987A-0BF58D9DEEDE}" type="slidenum">
+            <a:fld id="{9532A1C3-DA8F-4805-AE3F-A7358499A73F}" type="slidenum">
               <a:t>&lt;#&gt;</a:t>
             </a:fld>
           </a:p>
@@ -5617,7 +5617,7 @@
         <p:txBody>
           <a:bodyPr/>
           <a:p>
-            <a:fld id="{8BD866A4-2EB5-4C4C-95B2-2048A97E62BF}" type="slidenum">
+            <a:fld id="{64781B1E-65C1-436D-BA8C-0828E3BFD48D}" type="slidenum">
               <a:t>&lt;#&gt;</a:t>
             </a:fld>
           </a:p>
@@ -5737,7 +5737,7 @@
         <p:txBody>
           <a:bodyPr/>
           <a:p>
-            <a:fld id="{9729B2B8-10B8-468B-B1F6-4DC89F8109A4}" type="slidenum">
+            <a:fld id="{12C223A8-8F1F-4A49-A9C6-B1E90DD7E6A3}" type="slidenum">
               <a:t>&lt;#&gt;</a:t>
             </a:fld>
           </a:p>
@@ -5857,7 +5857,7 @@
         <p:txBody>
           <a:bodyPr/>
           <a:p>
-            <a:fld id="{C3BD1559-F817-452F-AEB0-18E3713062BF}" type="slidenum">
+            <a:fld id="{4DCEBBF8-7D10-4E6F-A696-BD7A25E964E3}" type="slidenum">
               <a:t>&lt;#&gt;</a:t>
             </a:fld>
           </a:p>
@@ -6079,7 +6079,7 @@
         <p:txBody>
           <a:bodyPr/>
           <a:p>
-            <a:fld id="{93293AB8-A9CC-4034-B3F7-E9D9237385A1}" type="slidenum">
+            <a:fld id="{F5691343-7699-4D4D-BB9B-B807F5E4602F}" type="slidenum">
               <a:t>&lt;#&gt;</a:t>
             </a:fld>
           </a:p>
@@ -6301,7 +6301,7 @@
         <p:txBody>
           <a:bodyPr/>
           <a:p>
-            <a:fld id="{F7207D37-B59B-49E8-B6F1-2145DA793BB8}" type="slidenum">
+            <a:fld id="{B103C334-3D5D-4AB0-BDAF-BCB9009BD81D}" type="slidenum">
               <a:t>&lt;#&gt;</a:t>
             </a:fld>
           </a:p>
@@ -6523,7 +6523,7 @@
         <p:txBody>
           <a:bodyPr/>
           <a:p>
-            <a:fld id="{9C82F7C0-3415-4C21-AE78-DA6C06697FCD}" type="slidenum">
+            <a:fld id="{972CCCA8-0E68-4C1C-8021-B5E932A2A9FC}" type="slidenum">
               <a:t>&lt;#&gt;</a:t>
             </a:fld>
           </a:p>
@@ -6785,7 +6785,7 @@
               </a:lnSpc>
               <a:buNone/>
             </a:pPr>
-            <a:fld id="{4019390D-CAD3-4068-9EE5-546077C82F77}" type="slidenum">
+            <a:fld id="{AC0534F4-CA2F-4C2B-8447-B6DD73DC4170}" type="slidenum">
               <a:rPr b="1" lang="en-US" sz="1800" spc="-1" strike="noStrike">
                 <a:solidFill>
                   <a:srgbClr val="ffffff"/>
@@ -7190,7 +7190,7 @@
               </a:lnSpc>
               <a:buNone/>
             </a:pPr>
-            <a:fld id="{73C0E411-66AC-4280-979E-553FE251F3D7}" type="slidenum">
+            <a:fld id="{5B0F5F9E-043B-4A06-AB1A-2AA99CBEBC27}" type="slidenum">
               <a:rPr b="1" lang="en-US" sz="1800" spc="-1" strike="noStrike">
                 <a:solidFill>
                   <a:srgbClr val="ffffff"/>
@@ -7977,7 +7977,7 @@
               </a:lnSpc>
               <a:buNone/>
             </a:pPr>
-            <a:fld id="{BC9D331F-5876-4026-92D7-047C602E1658}" type="slidenum">
+            <a:fld id="{EA2A2351-9588-4ED1-BC80-81BD19F7E7D7}" type="slidenum">
               <a:rPr b="1" lang="en-US" sz="1800" spc="-1" strike="noStrike">
                 <a:solidFill>
                   <a:srgbClr val="ffffff"/>
@@ -9581,7 +9581,7 @@
         <p:txBody>
           <a:bodyPr/>
           <a:p>
-            <a:fld id="{ED5FE7F6-D78C-430E-8004-4F855577CC0B}" type="slidenum">
+            <a:fld id="{9BDEDA99-723E-4466-B742-9EBA71CB8E16}" type="slidenum">
               <a:t>14</a:t>
             </a:fld>
           </a:p>
@@ -9724,25 +9724,7 @@
                 </a:solidFill>
                 <a:latin typeface="Noto Sans"/>
               </a:rPr>
-              <a:t>We create a single virtual driver which is replicated and sits in-between </a:t>
-            </a:r>
-            <a:r>
-              <a:rPr b="1" lang="en-US" sz="2400" spc="-1" strike="noStrike">
-                <a:solidFill>
-                  <a:srgbClr val="2c3e50"/>
-                </a:solidFill>
-                <a:latin typeface="Noto Sans"/>
-              </a:rPr>
-              <a:t>the top of each driver stack and the kernel or functions as a virtual </a:t>
-            </a:r>
-            <a:r>
-              <a:rPr b="1" lang="en-US" sz="2400" spc="-1" strike="noStrike">
-                <a:solidFill>
-                  <a:srgbClr val="2c3e50"/>
-                </a:solidFill>
-                <a:latin typeface="Noto Sans"/>
-              </a:rPr>
-              <a:t>driver on the remote system</a:t>
+              <a:t>We create a single virtual driver which is replicated and sits in-between the top of each driver stack and the kernel or functions as a virtual driver on the remote system</a:t>
             </a:r>
             <a:endParaRPr b="0" lang="en-US" sz="2400" spc="-1" strike="noStrike">
               <a:latin typeface="Arial"/>
@@ -9770,16 +9752,7 @@
                 </a:solidFill>
                 <a:latin typeface="Noto Sans"/>
               </a:rPr>
-              <a:t>Intercept I/O requests between the top of the driver stack and the </a:t>
-            </a:r>
-            <a:r>
-              <a:rPr b="1" lang="en-US" sz="2400" spc="-1" strike="noStrike">
-                <a:solidFill>
-                  <a:srgbClr val="2c3e50"/>
-                </a:solidFill>
-                <a:latin typeface="Noto Sans"/>
-              </a:rPr>
-              <a:t>kernel (IOCTL in the Linux kernel)</a:t>
+              <a:t>Intercept I/O requests between the top of the driver stack and the kernel (IOCTL in the Linux kernel)</a:t>
             </a:r>
             <a:endParaRPr b="0" lang="en-US" sz="2400" spc="-1" strike="noStrike">
               <a:latin typeface="Arial"/>
@@ -9863,16 +9836,7 @@
                 </a:solidFill>
                 <a:latin typeface="Noto Sans"/>
               </a:rPr>
-              <a:t>Virtual driver exports all symbols, variables, and functions of the </a:t>
-            </a:r>
-            <a:r>
-              <a:rPr b="1" lang="en-US" sz="2400" spc="-1" strike="noStrike">
-                <a:solidFill>
-                  <a:srgbClr val="2c3e50"/>
-                </a:solidFill>
-                <a:latin typeface="Noto Sans"/>
-              </a:rPr>
-              <a:t>underlying driver stack transparently</a:t>
+              <a:t>Virtual driver exports all symbols, variables, and functions of the underlying driver stack transparently</a:t>
             </a:r>
             <a:endParaRPr b="0" lang="en-US" sz="2400" spc="-1" strike="noStrike">
               <a:latin typeface="Arial"/>
@@ -13120,7 +13084,7 @@
                 </a:solidFill>
                 <a:latin typeface="Noto Sans"/>
               </a:rPr>
-              <a:t>One-to-one architecture; virtual driver architecture</a:t>
+              <a:t>Virtual distributed driver architecture</a:t>
             </a:r>
             <a:endParaRPr b="0" lang="en-US" sz="2400" spc="-1" strike="noStrike">
               <a:latin typeface="Arial"/>
@@ -13148,7 +13112,7 @@
                 </a:solidFill>
                 <a:latin typeface="Noto Sans"/>
               </a:rPr>
-              <a:t>One-to-many, many-to-one architecture; virtual distributed virtual driver architecture</a:t>
+              <a:t>One-to-one architecture; virtual driver architecture</a:t>
             </a:r>
             <a:endParaRPr b="0" lang="en-US" sz="2400" spc="-1" strike="noStrike">
               <a:latin typeface="Arial"/>
@@ -13176,7 +13140,7 @@
                 </a:solidFill>
                 <a:latin typeface="Noto Sans"/>
               </a:rPr>
-              <a:t>Device driver major and minor numbers for identifying similar drivers across the cluster</a:t>
+              <a:t>One-to-many, many-to-one architecture; virtual distributed virtual driver architecture</a:t>
             </a:r>
             <a:endParaRPr b="0" lang="en-US" sz="2400" spc="-1" strike="noStrike">
               <a:latin typeface="Arial"/>
@@ -13204,7 +13168,7 @@
                 </a:solidFill>
                 <a:latin typeface="Noto Sans"/>
               </a:rPr>
-              <a:t>We can pool resources with virtual hardware by enumerating all similar hardware resources and using a load balancing algorithm using IOCTL requests to treat the resources as one large pool of resources</a:t>
+              <a:t>Device driver major and minor numbers for identifying similar drivers across the cluster</a:t>
             </a:r>
             <a:endParaRPr b="0" lang="en-US" sz="2400" spc="-1" strike="noStrike">
               <a:latin typeface="Arial"/>
@@ -13232,7 +13196,7 @@
                 </a:solidFill>
                 <a:latin typeface="Noto Sans"/>
               </a:rPr>
-              <a:t>Technically we can have a distributed driver shared between nodes accessing remote resources in a pool, and be able to access these resources remotely, but let’s simplify and say all that have the virtual distributed driver are accessing the resources they share and that these resources can only be accessed by those with the virtual distributed driver</a:t>
+              <a:t>We can pool resources with virtual hardware by enumerating all similar hardware resources and using a load balancing algorithm using IOCTL requests to treat the resources as one large pool of resources</a:t>
             </a:r>
             <a:endParaRPr b="0" lang="en-US" sz="2400" spc="-1" strike="noStrike">
               <a:latin typeface="Arial"/>
@@ -13260,7 +13224,35 @@
                 </a:solidFill>
                 <a:latin typeface="Noto Sans"/>
               </a:rPr>
-              <a:t>Virtual distributed driver architecture virtual hardware transparently mimics the underlying resource pool and a regular driver stack can be used on top of it, treating the distributed hardware resources as one large virtual hardware resource backed by physical hardware resources on the network, the opposite of our one-to-one transparent  virtual driver architecture</a:t>
+              <a:t>Technically we can have a distributed driver shared between nodes accessing remote resources in a pool, and be able to access these resources remotely, but let’s simplify and say all that have the virtual distributed driver are accessing the resources they share and that these resources can only be accessed by those with the virtual distributed driver</a:t>
+            </a:r>
+            <a:endParaRPr b="0" lang="en-US" sz="2400" spc="-1" strike="noStrike">
+              <a:latin typeface="Arial"/>
+            </a:endParaRPr>
+          </a:p>
+          <a:p>
+            <a:pPr marL="432000" indent="-324000">
+              <a:lnSpc>
+                <a:spcPct val="100000"/>
+              </a:lnSpc>
+              <a:spcAft>
+                <a:spcPts val="1057"/>
+              </a:spcAft>
+              <a:buClr>
+                <a:srgbClr val="2c3e50"/>
+              </a:buClr>
+              <a:buSzPct val="45000"/>
+              <a:buFont typeface="Wingdings" charset="2"/>
+              <a:buChar char=""/>
+            </a:pPr>
+            <a:r>
+              <a:rPr b="1" lang="en-US" sz="2400" spc="-1" strike="noStrike">
+                <a:solidFill>
+                  <a:srgbClr val="2c3e50"/>
+                </a:solidFill>
+                <a:latin typeface="Noto Sans"/>
+              </a:rPr>
+              <a:t>Virtual distributed driver architecture virtual hardware transparently mimics the underlying resource pool and a regular driver stack can be used on top of it, treating the distributed hardware resources as one large virtual hardware resource pool backed by physical hardware resources on the network</a:t>
             </a:r>
             <a:endParaRPr b="0" lang="en-US" sz="2400" spc="-1" strike="noStrike">
               <a:latin typeface="Arial"/>
@@ -13765,7 +13757,16 @@
                 </a:solidFill>
                 <a:latin typeface="Noto Sans"/>
               </a:rPr>
-              <a:t>Any of the interfaces can send or accept network traffic as if it were the same interface</a:t>
+              <a:t>Any of the interfaces can send or accept network traffic as if it were the </a:t>
+            </a:r>
+            <a:r>
+              <a:rPr b="1" lang="en-US" sz="2400" spc="-1" strike="noStrike">
+                <a:solidFill>
+                  <a:srgbClr val="2c3e50"/>
+                </a:solidFill>
+                <a:latin typeface="Noto Sans"/>
+              </a:rPr>
+              <a:t>same interface</a:t>
             </a:r>
             <a:endParaRPr b="0" lang="en-US" sz="2400" spc="-1" strike="noStrike">
               <a:latin typeface="Arial"/>

--- a/Replicated.pptx
+++ b/Replicated.pptx
@@ -78,7 +78,7 @@
         <p:txBody>
           <a:bodyPr/>
           <a:p>
-            <a:fld id="{48327C5C-80B1-4409-910D-39400B1AD81B}" type="slidenum">
+            <a:fld id="{B2F956FB-AB8B-46F0-9492-1BE6E4C2F3EC}" type="slidenum">
               <a:t>&lt;#&gt;</a:t>
             </a:fld>
           </a:p>
@@ -266,7 +266,7 @@
         <p:txBody>
           <a:bodyPr/>
           <a:p>
-            <a:fld id="{E588DC1F-3C7A-42BC-9083-C03FC0751B25}" type="slidenum">
+            <a:fld id="{20482EBB-EABB-4321-9ABF-D8EB4D685EDE}" type="slidenum">
               <a:t>&lt;#&gt;</a:t>
             </a:fld>
           </a:p>
@@ -522,7 +522,7 @@
         <p:txBody>
           <a:bodyPr/>
           <a:p>
-            <a:fld id="{6B8642E0-0C52-49A3-A6B3-D6AB66408C9F}" type="slidenum">
+            <a:fld id="{09135796-1249-4523-94CA-38C75B925108}" type="slidenum">
               <a:t>&lt;#&gt;</a:t>
             </a:fld>
           </a:p>
@@ -846,7 +846,7 @@
         <p:txBody>
           <a:bodyPr/>
           <a:p>
-            <a:fld id="{98EAF13F-6EE8-44AF-B702-EFCC924738E1}" type="slidenum">
+            <a:fld id="{9443CC31-3A00-4B7A-81E8-F8442E6D366E}" type="slidenum">
               <a:t>&lt;#&gt;</a:t>
             </a:fld>
           </a:p>
@@ -1907,7 +1907,7 @@
         <p:txBody>
           <a:bodyPr/>
           <a:p>
-            <a:fld id="{1D9B8E77-8A1D-4266-94C3-DF37A5E19F52}" type="slidenum">
+            <a:fld id="{A7F2F69C-2B92-4A16-A2FE-8F19A94366F8}" type="slidenum">
               <a:t>&lt;#&gt;</a:t>
             </a:fld>
           </a:p>
@@ -3102,7 +3102,7 @@
         <p:txBody>
           <a:bodyPr/>
           <a:p>
-            <a:fld id="{9DEE2596-EE2A-4CFB-8139-10400B31B809}" type="slidenum">
+            <a:fld id="{47D8BFC5-B4ED-4FA3-BC86-6EADA37244E6}" type="slidenum">
               <a:t>&lt;#&gt;</a:t>
             </a:fld>
           </a:p>
@@ -3259,7 +3259,7 @@
         <p:txBody>
           <a:bodyPr/>
           <a:p>
-            <a:fld id="{4BBD1380-D779-4E4A-9E98-554737B09C1B}" type="slidenum">
+            <a:fld id="{6821C90A-8E9C-452F-8833-AA4D7F948939}" type="slidenum">
               <a:t>&lt;#&gt;</a:t>
             </a:fld>
           </a:p>
@@ -3413,7 +3413,7 @@
         <p:txBody>
           <a:bodyPr/>
           <a:p>
-            <a:fld id="{D1F6EB0E-DA1D-4918-81C4-D05D66F9BF3B}" type="slidenum">
+            <a:fld id="{5FB932C5-7092-4263-B9D4-AEB5E012D4B3}" type="slidenum">
               <a:t>&lt;#&gt;</a:t>
             </a:fld>
           </a:p>
@@ -3601,7 +3601,7 @@
         <p:txBody>
           <a:bodyPr/>
           <a:p>
-            <a:fld id="{75A0D621-258A-4948-88CE-E2D620DD5C3B}" type="slidenum">
+            <a:fld id="{C4B173B0-75C1-4224-80D9-82BD2828655D}" type="slidenum">
               <a:t>&lt;#&gt;</a:t>
             </a:fld>
           </a:p>
@@ -3721,7 +3721,7 @@
         <p:txBody>
           <a:bodyPr/>
           <a:p>
-            <a:fld id="{D9FDB0DC-166C-41DC-B01B-3E42BF811A27}" type="slidenum">
+            <a:fld id="{AB69B121-ECA6-46C4-B326-18DE717C83AB}" type="slidenum">
               <a:t>&lt;#&gt;</a:t>
             </a:fld>
           </a:p>
@@ -3875,7 +3875,7 @@
         <p:txBody>
           <a:bodyPr/>
           <a:p>
-            <a:fld id="{37930E81-B32A-454E-ABDD-A043EC0F5952}" type="slidenum">
+            <a:fld id="{7958DB3C-0CEC-4BFD-9DB1-B97A7B431CA8}" type="slidenum">
               <a:t>&lt;#&gt;</a:t>
             </a:fld>
           </a:p>
@@ -3995,7 +3995,7 @@
         <p:txBody>
           <a:bodyPr/>
           <a:p>
-            <a:fld id="{E73B2CA3-3F8A-4573-A122-DDB449204859}" type="slidenum">
+            <a:fld id="{373ACEE1-4D71-4896-9111-77823618C287}" type="slidenum">
               <a:t>&lt;#&gt;</a:t>
             </a:fld>
           </a:p>
@@ -4217,7 +4217,7 @@
         <p:txBody>
           <a:bodyPr/>
           <a:p>
-            <a:fld id="{92E762C5-2DDA-47D8-A531-65B997FA78A0}" type="slidenum">
+            <a:fld id="{50E4F7B6-3234-4D72-8296-E343C360C380}" type="slidenum">
               <a:t>&lt;#&gt;</a:t>
             </a:fld>
           </a:p>
@@ -4439,7 +4439,7 @@
         <p:txBody>
           <a:bodyPr/>
           <a:p>
-            <a:fld id="{2E3885F3-E42E-4578-9766-35C60A1503F5}" type="slidenum">
+            <a:fld id="{7BD8709B-5E07-42D3-B042-33DCC180BF1A}" type="slidenum">
               <a:t>&lt;#&gt;</a:t>
             </a:fld>
           </a:p>
@@ -4661,7 +4661,7 @@
         <p:txBody>
           <a:bodyPr/>
           <a:p>
-            <a:fld id="{97DB303D-13DC-4E62-9FD0-C1F0C6B50F3C}" type="slidenum">
+            <a:fld id="{1F9218DB-07EA-41B0-A715-52B82F239CA6}" type="slidenum">
               <a:t>&lt;#&gt;</a:t>
             </a:fld>
           </a:p>
@@ -4849,7 +4849,7 @@
         <p:txBody>
           <a:bodyPr/>
           <a:p>
-            <a:fld id="{91CCCE83-C6DF-46F0-BC18-54BFB018D348}" type="slidenum">
+            <a:fld id="{C09B52D3-D29D-4FDC-A6E7-229D63E2B625}" type="slidenum">
               <a:t>&lt;#&gt;</a:t>
             </a:fld>
           </a:p>
@@ -5105,7 +5105,7 @@
         <p:txBody>
           <a:bodyPr/>
           <a:p>
-            <a:fld id="{DAD5A828-A3DB-48E0-B50D-3627145E00D2}" type="slidenum">
+            <a:fld id="{4222256C-9417-4493-AC04-132904F3806A}" type="slidenum">
               <a:t>&lt;#&gt;</a:t>
             </a:fld>
           </a:p>
@@ -5429,7 +5429,7 @@
         <p:txBody>
           <a:bodyPr/>
           <a:p>
-            <a:fld id="{9532A1C3-DA8F-4805-AE3F-A7358499A73F}" type="slidenum">
+            <a:fld id="{7F69A049-5F96-457D-B265-BD138C4D39C9}" type="slidenum">
               <a:t>&lt;#&gt;</a:t>
             </a:fld>
           </a:p>
@@ -5617,7 +5617,7 @@
         <p:txBody>
           <a:bodyPr/>
           <a:p>
-            <a:fld id="{64781B1E-65C1-436D-BA8C-0828E3BFD48D}" type="slidenum">
+            <a:fld id="{9B99FB46-3020-4482-B9A9-0C7DAC810C00}" type="slidenum">
               <a:t>&lt;#&gt;</a:t>
             </a:fld>
           </a:p>
@@ -5737,7 +5737,7 @@
         <p:txBody>
           <a:bodyPr/>
           <a:p>
-            <a:fld id="{12C223A8-8F1F-4A49-A9C6-B1E90DD7E6A3}" type="slidenum">
+            <a:fld id="{763C7587-FC6B-49B8-8B85-732EC0A34976}" type="slidenum">
               <a:t>&lt;#&gt;</a:t>
             </a:fld>
           </a:p>
@@ -5857,7 +5857,7 @@
         <p:txBody>
           <a:bodyPr/>
           <a:p>
-            <a:fld id="{4DCEBBF8-7D10-4E6F-A696-BD7A25E964E3}" type="slidenum">
+            <a:fld id="{59A2D329-19A4-41B1-A755-AC797A6E3828}" type="slidenum">
               <a:t>&lt;#&gt;</a:t>
             </a:fld>
           </a:p>
@@ -6079,7 +6079,7 @@
         <p:txBody>
           <a:bodyPr/>
           <a:p>
-            <a:fld id="{F5691343-7699-4D4D-BB9B-B807F5E4602F}" type="slidenum">
+            <a:fld id="{3821B623-0BF2-40CD-A863-2C9A10F29393}" type="slidenum">
               <a:t>&lt;#&gt;</a:t>
             </a:fld>
           </a:p>
@@ -6301,7 +6301,7 @@
         <p:txBody>
           <a:bodyPr/>
           <a:p>
-            <a:fld id="{B103C334-3D5D-4AB0-BDAF-BCB9009BD81D}" type="slidenum">
+            <a:fld id="{629B9022-4044-43C0-970B-C634AD1073DB}" type="slidenum">
               <a:t>&lt;#&gt;</a:t>
             </a:fld>
           </a:p>
@@ -6523,7 +6523,7 @@
         <p:txBody>
           <a:bodyPr/>
           <a:p>
-            <a:fld id="{972CCCA8-0E68-4C1C-8021-B5E932A2A9FC}" type="slidenum">
+            <a:fld id="{4243FC49-F6BC-48C1-9F50-347229229089}" type="slidenum">
               <a:t>&lt;#&gt;</a:t>
             </a:fld>
           </a:p>
@@ -6785,7 +6785,7 @@
               </a:lnSpc>
               <a:buNone/>
             </a:pPr>
-            <a:fld id="{AC0534F4-CA2F-4C2B-8447-B6DD73DC4170}" type="slidenum">
+            <a:fld id="{69B4113B-3651-4393-9C83-5D845F60AD4E}" type="slidenum">
               <a:rPr b="1" lang="en-US" sz="1800" spc="-1" strike="noStrike">
                 <a:solidFill>
                   <a:srgbClr val="ffffff"/>
@@ -7190,7 +7190,7 @@
               </a:lnSpc>
               <a:buNone/>
             </a:pPr>
-            <a:fld id="{5B0F5F9E-043B-4A06-AB1A-2AA99CBEBC27}" type="slidenum">
+            <a:fld id="{2FBB4B63-8220-44E5-849C-BC10A106F486}" type="slidenum">
               <a:rPr b="1" lang="en-US" sz="1800" spc="-1" strike="noStrike">
                 <a:solidFill>
                   <a:srgbClr val="ffffff"/>
@@ -7977,7 +7977,7 @@
               </a:lnSpc>
               <a:buNone/>
             </a:pPr>
-            <a:fld id="{EA2A2351-9588-4ED1-BC80-81BD19F7E7D7}" type="slidenum">
+            <a:fld id="{DAD8DF18-1287-40C2-AD47-D5D6056D5909}" type="slidenum">
               <a:rPr b="1" lang="en-US" sz="1800" spc="-1" strike="noStrike">
                 <a:solidFill>
                   <a:srgbClr val="ffffff"/>
@@ -9581,7 +9581,7 @@
         <p:txBody>
           <a:bodyPr/>
           <a:p>
-            <a:fld id="{9BDEDA99-723E-4466-B742-9EBA71CB8E16}" type="slidenum">
+            <a:fld id="{F29BDB37-C311-4B4D-A235-74C50FE1AD4A}" type="slidenum">
               <a:t>14</a:t>
             </a:fld>
           </a:p>
@@ -13060,7 +13060,7 @@
         </p:spPr>
         <p:txBody>
           <a:bodyPr lIns="0" rIns="0" tIns="0" bIns="0" anchor="t">
-            <a:normAutofit fontScale="58000"/>
+            <a:normAutofit fontScale="52000"/>
           </a:bodyPr>
           <a:p>
             <a:pPr marL="432000" indent="-324000">
@@ -13273,6 +13273,15 @@
               <a:buFont typeface="Wingdings" charset="2"/>
               <a:buChar char=""/>
             </a:pPr>
+            <a:r>
+              <a:rPr b="1" lang="en-US" sz="2400" spc="-1" strike="noStrike">
+                <a:solidFill>
+                  <a:srgbClr val="2c3e50"/>
+                </a:solidFill>
+                <a:latin typeface="Noto Sans"/>
+              </a:rPr>
+              <a:t>We can also use direct communication between virtual hardware devices to simulate BUS mastering</a:t>
+            </a:r>
             <a:endParaRPr b="0" lang="en-US" sz="2400" spc="-1" strike="noStrike">
               <a:latin typeface="Arial"/>
             </a:endParaRPr>
@@ -13757,16 +13766,7 @@
                 </a:solidFill>
                 <a:latin typeface="Noto Sans"/>
               </a:rPr>
-              <a:t>Any of the interfaces can send or accept network traffic as if it were the </a:t>
-            </a:r>
-            <a:r>
-              <a:rPr b="1" lang="en-US" sz="2400" spc="-1" strike="noStrike">
-                <a:solidFill>
-                  <a:srgbClr val="2c3e50"/>
-                </a:solidFill>
-                <a:latin typeface="Noto Sans"/>
-              </a:rPr>
-              <a:t>same interface</a:t>
+              <a:t>Any of the interfaces can send or accept network traffic as if it were the same interface</a:t>
             </a:r>
             <a:endParaRPr b="0" lang="en-US" sz="2400" spc="-1" strike="noStrike">
               <a:latin typeface="Arial"/>

--- a/Replicated.pptx
+++ b/Replicated.pptx
@@ -78,7 +78,7 @@
         <p:txBody>
           <a:bodyPr/>
           <a:p>
-            <a:fld id="{B2F956FB-AB8B-46F0-9492-1BE6E4C2F3EC}" type="slidenum">
+            <a:fld id="{53C4DD80-B495-4E9F-BDBB-B3200EB82E1E}" type="slidenum">
               <a:t>&lt;#&gt;</a:t>
             </a:fld>
           </a:p>
@@ -266,7 +266,7 @@
         <p:txBody>
           <a:bodyPr/>
           <a:p>
-            <a:fld id="{20482EBB-EABB-4321-9ABF-D8EB4D685EDE}" type="slidenum">
+            <a:fld id="{BEC1A9A3-9BBB-476A-973E-5772012A3DC5}" type="slidenum">
               <a:t>&lt;#&gt;</a:t>
             </a:fld>
           </a:p>
@@ -522,7 +522,7 @@
         <p:txBody>
           <a:bodyPr/>
           <a:p>
-            <a:fld id="{09135796-1249-4523-94CA-38C75B925108}" type="slidenum">
+            <a:fld id="{4B64ADCD-FD06-4697-971D-E0B02D4AE526}" type="slidenum">
               <a:t>&lt;#&gt;</a:t>
             </a:fld>
           </a:p>
@@ -846,7 +846,7 @@
         <p:txBody>
           <a:bodyPr/>
           <a:p>
-            <a:fld id="{9443CC31-3A00-4B7A-81E8-F8442E6D366E}" type="slidenum">
+            <a:fld id="{4B0712E6-7849-42E7-8355-198EBA14CD80}" type="slidenum">
               <a:t>&lt;#&gt;</a:t>
             </a:fld>
           </a:p>
@@ -1907,7 +1907,7 @@
         <p:txBody>
           <a:bodyPr/>
           <a:p>
-            <a:fld id="{A7F2F69C-2B92-4A16-A2FE-8F19A94366F8}" type="slidenum">
+            <a:fld id="{4C98C2AB-90FD-434E-9B24-0852D5262E69}" type="slidenum">
               <a:t>&lt;#&gt;</a:t>
             </a:fld>
           </a:p>
@@ -3102,7 +3102,7 @@
         <p:txBody>
           <a:bodyPr/>
           <a:p>
-            <a:fld id="{47D8BFC5-B4ED-4FA3-BC86-6EADA37244E6}" type="slidenum">
+            <a:fld id="{7CCB1F32-3B59-4C70-956C-DA9D52443F9B}" type="slidenum">
               <a:t>&lt;#&gt;</a:t>
             </a:fld>
           </a:p>
@@ -3259,7 +3259,7 @@
         <p:txBody>
           <a:bodyPr/>
           <a:p>
-            <a:fld id="{6821C90A-8E9C-452F-8833-AA4D7F948939}" type="slidenum">
+            <a:fld id="{A017B511-5500-4157-A87A-3A6F853AE241}" type="slidenum">
               <a:t>&lt;#&gt;</a:t>
             </a:fld>
           </a:p>
@@ -3413,7 +3413,7 @@
         <p:txBody>
           <a:bodyPr/>
           <a:p>
-            <a:fld id="{5FB932C5-7092-4263-B9D4-AEB5E012D4B3}" type="slidenum">
+            <a:fld id="{F89A717B-5706-4F64-A127-1D4AB1F4E492}" type="slidenum">
               <a:t>&lt;#&gt;</a:t>
             </a:fld>
           </a:p>
@@ -3601,7 +3601,7 @@
         <p:txBody>
           <a:bodyPr/>
           <a:p>
-            <a:fld id="{C4B173B0-75C1-4224-80D9-82BD2828655D}" type="slidenum">
+            <a:fld id="{7377A42B-3F58-4094-812F-5CAF7FD27D6E}" type="slidenum">
               <a:t>&lt;#&gt;</a:t>
             </a:fld>
           </a:p>
@@ -3721,7 +3721,7 @@
         <p:txBody>
           <a:bodyPr/>
           <a:p>
-            <a:fld id="{AB69B121-ECA6-46C4-B326-18DE717C83AB}" type="slidenum">
+            <a:fld id="{A26A1CF4-0C14-46E8-8C8C-3F09E8EB59EE}" type="slidenum">
               <a:t>&lt;#&gt;</a:t>
             </a:fld>
           </a:p>
@@ -3875,7 +3875,7 @@
         <p:txBody>
           <a:bodyPr/>
           <a:p>
-            <a:fld id="{7958DB3C-0CEC-4BFD-9DB1-B97A7B431CA8}" type="slidenum">
+            <a:fld id="{3EECD2C5-2A88-49E9-A8F2-E1D6A27A623D}" type="slidenum">
               <a:t>&lt;#&gt;</a:t>
             </a:fld>
           </a:p>
@@ -3995,7 +3995,7 @@
         <p:txBody>
           <a:bodyPr/>
           <a:p>
-            <a:fld id="{373ACEE1-4D71-4896-9111-77823618C287}" type="slidenum">
+            <a:fld id="{1098804E-65A9-427A-BA8D-49286A5C269C}" type="slidenum">
               <a:t>&lt;#&gt;</a:t>
             </a:fld>
           </a:p>
@@ -4217,7 +4217,7 @@
         <p:txBody>
           <a:bodyPr/>
           <a:p>
-            <a:fld id="{50E4F7B6-3234-4D72-8296-E343C360C380}" type="slidenum">
+            <a:fld id="{C2C50B47-2F76-412F-BCB3-BA5ECCBE24B0}" type="slidenum">
               <a:t>&lt;#&gt;</a:t>
             </a:fld>
           </a:p>
@@ -4439,7 +4439,7 @@
         <p:txBody>
           <a:bodyPr/>
           <a:p>
-            <a:fld id="{7BD8709B-5E07-42D3-B042-33DCC180BF1A}" type="slidenum">
+            <a:fld id="{5952F050-D98B-4D3F-8128-2E46DF8DC869}" type="slidenum">
               <a:t>&lt;#&gt;</a:t>
             </a:fld>
           </a:p>
@@ -4661,7 +4661,7 @@
         <p:txBody>
           <a:bodyPr/>
           <a:p>
-            <a:fld id="{1F9218DB-07EA-41B0-A715-52B82F239CA6}" type="slidenum">
+            <a:fld id="{FAA877E1-CF2E-4C39-A7AB-7C7A6015B5AA}" type="slidenum">
               <a:t>&lt;#&gt;</a:t>
             </a:fld>
           </a:p>
@@ -4849,7 +4849,7 @@
         <p:txBody>
           <a:bodyPr/>
           <a:p>
-            <a:fld id="{C09B52D3-D29D-4FDC-A6E7-229D63E2B625}" type="slidenum">
+            <a:fld id="{6E725AF7-8631-47B2-9462-977BD619F36F}" type="slidenum">
               <a:t>&lt;#&gt;</a:t>
             </a:fld>
           </a:p>
@@ -5105,7 +5105,7 @@
         <p:txBody>
           <a:bodyPr/>
           <a:p>
-            <a:fld id="{4222256C-9417-4493-AC04-132904F3806A}" type="slidenum">
+            <a:fld id="{EF6623D8-DE36-40E1-BEC1-DF4A3437F127}" type="slidenum">
               <a:t>&lt;#&gt;</a:t>
             </a:fld>
           </a:p>
@@ -5429,7 +5429,7 @@
         <p:txBody>
           <a:bodyPr/>
           <a:p>
-            <a:fld id="{7F69A049-5F96-457D-B265-BD138C4D39C9}" type="slidenum">
+            <a:fld id="{FDBDB882-9E0F-48C8-BE1E-BC91F10EF099}" type="slidenum">
               <a:t>&lt;#&gt;</a:t>
             </a:fld>
           </a:p>
@@ -5617,7 +5617,7 @@
         <p:txBody>
           <a:bodyPr/>
           <a:p>
-            <a:fld id="{9B99FB46-3020-4482-B9A9-0C7DAC810C00}" type="slidenum">
+            <a:fld id="{4D8DD62B-C39C-42A6-86F8-1243D28BD016}" type="slidenum">
               <a:t>&lt;#&gt;</a:t>
             </a:fld>
           </a:p>
@@ -5737,7 +5737,7 @@
         <p:txBody>
           <a:bodyPr/>
           <a:p>
-            <a:fld id="{763C7587-FC6B-49B8-8B85-732EC0A34976}" type="slidenum">
+            <a:fld id="{F2799F15-71CF-47E4-AA96-99611E3C48E1}" type="slidenum">
               <a:t>&lt;#&gt;</a:t>
             </a:fld>
           </a:p>
@@ -5857,7 +5857,7 @@
         <p:txBody>
           <a:bodyPr/>
           <a:p>
-            <a:fld id="{59A2D329-19A4-41B1-A755-AC797A6E3828}" type="slidenum">
+            <a:fld id="{20CF228B-26E6-4779-977E-BE2DF4EB7FC9}" type="slidenum">
               <a:t>&lt;#&gt;</a:t>
             </a:fld>
           </a:p>
@@ -6079,7 +6079,7 @@
         <p:txBody>
           <a:bodyPr/>
           <a:p>
-            <a:fld id="{3821B623-0BF2-40CD-A863-2C9A10F29393}" type="slidenum">
+            <a:fld id="{21346410-A27A-495C-BAE5-EF13BA02F4B2}" type="slidenum">
               <a:t>&lt;#&gt;</a:t>
             </a:fld>
           </a:p>
@@ -6301,7 +6301,7 @@
         <p:txBody>
           <a:bodyPr/>
           <a:p>
-            <a:fld id="{629B9022-4044-43C0-970B-C634AD1073DB}" type="slidenum">
+            <a:fld id="{271D747E-C244-4541-B9D1-9018FFDB52A5}" type="slidenum">
               <a:t>&lt;#&gt;</a:t>
             </a:fld>
           </a:p>
@@ -6523,7 +6523,7 @@
         <p:txBody>
           <a:bodyPr/>
           <a:p>
-            <a:fld id="{4243FC49-F6BC-48C1-9F50-347229229089}" type="slidenum">
+            <a:fld id="{CA5026F9-6E56-4720-87F9-36BDFC391837}" type="slidenum">
               <a:t>&lt;#&gt;</a:t>
             </a:fld>
           </a:p>
@@ -6785,7 +6785,7 @@
               </a:lnSpc>
               <a:buNone/>
             </a:pPr>
-            <a:fld id="{69B4113B-3651-4393-9C83-5D845F60AD4E}" type="slidenum">
+            <a:fld id="{A6B24619-7CFF-415C-BCE1-77E924E0FC56}" type="slidenum">
               <a:rPr b="1" lang="en-US" sz="1800" spc="-1" strike="noStrike">
                 <a:solidFill>
                   <a:srgbClr val="ffffff"/>
@@ -7190,7 +7190,7 @@
               </a:lnSpc>
               <a:buNone/>
             </a:pPr>
-            <a:fld id="{2FBB4B63-8220-44E5-849C-BC10A106F486}" type="slidenum">
+            <a:fld id="{3B1DBD2B-0279-416B-8B2C-820CE161F850}" type="slidenum">
               <a:rPr b="1" lang="en-US" sz="1800" spc="-1" strike="noStrike">
                 <a:solidFill>
                   <a:srgbClr val="ffffff"/>
@@ -7977,7 +7977,7 @@
               </a:lnSpc>
               <a:buNone/>
             </a:pPr>
-            <a:fld id="{DAD8DF18-1287-40C2-AD47-D5D6056D5909}" type="slidenum">
+            <a:fld id="{B1AFA040-77EF-45EC-A266-EBD0DA08F564}" type="slidenum">
               <a:rPr b="1" lang="en-US" sz="1800" spc="-1" strike="noStrike">
                 <a:solidFill>
                   <a:srgbClr val="ffffff"/>
@@ -9581,7 +9581,7 @@
         <p:txBody>
           <a:bodyPr/>
           <a:p>
-            <a:fld id="{F29BDB37-C311-4B4D-A235-74C50FE1AD4A}" type="slidenum">
+            <a:fld id="{100D5F1C-30CA-4C57-974F-B0FCAA2C446A}" type="slidenum">
               <a:t>14</a:t>
             </a:fld>
           </a:p>
@@ -13252,7 +13252,7 @@
                 </a:solidFill>
                 <a:latin typeface="Noto Sans"/>
               </a:rPr>
-              <a:t>Virtual distributed driver architecture virtual hardware transparently mimics the underlying resource pool and a regular driver stack can be used on top of it, treating the distributed hardware resources as one large virtual hardware resource pool backed by physical hardware resources on the network</a:t>
+              <a:t>Virtual distributed driver architecture virtual hardware transparently mimics the underlying resource pool and a regular driver stack can be used on top of it, treating the distributed hardware resources as one large virtual hardware resource backed by a pool of physical hardware resources on the network</a:t>
             </a:r>
             <a:endParaRPr b="0" lang="en-US" sz="2400" spc="-1" strike="noStrike">
               <a:latin typeface="Arial"/>

--- a/Replicated.pptx
+++ b/Replicated.pptx
@@ -78,7 +78,7 @@
         <p:txBody>
           <a:bodyPr/>
           <a:p>
-            <a:fld id="{53C4DD80-B495-4E9F-BDBB-B3200EB82E1E}" type="slidenum">
+            <a:fld id="{AB96BF53-E796-47C7-8870-41CFF9D22D0E}" type="slidenum">
               <a:t>&lt;#&gt;</a:t>
             </a:fld>
           </a:p>
@@ -266,7 +266,7 @@
         <p:txBody>
           <a:bodyPr/>
           <a:p>
-            <a:fld id="{BEC1A9A3-9BBB-476A-973E-5772012A3DC5}" type="slidenum">
+            <a:fld id="{9E916870-8F86-4CEA-89BC-59AB14D8E7EE}" type="slidenum">
               <a:t>&lt;#&gt;</a:t>
             </a:fld>
           </a:p>
@@ -522,7 +522,7 @@
         <p:txBody>
           <a:bodyPr/>
           <a:p>
-            <a:fld id="{4B64ADCD-FD06-4697-971D-E0B02D4AE526}" type="slidenum">
+            <a:fld id="{2338E899-D33A-4EE1-852C-4B810B9B86FE}" type="slidenum">
               <a:t>&lt;#&gt;</a:t>
             </a:fld>
           </a:p>
@@ -846,7 +846,7 @@
         <p:txBody>
           <a:bodyPr/>
           <a:p>
-            <a:fld id="{4B0712E6-7849-42E7-8355-198EBA14CD80}" type="slidenum">
+            <a:fld id="{00548651-4FE7-493D-9818-4C333967AF69}" type="slidenum">
               <a:t>&lt;#&gt;</a:t>
             </a:fld>
           </a:p>
@@ -1907,7 +1907,7 @@
         <p:txBody>
           <a:bodyPr/>
           <a:p>
-            <a:fld id="{4C98C2AB-90FD-434E-9B24-0852D5262E69}" type="slidenum">
+            <a:fld id="{652E4562-76BB-425E-850E-27B72575C646}" type="slidenum">
               <a:t>&lt;#&gt;</a:t>
             </a:fld>
           </a:p>
@@ -3102,7 +3102,7 @@
         <p:txBody>
           <a:bodyPr/>
           <a:p>
-            <a:fld id="{7CCB1F32-3B59-4C70-956C-DA9D52443F9B}" type="slidenum">
+            <a:fld id="{9F8BB8A8-BE1D-479B-A5A2-0E42C651D43F}" type="slidenum">
               <a:t>&lt;#&gt;</a:t>
             </a:fld>
           </a:p>
@@ -3259,7 +3259,7 @@
         <p:txBody>
           <a:bodyPr/>
           <a:p>
-            <a:fld id="{A017B511-5500-4157-A87A-3A6F853AE241}" type="slidenum">
+            <a:fld id="{76C11F1D-CECA-4375-B21D-DEE5A870EB25}" type="slidenum">
               <a:t>&lt;#&gt;</a:t>
             </a:fld>
           </a:p>
@@ -3413,7 +3413,7 @@
         <p:txBody>
           <a:bodyPr/>
           <a:p>
-            <a:fld id="{F89A717B-5706-4F64-A127-1D4AB1F4E492}" type="slidenum">
+            <a:fld id="{793E222A-0E85-4287-9DDF-AACE9A3E8E3E}" type="slidenum">
               <a:t>&lt;#&gt;</a:t>
             </a:fld>
           </a:p>
@@ -3601,7 +3601,7 @@
         <p:txBody>
           <a:bodyPr/>
           <a:p>
-            <a:fld id="{7377A42B-3F58-4094-812F-5CAF7FD27D6E}" type="slidenum">
+            <a:fld id="{FFD54B49-AE4E-457B-9228-34CAC1D839FA}" type="slidenum">
               <a:t>&lt;#&gt;</a:t>
             </a:fld>
           </a:p>
@@ -3721,7 +3721,7 @@
         <p:txBody>
           <a:bodyPr/>
           <a:p>
-            <a:fld id="{A26A1CF4-0C14-46E8-8C8C-3F09E8EB59EE}" type="slidenum">
+            <a:fld id="{8098D894-7C94-49D8-AEF2-26D0D8F3880A}" type="slidenum">
               <a:t>&lt;#&gt;</a:t>
             </a:fld>
           </a:p>
@@ -3875,7 +3875,7 @@
         <p:txBody>
           <a:bodyPr/>
           <a:p>
-            <a:fld id="{3EECD2C5-2A88-49E9-A8F2-E1D6A27A623D}" type="slidenum">
+            <a:fld id="{22C4026B-1D6B-42D1-8ACD-0D3FF6EB3A5C}" type="slidenum">
               <a:t>&lt;#&gt;</a:t>
             </a:fld>
           </a:p>
@@ -3995,7 +3995,7 @@
         <p:txBody>
           <a:bodyPr/>
           <a:p>
-            <a:fld id="{1098804E-65A9-427A-BA8D-49286A5C269C}" type="slidenum">
+            <a:fld id="{847AC652-B3B3-4219-98F5-DA5B3C01148C}" type="slidenum">
               <a:t>&lt;#&gt;</a:t>
             </a:fld>
           </a:p>
@@ -4217,7 +4217,7 @@
         <p:txBody>
           <a:bodyPr/>
           <a:p>
-            <a:fld id="{C2C50B47-2F76-412F-BCB3-BA5ECCBE24B0}" type="slidenum">
+            <a:fld id="{A23CF10E-B28F-4ED8-B775-57130413843B}" type="slidenum">
               <a:t>&lt;#&gt;</a:t>
             </a:fld>
           </a:p>
@@ -4439,7 +4439,7 @@
         <p:txBody>
           <a:bodyPr/>
           <a:p>
-            <a:fld id="{5952F050-D98B-4D3F-8128-2E46DF8DC869}" type="slidenum">
+            <a:fld id="{AAA978B9-B802-4520-B8ED-9914D4BC22D1}" type="slidenum">
               <a:t>&lt;#&gt;</a:t>
             </a:fld>
           </a:p>
@@ -4661,7 +4661,7 @@
         <p:txBody>
           <a:bodyPr/>
           <a:p>
-            <a:fld id="{FAA877E1-CF2E-4C39-A7AB-7C7A6015B5AA}" type="slidenum">
+            <a:fld id="{828B9AAD-C105-4934-B9D6-7C49766C5D76}" type="slidenum">
               <a:t>&lt;#&gt;</a:t>
             </a:fld>
           </a:p>
@@ -4849,7 +4849,7 @@
         <p:txBody>
           <a:bodyPr/>
           <a:p>
-            <a:fld id="{6E725AF7-8631-47B2-9462-977BD619F36F}" type="slidenum">
+            <a:fld id="{B6570E54-C2C1-40F0-B5D2-35537389EDD5}" type="slidenum">
               <a:t>&lt;#&gt;</a:t>
             </a:fld>
           </a:p>
@@ -5105,7 +5105,7 @@
         <p:txBody>
           <a:bodyPr/>
           <a:p>
-            <a:fld id="{EF6623D8-DE36-40E1-BEC1-DF4A3437F127}" type="slidenum">
+            <a:fld id="{0EE2D0D5-0F3A-42B1-9EE6-9BBC7BA3DB75}" type="slidenum">
               <a:t>&lt;#&gt;</a:t>
             </a:fld>
           </a:p>
@@ -5429,7 +5429,7 @@
         <p:txBody>
           <a:bodyPr/>
           <a:p>
-            <a:fld id="{FDBDB882-9E0F-48C8-BE1E-BC91F10EF099}" type="slidenum">
+            <a:fld id="{FF307D65-81C2-4699-92F8-14FD292ADD4E}" type="slidenum">
               <a:t>&lt;#&gt;</a:t>
             </a:fld>
           </a:p>
@@ -5617,7 +5617,7 @@
         <p:txBody>
           <a:bodyPr/>
           <a:p>
-            <a:fld id="{4D8DD62B-C39C-42A6-86F8-1243D28BD016}" type="slidenum">
+            <a:fld id="{450A9D36-6EAB-40FA-B4DE-B3923874F45E}" type="slidenum">
               <a:t>&lt;#&gt;</a:t>
             </a:fld>
           </a:p>
@@ -5737,7 +5737,7 @@
         <p:txBody>
           <a:bodyPr/>
           <a:p>
-            <a:fld id="{F2799F15-71CF-47E4-AA96-99611E3C48E1}" type="slidenum">
+            <a:fld id="{BD66B80A-F02E-4222-856D-C1BE2A93ADA2}" type="slidenum">
               <a:t>&lt;#&gt;</a:t>
             </a:fld>
           </a:p>
@@ -5857,7 +5857,7 @@
         <p:txBody>
           <a:bodyPr/>
           <a:p>
-            <a:fld id="{20CF228B-26E6-4779-977E-BE2DF4EB7FC9}" type="slidenum">
+            <a:fld id="{0587FBEB-E941-4B50-BA47-32BC045A70AC}" type="slidenum">
               <a:t>&lt;#&gt;</a:t>
             </a:fld>
           </a:p>
@@ -6079,7 +6079,7 @@
         <p:txBody>
           <a:bodyPr/>
           <a:p>
-            <a:fld id="{21346410-A27A-495C-BAE5-EF13BA02F4B2}" type="slidenum">
+            <a:fld id="{1E9D86C2-B23A-47BF-AF56-D9BB5F0226CA}" type="slidenum">
               <a:t>&lt;#&gt;</a:t>
             </a:fld>
           </a:p>
@@ -6301,7 +6301,7 @@
         <p:txBody>
           <a:bodyPr/>
           <a:p>
-            <a:fld id="{271D747E-C244-4541-B9D1-9018FFDB52A5}" type="slidenum">
+            <a:fld id="{262D4364-C913-4DC4-9732-602624C1B90C}" type="slidenum">
               <a:t>&lt;#&gt;</a:t>
             </a:fld>
           </a:p>
@@ -6523,7 +6523,7 @@
         <p:txBody>
           <a:bodyPr/>
           <a:p>
-            <a:fld id="{CA5026F9-6E56-4720-87F9-36BDFC391837}" type="slidenum">
+            <a:fld id="{EC68782E-BAA8-4B11-ADF9-CDDDF0285ABC}" type="slidenum">
               <a:t>&lt;#&gt;</a:t>
             </a:fld>
           </a:p>
@@ -6785,7 +6785,7 @@
               </a:lnSpc>
               <a:buNone/>
             </a:pPr>
-            <a:fld id="{A6B24619-7CFF-415C-BCE1-77E924E0FC56}" type="slidenum">
+            <a:fld id="{AAA96CCB-4990-435B-9F71-A800B23AA33F}" type="slidenum">
               <a:rPr b="1" lang="en-US" sz="1800" spc="-1" strike="noStrike">
                 <a:solidFill>
                   <a:srgbClr val="ffffff"/>
@@ -7190,7 +7190,7 @@
               </a:lnSpc>
               <a:buNone/>
             </a:pPr>
-            <a:fld id="{3B1DBD2B-0279-416B-8B2C-820CE161F850}" type="slidenum">
+            <a:fld id="{0BC0BF9D-742E-4D95-ACE9-D7FDB168D05B}" type="slidenum">
               <a:rPr b="1" lang="en-US" sz="1800" spc="-1" strike="noStrike">
                 <a:solidFill>
                   <a:srgbClr val="ffffff"/>
@@ -7977,7 +7977,7 @@
               </a:lnSpc>
               <a:buNone/>
             </a:pPr>
-            <a:fld id="{B1AFA040-77EF-45EC-A266-EBD0DA08F564}" type="slidenum">
+            <a:fld id="{B999266B-9822-46C0-8439-40FC407E911B}" type="slidenum">
               <a:rPr b="1" lang="en-US" sz="1800" spc="-1" strike="noStrike">
                 <a:solidFill>
                   <a:srgbClr val="ffffff"/>
@@ -9581,7 +9581,7 @@
         <p:txBody>
           <a:bodyPr/>
           <a:p>
-            <a:fld id="{100D5F1C-30CA-4C57-974F-B0FCAA2C446A}" type="slidenum">
+            <a:fld id="{7EE9B76C-6A96-4A89-B0E2-ADADE4975274}" type="slidenum">
               <a:t>14</a:t>
             </a:fld>
           </a:p>
@@ -10210,7 +10210,16 @@
                 </a:solidFill>
                 <a:latin typeface="Noto Sans"/>
               </a:rPr>
-              <a:t>With this architecture we can use arbitrary drivers, even drivers we don’t know of or drivers that haven’t loaded yet!</a:t>
+              <a:t>With this architecture we can use arbitrary drivers, even drivers we don’t know of or drivers </a:t>
+            </a:r>
+            <a:r>
+              <a:rPr b="1" lang="en-US" sz="2400" spc="-1" strike="noStrike">
+                <a:solidFill>
+                  <a:srgbClr val="2c3e50"/>
+                </a:solidFill>
+                <a:latin typeface="Noto Sans"/>
+              </a:rPr>
+              <a:t>that haven’t loaded yet!</a:t>
             </a:r>
             <a:endParaRPr b="0" lang="en-US" sz="2400" spc="-1" strike="noStrike">
               <a:latin typeface="Arial"/>

--- a/Replicated.pptx
+++ b/Replicated.pptx
@@ -78,7 +78,7 @@
         <p:txBody>
           <a:bodyPr/>
           <a:p>
-            <a:fld id="{AB96BF53-E796-47C7-8870-41CFF9D22D0E}" type="slidenum">
+            <a:fld id="{EE7C5849-E046-4602-9AC9-BAAF4BE3DD6F}" type="slidenum">
               <a:t>&lt;#&gt;</a:t>
             </a:fld>
           </a:p>
@@ -266,7 +266,7 @@
         <p:txBody>
           <a:bodyPr/>
           <a:p>
-            <a:fld id="{9E916870-8F86-4CEA-89BC-59AB14D8E7EE}" type="slidenum">
+            <a:fld id="{CC275E5F-FFD7-4C7F-A3FE-71487C068E05}" type="slidenum">
               <a:t>&lt;#&gt;</a:t>
             </a:fld>
           </a:p>
@@ -522,7 +522,7 @@
         <p:txBody>
           <a:bodyPr/>
           <a:p>
-            <a:fld id="{2338E899-D33A-4EE1-852C-4B810B9B86FE}" type="slidenum">
+            <a:fld id="{D98539B9-248F-45BD-9528-766621C57DEA}" type="slidenum">
               <a:t>&lt;#&gt;</a:t>
             </a:fld>
           </a:p>
@@ -846,7 +846,7 @@
         <p:txBody>
           <a:bodyPr/>
           <a:p>
-            <a:fld id="{00548651-4FE7-493D-9818-4C333967AF69}" type="slidenum">
+            <a:fld id="{F874BE65-BFCD-4C75-9A05-3B0FFC57106C}" type="slidenum">
               <a:t>&lt;#&gt;</a:t>
             </a:fld>
           </a:p>
@@ -1907,7 +1907,7 @@
         <p:txBody>
           <a:bodyPr/>
           <a:p>
-            <a:fld id="{652E4562-76BB-425E-850E-27B72575C646}" type="slidenum">
+            <a:fld id="{9EAA4F66-A1D1-4975-BC27-3D8C4739E78E}" type="slidenum">
               <a:t>&lt;#&gt;</a:t>
             </a:fld>
           </a:p>
@@ -3102,7 +3102,7 @@
         <p:txBody>
           <a:bodyPr/>
           <a:p>
-            <a:fld id="{9F8BB8A8-BE1D-479B-A5A2-0E42C651D43F}" type="slidenum">
+            <a:fld id="{E192F6C1-1417-4BD6-952A-889BE394D050}" type="slidenum">
               <a:t>&lt;#&gt;</a:t>
             </a:fld>
           </a:p>
@@ -3259,7 +3259,7 @@
         <p:txBody>
           <a:bodyPr/>
           <a:p>
-            <a:fld id="{76C11F1D-CECA-4375-B21D-DEE5A870EB25}" type="slidenum">
+            <a:fld id="{7B338BE1-BBC6-4087-B874-0812CC74F4B9}" type="slidenum">
               <a:t>&lt;#&gt;</a:t>
             </a:fld>
           </a:p>
@@ -3413,7 +3413,7 @@
         <p:txBody>
           <a:bodyPr/>
           <a:p>
-            <a:fld id="{793E222A-0E85-4287-9DDF-AACE9A3E8E3E}" type="slidenum">
+            <a:fld id="{5EAEFC76-348C-4956-B44A-B998A2EB7CD6}" type="slidenum">
               <a:t>&lt;#&gt;</a:t>
             </a:fld>
           </a:p>
@@ -3601,7 +3601,7 @@
         <p:txBody>
           <a:bodyPr/>
           <a:p>
-            <a:fld id="{FFD54B49-AE4E-457B-9228-34CAC1D839FA}" type="slidenum">
+            <a:fld id="{601A7109-047C-4D5F-B2E8-C223A9CFFA92}" type="slidenum">
               <a:t>&lt;#&gt;</a:t>
             </a:fld>
           </a:p>
@@ -3721,7 +3721,7 @@
         <p:txBody>
           <a:bodyPr/>
           <a:p>
-            <a:fld id="{8098D894-7C94-49D8-AEF2-26D0D8F3880A}" type="slidenum">
+            <a:fld id="{98D6E2C1-EE02-4960-94F6-27D16542ACE0}" type="slidenum">
               <a:t>&lt;#&gt;</a:t>
             </a:fld>
           </a:p>
@@ -3875,7 +3875,7 @@
         <p:txBody>
           <a:bodyPr/>
           <a:p>
-            <a:fld id="{22C4026B-1D6B-42D1-8ACD-0D3FF6EB3A5C}" type="slidenum">
+            <a:fld id="{2CB8047D-9B62-4643-B936-D04C13E9C3B3}" type="slidenum">
               <a:t>&lt;#&gt;</a:t>
             </a:fld>
           </a:p>
@@ -3995,7 +3995,7 @@
         <p:txBody>
           <a:bodyPr/>
           <a:p>
-            <a:fld id="{847AC652-B3B3-4219-98F5-DA5B3C01148C}" type="slidenum">
+            <a:fld id="{293B7FFD-84C1-4AD6-BB76-21C5045A6542}" type="slidenum">
               <a:t>&lt;#&gt;</a:t>
             </a:fld>
           </a:p>
@@ -4217,7 +4217,7 @@
         <p:txBody>
           <a:bodyPr/>
           <a:p>
-            <a:fld id="{A23CF10E-B28F-4ED8-B775-57130413843B}" type="slidenum">
+            <a:fld id="{AC78DFC9-27E7-429B-973D-3FED78D34274}" type="slidenum">
               <a:t>&lt;#&gt;</a:t>
             </a:fld>
           </a:p>
@@ -4439,7 +4439,7 @@
         <p:txBody>
           <a:bodyPr/>
           <a:p>
-            <a:fld id="{AAA978B9-B802-4520-B8ED-9914D4BC22D1}" type="slidenum">
+            <a:fld id="{A5C997D9-9462-4528-9E74-0F0E30466300}" type="slidenum">
               <a:t>&lt;#&gt;</a:t>
             </a:fld>
           </a:p>
@@ -4661,7 +4661,7 @@
         <p:txBody>
           <a:bodyPr/>
           <a:p>
-            <a:fld id="{828B9AAD-C105-4934-B9D6-7C49766C5D76}" type="slidenum">
+            <a:fld id="{086E6465-4312-481B-9153-E9A693BCB026}" type="slidenum">
               <a:t>&lt;#&gt;</a:t>
             </a:fld>
           </a:p>
@@ -4849,7 +4849,7 @@
         <p:txBody>
           <a:bodyPr/>
           <a:p>
-            <a:fld id="{B6570E54-C2C1-40F0-B5D2-35537389EDD5}" type="slidenum">
+            <a:fld id="{E89A7270-B261-40EE-ACEA-75F380E99CEF}" type="slidenum">
               <a:t>&lt;#&gt;</a:t>
             </a:fld>
           </a:p>
@@ -5105,7 +5105,7 @@
         <p:txBody>
           <a:bodyPr/>
           <a:p>
-            <a:fld id="{0EE2D0D5-0F3A-42B1-9EE6-9BBC7BA3DB75}" type="slidenum">
+            <a:fld id="{09183C9A-508D-4DD2-8EAF-AE0FF79B190C}" type="slidenum">
               <a:t>&lt;#&gt;</a:t>
             </a:fld>
           </a:p>
@@ -5429,7 +5429,7 @@
         <p:txBody>
           <a:bodyPr/>
           <a:p>
-            <a:fld id="{FF307D65-81C2-4699-92F8-14FD292ADD4E}" type="slidenum">
+            <a:fld id="{B7E783C2-17FC-4B97-8F92-7E0520A21016}" type="slidenum">
               <a:t>&lt;#&gt;</a:t>
             </a:fld>
           </a:p>
@@ -5617,7 +5617,7 @@
         <p:txBody>
           <a:bodyPr/>
           <a:p>
-            <a:fld id="{450A9D36-6EAB-40FA-B4DE-B3923874F45E}" type="slidenum">
+            <a:fld id="{28C9E8BD-AF19-43B1-83AA-3970B47CCC68}" type="slidenum">
               <a:t>&lt;#&gt;</a:t>
             </a:fld>
           </a:p>
@@ -5737,7 +5737,7 @@
         <p:txBody>
           <a:bodyPr/>
           <a:p>
-            <a:fld id="{BD66B80A-F02E-4222-856D-C1BE2A93ADA2}" type="slidenum">
+            <a:fld id="{ABBD5F14-8F92-49EA-9BD2-82CA588B7BC9}" type="slidenum">
               <a:t>&lt;#&gt;</a:t>
             </a:fld>
           </a:p>
@@ -5857,7 +5857,7 @@
         <p:txBody>
           <a:bodyPr/>
           <a:p>
-            <a:fld id="{0587FBEB-E941-4B50-BA47-32BC045A70AC}" type="slidenum">
+            <a:fld id="{68983357-FE8B-4588-A16A-AF01E16B2AB6}" type="slidenum">
               <a:t>&lt;#&gt;</a:t>
             </a:fld>
           </a:p>
@@ -6079,7 +6079,7 @@
         <p:txBody>
           <a:bodyPr/>
           <a:p>
-            <a:fld id="{1E9D86C2-B23A-47BF-AF56-D9BB5F0226CA}" type="slidenum">
+            <a:fld id="{3CA2A760-46FC-4AEE-B070-6AB2D6B859D4}" type="slidenum">
               <a:t>&lt;#&gt;</a:t>
             </a:fld>
           </a:p>
@@ -6301,7 +6301,7 @@
         <p:txBody>
           <a:bodyPr/>
           <a:p>
-            <a:fld id="{262D4364-C913-4DC4-9732-602624C1B90C}" type="slidenum">
+            <a:fld id="{DB7D4972-E1BE-441D-8C8E-88C117486388}" type="slidenum">
               <a:t>&lt;#&gt;</a:t>
             </a:fld>
           </a:p>
@@ -6523,7 +6523,7 @@
         <p:txBody>
           <a:bodyPr/>
           <a:p>
-            <a:fld id="{EC68782E-BAA8-4B11-ADF9-CDDDF0285ABC}" type="slidenum">
+            <a:fld id="{1AF27BCD-72E0-4774-80CD-8547120712FB}" type="slidenum">
               <a:t>&lt;#&gt;</a:t>
             </a:fld>
           </a:p>
@@ -6785,7 +6785,7 @@
               </a:lnSpc>
               <a:buNone/>
             </a:pPr>
-            <a:fld id="{AAA96CCB-4990-435B-9F71-A800B23AA33F}" type="slidenum">
+            <a:fld id="{A79C8163-5F42-4AFB-B5D2-A7150444A0A0}" type="slidenum">
               <a:rPr b="1" lang="en-US" sz="1800" spc="-1" strike="noStrike">
                 <a:solidFill>
                   <a:srgbClr val="ffffff"/>
@@ -7190,7 +7190,7 @@
               </a:lnSpc>
               <a:buNone/>
             </a:pPr>
-            <a:fld id="{0BC0BF9D-742E-4D95-ACE9-D7FDB168D05B}" type="slidenum">
+            <a:fld id="{323CAB29-96D5-46C7-A48B-AD429CB2414C}" type="slidenum">
               <a:rPr b="1" lang="en-US" sz="1800" spc="-1" strike="noStrike">
                 <a:solidFill>
                   <a:srgbClr val="ffffff"/>
@@ -7977,7 +7977,7 @@
               </a:lnSpc>
               <a:buNone/>
             </a:pPr>
-            <a:fld id="{B999266B-9822-46C0-8439-40FC407E911B}" type="slidenum">
+            <a:fld id="{F982ADCE-06E2-4984-ABA1-2A80829E7893}" type="slidenum">
               <a:rPr b="1" lang="en-US" sz="1800" spc="-1" strike="noStrike">
                 <a:solidFill>
                   <a:srgbClr val="ffffff"/>
@@ -8194,7 +8194,7 @@
       </p:grpSpPr>
       <p:sp>
         <p:nvSpPr>
-          <p:cNvPr id="183" name="PlaceHolder 1"/>
+          <p:cNvPr id="185" name="PlaceHolder 1"/>
           <p:cNvSpPr>
             <a:spLocks noGrp="1"/>
           </p:cNvSpPr>
@@ -8252,7 +8252,7 @@
       </p:sp>
       <p:sp>
         <p:nvSpPr>
-          <p:cNvPr id="184" name="PlaceHolder 2"/>
+          <p:cNvPr id="186" name="PlaceHolder 2"/>
           <p:cNvSpPr>
             <a:spLocks noGrp="1"/>
           </p:cNvSpPr>
@@ -8479,7 +8479,7 @@
       </p:grpSpPr>
       <p:sp>
         <p:nvSpPr>
-          <p:cNvPr id="185" name="PlaceHolder 1"/>
+          <p:cNvPr id="187" name="PlaceHolder 1"/>
           <p:cNvSpPr>
             <a:spLocks noGrp="1"/>
           </p:cNvSpPr>
@@ -8537,7 +8537,7 @@
       </p:sp>
       <p:sp>
         <p:nvSpPr>
-          <p:cNvPr id="186" name="PlaceHolder 2"/>
+          <p:cNvPr id="188" name="PlaceHolder 2"/>
           <p:cNvSpPr>
             <a:spLocks noGrp="1"/>
           </p:cNvSpPr>
@@ -8876,7 +8876,7 @@
       </p:grpSpPr>
       <p:sp>
         <p:nvSpPr>
-          <p:cNvPr id="187" name="PlaceHolder 1"/>
+          <p:cNvPr id="189" name="PlaceHolder 1"/>
           <p:cNvSpPr>
             <a:spLocks noGrp="1"/>
           </p:cNvSpPr>
@@ -8934,7 +8934,7 @@
       </p:sp>
       <p:sp>
         <p:nvSpPr>
-          <p:cNvPr id="188" name="PlaceHolder 2"/>
+          <p:cNvPr id="190" name="PlaceHolder 2"/>
           <p:cNvSpPr>
             <a:spLocks noGrp="1"/>
           </p:cNvSpPr>
@@ -9315,7 +9315,7 @@
       </p:grpSpPr>
       <p:sp>
         <p:nvSpPr>
-          <p:cNvPr id="189" name="PlaceHolder 1"/>
+          <p:cNvPr id="191" name="PlaceHolder 1"/>
           <p:cNvSpPr>
             <a:spLocks noGrp="1"/>
           </p:cNvSpPr>
@@ -9373,7 +9373,7 @@
       </p:sp>
       <p:sp>
         <p:nvSpPr>
-          <p:cNvPr id="190" name="PlaceHolder 2"/>
+          <p:cNvPr id="192" name="PlaceHolder 2"/>
           <p:cNvSpPr>
             <a:spLocks noGrp="1"/>
           </p:cNvSpPr>
@@ -9520,7 +9520,7 @@
       </p:grpSpPr>
       <p:sp>
         <p:nvSpPr>
-          <p:cNvPr id="191" name="PlaceHolder 1"/>
+          <p:cNvPr id="193" name="PlaceHolder 1"/>
           <p:cNvSpPr>
             <a:spLocks noGrp="1"/>
           </p:cNvSpPr>
@@ -9581,7 +9581,7 @@
         <p:txBody>
           <a:bodyPr/>
           <a:p>
-            <a:fld id="{7EE9B76C-6A96-4A89-B0E2-ADADE4975274}" type="slidenum">
+            <a:fld id="{6E002BFC-0BDB-479A-89B5-B7CB989803C8}" type="slidenum">
               <a:t>14</a:t>
             </a:fld>
           </a:p>
@@ -10210,16 +10210,7 @@
                 </a:solidFill>
                 <a:latin typeface="Noto Sans"/>
               </a:rPr>
-              <a:t>With this architecture we can use arbitrary drivers, even drivers we don’t know of or drivers </a:t>
-            </a:r>
-            <a:r>
-              <a:rPr b="1" lang="en-US" sz="2400" spc="-1" strike="noStrike">
-                <a:solidFill>
-                  <a:srgbClr val="2c3e50"/>
-                </a:solidFill>
-                <a:latin typeface="Noto Sans"/>
-              </a:rPr>
-              <a:t>that haven’t loaded yet!</a:t>
+              <a:t>With this architecture we can use arbitrary drivers, even drivers we don’t know of or drivers that haven’t loaded yet!</a:t>
             </a:r>
             <a:endParaRPr b="0" lang="en-US" sz="2400" spc="-1" strike="noStrike">
               <a:latin typeface="Arial"/>
@@ -11812,6 +11803,23 @@
             <a:normAutofit/>
           </a:bodyPr>
           <a:p>
+            <a:pPr marL="432000" indent="-324000">
+              <a:spcBef>
+                <a:spcPts val="1417"/>
+              </a:spcBef>
+              <a:buClr>
+                <a:srgbClr val="000000"/>
+              </a:buClr>
+              <a:buSzPct val="45000"/>
+              <a:buFont typeface="Wingdings" charset="2"/>
+              <a:buChar char=""/>
+            </a:pPr>
+            <a:r>
+              <a:rPr b="0" lang="en-US" sz="3200" spc="-1" strike="noStrike">
+                <a:latin typeface="Arial"/>
+              </a:rPr>
+              <a:t>`</a:t>
+            </a:r>
             <a:endParaRPr b="0" lang="en-US" sz="3200" spc="-1" strike="noStrike">
               <a:latin typeface="Arial"/>
             </a:endParaRPr>
@@ -12621,7 +12629,7 @@
         </p:nvSpPr>
         <p:spPr>
           <a:xfrm>
-            <a:off x="5291280" y="3343680"/>
+            <a:off x="5249160" y="3301560"/>
             <a:ext cx="228240" cy="228240"/>
           </a:xfrm>
           <a:custGeom>
@@ -12690,8 +12698,8 @@
         </p:nvSpPr>
         <p:spPr>
           <a:xfrm>
-            <a:off x="5715000" y="2971800"/>
-            <a:ext cx="914040" cy="914040"/>
+            <a:off x="5622480" y="2844720"/>
+            <a:ext cx="1142640" cy="1142640"/>
           </a:xfrm>
           <a:prstGeom prst="rect">
             <a:avLst/>
@@ -12744,7 +12752,7 @@
                 <a:latin typeface="Noto Sans"/>
                 <a:ea typeface="DejaVu Sans"/>
               </a:rPr>
-              <a:t>Driver</a:t>
+              <a:t>Hardware</a:t>
             </a:r>
             <a:endParaRPr b="0" lang="en-US" sz="1800" spc="-1" strike="noStrike">
               <a:latin typeface="Arial"/>
@@ -12760,7 +12768,7 @@
         </p:nvSpPr>
         <p:spPr>
           <a:xfrm>
-            <a:off x="7086600" y="2971800"/>
+            <a:off x="8542440" y="2963160"/>
             <a:ext cx="914040" cy="914040"/>
           </a:xfrm>
           <a:prstGeom prst="rect">
@@ -12817,7 +12825,7 @@
         </p:nvSpPr>
         <p:spPr>
           <a:xfrm>
-            <a:off x="6746760" y="3335040"/>
+            <a:off x="6875280" y="3309480"/>
             <a:ext cx="228240" cy="228240"/>
           </a:xfrm>
           <a:custGeom>
@@ -12955,6 +12963,153 @@
             </a:endParaRPr>
           </a:p>
         </p:txBody>
+      </p:sp>
+      <p:sp>
+        <p:nvSpPr>
+          <p:cNvPr id="177" name=""/>
+          <p:cNvSpPr/>
+          <p:nvPr/>
+        </p:nvSpPr>
+        <p:spPr>
+          <a:xfrm>
+            <a:off x="7214400" y="2963880"/>
+            <a:ext cx="914040" cy="914040"/>
+          </a:xfrm>
+          <a:prstGeom prst="rect">
+            <a:avLst/>
+          </a:prstGeom>
+          <a:solidFill>
+            <a:srgbClr val="ffffff"/>
+          </a:solidFill>
+          <a:ln w="10800">
+            <a:solidFill>
+              <a:srgbClr val="1abc9c"/>
+            </a:solidFill>
+            <a:round/>
+          </a:ln>
+        </p:spPr>
+        <p:style>
+          <a:lnRef idx="0"/>
+          <a:fillRef idx="0"/>
+          <a:effectRef idx="0"/>
+          <a:fontRef idx="minor"/>
+        </p:style>
+        <p:txBody>
+          <a:bodyPr wrap="none" lIns="90000" rIns="90000" tIns="45000" bIns="45000" anchor="ctr">
+            <a:noAutofit/>
+          </a:bodyPr>
+          <a:p>
+            <a:pPr algn="ctr">
+              <a:lnSpc>
+                <a:spcPct val="100000"/>
+              </a:lnSpc>
+              <a:buNone/>
+            </a:pPr>
+            <a:r>
+              <a:rPr b="0" lang="en-US" sz="1800" spc="-1" strike="noStrike">
+                <a:solidFill>
+                  <a:srgbClr val="2c3e50"/>
+                </a:solidFill>
+                <a:latin typeface="Noto Sans"/>
+                <a:ea typeface="DejaVu Sans"/>
+              </a:rPr>
+              <a:t>Driver</a:t>
+            </a:r>
+            <a:endParaRPr b="0" lang="en-US" sz="1800" spc="-1" strike="noStrike">
+              <a:latin typeface="Arial"/>
+            </a:endParaRPr>
+          </a:p>
+          <a:p>
+            <a:pPr algn="ctr">
+              <a:lnSpc>
+                <a:spcPct val="100000"/>
+              </a:lnSpc>
+              <a:buNone/>
+            </a:pPr>
+            <a:r>
+              <a:rPr b="0" lang="en-US" sz="1800" spc="-1" strike="noStrike">
+                <a:solidFill>
+                  <a:srgbClr val="2c3e50"/>
+                </a:solidFill>
+                <a:latin typeface="Noto Sans"/>
+                <a:ea typeface="DejaVu Sans"/>
+              </a:rPr>
+              <a:t>Stack</a:t>
+            </a:r>
+            <a:endParaRPr b="0" lang="en-US" sz="1800" spc="-1" strike="noStrike">
+              <a:latin typeface="Arial"/>
+            </a:endParaRPr>
+          </a:p>
+        </p:txBody>
+      </p:sp>
+      <p:sp>
+        <p:nvSpPr>
+          <p:cNvPr id="178" name=""/>
+          <p:cNvSpPr/>
+          <p:nvPr/>
+        </p:nvSpPr>
+        <p:spPr>
+          <a:xfrm>
+            <a:off x="8221320" y="3311280"/>
+            <a:ext cx="228240" cy="228240"/>
+          </a:xfrm>
+          <a:custGeom>
+            <a:avLst/>
+            <a:gdLst/>
+            <a:ahLst/>
+            <a:rect l="l" t="t" r="r" b="b"/>
+            <a:pathLst>
+              <a:path w="21600" h="21600">
+                <a:moveTo>
+                  <a:pt x="0" y="10800"/>
+                </a:moveTo>
+                <a:lnTo>
+                  <a:pt x="4300" y="0"/>
+                </a:lnTo>
+                <a:lnTo>
+                  <a:pt x="4300" y="5400"/>
+                </a:lnTo>
+                <a:lnTo>
+                  <a:pt x="17300" y="5400"/>
+                </a:lnTo>
+                <a:lnTo>
+                  <a:pt x="17300" y="0"/>
+                </a:lnTo>
+                <a:lnTo>
+                  <a:pt x="21600" y="10800"/>
+                </a:lnTo>
+                <a:lnTo>
+                  <a:pt x="17300" y="21600"/>
+                </a:lnTo>
+                <a:lnTo>
+                  <a:pt x="17300" y="16200"/>
+                </a:lnTo>
+                <a:lnTo>
+                  <a:pt x="4300" y="16200"/>
+                </a:lnTo>
+                <a:lnTo>
+                  <a:pt x="4300" y="21600"/>
+                </a:lnTo>
+                <a:close/>
+              </a:path>
+            </a:pathLst>
+          </a:custGeom>
+          <a:solidFill>
+            <a:srgbClr val="ffffff"/>
+          </a:solidFill>
+          <a:ln w="10800">
+            <a:solidFill>
+              <a:srgbClr val="1abc9c"/>
+            </a:solidFill>
+            <a:round/>
+          </a:ln>
+        </p:spPr>
+        <p:style>
+          <a:lnRef idx="0"/>
+          <a:fillRef idx="0"/>
+          <a:effectRef idx="0"/>
+          <a:fontRef idx="minor"/>
+        </p:style>
       </p:sp>
     </p:spTree>
   </p:cSld>
@@ -12988,7 +13143,7 @@
       </p:grpSpPr>
       <p:sp>
         <p:nvSpPr>
-          <p:cNvPr id="177" name="PlaceHolder 1"/>
+          <p:cNvPr id="179" name="PlaceHolder 1"/>
           <p:cNvSpPr>
             <a:spLocks noGrp="1"/>
           </p:cNvSpPr>
@@ -13046,7 +13201,7 @@
       </p:sp>
       <p:sp>
         <p:nvSpPr>
-          <p:cNvPr id="178" name="PlaceHolder 2"/>
+          <p:cNvPr id="180" name="PlaceHolder 2"/>
           <p:cNvSpPr>
             <a:spLocks noGrp="1"/>
           </p:cNvSpPr>
@@ -13329,7 +13484,7 @@
       </p:grpSpPr>
       <p:sp>
         <p:nvSpPr>
-          <p:cNvPr id="179" name="PlaceHolder 1"/>
+          <p:cNvPr id="181" name="PlaceHolder 1"/>
           <p:cNvSpPr>
             <a:spLocks noGrp="1"/>
           </p:cNvSpPr>
@@ -13387,7 +13542,7 @@
       </p:sp>
       <p:sp>
         <p:nvSpPr>
-          <p:cNvPr id="180" name="PlaceHolder 2"/>
+          <p:cNvPr id="182" name="PlaceHolder 2"/>
           <p:cNvSpPr>
             <a:spLocks noGrp="1"/>
           </p:cNvSpPr>
@@ -13614,7 +13769,7 @@
       </p:grpSpPr>
       <p:sp>
         <p:nvSpPr>
-          <p:cNvPr id="181" name="PlaceHolder 1"/>
+          <p:cNvPr id="183" name="PlaceHolder 1"/>
           <p:cNvSpPr>
             <a:spLocks noGrp="1"/>
           </p:cNvSpPr>
@@ -13672,7 +13827,7 @@
       </p:sp>
       <p:sp>
         <p:nvSpPr>
-          <p:cNvPr id="182" name="PlaceHolder 2"/>
+          <p:cNvPr id="184" name="PlaceHolder 2"/>
           <p:cNvSpPr>
             <a:spLocks noGrp="1"/>
           </p:cNvSpPr>

--- a/Replicated.pptx
+++ b/Replicated.pptx
@@ -78,7 +78,7 @@
         <p:txBody>
           <a:bodyPr/>
           <a:p>
-            <a:fld id="{EE7C5849-E046-4602-9AC9-BAAF4BE3DD6F}" type="slidenum">
+            <a:fld id="{BA0E62BF-8236-43EE-92B2-4E29AEC6E6E6}" type="slidenum">
               <a:t>&lt;#&gt;</a:t>
             </a:fld>
           </a:p>
@@ -266,7 +266,7 @@
         <p:txBody>
           <a:bodyPr/>
           <a:p>
-            <a:fld id="{CC275E5F-FFD7-4C7F-A3FE-71487C068E05}" type="slidenum">
+            <a:fld id="{6E7E26D9-6D28-4589-AFE3-BD156641A835}" type="slidenum">
               <a:t>&lt;#&gt;</a:t>
             </a:fld>
           </a:p>
@@ -522,7 +522,7 @@
         <p:txBody>
           <a:bodyPr/>
           <a:p>
-            <a:fld id="{D98539B9-248F-45BD-9528-766621C57DEA}" type="slidenum">
+            <a:fld id="{FB937FC6-701C-4BD2-B2C7-3CBD350A7006}" type="slidenum">
               <a:t>&lt;#&gt;</a:t>
             </a:fld>
           </a:p>
@@ -846,7 +846,7 @@
         <p:txBody>
           <a:bodyPr/>
           <a:p>
-            <a:fld id="{F874BE65-BFCD-4C75-9A05-3B0FFC57106C}" type="slidenum">
+            <a:fld id="{9B79378E-192D-4D3A-9558-186464524C2C}" type="slidenum">
               <a:t>&lt;#&gt;</a:t>
             </a:fld>
           </a:p>
@@ -1907,7 +1907,7 @@
         <p:txBody>
           <a:bodyPr/>
           <a:p>
-            <a:fld id="{9EAA4F66-A1D1-4975-BC27-3D8C4739E78E}" type="slidenum">
+            <a:fld id="{76233618-294A-42B2-9173-5FC5DC5781BE}" type="slidenum">
               <a:t>&lt;#&gt;</a:t>
             </a:fld>
           </a:p>
@@ -3102,7 +3102,7 @@
         <p:txBody>
           <a:bodyPr/>
           <a:p>
-            <a:fld id="{E192F6C1-1417-4BD6-952A-889BE394D050}" type="slidenum">
+            <a:fld id="{8EF15D49-C680-4DBE-93A8-8E38D2DAB50D}" type="slidenum">
               <a:t>&lt;#&gt;</a:t>
             </a:fld>
           </a:p>
@@ -3259,7 +3259,7 @@
         <p:txBody>
           <a:bodyPr/>
           <a:p>
-            <a:fld id="{7B338BE1-BBC6-4087-B874-0812CC74F4B9}" type="slidenum">
+            <a:fld id="{DA6D14EA-1516-4C34-9CF3-72387CE8DF4C}" type="slidenum">
               <a:t>&lt;#&gt;</a:t>
             </a:fld>
           </a:p>
@@ -3413,7 +3413,7 @@
         <p:txBody>
           <a:bodyPr/>
           <a:p>
-            <a:fld id="{5EAEFC76-348C-4956-B44A-B998A2EB7CD6}" type="slidenum">
+            <a:fld id="{B0097679-1D83-47A5-9B0C-BB3088B44AFC}" type="slidenum">
               <a:t>&lt;#&gt;</a:t>
             </a:fld>
           </a:p>
@@ -3601,7 +3601,7 @@
         <p:txBody>
           <a:bodyPr/>
           <a:p>
-            <a:fld id="{601A7109-047C-4D5F-B2E8-C223A9CFFA92}" type="slidenum">
+            <a:fld id="{F0C1CF9E-EF58-4E82-9456-365CB88C52CA}" type="slidenum">
               <a:t>&lt;#&gt;</a:t>
             </a:fld>
           </a:p>
@@ -3721,7 +3721,7 @@
         <p:txBody>
           <a:bodyPr/>
           <a:p>
-            <a:fld id="{98D6E2C1-EE02-4960-94F6-27D16542ACE0}" type="slidenum">
+            <a:fld id="{6562403A-1008-4FCE-A772-9B424D8CEFE0}" type="slidenum">
               <a:t>&lt;#&gt;</a:t>
             </a:fld>
           </a:p>
@@ -3875,7 +3875,7 @@
         <p:txBody>
           <a:bodyPr/>
           <a:p>
-            <a:fld id="{2CB8047D-9B62-4643-B936-D04C13E9C3B3}" type="slidenum">
+            <a:fld id="{54751E7E-5EB0-4FAE-BED3-2BBFA926C5A5}" type="slidenum">
               <a:t>&lt;#&gt;</a:t>
             </a:fld>
           </a:p>
@@ -3995,7 +3995,7 @@
         <p:txBody>
           <a:bodyPr/>
           <a:p>
-            <a:fld id="{293B7FFD-84C1-4AD6-BB76-21C5045A6542}" type="slidenum">
+            <a:fld id="{757FCE22-839A-49F6-A324-66C1FBF1E2A5}" type="slidenum">
               <a:t>&lt;#&gt;</a:t>
             </a:fld>
           </a:p>
@@ -4217,7 +4217,7 @@
         <p:txBody>
           <a:bodyPr/>
           <a:p>
-            <a:fld id="{AC78DFC9-27E7-429B-973D-3FED78D34274}" type="slidenum">
+            <a:fld id="{6856A2EE-121C-41D7-8813-9A548A46272D}" type="slidenum">
               <a:t>&lt;#&gt;</a:t>
             </a:fld>
           </a:p>
@@ -4439,7 +4439,7 @@
         <p:txBody>
           <a:bodyPr/>
           <a:p>
-            <a:fld id="{A5C997D9-9462-4528-9E74-0F0E30466300}" type="slidenum">
+            <a:fld id="{115E66AE-4E9F-4A50-A4C4-2758DD402ED3}" type="slidenum">
               <a:t>&lt;#&gt;</a:t>
             </a:fld>
           </a:p>
@@ -4661,7 +4661,7 @@
         <p:txBody>
           <a:bodyPr/>
           <a:p>
-            <a:fld id="{086E6465-4312-481B-9153-E9A693BCB026}" type="slidenum">
+            <a:fld id="{2B63ACE2-4145-429B-89A5-EDD216D07B32}" type="slidenum">
               <a:t>&lt;#&gt;</a:t>
             </a:fld>
           </a:p>
@@ -4849,7 +4849,7 @@
         <p:txBody>
           <a:bodyPr/>
           <a:p>
-            <a:fld id="{E89A7270-B261-40EE-ACEA-75F380E99CEF}" type="slidenum">
+            <a:fld id="{16C453B1-7517-41A2-99A1-3912A9840693}" type="slidenum">
               <a:t>&lt;#&gt;</a:t>
             </a:fld>
           </a:p>
@@ -5105,7 +5105,7 @@
         <p:txBody>
           <a:bodyPr/>
           <a:p>
-            <a:fld id="{09183C9A-508D-4DD2-8EAF-AE0FF79B190C}" type="slidenum">
+            <a:fld id="{78A6D372-357F-401A-8F29-FE5D5716BED8}" type="slidenum">
               <a:t>&lt;#&gt;</a:t>
             </a:fld>
           </a:p>
@@ -5429,7 +5429,7 @@
         <p:txBody>
           <a:bodyPr/>
           <a:p>
-            <a:fld id="{B7E783C2-17FC-4B97-8F92-7E0520A21016}" type="slidenum">
+            <a:fld id="{A9590627-7AD9-47D6-99BB-9B266B7C7782}" type="slidenum">
               <a:t>&lt;#&gt;</a:t>
             </a:fld>
           </a:p>
@@ -5617,7 +5617,7 @@
         <p:txBody>
           <a:bodyPr/>
           <a:p>
-            <a:fld id="{28C9E8BD-AF19-43B1-83AA-3970B47CCC68}" type="slidenum">
+            <a:fld id="{62BF0EDC-36CF-4899-AA68-589A70789AF2}" type="slidenum">
               <a:t>&lt;#&gt;</a:t>
             </a:fld>
           </a:p>
@@ -5737,7 +5737,7 @@
         <p:txBody>
           <a:bodyPr/>
           <a:p>
-            <a:fld id="{ABBD5F14-8F92-49EA-9BD2-82CA588B7BC9}" type="slidenum">
+            <a:fld id="{D05A4318-1E72-451D-B4B0-118B43104339}" type="slidenum">
               <a:t>&lt;#&gt;</a:t>
             </a:fld>
           </a:p>
@@ -5857,7 +5857,7 @@
         <p:txBody>
           <a:bodyPr/>
           <a:p>
-            <a:fld id="{68983357-FE8B-4588-A16A-AF01E16B2AB6}" type="slidenum">
+            <a:fld id="{8489B19B-FB83-438B-B9A2-23DBBF1D1ABD}" type="slidenum">
               <a:t>&lt;#&gt;</a:t>
             </a:fld>
           </a:p>
@@ -6079,7 +6079,7 @@
         <p:txBody>
           <a:bodyPr/>
           <a:p>
-            <a:fld id="{3CA2A760-46FC-4AEE-B070-6AB2D6B859D4}" type="slidenum">
+            <a:fld id="{122C8A3F-8930-47C5-A784-C3E651F08723}" type="slidenum">
               <a:t>&lt;#&gt;</a:t>
             </a:fld>
           </a:p>
@@ -6301,7 +6301,7 @@
         <p:txBody>
           <a:bodyPr/>
           <a:p>
-            <a:fld id="{DB7D4972-E1BE-441D-8C8E-88C117486388}" type="slidenum">
+            <a:fld id="{A1386594-EAF9-483C-A5D7-3A288C0AA3A8}" type="slidenum">
               <a:t>&lt;#&gt;</a:t>
             </a:fld>
           </a:p>
@@ -6523,7 +6523,7 @@
         <p:txBody>
           <a:bodyPr/>
           <a:p>
-            <a:fld id="{1AF27BCD-72E0-4774-80CD-8547120712FB}" type="slidenum">
+            <a:fld id="{1596CF90-77CC-4023-9283-5F96BB02FC4B}" type="slidenum">
               <a:t>&lt;#&gt;</a:t>
             </a:fld>
           </a:p>
@@ -6785,7 +6785,7 @@
               </a:lnSpc>
               <a:buNone/>
             </a:pPr>
-            <a:fld id="{A79C8163-5F42-4AFB-B5D2-A7150444A0A0}" type="slidenum">
+            <a:fld id="{DBAA3BCA-68B1-4D44-B20D-C74D1139394B}" type="slidenum">
               <a:rPr b="1" lang="en-US" sz="1800" spc="-1" strike="noStrike">
                 <a:solidFill>
                   <a:srgbClr val="ffffff"/>
@@ -7190,7 +7190,7 @@
               </a:lnSpc>
               <a:buNone/>
             </a:pPr>
-            <a:fld id="{323CAB29-96D5-46C7-A48B-AD429CB2414C}" type="slidenum">
+            <a:fld id="{C7C31DD4-8BE4-44D2-9B41-19CAFBEE3ACE}" type="slidenum">
               <a:rPr b="1" lang="en-US" sz="1800" spc="-1" strike="noStrike">
                 <a:solidFill>
                   <a:srgbClr val="ffffff"/>
@@ -7977,7 +7977,7 @@
               </a:lnSpc>
               <a:buNone/>
             </a:pPr>
-            <a:fld id="{F982ADCE-06E2-4984-ABA1-2A80829E7893}" type="slidenum">
+            <a:fld id="{7C552DF6-192B-4282-BF30-AF76001B4077}" type="slidenum">
               <a:rPr b="1" lang="en-US" sz="1800" spc="-1" strike="noStrike">
                 <a:solidFill>
                   <a:srgbClr val="ffffff"/>
@@ -9581,7 +9581,7 @@
         <p:txBody>
           <a:bodyPr/>
           <a:p>
-            <a:fld id="{6E002BFC-0BDB-479A-89B5-B7CB989803C8}" type="slidenum">
+            <a:fld id="{98C93F3F-9126-4C37-A90B-5B1EADEA694A}" type="slidenum">
               <a:t>14</a:t>
             </a:fld>
           </a:p>

--- a/Replicated.pptx
+++ b/Replicated.pptx
@@ -17,10 +17,6 @@
     <p:sldId id="263" r:id="rId12"/>
     <p:sldId id="264" r:id="rId13"/>
     <p:sldId id="265" r:id="rId14"/>
-    <p:sldId id="266" r:id="rId15"/>
-    <p:sldId id="267" r:id="rId16"/>
-    <p:sldId id="268" r:id="rId17"/>
-    <p:sldId id="269" r:id="rId18"/>
   </p:sldIdLst>
   <p:sldSz cx="10080625" cy="5670550"/>
   <p:notesSz cx="7772400" cy="10058400"/>
@@ -78,7 +74,7 @@
         <p:txBody>
           <a:bodyPr/>
           <a:p>
-            <a:fld id="{BA0E62BF-8236-43EE-92B2-4E29AEC6E6E6}" type="slidenum">
+            <a:fld id="{7964C8EF-E161-4165-88F7-7BEBD3919F89}" type="slidenum">
               <a:t>&lt;#&gt;</a:t>
             </a:fld>
           </a:p>
@@ -266,7 +262,7 @@
         <p:txBody>
           <a:bodyPr/>
           <a:p>
-            <a:fld id="{6E7E26D9-6D28-4589-AFE3-BD156641A835}" type="slidenum">
+            <a:fld id="{E8430A69-77DB-4729-9FC5-1AC11BD5C77F}" type="slidenum">
               <a:t>&lt;#&gt;</a:t>
             </a:fld>
           </a:p>
@@ -522,7 +518,7 @@
         <p:txBody>
           <a:bodyPr/>
           <a:p>
-            <a:fld id="{FB937FC6-701C-4BD2-B2C7-3CBD350A7006}" type="slidenum">
+            <a:fld id="{D2F9D3FF-3BBD-4E12-80C0-15969328A8BB}" type="slidenum">
               <a:t>&lt;#&gt;</a:t>
             </a:fld>
           </a:p>
@@ -846,7 +842,7 @@
         <p:txBody>
           <a:bodyPr/>
           <a:p>
-            <a:fld id="{9B79378E-192D-4D3A-9558-186464524C2C}" type="slidenum">
+            <a:fld id="{45B2C9DC-1287-4C17-BC60-79B5CC329366}" type="slidenum">
               <a:t>&lt;#&gt;</a:t>
             </a:fld>
           </a:p>
@@ -1907,7 +1903,7 @@
         <p:txBody>
           <a:bodyPr/>
           <a:p>
-            <a:fld id="{76233618-294A-42B2-9173-5FC5DC5781BE}" type="slidenum">
+            <a:fld id="{3271B811-6AC7-43DB-A35A-B6359695D171}" type="slidenum">
               <a:t>&lt;#&gt;</a:t>
             </a:fld>
           </a:p>
@@ -3102,7 +3098,7 @@
         <p:txBody>
           <a:bodyPr/>
           <a:p>
-            <a:fld id="{8EF15D49-C680-4DBE-93A8-8E38D2DAB50D}" type="slidenum">
+            <a:fld id="{8690F391-88B2-4442-A790-F613800B1E9E}" type="slidenum">
               <a:t>&lt;#&gt;</a:t>
             </a:fld>
           </a:p>
@@ -3259,7 +3255,7 @@
         <p:txBody>
           <a:bodyPr/>
           <a:p>
-            <a:fld id="{DA6D14EA-1516-4C34-9CF3-72387CE8DF4C}" type="slidenum">
+            <a:fld id="{8998F995-197C-4E9A-A053-E7D7491B80D0}" type="slidenum">
               <a:t>&lt;#&gt;</a:t>
             </a:fld>
           </a:p>
@@ -3413,7 +3409,7 @@
         <p:txBody>
           <a:bodyPr/>
           <a:p>
-            <a:fld id="{B0097679-1D83-47A5-9B0C-BB3088B44AFC}" type="slidenum">
+            <a:fld id="{FBD201C3-800A-4979-AEA2-F46E72FD395F}" type="slidenum">
               <a:t>&lt;#&gt;</a:t>
             </a:fld>
           </a:p>
@@ -3601,7 +3597,7 @@
         <p:txBody>
           <a:bodyPr/>
           <a:p>
-            <a:fld id="{F0C1CF9E-EF58-4E82-9456-365CB88C52CA}" type="slidenum">
+            <a:fld id="{DBE0B6F2-8AA7-401D-ACA6-2AAB49CF011F}" type="slidenum">
               <a:t>&lt;#&gt;</a:t>
             </a:fld>
           </a:p>
@@ -3721,7 +3717,7 @@
         <p:txBody>
           <a:bodyPr/>
           <a:p>
-            <a:fld id="{6562403A-1008-4FCE-A772-9B424D8CEFE0}" type="slidenum">
+            <a:fld id="{1684F874-804C-494E-A71F-B621B49EF924}" type="slidenum">
               <a:t>&lt;#&gt;</a:t>
             </a:fld>
           </a:p>
@@ -3875,7 +3871,7 @@
         <p:txBody>
           <a:bodyPr/>
           <a:p>
-            <a:fld id="{54751E7E-5EB0-4FAE-BED3-2BBFA926C5A5}" type="slidenum">
+            <a:fld id="{4F552B2D-FF65-4BC8-A6E9-F18529A7ED19}" type="slidenum">
               <a:t>&lt;#&gt;</a:t>
             </a:fld>
           </a:p>
@@ -3995,7 +3991,7 @@
         <p:txBody>
           <a:bodyPr/>
           <a:p>
-            <a:fld id="{757FCE22-839A-49F6-A324-66C1FBF1E2A5}" type="slidenum">
+            <a:fld id="{B6A0D049-480A-446B-901B-6526738F66AC}" type="slidenum">
               <a:t>&lt;#&gt;</a:t>
             </a:fld>
           </a:p>
@@ -4217,7 +4213,7 @@
         <p:txBody>
           <a:bodyPr/>
           <a:p>
-            <a:fld id="{6856A2EE-121C-41D7-8813-9A548A46272D}" type="slidenum">
+            <a:fld id="{69D0EB8A-583C-4F85-86EA-400BCB1ED1D5}" type="slidenum">
               <a:t>&lt;#&gt;</a:t>
             </a:fld>
           </a:p>
@@ -4439,7 +4435,7 @@
         <p:txBody>
           <a:bodyPr/>
           <a:p>
-            <a:fld id="{115E66AE-4E9F-4A50-A4C4-2758DD402ED3}" type="slidenum">
+            <a:fld id="{D37229A4-14A7-4FFF-B942-92A25C060CB0}" type="slidenum">
               <a:t>&lt;#&gt;</a:t>
             </a:fld>
           </a:p>
@@ -4661,7 +4657,7 @@
         <p:txBody>
           <a:bodyPr/>
           <a:p>
-            <a:fld id="{2B63ACE2-4145-429B-89A5-EDD216D07B32}" type="slidenum">
+            <a:fld id="{3F5B2549-3BE8-4C72-AA2C-B2AC5E9A5381}" type="slidenum">
               <a:t>&lt;#&gt;</a:t>
             </a:fld>
           </a:p>
@@ -4849,7 +4845,7 @@
         <p:txBody>
           <a:bodyPr/>
           <a:p>
-            <a:fld id="{16C453B1-7517-41A2-99A1-3912A9840693}" type="slidenum">
+            <a:fld id="{8B00C731-8364-460C-8F25-AC46E0991013}" type="slidenum">
               <a:t>&lt;#&gt;</a:t>
             </a:fld>
           </a:p>
@@ -5105,7 +5101,7 @@
         <p:txBody>
           <a:bodyPr/>
           <a:p>
-            <a:fld id="{78A6D372-357F-401A-8F29-FE5D5716BED8}" type="slidenum">
+            <a:fld id="{BC168375-6F80-4604-B332-A80435E0AEB9}" type="slidenum">
               <a:t>&lt;#&gt;</a:t>
             </a:fld>
           </a:p>
@@ -5429,7 +5425,7 @@
         <p:txBody>
           <a:bodyPr/>
           <a:p>
-            <a:fld id="{A9590627-7AD9-47D6-99BB-9B266B7C7782}" type="slidenum">
+            <a:fld id="{3FD35B56-6787-4E39-8D92-3DB12FC8FB72}" type="slidenum">
               <a:t>&lt;#&gt;</a:t>
             </a:fld>
           </a:p>
@@ -5617,7 +5613,7 @@
         <p:txBody>
           <a:bodyPr/>
           <a:p>
-            <a:fld id="{62BF0EDC-36CF-4899-AA68-589A70789AF2}" type="slidenum">
+            <a:fld id="{B723D35E-97A4-46BC-9A23-8AC3E1B66F54}" type="slidenum">
               <a:t>&lt;#&gt;</a:t>
             </a:fld>
           </a:p>
@@ -5737,7 +5733,7 @@
         <p:txBody>
           <a:bodyPr/>
           <a:p>
-            <a:fld id="{D05A4318-1E72-451D-B4B0-118B43104339}" type="slidenum">
+            <a:fld id="{4BD866E4-69EC-4E2F-8F83-30FD71CA35AE}" type="slidenum">
               <a:t>&lt;#&gt;</a:t>
             </a:fld>
           </a:p>
@@ -5857,7 +5853,7 @@
         <p:txBody>
           <a:bodyPr/>
           <a:p>
-            <a:fld id="{8489B19B-FB83-438B-B9A2-23DBBF1D1ABD}" type="slidenum">
+            <a:fld id="{199CFFD3-C8F8-455A-8B6E-20470DA8D664}" type="slidenum">
               <a:t>&lt;#&gt;</a:t>
             </a:fld>
           </a:p>
@@ -6079,7 +6075,7 @@
         <p:txBody>
           <a:bodyPr/>
           <a:p>
-            <a:fld id="{122C8A3F-8930-47C5-A784-C3E651F08723}" type="slidenum">
+            <a:fld id="{9900654B-4C58-4010-89DC-DE06A1185DA5}" type="slidenum">
               <a:t>&lt;#&gt;</a:t>
             </a:fld>
           </a:p>
@@ -6301,7 +6297,7 @@
         <p:txBody>
           <a:bodyPr/>
           <a:p>
-            <a:fld id="{A1386594-EAF9-483C-A5D7-3A288C0AA3A8}" type="slidenum">
+            <a:fld id="{8E1D861E-FD96-42A9-A1C0-A1E0F641B012}" type="slidenum">
               <a:t>&lt;#&gt;</a:t>
             </a:fld>
           </a:p>
@@ -6523,7 +6519,7 @@
         <p:txBody>
           <a:bodyPr/>
           <a:p>
-            <a:fld id="{1596CF90-77CC-4023-9283-5F96BB02FC4B}" type="slidenum">
+            <a:fld id="{02655480-544A-44BE-BA63-F1F5FEDB3C99}" type="slidenum">
               <a:t>&lt;#&gt;</a:t>
             </a:fld>
           </a:p>
@@ -6666,7 +6662,85 @@
               <a:rPr b="0" lang="en-US" sz="4400" spc="-1" strike="noStrike">
                 <a:latin typeface="Arial"/>
               </a:rPr>
-              <a:t>Click to edit the title text format</a:t>
+              <a:t>Cli</a:t>
+            </a:r>
+            <a:r>
+              <a:rPr b="0" lang="en-US" sz="4400" spc="-1" strike="noStrike">
+                <a:latin typeface="Arial"/>
+              </a:rPr>
+              <a:t>ck </a:t>
+            </a:r>
+            <a:r>
+              <a:rPr b="0" lang="en-US" sz="4400" spc="-1" strike="noStrike">
+                <a:latin typeface="Arial"/>
+              </a:rPr>
+              <a:t>to </a:t>
+            </a:r>
+            <a:r>
+              <a:rPr b="0" lang="en-US" sz="4400" spc="-1" strike="noStrike">
+                <a:latin typeface="Arial"/>
+              </a:rPr>
+              <a:t>ed</a:t>
+            </a:r>
+            <a:r>
+              <a:rPr b="0" lang="en-US" sz="4400" spc="-1" strike="noStrike">
+                <a:latin typeface="Arial"/>
+              </a:rPr>
+              <a:t>it </a:t>
+            </a:r>
+            <a:r>
+              <a:rPr b="0" lang="en-US" sz="4400" spc="-1" strike="noStrike">
+                <a:latin typeface="Arial"/>
+              </a:rPr>
+              <a:t>th</a:t>
+            </a:r>
+            <a:r>
+              <a:rPr b="0" lang="en-US" sz="4400" spc="-1" strike="noStrike">
+                <a:latin typeface="Arial"/>
+              </a:rPr>
+              <a:t>e </a:t>
+            </a:r>
+            <a:r>
+              <a:rPr b="0" lang="en-US" sz="4400" spc="-1" strike="noStrike">
+                <a:latin typeface="Arial"/>
+              </a:rPr>
+              <a:t>titl</a:t>
+            </a:r>
+            <a:r>
+              <a:rPr b="0" lang="en-US" sz="4400" spc="-1" strike="noStrike">
+                <a:latin typeface="Arial"/>
+              </a:rPr>
+              <a:t>e </a:t>
+            </a:r>
+            <a:r>
+              <a:rPr b="0" lang="en-US" sz="4400" spc="-1" strike="noStrike">
+                <a:latin typeface="Arial"/>
+              </a:rPr>
+              <a:t>te</a:t>
+            </a:r>
+            <a:r>
+              <a:rPr b="0" lang="en-US" sz="4400" spc="-1" strike="noStrike">
+                <a:latin typeface="Arial"/>
+              </a:rPr>
+              <a:t>xt </a:t>
+            </a:r>
+            <a:r>
+              <a:rPr b="0" lang="en-US" sz="4400" spc="-1" strike="noStrike">
+                <a:latin typeface="Arial"/>
+              </a:rPr>
+              <a:t>for</a:t>
+            </a:r>
+            <a:r>
+              <a:rPr b="0" lang="en-US" sz="4400" spc="-1" strike="noStrike">
+                <a:latin typeface="Arial"/>
+              </a:rPr>
+              <a:t>m</a:t>
+            </a:r>
+            <a:r>
+              <a:rPr b="0" lang="en-US" sz="4400" spc="-1" strike="noStrike">
+                <a:latin typeface="Arial"/>
+              </a:rPr>
+              <a:t>at</a:t>
             </a:r>
             <a:endParaRPr b="0" lang="en-US" sz="4400" spc="-1" strike="noStrike">
               <a:latin typeface="Arial"/>
@@ -6785,7 +6859,7 @@
               </a:lnSpc>
               <a:buNone/>
             </a:pPr>
-            <a:fld id="{DBAA3BCA-68B1-4D44-B20D-C74D1139394B}" type="slidenum">
+            <a:fld id="{EA77D6AD-BC86-4506-B0AF-EF617933F2C6}" type="slidenum">
               <a:rPr b="1" lang="en-US" sz="1800" spc="-1" strike="noStrike">
                 <a:solidFill>
                   <a:srgbClr val="ffffff"/>
@@ -7190,7 +7264,7 @@
               </a:lnSpc>
               <a:buNone/>
             </a:pPr>
-            <a:fld id="{C7C31DD4-8BE4-44D2-9B41-19CAFBEE3ACE}" type="slidenum">
+            <a:fld id="{F9751297-EA6A-4C19-BBA3-722D00BC9130}" type="slidenum">
               <a:rPr b="1" lang="en-US" sz="1800" spc="-1" strike="noStrike">
                 <a:solidFill>
                   <a:srgbClr val="ffffff"/>
@@ -7240,7 +7314,85 @@
               <a:rPr b="0" lang="en-US" sz="4400" spc="-1" strike="noStrike">
                 <a:latin typeface="Arial"/>
               </a:rPr>
-              <a:t>Click to edit the title text format</a:t>
+              <a:t>Cli</a:t>
+            </a:r>
+            <a:r>
+              <a:rPr b="0" lang="en-US" sz="4400" spc="-1" strike="noStrike">
+                <a:latin typeface="Arial"/>
+              </a:rPr>
+              <a:t>ck </a:t>
+            </a:r>
+            <a:r>
+              <a:rPr b="0" lang="en-US" sz="4400" spc="-1" strike="noStrike">
+                <a:latin typeface="Arial"/>
+              </a:rPr>
+              <a:t>to </a:t>
+            </a:r>
+            <a:r>
+              <a:rPr b="0" lang="en-US" sz="4400" spc="-1" strike="noStrike">
+                <a:latin typeface="Arial"/>
+              </a:rPr>
+              <a:t>edi</a:t>
+            </a:r>
+            <a:r>
+              <a:rPr b="0" lang="en-US" sz="4400" spc="-1" strike="noStrike">
+                <a:latin typeface="Arial"/>
+              </a:rPr>
+              <a:t>t </a:t>
+            </a:r>
+            <a:r>
+              <a:rPr b="0" lang="en-US" sz="4400" spc="-1" strike="noStrike">
+                <a:latin typeface="Arial"/>
+              </a:rPr>
+              <a:t>th</a:t>
+            </a:r>
+            <a:r>
+              <a:rPr b="0" lang="en-US" sz="4400" spc="-1" strike="noStrike">
+                <a:latin typeface="Arial"/>
+              </a:rPr>
+              <a:t>e </a:t>
+            </a:r>
+            <a:r>
+              <a:rPr b="0" lang="en-US" sz="4400" spc="-1" strike="noStrike">
+                <a:latin typeface="Arial"/>
+              </a:rPr>
+              <a:t>titl</a:t>
+            </a:r>
+            <a:r>
+              <a:rPr b="0" lang="en-US" sz="4400" spc="-1" strike="noStrike">
+                <a:latin typeface="Arial"/>
+              </a:rPr>
+              <a:t>e </a:t>
+            </a:r>
+            <a:r>
+              <a:rPr b="0" lang="en-US" sz="4400" spc="-1" strike="noStrike">
+                <a:latin typeface="Arial"/>
+              </a:rPr>
+              <a:t>tex</a:t>
+            </a:r>
+            <a:r>
+              <a:rPr b="0" lang="en-US" sz="4400" spc="-1" strike="noStrike">
+                <a:latin typeface="Arial"/>
+              </a:rPr>
+              <a:t>t </a:t>
+            </a:r>
+            <a:r>
+              <a:rPr b="0" lang="en-US" sz="4400" spc="-1" strike="noStrike">
+                <a:latin typeface="Arial"/>
+              </a:rPr>
+              <a:t>for</a:t>
+            </a:r>
+            <a:r>
+              <a:rPr b="0" lang="en-US" sz="4400" spc="-1" strike="noStrike">
+                <a:latin typeface="Arial"/>
+              </a:rPr>
+              <a:t>m</a:t>
+            </a:r>
+            <a:r>
+              <a:rPr b="0" lang="en-US" sz="4400" spc="-1" strike="noStrike">
+                <a:latin typeface="Arial"/>
+              </a:rPr>
+              <a:t>at</a:t>
             </a:r>
             <a:endParaRPr b="0" lang="en-US" sz="4400" spc="-1" strike="noStrike">
               <a:latin typeface="Arial"/>
@@ -7675,7 +7827,85 @@
               <a:rPr b="0" lang="en-US" sz="4400" spc="-1" strike="noStrike">
                 <a:latin typeface="Arial"/>
               </a:rPr>
-              <a:t>Click to edit the title text format</a:t>
+              <a:t>Cli</a:t>
+            </a:r>
+            <a:r>
+              <a:rPr b="0" lang="en-US" sz="4400" spc="-1" strike="noStrike">
+                <a:latin typeface="Arial"/>
+              </a:rPr>
+              <a:t>ck </a:t>
+            </a:r>
+            <a:r>
+              <a:rPr b="0" lang="en-US" sz="4400" spc="-1" strike="noStrike">
+                <a:latin typeface="Arial"/>
+              </a:rPr>
+              <a:t>to </a:t>
+            </a:r>
+            <a:r>
+              <a:rPr b="0" lang="en-US" sz="4400" spc="-1" strike="noStrike">
+                <a:latin typeface="Arial"/>
+              </a:rPr>
+              <a:t>ed</a:t>
+            </a:r>
+            <a:r>
+              <a:rPr b="0" lang="en-US" sz="4400" spc="-1" strike="noStrike">
+                <a:latin typeface="Arial"/>
+              </a:rPr>
+              <a:t>it </a:t>
+            </a:r>
+            <a:r>
+              <a:rPr b="0" lang="en-US" sz="4400" spc="-1" strike="noStrike">
+                <a:latin typeface="Arial"/>
+              </a:rPr>
+              <a:t>th</a:t>
+            </a:r>
+            <a:r>
+              <a:rPr b="0" lang="en-US" sz="4400" spc="-1" strike="noStrike">
+                <a:latin typeface="Arial"/>
+              </a:rPr>
+              <a:t>e </a:t>
+            </a:r>
+            <a:r>
+              <a:rPr b="0" lang="en-US" sz="4400" spc="-1" strike="noStrike">
+                <a:latin typeface="Arial"/>
+              </a:rPr>
+              <a:t>titl</a:t>
+            </a:r>
+            <a:r>
+              <a:rPr b="0" lang="en-US" sz="4400" spc="-1" strike="noStrike">
+                <a:latin typeface="Arial"/>
+              </a:rPr>
+              <a:t>e </a:t>
+            </a:r>
+            <a:r>
+              <a:rPr b="0" lang="en-US" sz="4400" spc="-1" strike="noStrike">
+                <a:latin typeface="Arial"/>
+              </a:rPr>
+              <a:t>te</a:t>
+            </a:r>
+            <a:r>
+              <a:rPr b="0" lang="en-US" sz="4400" spc="-1" strike="noStrike">
+                <a:latin typeface="Arial"/>
+              </a:rPr>
+              <a:t>xt </a:t>
+            </a:r>
+            <a:r>
+              <a:rPr b="0" lang="en-US" sz="4400" spc="-1" strike="noStrike">
+                <a:latin typeface="Arial"/>
+              </a:rPr>
+              <a:t>for</a:t>
+            </a:r>
+            <a:r>
+              <a:rPr b="0" lang="en-US" sz="4400" spc="-1" strike="noStrike">
+                <a:latin typeface="Arial"/>
+              </a:rPr>
+              <a:t>m</a:t>
+            </a:r>
+            <a:r>
+              <a:rPr b="0" lang="en-US" sz="4400" spc="-1" strike="noStrike">
+                <a:latin typeface="Arial"/>
+              </a:rPr>
+              <a:t>at</a:t>
             </a:r>
             <a:endParaRPr b="0" lang="en-US" sz="4400" spc="-1" strike="noStrike">
               <a:latin typeface="Arial"/>
@@ -7977,7 +8207,7 @@
               </a:lnSpc>
               <a:buNone/>
             </a:pPr>
-            <a:fld id="{7C552DF6-192B-4282-BF30-AF76001B4077}" type="slidenum">
+            <a:fld id="{6CF980B2-2E8B-4494-B911-0717813B3CAD}" type="slidenum">
               <a:rPr b="1" lang="en-US" sz="1800" spc="-1" strike="noStrike">
                 <a:solidFill>
                   <a:srgbClr val="ffffff"/>
@@ -8204,1332 +8434,6 @@
         </p:nvSpPr>
         <p:spPr>
           <a:xfrm>
-            <a:off x="360000" y="225720"/>
-            <a:ext cx="9359640" cy="718560"/>
-          </a:xfrm>
-          <a:prstGeom prst="rect">
-            <a:avLst/>
-          </a:prstGeom>
-          <a:noFill/>
-          <a:ln w="0">
-            <a:noFill/>
-          </a:ln>
-        </p:spPr>
-        <p:txBody>
-          <a:bodyPr lIns="0" rIns="0" tIns="0" bIns="0" anchor="ctr" anchorCtr="1">
-            <a:noAutofit/>
-          </a:bodyPr>
-          <a:p>
-            <a:pPr>
-              <a:lnSpc>
-                <a:spcPct val="100000"/>
-              </a:lnSpc>
-              <a:buNone/>
-            </a:pPr>
-            <a:r>
-              <a:rPr b="1" lang="en-US" sz="2700" spc="-1" strike="noStrike">
-                <a:solidFill>
-                  <a:srgbClr val="ffffff"/>
-                </a:solidFill>
-                <a:latin typeface="Noto Sans"/>
-              </a:rPr>
-              <a:t>  </a:t>
-            </a:r>
-            <a:r>
-              <a:rPr b="1" lang="en-US" sz="2700" spc="-1" strike="noStrike">
-                <a:solidFill>
-                  <a:srgbClr val="ffffff"/>
-                </a:solidFill>
-                <a:latin typeface="Noto Sans"/>
-              </a:rPr>
-              <a:t>Replicated Virtual Driver Architecture</a:t>
-            </a:r>
-            <a:endParaRPr b="0" lang="en-US" sz="2700" spc="-1" strike="noStrike">
-              <a:latin typeface="Arial"/>
-            </a:endParaRPr>
-          </a:p>
-        </p:txBody>
-      </p:sp>
-      <p:sp>
-        <p:nvSpPr>
-          <p:cNvPr id="186" name="PlaceHolder 2"/>
-          <p:cNvSpPr>
-            <a:spLocks noGrp="1"/>
-          </p:cNvSpPr>
-          <p:nvPr>
-            <p:ph/>
-          </p:nvPr>
-        </p:nvSpPr>
-        <p:spPr>
-          <a:xfrm>
-            <a:off x="360000" y="1485000"/>
-            <a:ext cx="9359640" cy="3779640"/>
-          </a:xfrm>
-          <a:prstGeom prst="rect">
-            <a:avLst/>
-          </a:prstGeom>
-          <a:noFill/>
-          <a:ln w="0">
-            <a:noFill/>
-          </a:ln>
-        </p:spPr>
-        <p:txBody>
-          <a:bodyPr lIns="0" rIns="0" tIns="0" bIns="0" anchor="t">
-            <a:normAutofit fontScale="86000"/>
-          </a:bodyPr>
-          <a:p>
-            <a:pPr marL="432000" indent="-324000">
-              <a:lnSpc>
-                <a:spcPct val="100000"/>
-              </a:lnSpc>
-              <a:spcAft>
-                <a:spcPts val="1057"/>
-              </a:spcAft>
-              <a:buClr>
-                <a:srgbClr val="2c3e50"/>
-              </a:buClr>
-              <a:buSzPct val="45000"/>
-              <a:buFont typeface="Wingdings" charset="2"/>
-              <a:buChar char=""/>
-            </a:pPr>
-            <a:r>
-              <a:rPr b="1" lang="en-US" sz="2400" spc="-1" strike="noStrike">
-                <a:solidFill>
-                  <a:srgbClr val="2c3e50"/>
-                </a:solidFill>
-                <a:latin typeface="Noto Sans"/>
-              </a:rPr>
-              <a:t>Process and thread live migration</a:t>
-            </a:r>
-            <a:endParaRPr b="0" lang="en-US" sz="2400" spc="-1" strike="noStrike">
-              <a:latin typeface="Arial"/>
-            </a:endParaRPr>
-          </a:p>
-          <a:p>
-            <a:pPr marL="432000" indent="-324000">
-              <a:lnSpc>
-                <a:spcPct val="100000"/>
-              </a:lnSpc>
-              <a:spcAft>
-                <a:spcPts val="1057"/>
-              </a:spcAft>
-              <a:buClr>
-                <a:srgbClr val="2c3e50"/>
-              </a:buClr>
-              <a:buSzPct val="45000"/>
-              <a:buFont typeface="Wingdings" charset="2"/>
-              <a:buChar char=""/>
-            </a:pPr>
-            <a:r>
-              <a:rPr b="1" lang="en-US" sz="2400" spc="-1" strike="noStrike">
-                <a:solidFill>
-                  <a:srgbClr val="2c3e50"/>
-                </a:solidFill>
-                <a:latin typeface="Noto Sans"/>
-              </a:rPr>
-              <a:t>Virtual address space</a:t>
-            </a:r>
-            <a:endParaRPr b="0" lang="en-US" sz="2400" spc="-1" strike="noStrike">
-              <a:latin typeface="Arial"/>
-            </a:endParaRPr>
-          </a:p>
-          <a:p>
-            <a:pPr marL="432000" indent="-324000">
-              <a:lnSpc>
-                <a:spcPct val="100000"/>
-              </a:lnSpc>
-              <a:spcAft>
-                <a:spcPts val="1057"/>
-              </a:spcAft>
-              <a:buClr>
-                <a:srgbClr val="2c3e50"/>
-              </a:buClr>
-              <a:buSzPct val="45000"/>
-              <a:buFont typeface="Wingdings" charset="2"/>
-              <a:buChar char=""/>
-            </a:pPr>
-            <a:r>
-              <a:rPr b="1" lang="en-US" sz="2400" spc="-1" strike="noStrike">
-                <a:solidFill>
-                  <a:srgbClr val="2c3e50"/>
-                </a:solidFill>
-                <a:latin typeface="Noto Sans"/>
-              </a:rPr>
-              <a:t>Identify physical pages for processes and threads</a:t>
-            </a:r>
-            <a:endParaRPr b="0" lang="en-US" sz="2400" spc="-1" strike="noStrike">
-              <a:latin typeface="Arial"/>
-            </a:endParaRPr>
-          </a:p>
-          <a:p>
-            <a:pPr marL="432000" indent="-324000">
-              <a:lnSpc>
-                <a:spcPct val="100000"/>
-              </a:lnSpc>
-              <a:spcAft>
-                <a:spcPts val="1057"/>
-              </a:spcAft>
-              <a:buClr>
-                <a:srgbClr val="2c3e50"/>
-              </a:buClr>
-              <a:buSzPct val="45000"/>
-              <a:buFont typeface="Wingdings" charset="2"/>
-              <a:buChar char=""/>
-            </a:pPr>
-            <a:r>
-              <a:rPr b="1" lang="en-US" sz="2400" spc="-1" strike="noStrike">
-                <a:solidFill>
-                  <a:srgbClr val="2c3e50"/>
-                </a:solidFill>
-                <a:latin typeface="Noto Sans"/>
-              </a:rPr>
-              <a:t>Physical pages in the kernel can be live migrated from one kernel to another via the messaging layer as is</a:t>
-            </a:r>
-            <a:endParaRPr b="0" lang="en-US" sz="2400" spc="-1" strike="noStrike">
-              <a:latin typeface="Arial"/>
-            </a:endParaRPr>
-          </a:p>
-          <a:p>
-            <a:pPr marL="432000" indent="-324000">
-              <a:lnSpc>
-                <a:spcPct val="100000"/>
-              </a:lnSpc>
-              <a:spcAft>
-                <a:spcPts val="1057"/>
-              </a:spcAft>
-              <a:buClr>
-                <a:srgbClr val="2c3e50"/>
-              </a:buClr>
-              <a:buSzPct val="45000"/>
-              <a:buFont typeface="Wingdings" charset="2"/>
-              <a:buChar char=""/>
-            </a:pPr>
-            <a:r>
-              <a:rPr b="1" lang="en-US" sz="2400" spc="-1" strike="noStrike">
-                <a:solidFill>
-                  <a:srgbClr val="2c3e50"/>
-                </a:solidFill>
-                <a:latin typeface="Noto Sans"/>
-              </a:rPr>
-              <a:t>IPC memory mapping with synching of physical pages in the kernels with live migration via the messaging system</a:t>
-            </a:r>
-            <a:endParaRPr b="0" lang="en-US" sz="2400" spc="-1" strike="noStrike">
-              <a:latin typeface="Arial"/>
-            </a:endParaRPr>
-          </a:p>
-          <a:p>
-            <a:pPr marL="432000" indent="-324000">
-              <a:lnSpc>
-                <a:spcPct val="100000"/>
-              </a:lnSpc>
-              <a:spcAft>
-                <a:spcPts val="1057"/>
-              </a:spcAft>
-              <a:buClr>
-                <a:srgbClr val="2c3e50"/>
-              </a:buClr>
-              <a:buSzPct val="45000"/>
-              <a:buFont typeface="Wingdings" charset="2"/>
-              <a:buChar char=""/>
-            </a:pPr>
-            <a:r>
-              <a:rPr b="1" lang="en-US" sz="2400" spc="-1" strike="noStrike">
-                <a:solidFill>
-                  <a:srgbClr val="2c3e50"/>
-                </a:solidFill>
-                <a:latin typeface="Noto Sans"/>
-              </a:rPr>
-              <a:t>IPC data transfer to and from another process address space on another machine with live migration via the messaging system</a:t>
-            </a:r>
-            <a:endParaRPr b="0" lang="en-US" sz="2400" spc="-1" strike="noStrike">
-              <a:latin typeface="Arial"/>
-            </a:endParaRPr>
-          </a:p>
-        </p:txBody>
-      </p:sp>
-    </p:spTree>
-  </p:cSld>
-  <mc:AlternateContent>
-    <mc:Choice Requires="p14">
-      <p:transition spd="slow" p14:dur="2000"/>
-    </mc:Choice>
-    <mc:Fallback>
-      <p:transition spd="slow"/>
-    </mc:Fallback>
-  </mc:AlternateContent>
-</p:sld>
-</file>
-
-<file path=ppt/slides/slide11.xml><?xml version="1.0" encoding="utf-8"?>
-<p:sld xmlns:a="http://schemas.openxmlformats.org/drawingml/2006/main" xmlns:p="http://schemas.openxmlformats.org/presentationml/2006/main" xmlns:r="http://schemas.openxmlformats.org/officeDocument/2006/relationships" xmlns:p14="http://schemas.microsoft.com/office/powerpoint/2010/main" xmlns:p15="http://schemas.microsoft.com/office/powerpoint/2012/main" xmlns:mc="http://schemas.openxmlformats.org/markup-compatibility/2006">
-  <p:cSld>
-    <p:spTree>
-      <p:nvGrpSpPr>
-        <p:cNvPr id="1" name=""/>
-        <p:cNvGrpSpPr/>
-        <p:nvPr/>
-      </p:nvGrpSpPr>
-      <p:grpSpPr>
-        <a:xfrm>
-          <a:off x="0" y="0"/>
-          <a:ext cx="0" cy="0"/>
-          <a:chOff x="0" y="0"/>
-          <a:chExt cx="0" cy="0"/>
-        </a:xfrm>
-      </p:grpSpPr>
-      <p:sp>
-        <p:nvSpPr>
-          <p:cNvPr id="187" name="PlaceHolder 1"/>
-          <p:cNvSpPr>
-            <a:spLocks noGrp="1"/>
-          </p:cNvSpPr>
-          <p:nvPr>
-            <p:ph type="title"/>
-          </p:nvPr>
-        </p:nvSpPr>
-        <p:spPr>
-          <a:xfrm>
-            <a:off x="360000" y="225720"/>
-            <a:ext cx="9359640" cy="718560"/>
-          </a:xfrm>
-          <a:prstGeom prst="rect">
-            <a:avLst/>
-          </a:prstGeom>
-          <a:noFill/>
-          <a:ln w="0">
-            <a:noFill/>
-          </a:ln>
-        </p:spPr>
-        <p:txBody>
-          <a:bodyPr lIns="0" rIns="0" tIns="0" bIns="0" anchor="ctr" anchorCtr="1">
-            <a:noAutofit/>
-          </a:bodyPr>
-          <a:p>
-            <a:pPr>
-              <a:lnSpc>
-                <a:spcPct val="100000"/>
-              </a:lnSpc>
-              <a:buNone/>
-            </a:pPr>
-            <a:r>
-              <a:rPr b="1" lang="en-US" sz="2700" spc="-1" strike="noStrike">
-                <a:solidFill>
-                  <a:srgbClr val="ffffff"/>
-                </a:solidFill>
-                <a:latin typeface="Noto Sans"/>
-              </a:rPr>
-              <a:t>  </a:t>
-            </a:r>
-            <a:r>
-              <a:rPr b="1" lang="en-US" sz="2700" spc="-1" strike="noStrike">
-                <a:solidFill>
-                  <a:srgbClr val="ffffff"/>
-                </a:solidFill>
-                <a:latin typeface="Noto Sans"/>
-              </a:rPr>
-              <a:t>Replicated Virtual Driver Architecture</a:t>
-            </a:r>
-            <a:endParaRPr b="0" lang="en-US" sz="2700" spc="-1" strike="noStrike">
-              <a:latin typeface="Arial"/>
-            </a:endParaRPr>
-          </a:p>
-        </p:txBody>
-      </p:sp>
-      <p:sp>
-        <p:nvSpPr>
-          <p:cNvPr id="188" name="PlaceHolder 2"/>
-          <p:cNvSpPr>
-            <a:spLocks noGrp="1"/>
-          </p:cNvSpPr>
-          <p:nvPr>
-            <p:ph/>
-          </p:nvPr>
-        </p:nvSpPr>
-        <p:spPr>
-          <a:xfrm>
-            <a:off x="360000" y="1485000"/>
-            <a:ext cx="9359640" cy="3779640"/>
-          </a:xfrm>
-          <a:prstGeom prst="rect">
-            <a:avLst/>
-          </a:prstGeom>
-          <a:noFill/>
-          <a:ln w="0">
-            <a:noFill/>
-          </a:ln>
-        </p:spPr>
-        <p:txBody>
-          <a:bodyPr lIns="0" rIns="0" tIns="0" bIns="0" anchor="t">
-            <a:normAutofit fontScale="72000"/>
-          </a:bodyPr>
-          <a:p>
-            <a:pPr marL="432000" indent="-324000">
-              <a:lnSpc>
-                <a:spcPct val="100000"/>
-              </a:lnSpc>
-              <a:spcAft>
-                <a:spcPts val="1057"/>
-              </a:spcAft>
-              <a:buClr>
-                <a:srgbClr val="2c3e50"/>
-              </a:buClr>
-              <a:buSzPct val="45000"/>
-              <a:buFont typeface="Wingdings" charset="2"/>
-              <a:buChar char=""/>
-            </a:pPr>
-            <a:r>
-              <a:rPr b="1" lang="en-US" sz="2400" spc="-1" strike="noStrike">
-                <a:solidFill>
-                  <a:srgbClr val="2c3e50"/>
-                </a:solidFill>
-                <a:latin typeface="Noto Sans"/>
-              </a:rPr>
-              <a:t>Live migration process</a:t>
-            </a:r>
-            <a:endParaRPr b="0" lang="en-US" sz="2400" spc="-1" strike="noStrike">
-              <a:latin typeface="Arial"/>
-            </a:endParaRPr>
-          </a:p>
-          <a:p>
-            <a:pPr marL="432000" indent="-324000">
-              <a:lnSpc>
-                <a:spcPct val="100000"/>
-              </a:lnSpc>
-              <a:spcAft>
-                <a:spcPts val="1057"/>
-              </a:spcAft>
-              <a:buClr>
-                <a:srgbClr val="2c3e50"/>
-              </a:buClr>
-              <a:buSzPct val="45000"/>
-              <a:buFont typeface="Wingdings" charset="2"/>
-              <a:buChar char=""/>
-            </a:pPr>
-            <a:r>
-              <a:rPr b="1" lang="en-US" sz="2400" spc="-1" strike="noStrike">
-                <a:solidFill>
-                  <a:srgbClr val="2c3e50"/>
-                </a:solidFill>
-                <a:latin typeface="Noto Sans"/>
-              </a:rPr>
-              <a:t>-Make a new network connection to the destination computer</a:t>
-            </a:r>
-            <a:endParaRPr b="0" lang="en-US" sz="2400" spc="-1" strike="noStrike">
-              <a:latin typeface="Arial"/>
-            </a:endParaRPr>
-          </a:p>
-          <a:p>
-            <a:pPr marL="432000" indent="-324000">
-              <a:lnSpc>
-                <a:spcPct val="100000"/>
-              </a:lnSpc>
-              <a:spcAft>
-                <a:spcPts val="1057"/>
-              </a:spcAft>
-              <a:buClr>
-                <a:srgbClr val="2c3e50"/>
-              </a:buClr>
-              <a:buSzPct val="45000"/>
-              <a:buFont typeface="Wingdings" charset="2"/>
-              <a:buChar char=""/>
-            </a:pPr>
-            <a:r>
-              <a:rPr b="1" lang="en-US" sz="2400" spc="-1" strike="noStrike">
-                <a:solidFill>
-                  <a:srgbClr val="2c3e50"/>
-                </a:solidFill>
-                <a:latin typeface="Noto Sans"/>
-              </a:rPr>
-              <a:t>-Begin sending data</a:t>
-            </a:r>
-            <a:endParaRPr b="0" lang="en-US" sz="2400" spc="-1" strike="noStrike">
-              <a:latin typeface="Arial"/>
-            </a:endParaRPr>
-          </a:p>
-          <a:p>
-            <a:pPr marL="432000" indent="-324000">
-              <a:lnSpc>
-                <a:spcPct val="100000"/>
-              </a:lnSpc>
-              <a:spcAft>
-                <a:spcPts val="1057"/>
-              </a:spcAft>
-              <a:buClr>
-                <a:srgbClr val="2c3e50"/>
-              </a:buClr>
-              <a:buSzPct val="45000"/>
-              <a:buFont typeface="Wingdings" charset="2"/>
-              <a:buChar char=""/>
-            </a:pPr>
-            <a:r>
-              <a:rPr b="1" lang="en-US" sz="2400" spc="-1" strike="noStrike">
-                <a:solidFill>
-                  <a:srgbClr val="2c3e50"/>
-                </a:solidFill>
-                <a:latin typeface="Noto Sans"/>
-              </a:rPr>
-              <a:t>-Any sent data that changes is resent</a:t>
-            </a:r>
-            <a:endParaRPr b="0" lang="en-US" sz="2400" spc="-1" strike="noStrike">
-              <a:latin typeface="Arial"/>
-            </a:endParaRPr>
-          </a:p>
-          <a:p>
-            <a:pPr marL="432000" indent="-324000">
-              <a:lnSpc>
-                <a:spcPct val="100000"/>
-              </a:lnSpc>
-              <a:spcAft>
-                <a:spcPts val="1057"/>
-              </a:spcAft>
-              <a:buClr>
-                <a:srgbClr val="2c3e50"/>
-              </a:buClr>
-              <a:buSzPct val="45000"/>
-              <a:buFont typeface="Wingdings" charset="2"/>
-              <a:buChar char=""/>
-            </a:pPr>
-            <a:r>
-              <a:rPr b="1" lang="en-US" sz="2400" spc="-1" strike="noStrike">
-                <a:solidFill>
-                  <a:srgbClr val="2c3e50"/>
-                </a:solidFill>
-                <a:latin typeface="Noto Sans"/>
-              </a:rPr>
-              <a:t>-Keep sending data until the data is completely sent</a:t>
-            </a:r>
-            <a:endParaRPr b="0" lang="en-US" sz="2400" spc="-1" strike="noStrike">
-              <a:latin typeface="Arial"/>
-            </a:endParaRPr>
-          </a:p>
-          <a:p>
-            <a:pPr marL="432000" indent="-324000">
-              <a:lnSpc>
-                <a:spcPct val="100000"/>
-              </a:lnSpc>
-              <a:spcAft>
-                <a:spcPts val="1057"/>
-              </a:spcAft>
-              <a:buClr>
-                <a:srgbClr val="2c3e50"/>
-              </a:buClr>
-              <a:buSzPct val="45000"/>
-              <a:buFont typeface="Wingdings" charset="2"/>
-              <a:buChar char=""/>
-            </a:pPr>
-            <a:r>
-              <a:rPr b="1" lang="en-US" sz="2400" spc="-1" strike="noStrike">
-                <a:solidFill>
-                  <a:srgbClr val="2c3e50"/>
-                </a:solidFill>
-                <a:latin typeface="Noto Sans"/>
-              </a:rPr>
-              <a:t>-Send the current instruction pointer and resume on the remote system</a:t>
-            </a:r>
-            <a:endParaRPr b="0" lang="en-US" sz="2400" spc="-1" strike="noStrike">
-              <a:latin typeface="Arial"/>
-            </a:endParaRPr>
-          </a:p>
-          <a:p>
-            <a:pPr marL="432000" indent="-324000">
-              <a:lnSpc>
-                <a:spcPct val="100000"/>
-              </a:lnSpc>
-              <a:spcAft>
-                <a:spcPts val="1057"/>
-              </a:spcAft>
-              <a:buClr>
-                <a:srgbClr val="2c3e50"/>
-              </a:buClr>
-              <a:buSzPct val="45000"/>
-              <a:buFont typeface="Wingdings" charset="2"/>
-              <a:buChar char=""/>
-            </a:pPr>
-            <a:r>
-              <a:rPr b="1" lang="en-US" sz="2400" spc="-1" strike="noStrike">
-                <a:solidFill>
-                  <a:srgbClr val="2c3e50"/>
-                </a:solidFill>
-                <a:latin typeface="Noto Sans"/>
-              </a:rPr>
-              <a:t>-Relinquish the data on the original system</a:t>
-            </a:r>
-            <a:endParaRPr b="0" lang="en-US" sz="2400" spc="-1" strike="noStrike">
-              <a:latin typeface="Arial"/>
-            </a:endParaRPr>
-          </a:p>
-          <a:p>
-            <a:pPr marL="432000" indent="-324000">
-              <a:lnSpc>
-                <a:spcPct val="100000"/>
-              </a:lnSpc>
-              <a:spcAft>
-                <a:spcPts val="1057"/>
-              </a:spcAft>
-              <a:buClr>
-                <a:srgbClr val="2c3e50"/>
-              </a:buClr>
-              <a:buSzPct val="45000"/>
-              <a:buFont typeface="Wingdings" charset="2"/>
-              <a:buChar char=""/>
-            </a:pPr>
-            <a:r>
-              <a:rPr b="1" lang="en-US" sz="2400" spc="-1" strike="noStrike">
-                <a:solidFill>
-                  <a:srgbClr val="2c3e50"/>
-                </a:solidFill>
-                <a:latin typeface="Noto Sans"/>
-              </a:rPr>
-              <a:t>-Drop the original connection leaving the new network connection</a:t>
-            </a:r>
-            <a:endParaRPr b="0" lang="en-US" sz="2400" spc="-1" strike="noStrike">
-              <a:latin typeface="Arial"/>
-            </a:endParaRPr>
-          </a:p>
-          <a:p>
-            <a:pPr marL="432000" indent="-324000">
-              <a:lnSpc>
-                <a:spcPct val="100000"/>
-              </a:lnSpc>
-              <a:spcAft>
-                <a:spcPts val="1057"/>
-              </a:spcAft>
-              <a:buClr>
-                <a:srgbClr val="2c3e50"/>
-              </a:buClr>
-              <a:buSzPct val="45000"/>
-              <a:buFont typeface="Wingdings" charset="2"/>
-              <a:buChar char=""/>
-            </a:pPr>
-            <a:r>
-              <a:rPr b="1" lang="en-US" sz="2400" spc="-1" strike="noStrike">
-                <a:solidFill>
-                  <a:srgbClr val="2c3e50"/>
-                </a:solidFill>
-                <a:latin typeface="Noto Sans"/>
-              </a:rPr>
-              <a:t>Seamless and in real time!</a:t>
-            </a:r>
-            <a:endParaRPr b="0" lang="en-US" sz="2400" spc="-1" strike="noStrike">
-              <a:latin typeface="Arial"/>
-            </a:endParaRPr>
-          </a:p>
-          <a:p>
-            <a:pPr marL="432000" indent="-324000">
-              <a:lnSpc>
-                <a:spcPct val="100000"/>
-              </a:lnSpc>
-              <a:spcAft>
-                <a:spcPts val="1057"/>
-              </a:spcAft>
-              <a:buClr>
-                <a:srgbClr val="2c3e50"/>
-              </a:buClr>
-              <a:buSzPct val="45000"/>
-              <a:buFont typeface="Wingdings" charset="2"/>
-              <a:buChar char=""/>
-            </a:pPr>
-            <a:r>
-              <a:rPr b="1" lang="en-US" sz="2400" spc="-1" strike="noStrike">
-                <a:solidFill>
-                  <a:srgbClr val="2c3e50"/>
-                </a:solidFill>
-                <a:latin typeface="Noto Sans"/>
-              </a:rPr>
-              <a:t>Allows for cascading live migration</a:t>
-            </a:r>
-            <a:endParaRPr b="0" lang="en-US" sz="2400" spc="-1" strike="noStrike">
-              <a:latin typeface="Arial"/>
-            </a:endParaRPr>
-          </a:p>
-        </p:txBody>
-      </p:sp>
-    </p:spTree>
-  </p:cSld>
-  <mc:AlternateContent>
-    <mc:Choice Requires="p14">
-      <p:transition spd="slow" p14:dur="2000"/>
-    </mc:Choice>
-    <mc:Fallback>
-      <p:transition spd="slow"/>
-    </mc:Fallback>
-  </mc:AlternateContent>
-</p:sld>
-</file>
-
-<file path=ppt/slides/slide12.xml><?xml version="1.0" encoding="utf-8"?>
-<p:sld xmlns:a="http://schemas.openxmlformats.org/drawingml/2006/main" xmlns:p="http://schemas.openxmlformats.org/presentationml/2006/main" xmlns:r="http://schemas.openxmlformats.org/officeDocument/2006/relationships" xmlns:p14="http://schemas.microsoft.com/office/powerpoint/2010/main" xmlns:p15="http://schemas.microsoft.com/office/powerpoint/2012/main" xmlns:mc="http://schemas.openxmlformats.org/markup-compatibility/2006">
-  <p:cSld>
-    <p:spTree>
-      <p:nvGrpSpPr>
-        <p:cNvPr id="1" name=""/>
-        <p:cNvGrpSpPr/>
-        <p:nvPr/>
-      </p:nvGrpSpPr>
-      <p:grpSpPr>
-        <a:xfrm>
-          <a:off x="0" y="0"/>
-          <a:ext cx="0" cy="0"/>
-          <a:chOff x="0" y="0"/>
-          <a:chExt cx="0" cy="0"/>
-        </a:xfrm>
-      </p:grpSpPr>
-      <p:sp>
-        <p:nvSpPr>
-          <p:cNvPr id="189" name="PlaceHolder 1"/>
-          <p:cNvSpPr>
-            <a:spLocks noGrp="1"/>
-          </p:cNvSpPr>
-          <p:nvPr>
-            <p:ph type="title"/>
-          </p:nvPr>
-        </p:nvSpPr>
-        <p:spPr>
-          <a:xfrm>
-            <a:off x="360000" y="225720"/>
-            <a:ext cx="9359640" cy="718560"/>
-          </a:xfrm>
-          <a:prstGeom prst="rect">
-            <a:avLst/>
-          </a:prstGeom>
-          <a:noFill/>
-          <a:ln w="0">
-            <a:noFill/>
-          </a:ln>
-        </p:spPr>
-        <p:txBody>
-          <a:bodyPr lIns="0" rIns="0" tIns="0" bIns="0" anchor="ctr" anchorCtr="1">
-            <a:noAutofit/>
-          </a:bodyPr>
-          <a:p>
-            <a:pPr>
-              <a:lnSpc>
-                <a:spcPct val="100000"/>
-              </a:lnSpc>
-              <a:buNone/>
-            </a:pPr>
-            <a:r>
-              <a:rPr b="1" lang="en-US" sz="2700" spc="-1" strike="noStrike">
-                <a:solidFill>
-                  <a:srgbClr val="ffffff"/>
-                </a:solidFill>
-                <a:latin typeface="Noto Sans"/>
-              </a:rPr>
-              <a:t>  </a:t>
-            </a:r>
-            <a:r>
-              <a:rPr b="1" lang="en-US" sz="2700" spc="-1" strike="noStrike">
-                <a:solidFill>
-                  <a:srgbClr val="ffffff"/>
-                </a:solidFill>
-                <a:latin typeface="Noto Sans"/>
-              </a:rPr>
-              <a:t>Replicated Virtual Driver Architecture</a:t>
-            </a:r>
-            <a:endParaRPr b="0" lang="en-US" sz="2700" spc="-1" strike="noStrike">
-              <a:latin typeface="Arial"/>
-            </a:endParaRPr>
-          </a:p>
-        </p:txBody>
-      </p:sp>
-      <p:sp>
-        <p:nvSpPr>
-          <p:cNvPr id="190" name="PlaceHolder 2"/>
-          <p:cNvSpPr>
-            <a:spLocks noGrp="1"/>
-          </p:cNvSpPr>
-          <p:nvPr>
-            <p:ph/>
-          </p:nvPr>
-        </p:nvSpPr>
-        <p:spPr>
-          <a:xfrm>
-            <a:off x="360000" y="1485000"/>
-            <a:ext cx="9359640" cy="3779640"/>
-          </a:xfrm>
-          <a:prstGeom prst="rect">
-            <a:avLst/>
-          </a:prstGeom>
-          <a:noFill/>
-          <a:ln w="0">
-            <a:noFill/>
-          </a:ln>
-        </p:spPr>
-        <p:txBody>
-          <a:bodyPr lIns="0" rIns="0" tIns="0" bIns="0" anchor="t">
-            <a:normAutofit fontScale="66000"/>
-          </a:bodyPr>
-          <a:p>
-            <a:pPr marL="432000" indent="-324000">
-              <a:lnSpc>
-                <a:spcPct val="100000"/>
-              </a:lnSpc>
-              <a:spcAft>
-                <a:spcPts val="1057"/>
-              </a:spcAft>
-              <a:buClr>
-                <a:srgbClr val="2c3e50"/>
-              </a:buClr>
-              <a:buSzPct val="45000"/>
-              <a:buFont typeface="Wingdings" charset="2"/>
-              <a:buChar char=""/>
-            </a:pPr>
-            <a:r>
-              <a:rPr b="1" lang="en-US" sz="2400" spc="-1" strike="noStrike">
-                <a:solidFill>
-                  <a:srgbClr val="2c3e50"/>
-                </a:solidFill>
-                <a:latin typeface="Noto Sans"/>
-              </a:rPr>
-              <a:t>Recap!</a:t>
-            </a:r>
-            <a:endParaRPr b="0" lang="en-US" sz="2400" spc="-1" strike="noStrike">
-              <a:latin typeface="Arial"/>
-            </a:endParaRPr>
-          </a:p>
-          <a:p>
-            <a:pPr marL="432000" indent="-324000">
-              <a:lnSpc>
-                <a:spcPct val="100000"/>
-              </a:lnSpc>
-              <a:spcAft>
-                <a:spcPts val="1057"/>
-              </a:spcAft>
-              <a:buClr>
-                <a:srgbClr val="2c3e50"/>
-              </a:buClr>
-              <a:buSzPct val="45000"/>
-              <a:buFont typeface="Wingdings" charset="2"/>
-              <a:buChar char=""/>
-            </a:pPr>
-            <a:r>
-              <a:rPr b="1" lang="en-US" sz="2400" spc="-1" strike="noStrike">
-                <a:solidFill>
-                  <a:srgbClr val="2c3e50"/>
-                </a:solidFill>
-                <a:latin typeface="Noto Sans"/>
-              </a:rPr>
-              <a:t>-Transparency</a:t>
-            </a:r>
-            <a:endParaRPr b="0" lang="en-US" sz="2400" spc="-1" strike="noStrike">
-              <a:latin typeface="Arial"/>
-            </a:endParaRPr>
-          </a:p>
-          <a:p>
-            <a:pPr marL="432000" indent="-324000">
-              <a:lnSpc>
-                <a:spcPct val="100000"/>
-              </a:lnSpc>
-              <a:spcAft>
-                <a:spcPts val="1057"/>
-              </a:spcAft>
-              <a:buClr>
-                <a:srgbClr val="2c3e50"/>
-              </a:buClr>
-              <a:buSzPct val="45000"/>
-              <a:buFont typeface="Wingdings" charset="2"/>
-              <a:buChar char=""/>
-            </a:pPr>
-            <a:r>
-              <a:rPr b="1" lang="en-US" sz="2400" spc="-1" strike="noStrike">
-                <a:solidFill>
-                  <a:srgbClr val="2c3e50"/>
-                </a:solidFill>
-                <a:latin typeface="Noto Sans"/>
-              </a:rPr>
-              <a:t>-Can use with ANY driver</a:t>
-            </a:r>
-            <a:endParaRPr b="0" lang="en-US" sz="2400" spc="-1" strike="noStrike">
-              <a:latin typeface="Arial"/>
-            </a:endParaRPr>
-          </a:p>
-          <a:p>
-            <a:pPr marL="432000" indent="-324000">
-              <a:lnSpc>
-                <a:spcPct val="100000"/>
-              </a:lnSpc>
-              <a:spcAft>
-                <a:spcPts val="1057"/>
-              </a:spcAft>
-              <a:buClr>
-                <a:srgbClr val="2c3e50"/>
-              </a:buClr>
-              <a:buSzPct val="45000"/>
-              <a:buFont typeface="Wingdings" charset="2"/>
-              <a:buChar char=""/>
-            </a:pPr>
-            <a:r>
-              <a:rPr b="1" lang="en-US" sz="2400" spc="-1" strike="noStrike">
-                <a:solidFill>
-                  <a:srgbClr val="2c3e50"/>
-                </a:solidFill>
-                <a:latin typeface="Noto Sans"/>
-              </a:rPr>
-              <a:t>-No need to alter existing drivers</a:t>
-            </a:r>
-            <a:endParaRPr b="0" lang="en-US" sz="2400" spc="-1" strike="noStrike">
-              <a:latin typeface="Arial"/>
-            </a:endParaRPr>
-          </a:p>
-          <a:p>
-            <a:pPr marL="432000" indent="-324000">
-              <a:lnSpc>
-                <a:spcPct val="100000"/>
-              </a:lnSpc>
-              <a:spcAft>
-                <a:spcPts val="1057"/>
-              </a:spcAft>
-              <a:buClr>
-                <a:srgbClr val="2c3e50"/>
-              </a:buClr>
-              <a:buSzPct val="45000"/>
-              <a:buFont typeface="Wingdings" charset="2"/>
-              <a:buChar char=""/>
-            </a:pPr>
-            <a:r>
-              <a:rPr b="1" lang="en-US" sz="2400" spc="-1" strike="noStrike">
-                <a:solidFill>
-                  <a:srgbClr val="2c3e50"/>
-                </a:solidFill>
-                <a:latin typeface="Noto Sans"/>
-              </a:rPr>
-              <a:t>-Can load or unload drivers at runtime to enable or disable features</a:t>
-            </a:r>
-            <a:endParaRPr b="0" lang="en-US" sz="2400" spc="-1" strike="noStrike">
-              <a:latin typeface="Arial"/>
-            </a:endParaRPr>
-          </a:p>
-          <a:p>
-            <a:pPr marL="432000" indent="-324000">
-              <a:lnSpc>
-                <a:spcPct val="100000"/>
-              </a:lnSpc>
-              <a:spcAft>
-                <a:spcPts val="1057"/>
-              </a:spcAft>
-              <a:buClr>
-                <a:srgbClr val="2c3e50"/>
-              </a:buClr>
-              <a:buSzPct val="45000"/>
-              <a:buFont typeface="Wingdings" charset="2"/>
-              <a:buChar char=""/>
-            </a:pPr>
-            <a:r>
-              <a:rPr b="1" lang="en-US" sz="2400" spc="-1" strike="noStrike">
-                <a:solidFill>
-                  <a:srgbClr val="2c3e50"/>
-                </a:solidFill>
-                <a:latin typeface="Noto Sans"/>
-              </a:rPr>
-              <a:t>-Messaging layer is trivial to use with IOCTL packets, physical pages, and filesystem data blocks</a:t>
-            </a:r>
-            <a:endParaRPr b="0" lang="en-US" sz="2400" spc="-1" strike="noStrike">
-              <a:latin typeface="Arial"/>
-            </a:endParaRPr>
-          </a:p>
-          <a:p>
-            <a:pPr marL="432000" indent="-324000">
-              <a:lnSpc>
-                <a:spcPct val="100000"/>
-              </a:lnSpc>
-              <a:spcAft>
-                <a:spcPts val="1057"/>
-              </a:spcAft>
-              <a:buClr>
-                <a:srgbClr val="2c3e50"/>
-              </a:buClr>
-              <a:buSzPct val="45000"/>
-              <a:buFont typeface="Wingdings" charset="2"/>
-              <a:buChar char=""/>
-            </a:pPr>
-            <a:r>
-              <a:rPr b="1" lang="en-US" sz="2400" spc="-1" strike="noStrike">
-                <a:solidFill>
-                  <a:srgbClr val="2c3e50"/>
-                </a:solidFill>
-                <a:latin typeface="Noto Sans"/>
-              </a:rPr>
-              <a:t>-We can compile the driver for ANY kernel for ANY architecture</a:t>
-            </a:r>
-            <a:endParaRPr b="0" lang="en-US" sz="2400" spc="-1" strike="noStrike">
-              <a:latin typeface="Arial"/>
-            </a:endParaRPr>
-          </a:p>
-          <a:p>
-            <a:pPr marL="432000" indent="-324000">
-              <a:lnSpc>
-                <a:spcPct val="100000"/>
-              </a:lnSpc>
-              <a:spcAft>
-                <a:spcPts val="1057"/>
-              </a:spcAft>
-              <a:buClr>
-                <a:srgbClr val="2c3e50"/>
-              </a:buClr>
-              <a:buSzPct val="45000"/>
-              <a:buFont typeface="Wingdings" charset="2"/>
-              <a:buChar char=""/>
-            </a:pPr>
-            <a:r>
-              <a:rPr b="1" lang="en-US" sz="2400" spc="-1" strike="noStrike">
-                <a:solidFill>
-                  <a:srgbClr val="2c3e50"/>
-                </a:solidFill>
-                <a:latin typeface="Noto Sans"/>
-              </a:rPr>
-              <a:t>-One-to-one architecture</a:t>
-            </a:r>
-            <a:endParaRPr b="0" lang="en-US" sz="2400" spc="-1" strike="noStrike">
-              <a:latin typeface="Arial"/>
-            </a:endParaRPr>
-          </a:p>
-          <a:p>
-            <a:pPr marL="432000" indent="-324000">
-              <a:lnSpc>
-                <a:spcPct val="100000"/>
-              </a:lnSpc>
-              <a:spcAft>
-                <a:spcPts val="1057"/>
-              </a:spcAft>
-              <a:buClr>
-                <a:srgbClr val="2c3e50"/>
-              </a:buClr>
-              <a:buSzPct val="45000"/>
-              <a:buFont typeface="Wingdings" charset="2"/>
-              <a:buChar char=""/>
-            </a:pPr>
-            <a:r>
-              <a:rPr b="1" lang="en-US" sz="2400" spc="-1" strike="noStrike">
-                <a:solidFill>
-                  <a:srgbClr val="2c3e50"/>
-                </a:solidFill>
-                <a:latin typeface="Noto Sans"/>
-              </a:rPr>
-              <a:t>-One-to-many, many-to-one architecture</a:t>
-            </a:r>
-            <a:endParaRPr b="0" lang="en-US" sz="2400" spc="-1" strike="noStrike">
-              <a:latin typeface="Arial"/>
-            </a:endParaRPr>
-          </a:p>
-          <a:p>
-            <a:pPr marL="432000" indent="-324000">
-              <a:lnSpc>
-                <a:spcPct val="100000"/>
-              </a:lnSpc>
-              <a:spcAft>
-                <a:spcPts val="1057"/>
-              </a:spcAft>
-              <a:buClr>
-                <a:srgbClr val="2c3e50"/>
-              </a:buClr>
-              <a:buSzPct val="45000"/>
-              <a:buFont typeface="Wingdings" charset="2"/>
-              <a:buChar char=""/>
-            </a:pPr>
-            <a:r>
-              <a:rPr b="1" lang="en-US" sz="2400" spc="-1" strike="noStrike">
-                <a:solidFill>
-                  <a:srgbClr val="2c3e50"/>
-                </a:solidFill>
-                <a:latin typeface="Noto Sans"/>
-              </a:rPr>
-              <a:t>-Distributed driver architecture</a:t>
-            </a:r>
-            <a:endParaRPr b="0" lang="en-US" sz="2400" spc="-1" strike="noStrike">
-              <a:latin typeface="Arial"/>
-            </a:endParaRPr>
-          </a:p>
-          <a:p>
-            <a:pPr marL="432000" indent="-324000">
-              <a:lnSpc>
-                <a:spcPct val="100000"/>
-              </a:lnSpc>
-              <a:spcAft>
-                <a:spcPts val="1057"/>
-              </a:spcAft>
-              <a:buClr>
-                <a:srgbClr val="2c3e50"/>
-              </a:buClr>
-              <a:buSzPct val="45000"/>
-              <a:buFont typeface="Wingdings" charset="2"/>
-              <a:buChar char=""/>
-            </a:pPr>
-            <a:r>
-              <a:rPr b="1" lang="en-US" sz="2400" spc="-1" strike="noStrike">
-                <a:solidFill>
-                  <a:srgbClr val="2c3e50"/>
-                </a:solidFill>
-                <a:latin typeface="Noto Sans"/>
-              </a:rPr>
-              <a:t>-One driver to rule them all! ;)</a:t>
-            </a:r>
-            <a:endParaRPr b="0" lang="en-US" sz="2400" spc="-1" strike="noStrike">
-              <a:latin typeface="Arial"/>
-            </a:endParaRPr>
-          </a:p>
-          <a:p>
-            <a:pPr>
-              <a:lnSpc>
-                <a:spcPct val="100000"/>
-              </a:lnSpc>
-              <a:spcAft>
-                <a:spcPts val="1057"/>
-              </a:spcAft>
-              <a:buNone/>
-            </a:pPr>
-            <a:endParaRPr b="0" lang="en-US" sz="2400" spc="-1" strike="noStrike">
-              <a:latin typeface="Arial"/>
-            </a:endParaRPr>
-          </a:p>
-        </p:txBody>
-      </p:sp>
-    </p:spTree>
-  </p:cSld>
-  <mc:AlternateContent>
-    <mc:Choice Requires="p14">
-      <p:transition spd="slow" p14:dur="2000"/>
-    </mc:Choice>
-    <mc:Fallback>
-      <p:transition spd="slow"/>
-    </mc:Fallback>
-  </mc:AlternateContent>
-</p:sld>
-</file>
-
-<file path=ppt/slides/slide13.xml><?xml version="1.0" encoding="utf-8"?>
-<p:sld xmlns:a="http://schemas.openxmlformats.org/drawingml/2006/main" xmlns:p="http://schemas.openxmlformats.org/presentationml/2006/main" xmlns:r="http://schemas.openxmlformats.org/officeDocument/2006/relationships" xmlns:p14="http://schemas.microsoft.com/office/powerpoint/2010/main" xmlns:p15="http://schemas.microsoft.com/office/powerpoint/2012/main" xmlns:mc="http://schemas.openxmlformats.org/markup-compatibility/2006">
-  <p:cSld>
-    <p:spTree>
-      <p:nvGrpSpPr>
-        <p:cNvPr id="1" name=""/>
-        <p:cNvGrpSpPr/>
-        <p:nvPr/>
-      </p:nvGrpSpPr>
-      <p:grpSpPr>
-        <a:xfrm>
-          <a:off x="0" y="0"/>
-          <a:ext cx="0" cy="0"/>
-          <a:chOff x="0" y="0"/>
-          <a:chExt cx="0" cy="0"/>
-        </a:xfrm>
-      </p:grpSpPr>
-      <p:sp>
-        <p:nvSpPr>
-          <p:cNvPr id="191" name="PlaceHolder 1"/>
-          <p:cNvSpPr>
-            <a:spLocks noGrp="1"/>
-          </p:cNvSpPr>
-          <p:nvPr>
-            <p:ph type="title"/>
-          </p:nvPr>
-        </p:nvSpPr>
-        <p:spPr>
-          <a:xfrm>
-            <a:off x="360000" y="225720"/>
-            <a:ext cx="9359640" cy="718560"/>
-          </a:xfrm>
-          <a:prstGeom prst="rect">
-            <a:avLst/>
-          </a:prstGeom>
-          <a:noFill/>
-          <a:ln w="0">
-            <a:noFill/>
-          </a:ln>
-        </p:spPr>
-        <p:txBody>
-          <a:bodyPr lIns="0" rIns="0" tIns="0" bIns="0" anchor="ctr" anchorCtr="1">
-            <a:noAutofit/>
-          </a:bodyPr>
-          <a:p>
-            <a:pPr>
-              <a:lnSpc>
-                <a:spcPct val="100000"/>
-              </a:lnSpc>
-              <a:buNone/>
-            </a:pPr>
-            <a:r>
-              <a:rPr b="1" lang="en-US" sz="2700" spc="-1" strike="noStrike">
-                <a:solidFill>
-                  <a:srgbClr val="ffffff"/>
-                </a:solidFill>
-                <a:latin typeface="Noto Sans"/>
-              </a:rPr>
-              <a:t>  </a:t>
-            </a:r>
-            <a:r>
-              <a:rPr b="1" lang="en-US" sz="2700" spc="-1" strike="noStrike">
-                <a:solidFill>
-                  <a:srgbClr val="ffffff"/>
-                </a:solidFill>
-                <a:latin typeface="Noto Sans"/>
-              </a:rPr>
-              <a:t>Replicated Virtual Driver Architecture</a:t>
-            </a:r>
-            <a:endParaRPr b="0" lang="en-US" sz="2700" spc="-1" strike="noStrike">
-              <a:latin typeface="Arial"/>
-            </a:endParaRPr>
-          </a:p>
-        </p:txBody>
-      </p:sp>
-      <p:sp>
-        <p:nvSpPr>
-          <p:cNvPr id="192" name="PlaceHolder 2"/>
-          <p:cNvSpPr>
-            <a:spLocks noGrp="1"/>
-          </p:cNvSpPr>
-          <p:nvPr>
-            <p:ph/>
-          </p:nvPr>
-        </p:nvSpPr>
-        <p:spPr>
-          <a:xfrm>
-            <a:off x="360000" y="1485000"/>
-            <a:ext cx="9359640" cy="3779640"/>
-          </a:xfrm>
-          <a:prstGeom prst="rect">
-            <a:avLst/>
-          </a:prstGeom>
-          <a:noFill/>
-          <a:ln w="0">
-            <a:noFill/>
-          </a:ln>
-        </p:spPr>
-        <p:txBody>
-          <a:bodyPr lIns="0" rIns="0" tIns="0" bIns="0" anchor="t">
-            <a:normAutofit/>
-          </a:bodyPr>
-          <a:p>
-            <a:pPr marL="432000" indent="-324000">
-              <a:lnSpc>
-                <a:spcPct val="100000"/>
-              </a:lnSpc>
-              <a:spcAft>
-                <a:spcPts val="1057"/>
-              </a:spcAft>
-              <a:buClr>
-                <a:srgbClr val="2c3e50"/>
-              </a:buClr>
-              <a:buSzPct val="45000"/>
-              <a:buFont typeface="Wingdings" charset="2"/>
-              <a:buChar char=""/>
-            </a:pPr>
-            <a:r>
-              <a:rPr b="1" lang="en-US" sz="2400" spc="-1" strike="noStrike">
-                <a:solidFill>
-                  <a:srgbClr val="2c3e50"/>
-                </a:solidFill>
-                <a:latin typeface="Noto Sans"/>
-              </a:rPr>
-              <a:t>Reading…</a:t>
-            </a:r>
-            <a:endParaRPr b="0" lang="en-US" sz="2400" spc="-1" strike="noStrike">
-              <a:latin typeface="Arial"/>
-            </a:endParaRPr>
-          </a:p>
-          <a:p>
-            <a:pPr marL="432000" indent="-324000">
-              <a:lnSpc>
-                <a:spcPct val="100000"/>
-              </a:lnSpc>
-              <a:spcAft>
-                <a:spcPts val="1057"/>
-              </a:spcAft>
-              <a:buClr>
-                <a:srgbClr val="2c3e50"/>
-              </a:buClr>
-              <a:buSzPct val="45000"/>
-              <a:buFont typeface="Wingdings" charset="2"/>
-              <a:buChar char=""/>
-            </a:pPr>
-            <a:r>
-              <a:rPr b="1" lang="en-US" sz="2400" spc="-1" strike="noStrike" u="sng">
-                <a:solidFill>
-                  <a:srgbClr val="0000ff"/>
-                </a:solidFill>
-                <a:uFillTx/>
-                <a:latin typeface="Noto Sans"/>
-                <a:hlinkClick r:id="rId1"/>
-              </a:rPr>
-              <a:t>https://shorturl.at/E1Nik</a:t>
-            </a:r>
-            <a:endParaRPr b="0" lang="en-US" sz="2400" spc="-1" strike="noStrike">
-              <a:latin typeface="Arial"/>
-            </a:endParaRPr>
-          </a:p>
-          <a:p>
-            <a:pPr marL="432000" indent="-324000">
-              <a:lnSpc>
-                <a:spcPct val="100000"/>
-              </a:lnSpc>
-              <a:spcAft>
-                <a:spcPts val="1057"/>
-              </a:spcAft>
-              <a:buClr>
-                <a:srgbClr val="2c3e50"/>
-              </a:buClr>
-              <a:buSzPct val="45000"/>
-              <a:buFont typeface="Wingdings" charset="2"/>
-              <a:buChar char=""/>
-            </a:pPr>
-            <a:r>
-              <a:rPr b="1" lang="en-US" sz="2400" spc="-1" strike="noStrike" u="sng">
-                <a:solidFill>
-                  <a:srgbClr val="0000ff"/>
-                </a:solidFill>
-                <a:uFillTx/>
-                <a:latin typeface="Noto Sans"/>
-                <a:hlinkClick r:id="rId2"/>
-              </a:rPr>
-              <a:t>https://shorturl.at/KL0zM</a:t>
-            </a:r>
-            <a:endParaRPr b="0" lang="en-US" sz="2400" spc="-1" strike="noStrike">
-              <a:latin typeface="Arial"/>
-            </a:endParaRPr>
-          </a:p>
-        </p:txBody>
-      </p:sp>
-    </p:spTree>
-  </p:cSld>
-  <mc:AlternateContent>
-    <mc:Choice Requires="p14">
-      <p:transition spd="slow" p14:dur="2000"/>
-    </mc:Choice>
-    <mc:Fallback>
-      <p:transition spd="slow"/>
-    </mc:Fallback>
-  </mc:AlternateContent>
-</p:sld>
-</file>
-
-<file path=ppt/slides/slide14.xml><?xml version="1.0" encoding="utf-8"?>
-<p:sld xmlns:a="http://schemas.openxmlformats.org/drawingml/2006/main" xmlns:p="http://schemas.openxmlformats.org/presentationml/2006/main" xmlns:r="http://schemas.openxmlformats.org/officeDocument/2006/relationships" xmlns:p14="http://schemas.microsoft.com/office/powerpoint/2010/main" xmlns:p15="http://schemas.microsoft.com/office/powerpoint/2012/main" xmlns:mc="http://schemas.openxmlformats.org/markup-compatibility/2006">
-  <p:cSld>
-    <p:spTree>
-      <p:nvGrpSpPr>
-        <p:cNvPr id="1" name=""/>
-        <p:cNvGrpSpPr/>
-        <p:nvPr/>
-      </p:nvGrpSpPr>
-      <p:grpSpPr>
-        <a:xfrm>
-          <a:off x="0" y="0"/>
-          <a:ext cx="0" cy="0"/>
-          <a:chOff x="0" y="0"/>
-          <a:chExt cx="0" cy="0"/>
-        </a:xfrm>
-      </p:grpSpPr>
-      <p:sp>
-        <p:nvSpPr>
-          <p:cNvPr id="193" name="PlaceHolder 1"/>
-          <p:cNvSpPr>
-            <a:spLocks noGrp="1"/>
-          </p:cNvSpPr>
-          <p:nvPr>
-            <p:ph type="title"/>
-          </p:nvPr>
-        </p:nvSpPr>
-        <p:spPr>
-          <a:xfrm>
             <a:off x="2700000" y="1440000"/>
             <a:ext cx="4679640" cy="1619640"/>
           </a:xfrm>
@@ -9559,7 +8463,43 @@
                 </a:solidFill>
                 <a:latin typeface="Noto Sans"/>
               </a:rPr>
-              <a:t>THAT IS ALL!!!</a:t>
+              <a:t>TH</a:t>
+            </a:r>
+            <a:r>
+              <a:rPr b="1" lang="en-US" sz="2700" spc="-1" strike="noStrike">
+                <a:solidFill>
+                  <a:srgbClr val="2c3e50"/>
+                </a:solidFill>
+                <a:latin typeface="Noto Sans"/>
+              </a:rPr>
+              <a:t>AT </a:t>
+            </a:r>
+            <a:r>
+              <a:rPr b="1" lang="en-US" sz="2700" spc="-1" strike="noStrike">
+                <a:solidFill>
+                  <a:srgbClr val="2c3e50"/>
+                </a:solidFill>
+                <a:latin typeface="Noto Sans"/>
+              </a:rPr>
+              <a:t>IS </a:t>
+            </a:r>
+            <a:r>
+              <a:rPr b="1" lang="en-US" sz="2700" spc="-1" strike="noStrike">
+                <a:solidFill>
+                  <a:srgbClr val="2c3e50"/>
+                </a:solidFill>
+                <a:latin typeface="Noto Sans"/>
+              </a:rPr>
+              <a:t>ALL</a:t>
+            </a:r>
+            <a:r>
+              <a:rPr b="1" lang="en-US" sz="2700" spc="-1" strike="noStrike">
+                <a:solidFill>
+                  <a:srgbClr val="2c3e50"/>
+                </a:solidFill>
+                <a:latin typeface="Noto Sans"/>
+              </a:rPr>
+              <a:t>!!!</a:t>
             </a:r>
             <a:endParaRPr b="0" lang="en-US" sz="2700" spc="-1" strike="noStrike">
               <a:latin typeface="Arial"/>
@@ -9581,8 +8521,8 @@
         <p:txBody>
           <a:bodyPr/>
           <a:p>
-            <a:fld id="{98C93F3F-9126-4C37-A90B-5B1EADEA694A}" type="slidenum">
-              <a:t>14</a:t>
+            <a:fld id="{68888BDB-96DD-4D73-B188-421085FB747A}" type="slidenum">
+              <a:t>10</a:t>
             </a:fld>
           </a:p>
         </p:txBody>
@@ -9700,7 +8640,7 @@
         </p:spPr>
         <p:txBody>
           <a:bodyPr lIns="0" rIns="0" tIns="0" bIns="0" anchor="t">
-            <a:normAutofit fontScale="86000"/>
+            <a:normAutofit fontScale="90000"/>
           </a:bodyPr>
           <a:p>
             <a:pPr marL="432000" indent="-324000">
@@ -9781,34 +8721,6 @@
                 <a:latin typeface="Noto Sans"/>
               </a:rPr>
               <a:t>Packets are put on the network as is</a:t>
-            </a:r>
-            <a:endParaRPr b="0" lang="en-US" sz="2400" spc="-1" strike="noStrike">
-              <a:latin typeface="Arial"/>
-            </a:endParaRPr>
-          </a:p>
-          <a:p>
-            <a:pPr marL="432000" indent="-324000">
-              <a:lnSpc>
-                <a:spcPct val="100000"/>
-              </a:lnSpc>
-              <a:spcAft>
-                <a:spcPts val="1057"/>
-              </a:spcAft>
-              <a:buClr>
-                <a:srgbClr val="2c3e50"/>
-              </a:buClr>
-              <a:buSzPct val="45000"/>
-              <a:buFont typeface="Wingdings" charset="2"/>
-              <a:buChar char=""/>
-            </a:pPr>
-            <a:r>
-              <a:rPr b="1" lang="en-US" sz="2400" spc="-1" strike="noStrike">
-                <a:solidFill>
-                  <a:srgbClr val="2c3e50"/>
-                </a:solidFill>
-                <a:latin typeface="Noto Sans"/>
-              </a:rPr>
-              <a:t>A form of distributed driver architecture</a:t>
             </a:r>
             <a:endParaRPr b="0" lang="en-US" sz="2400" spc="-1" strike="noStrike">
               <a:latin typeface="Arial"/>
@@ -9952,7 +8864,52 @@
                 </a:solidFill>
                 <a:latin typeface="Noto Sans"/>
               </a:rPr>
-              <a:t>Replicated Virtual Driver Architecture</a:t>
+              <a:t>Replic</a:t>
+            </a:r>
+            <a:r>
+              <a:rPr b="1" lang="en-US" sz="2700" spc="-1" strike="noStrike">
+                <a:solidFill>
+                  <a:srgbClr val="ffffff"/>
+                </a:solidFill>
+                <a:latin typeface="Noto Sans"/>
+              </a:rPr>
+              <a:t>ated </a:t>
+            </a:r>
+            <a:r>
+              <a:rPr b="1" lang="en-US" sz="2700" spc="-1" strike="noStrike">
+                <a:solidFill>
+                  <a:srgbClr val="ffffff"/>
+                </a:solidFill>
+                <a:latin typeface="Noto Sans"/>
+              </a:rPr>
+              <a:t>Virtual </a:t>
+            </a:r>
+            <a:r>
+              <a:rPr b="1" lang="en-US" sz="2700" spc="-1" strike="noStrike">
+                <a:solidFill>
+                  <a:srgbClr val="ffffff"/>
+                </a:solidFill>
+                <a:latin typeface="Noto Sans"/>
+              </a:rPr>
+              <a:t>Driver </a:t>
+            </a:r>
+            <a:r>
+              <a:rPr b="1" lang="en-US" sz="2700" spc="-1" strike="noStrike">
+                <a:solidFill>
+                  <a:srgbClr val="ffffff"/>
+                </a:solidFill>
+                <a:latin typeface="Noto Sans"/>
+              </a:rPr>
+              <a:t>Archit</a:t>
+            </a:r>
+            <a:r>
+              <a:rPr b="1" lang="en-US" sz="2700" spc="-1" strike="noStrike">
+                <a:solidFill>
+                  <a:srgbClr val="ffffff"/>
+                </a:solidFill>
+                <a:latin typeface="Noto Sans"/>
+              </a:rPr>
+              <a:t>ecture</a:t>
             </a:r>
             <a:endParaRPr b="0" lang="en-US" sz="2700" spc="-1" strike="noStrike">
               <a:latin typeface="Arial"/>
@@ -10153,7 +9110,16 @@
                 </a:solidFill>
                 <a:latin typeface="Noto Sans"/>
               </a:rPr>
-              <a:t>Replicated Virtual Driver Architecture</a:t>
+              <a:t>Replicated Virtual </a:t>
+            </a:r>
+            <a:r>
+              <a:rPr b="1" lang="en-US" sz="2700" spc="-1" strike="noStrike">
+                <a:solidFill>
+                  <a:srgbClr val="ffffff"/>
+                </a:solidFill>
+                <a:latin typeface="Noto Sans"/>
+              </a:rPr>
+              <a:t>Driver Architecture</a:t>
             </a:r>
             <a:endParaRPr b="0" lang="en-US" sz="2700" spc="-1" strike="noStrike">
               <a:latin typeface="Arial"/>
@@ -10438,7 +9404,97 @@
                 </a:solidFill>
                 <a:latin typeface="Noto Sans"/>
               </a:rPr>
-              <a:t>Replicated Virtual Driver Architecture</a:t>
+              <a:t>Rep</a:t>
+            </a:r>
+            <a:r>
+              <a:rPr b="1" lang="en-US" sz="2700" spc="-1" strike="noStrike">
+                <a:solidFill>
+                  <a:srgbClr val="ffffff"/>
+                </a:solidFill>
+                <a:latin typeface="Noto Sans"/>
+              </a:rPr>
+              <a:t>lica</a:t>
+            </a:r>
+            <a:r>
+              <a:rPr b="1" lang="en-US" sz="2700" spc="-1" strike="noStrike">
+                <a:solidFill>
+                  <a:srgbClr val="ffffff"/>
+                </a:solidFill>
+                <a:latin typeface="Noto Sans"/>
+              </a:rPr>
+              <a:t>ted </a:t>
+            </a:r>
+            <a:r>
+              <a:rPr b="1" lang="en-US" sz="2700" spc="-1" strike="noStrike">
+                <a:solidFill>
+                  <a:srgbClr val="ffffff"/>
+                </a:solidFill>
+                <a:latin typeface="Noto Sans"/>
+              </a:rPr>
+              <a:t>Virt</a:t>
+            </a:r>
+            <a:r>
+              <a:rPr b="1" lang="en-US" sz="2700" spc="-1" strike="noStrike">
+                <a:solidFill>
+                  <a:srgbClr val="ffffff"/>
+                </a:solidFill>
+                <a:latin typeface="Noto Sans"/>
+              </a:rPr>
+              <a:t>ual </a:t>
+            </a:r>
+            <a:r>
+              <a:rPr b="1" lang="en-US" sz="2700" spc="-1" strike="noStrike">
+                <a:solidFill>
+                  <a:srgbClr val="ffffff"/>
+                </a:solidFill>
+                <a:latin typeface="Noto Sans"/>
+              </a:rPr>
+              <a:t>Dri</a:t>
+            </a:r>
+            <a:r>
+              <a:rPr b="1" lang="en-US" sz="2700" spc="-1" strike="noStrike">
+                <a:solidFill>
+                  <a:srgbClr val="ffffff"/>
+                </a:solidFill>
+                <a:latin typeface="Noto Sans"/>
+              </a:rPr>
+              <a:t>ver </a:t>
+            </a:r>
+            <a:r>
+              <a:rPr b="1" lang="en-US" sz="2700" spc="-1" strike="noStrike">
+                <a:solidFill>
+                  <a:srgbClr val="ffffff"/>
+                </a:solidFill>
+                <a:latin typeface="Noto Sans"/>
+              </a:rPr>
+              <a:t>Arc</a:t>
+            </a:r>
+            <a:r>
+              <a:rPr b="1" lang="en-US" sz="2700" spc="-1" strike="noStrike">
+                <a:solidFill>
+                  <a:srgbClr val="ffffff"/>
+                </a:solidFill>
+                <a:latin typeface="Noto Sans"/>
+              </a:rPr>
+              <a:t>hite</a:t>
+            </a:r>
+            <a:r>
+              <a:rPr b="1" lang="en-US" sz="2700" spc="-1" strike="noStrike">
+                <a:solidFill>
+                  <a:srgbClr val="ffffff"/>
+                </a:solidFill>
+                <a:latin typeface="Noto Sans"/>
+              </a:rPr>
+              <a:t>ctu</a:t>
+            </a:r>
+            <a:r>
+              <a:rPr b="1" lang="en-US" sz="2700" spc="-1" strike="noStrike">
+                <a:solidFill>
+                  <a:srgbClr val="ffffff"/>
+                </a:solidFill>
+                <a:latin typeface="Noto Sans"/>
+              </a:rPr>
+              <a:t>re</a:t>
             </a:r>
             <a:endParaRPr b="0" lang="en-US" sz="2700" spc="-1" strike="noStrike">
               <a:latin typeface="Arial"/>
@@ -13191,7 +12247,106 @@
                 </a:solidFill>
                 <a:latin typeface="Noto Sans"/>
               </a:rPr>
-              <a:t>Replicated Virtual Driver Architecture</a:t>
+              <a:t>Re</a:t>
+            </a:r>
+            <a:r>
+              <a:rPr b="1" lang="en-US" sz="2700" spc="-1" strike="noStrike">
+                <a:solidFill>
+                  <a:srgbClr val="ffffff"/>
+                </a:solidFill>
+                <a:latin typeface="Noto Sans"/>
+              </a:rPr>
+              <a:t>plic</a:t>
+            </a:r>
+            <a:r>
+              <a:rPr b="1" lang="en-US" sz="2700" spc="-1" strike="noStrike">
+                <a:solidFill>
+                  <a:srgbClr val="ffffff"/>
+                </a:solidFill>
+                <a:latin typeface="Noto Sans"/>
+              </a:rPr>
+              <a:t>ate</a:t>
+            </a:r>
+            <a:r>
+              <a:rPr b="1" lang="en-US" sz="2700" spc="-1" strike="noStrike">
+                <a:solidFill>
+                  <a:srgbClr val="ffffff"/>
+                </a:solidFill>
+                <a:latin typeface="Noto Sans"/>
+              </a:rPr>
+              <a:t>d </a:t>
+            </a:r>
+            <a:r>
+              <a:rPr b="1" lang="en-US" sz="2700" spc="-1" strike="noStrike">
+                <a:solidFill>
+                  <a:srgbClr val="ffffff"/>
+                </a:solidFill>
+                <a:latin typeface="Noto Sans"/>
+              </a:rPr>
+              <a:t>Virt</a:t>
+            </a:r>
+            <a:r>
+              <a:rPr b="1" lang="en-US" sz="2700" spc="-1" strike="noStrike">
+                <a:solidFill>
+                  <a:srgbClr val="ffffff"/>
+                </a:solidFill>
+                <a:latin typeface="Noto Sans"/>
+              </a:rPr>
+              <a:t>ual </a:t>
+            </a:r>
+            <a:r>
+              <a:rPr b="1" lang="en-US" sz="2700" spc="-1" strike="noStrike">
+                <a:solidFill>
+                  <a:srgbClr val="ffffff"/>
+                </a:solidFill>
+                <a:latin typeface="Noto Sans"/>
+              </a:rPr>
+              <a:t>Dri</a:t>
+            </a:r>
+            <a:r>
+              <a:rPr b="1" lang="en-US" sz="2700" spc="-1" strike="noStrike">
+                <a:solidFill>
+                  <a:srgbClr val="ffffff"/>
+                </a:solidFill>
+                <a:latin typeface="Noto Sans"/>
+              </a:rPr>
+              <a:t>ver </a:t>
+            </a:r>
+            <a:r>
+              <a:rPr b="1" lang="en-US" sz="2700" spc="-1" strike="noStrike">
+                <a:solidFill>
+                  <a:srgbClr val="ffffff"/>
+                </a:solidFill>
+                <a:latin typeface="Noto Sans"/>
+              </a:rPr>
+              <a:t>Arc</a:t>
+            </a:r>
+            <a:r>
+              <a:rPr b="1" lang="en-US" sz="2700" spc="-1" strike="noStrike">
+                <a:solidFill>
+                  <a:srgbClr val="ffffff"/>
+                </a:solidFill>
+                <a:latin typeface="Noto Sans"/>
+              </a:rPr>
+              <a:t>hit</a:t>
+            </a:r>
+            <a:r>
+              <a:rPr b="1" lang="en-US" sz="2700" spc="-1" strike="noStrike">
+                <a:solidFill>
+                  <a:srgbClr val="ffffff"/>
+                </a:solidFill>
+                <a:latin typeface="Noto Sans"/>
+              </a:rPr>
+              <a:t>ect</a:t>
+            </a:r>
+            <a:r>
+              <a:rPr b="1" lang="en-US" sz="2700" spc="-1" strike="noStrike">
+                <a:solidFill>
+                  <a:srgbClr val="ffffff"/>
+                </a:solidFill>
+                <a:latin typeface="Noto Sans"/>
+              </a:rPr>
+              <a:t>ure</a:t>
             </a:r>
             <a:endParaRPr b="0" lang="en-US" sz="2700" spc="-1" strike="noStrike">
               <a:latin typeface="Arial"/>
@@ -13224,7 +12379,7 @@
         </p:spPr>
         <p:txBody>
           <a:bodyPr lIns="0" rIns="0" tIns="0" bIns="0" anchor="t">
-            <a:normAutofit fontScale="52000"/>
+            <a:normAutofit fontScale="57000"/>
           </a:bodyPr>
           <a:p>
             <a:pPr marL="432000" indent="-324000">
@@ -13304,7 +12459,7 @@
                 </a:solidFill>
                 <a:latin typeface="Noto Sans"/>
               </a:rPr>
-              <a:t>One-to-many, many-to-one architecture; virtual distributed virtual driver architecture</a:t>
+              <a:t>With one-to-one architecture we can enumerate all hardware in a cluster on all systems, and can implement direct communication to simulate BUS mastering</a:t>
             </a:r>
             <a:endParaRPr b="0" lang="en-US" sz="2400" spc="-1" strike="noStrike">
               <a:latin typeface="Arial"/>
@@ -13332,7 +12487,7 @@
                 </a:solidFill>
                 <a:latin typeface="Noto Sans"/>
               </a:rPr>
-              <a:t>Device driver major and minor numbers for identifying similar drivers across the cluster</a:t>
+              <a:t>One-to-many, many-to-one architecture; distributed virtual driver architecture</a:t>
             </a:r>
             <a:endParaRPr b="0" lang="en-US" sz="2400" spc="-1" strike="noStrike">
               <a:latin typeface="Arial"/>
@@ -13360,7 +12515,7 @@
                 </a:solidFill>
                 <a:latin typeface="Noto Sans"/>
               </a:rPr>
-              <a:t>We can pool resources with virtual hardware by enumerating all similar hardware resources and using a load balancing algorithm using IOCTL requests to treat the resources as one large pool of resources</a:t>
+              <a:t>Device driver major and minor numbers for identifying similar drivers across the cluster</a:t>
             </a:r>
             <a:endParaRPr b="0" lang="en-US" sz="2400" spc="-1" strike="noStrike">
               <a:latin typeface="Arial"/>
@@ -13388,7 +12543,7 @@
                 </a:solidFill>
                 <a:latin typeface="Noto Sans"/>
               </a:rPr>
-              <a:t>Technically we can have a distributed driver shared between nodes accessing remote resources in a pool, and be able to access these resources remotely, but let’s simplify and say all that have the virtual distributed driver are accessing the resources they share and that these resources can only be accessed by those with the virtual distributed driver</a:t>
+              <a:t>We can pool resources with virtual hardware by enumerating all similar hardware resources and using a load balancing algorithm using IOCTL requests to treat the resources as one large pool of resources</a:t>
             </a:r>
             <a:endParaRPr b="0" lang="en-US" sz="2400" spc="-1" strike="noStrike">
               <a:latin typeface="Arial"/>
@@ -13416,7 +12571,7 @@
                 </a:solidFill>
                 <a:latin typeface="Noto Sans"/>
               </a:rPr>
-              <a:t>Virtual distributed driver architecture virtual hardware transparently mimics the underlying resource pool and a regular driver stack can be used on top of it, treating the distributed hardware resources as one large virtual hardware resource backed by a pool of physical hardware resources on the network</a:t>
+              <a:t>All that have the distributed virtual driver can access the resources they share in a pool</a:t>
             </a:r>
             <a:endParaRPr b="0" lang="en-US" sz="2400" spc="-1" strike="noStrike">
               <a:latin typeface="Arial"/>
@@ -13444,7 +12599,35 @@
                 </a:solidFill>
                 <a:latin typeface="Noto Sans"/>
               </a:rPr>
-              <a:t>We can also use direct communication between virtual hardware devices to simulate BUS mastering</a:t>
+              <a:t>Distributed virtual driver architecture treats the distributed hardware resources as one large virtual hardware resource backed by the pool of physical hardware resources on the network</a:t>
+            </a:r>
+            <a:endParaRPr b="0" lang="en-US" sz="2400" spc="-1" strike="noStrike">
+              <a:latin typeface="Arial"/>
+            </a:endParaRPr>
+          </a:p>
+          <a:p>
+            <a:pPr marL="432000" indent="-324000">
+              <a:lnSpc>
+                <a:spcPct val="100000"/>
+              </a:lnSpc>
+              <a:spcAft>
+                <a:spcPts val="1057"/>
+              </a:spcAft>
+              <a:buClr>
+                <a:srgbClr val="2c3e50"/>
+              </a:buClr>
+              <a:buSzPct val="45000"/>
+              <a:buFont typeface="Wingdings" charset="2"/>
+              <a:buChar char=""/>
+            </a:pPr>
+            <a:r>
+              <a:rPr b="1" lang="en-US" sz="2400" spc="-1" strike="noStrike">
+                <a:solidFill>
+                  <a:srgbClr val="2c3e50"/>
+                </a:solidFill>
+                <a:latin typeface="Noto Sans"/>
+              </a:rPr>
+              <a:t>This can be used for such things as a distributed filesystem or a distributed network interface, creating the conditions for a single system image (SSI)</a:t>
             </a:r>
             <a:endParaRPr b="0" lang="en-US" sz="2400" spc="-1" strike="noStrike">
               <a:latin typeface="Arial"/>
@@ -13495,7 +12678,7 @@
         <p:spPr>
           <a:xfrm>
             <a:off x="360000" y="225720"/>
-            <a:ext cx="9359640" cy="719640"/>
+            <a:ext cx="9359640" cy="718560"/>
           </a:xfrm>
           <a:prstGeom prst="rect">
             <a:avLst/>
@@ -13565,7 +12748,7 @@
         </p:spPr>
         <p:txBody>
           <a:bodyPr lIns="0" rIns="0" tIns="0" bIns="0" anchor="t">
-            <a:normAutofit fontScale="95000"/>
+            <a:normAutofit fontScale="67000"/>
           </a:bodyPr>
           <a:p>
             <a:pPr marL="432000" indent="-324000">
@@ -13589,7 +12772,7 @@
                 </a:solidFill>
                 <a:latin typeface="Noto Sans"/>
               </a:rPr>
-              <a:t>Unified filesystem</a:t>
+              <a:t>Recap!</a:t>
             </a:r>
             <a:endParaRPr b="0" lang="en-US" sz="2400" spc="-1" strike="noStrike">
               <a:latin typeface="Arial"/>
@@ -13617,7 +12800,7 @@
                 </a:solidFill>
                 <a:latin typeface="Noto Sans"/>
               </a:rPr>
-              <a:t>Mount root filesystem on our distributed filesystem from initramfs during boot</a:t>
+              <a:t>-Transparency</a:t>
             </a:r>
             <a:endParaRPr b="0" lang="en-US" sz="2400" spc="-1" strike="noStrike">
               <a:latin typeface="Arial"/>
@@ -13645,7 +12828,7 @@
                 </a:solidFill>
                 <a:latin typeface="Noto Sans"/>
               </a:rPr>
-              <a:t>Live migration of blocks of data between individual disks over the messaging layer as is</a:t>
+              <a:t>-Can use with ANY driver</a:t>
             </a:r>
             <a:endParaRPr b="0" lang="en-US" sz="2400" spc="-1" strike="noStrike">
               <a:latin typeface="Arial"/>
@@ -13673,7 +12856,7 @@
                 </a:solidFill>
                 <a:latin typeface="Noto Sans"/>
               </a:rPr>
-              <a:t>Single root scenario</a:t>
+              <a:t>-No need to alter existing drivers</a:t>
             </a:r>
             <a:endParaRPr b="0" lang="en-US" sz="2400" spc="-1" strike="noStrike">
               <a:latin typeface="Arial"/>
@@ -13701,7 +12884,7 @@
                 </a:solidFill>
                 <a:latin typeface="Noto Sans"/>
               </a:rPr>
-              <a:t>Migration of files for processes and threads is not necessary!</a:t>
+              <a:t>-Can load or unload drivers at runtime to enable or disable features</a:t>
             </a:r>
             <a:endParaRPr b="0" lang="en-US" sz="2400" spc="-1" strike="noStrike">
               <a:latin typeface="Arial"/>
@@ -13729,8 +12912,152 @@
                 </a:solidFill>
                 <a:latin typeface="Noto Sans"/>
               </a:rPr>
-              <a:t>All data appears to be in one place!</a:t>
-            </a:r>
+              <a:t>-Messaging layer is trivial to use with IOCTL packets, physical pages, and </a:t>
+            </a:r>
+            <a:r>
+              <a:rPr b="1" lang="en-US" sz="2400" spc="-1" strike="noStrike">
+                <a:solidFill>
+                  <a:srgbClr val="2c3e50"/>
+                </a:solidFill>
+                <a:latin typeface="Noto Sans"/>
+              </a:rPr>
+              <a:t>filesystem data blocks</a:t>
+            </a:r>
+            <a:endParaRPr b="0" lang="en-US" sz="2400" spc="-1" strike="noStrike">
+              <a:latin typeface="Arial"/>
+            </a:endParaRPr>
+          </a:p>
+          <a:p>
+            <a:pPr marL="432000" indent="-324000">
+              <a:lnSpc>
+                <a:spcPct val="100000"/>
+              </a:lnSpc>
+              <a:spcAft>
+                <a:spcPts val="1057"/>
+              </a:spcAft>
+              <a:buClr>
+                <a:srgbClr val="2c3e50"/>
+              </a:buClr>
+              <a:buSzPct val="45000"/>
+              <a:buFont typeface="Wingdings" charset="2"/>
+              <a:buChar char=""/>
+            </a:pPr>
+            <a:r>
+              <a:rPr b="1" lang="en-US" sz="2400" spc="-1" strike="noStrike">
+                <a:solidFill>
+                  <a:srgbClr val="2c3e50"/>
+                </a:solidFill>
+                <a:latin typeface="Noto Sans"/>
+              </a:rPr>
+              <a:t>-We can compile the driver for ANY kernel for ANY architecture</a:t>
+            </a:r>
+            <a:endParaRPr b="0" lang="en-US" sz="2400" spc="-1" strike="noStrike">
+              <a:latin typeface="Arial"/>
+            </a:endParaRPr>
+          </a:p>
+          <a:p>
+            <a:pPr marL="432000" indent="-324000">
+              <a:lnSpc>
+                <a:spcPct val="100000"/>
+              </a:lnSpc>
+              <a:spcAft>
+                <a:spcPts val="1057"/>
+              </a:spcAft>
+              <a:buClr>
+                <a:srgbClr val="2c3e50"/>
+              </a:buClr>
+              <a:buSzPct val="45000"/>
+              <a:buFont typeface="Wingdings" charset="2"/>
+              <a:buChar char=""/>
+            </a:pPr>
+            <a:r>
+              <a:rPr b="1" lang="en-US" sz="2400" spc="-1" strike="noStrike">
+                <a:solidFill>
+                  <a:srgbClr val="2c3e50"/>
+                </a:solidFill>
+                <a:latin typeface="Noto Sans"/>
+              </a:rPr>
+              <a:t>-One-to-one architecture; replicated virtual driver architecture</a:t>
+            </a:r>
+            <a:endParaRPr b="0" lang="en-US" sz="2400" spc="-1" strike="noStrike">
+              <a:latin typeface="Arial"/>
+            </a:endParaRPr>
+          </a:p>
+          <a:p>
+            <a:pPr marL="432000" indent="-324000">
+              <a:lnSpc>
+                <a:spcPct val="100000"/>
+              </a:lnSpc>
+              <a:spcAft>
+                <a:spcPts val="1057"/>
+              </a:spcAft>
+              <a:buClr>
+                <a:srgbClr val="2c3e50"/>
+              </a:buClr>
+              <a:buSzPct val="45000"/>
+              <a:buFont typeface="Wingdings" charset="2"/>
+              <a:buChar char=""/>
+            </a:pPr>
+            <a:r>
+              <a:rPr b="1" lang="en-US" sz="2400" spc="-1" strike="noStrike">
+                <a:solidFill>
+                  <a:srgbClr val="2c3e50"/>
+                </a:solidFill>
+                <a:latin typeface="Noto Sans"/>
+              </a:rPr>
+              <a:t>-One-to-many, many-to-one architecture; distributed virtual driver architecture </a:t>
+            </a:r>
+            <a:r>
+              <a:rPr b="1" lang="en-US" sz="2400" spc="-1" strike="noStrike">
+                <a:solidFill>
+                  <a:srgbClr val="2c3e50"/>
+                </a:solidFill>
+                <a:latin typeface="Noto Sans"/>
+              </a:rPr>
+              <a:t>with virtual hardware</a:t>
+            </a:r>
+            <a:endParaRPr b="0" lang="en-US" sz="2400" spc="-1" strike="noStrike">
+              <a:latin typeface="Arial"/>
+            </a:endParaRPr>
+          </a:p>
+          <a:p>
+            <a:pPr marL="432000" indent="-324000">
+              <a:lnSpc>
+                <a:spcPct val="100000"/>
+              </a:lnSpc>
+              <a:spcAft>
+                <a:spcPts val="1057"/>
+              </a:spcAft>
+              <a:buClr>
+                <a:srgbClr val="2c3e50"/>
+              </a:buClr>
+              <a:buSzPct val="45000"/>
+              <a:buFont typeface="Wingdings" charset="2"/>
+              <a:buChar char=""/>
+            </a:pPr>
+            <a:r>
+              <a:rPr b="1" lang="en-US" sz="2400" spc="-1" strike="noStrike">
+                <a:solidFill>
+                  <a:srgbClr val="2c3e50"/>
+                </a:solidFill>
+                <a:latin typeface="Noto Sans"/>
+              </a:rPr>
+              <a:t>-One driver to rule them all! ;)</a:t>
+            </a:r>
+            <a:endParaRPr b="0" lang="en-US" sz="2400" spc="-1" strike="noStrike">
+              <a:latin typeface="Arial"/>
+            </a:endParaRPr>
+          </a:p>
+          <a:p>
+            <a:pPr>
+              <a:lnSpc>
+                <a:spcPct val="100000"/>
+              </a:lnSpc>
+              <a:spcAft>
+                <a:spcPts val="1057"/>
+              </a:spcAft>
+              <a:buNone/>
+            </a:pPr>
             <a:endParaRPr b="0" lang="en-US" sz="2400" spc="-1" strike="noStrike">
               <a:latin typeface="Arial"/>
             </a:endParaRPr>
@@ -13817,7 +13144,106 @@
                 </a:solidFill>
                 <a:latin typeface="Noto Sans"/>
               </a:rPr>
-              <a:t>Replicated Virtual Driver Architecture</a:t>
+              <a:t>Re</a:t>
+            </a:r>
+            <a:r>
+              <a:rPr b="1" lang="en-US" sz="2700" spc="-1" strike="noStrike">
+                <a:solidFill>
+                  <a:srgbClr val="ffffff"/>
+                </a:solidFill>
+                <a:latin typeface="Noto Sans"/>
+              </a:rPr>
+              <a:t>plic</a:t>
+            </a:r>
+            <a:r>
+              <a:rPr b="1" lang="en-US" sz="2700" spc="-1" strike="noStrike">
+                <a:solidFill>
+                  <a:srgbClr val="ffffff"/>
+                </a:solidFill>
+                <a:latin typeface="Noto Sans"/>
+              </a:rPr>
+              <a:t>ate</a:t>
+            </a:r>
+            <a:r>
+              <a:rPr b="1" lang="en-US" sz="2700" spc="-1" strike="noStrike">
+                <a:solidFill>
+                  <a:srgbClr val="ffffff"/>
+                </a:solidFill>
+                <a:latin typeface="Noto Sans"/>
+              </a:rPr>
+              <a:t>d </a:t>
+            </a:r>
+            <a:r>
+              <a:rPr b="1" lang="en-US" sz="2700" spc="-1" strike="noStrike">
+                <a:solidFill>
+                  <a:srgbClr val="ffffff"/>
+                </a:solidFill>
+                <a:latin typeface="Noto Sans"/>
+              </a:rPr>
+              <a:t>Virt</a:t>
+            </a:r>
+            <a:r>
+              <a:rPr b="1" lang="en-US" sz="2700" spc="-1" strike="noStrike">
+                <a:solidFill>
+                  <a:srgbClr val="ffffff"/>
+                </a:solidFill>
+                <a:latin typeface="Noto Sans"/>
+              </a:rPr>
+              <a:t>ual </a:t>
+            </a:r>
+            <a:r>
+              <a:rPr b="1" lang="en-US" sz="2700" spc="-1" strike="noStrike">
+                <a:solidFill>
+                  <a:srgbClr val="ffffff"/>
+                </a:solidFill>
+                <a:latin typeface="Noto Sans"/>
+              </a:rPr>
+              <a:t>Dri</a:t>
+            </a:r>
+            <a:r>
+              <a:rPr b="1" lang="en-US" sz="2700" spc="-1" strike="noStrike">
+                <a:solidFill>
+                  <a:srgbClr val="ffffff"/>
+                </a:solidFill>
+                <a:latin typeface="Noto Sans"/>
+              </a:rPr>
+              <a:t>ver </a:t>
+            </a:r>
+            <a:r>
+              <a:rPr b="1" lang="en-US" sz="2700" spc="-1" strike="noStrike">
+                <a:solidFill>
+                  <a:srgbClr val="ffffff"/>
+                </a:solidFill>
+                <a:latin typeface="Noto Sans"/>
+              </a:rPr>
+              <a:t>Arc</a:t>
+            </a:r>
+            <a:r>
+              <a:rPr b="1" lang="en-US" sz="2700" spc="-1" strike="noStrike">
+                <a:solidFill>
+                  <a:srgbClr val="ffffff"/>
+                </a:solidFill>
+                <a:latin typeface="Noto Sans"/>
+              </a:rPr>
+              <a:t>hit</a:t>
+            </a:r>
+            <a:r>
+              <a:rPr b="1" lang="en-US" sz="2700" spc="-1" strike="noStrike">
+                <a:solidFill>
+                  <a:srgbClr val="ffffff"/>
+                </a:solidFill>
+                <a:latin typeface="Noto Sans"/>
+              </a:rPr>
+              <a:t>ect</a:t>
+            </a:r>
+            <a:r>
+              <a:rPr b="1" lang="en-US" sz="2700" spc="-1" strike="noStrike">
+                <a:solidFill>
+                  <a:srgbClr val="ffffff"/>
+                </a:solidFill>
+                <a:latin typeface="Noto Sans"/>
+              </a:rPr>
+              <a:t>ure</a:t>
             </a:r>
             <a:endParaRPr b="0" lang="en-US" sz="2700" spc="-1" strike="noStrike">
               <a:latin typeface="Arial"/>
@@ -13874,7 +13300,7 @@
                 </a:solidFill>
                 <a:latin typeface="Noto Sans"/>
               </a:rPr>
-              <a:t>Unified network interface</a:t>
+              <a:t>Reading…</a:t>
             </a:r>
             <a:endParaRPr b="0" lang="en-US" sz="2400" spc="-1" strike="noStrike">
               <a:latin typeface="Arial"/>
@@ -13896,13 +13322,15 @@
               <a:buChar char=""/>
             </a:pPr>
             <a:r>
-              <a:rPr b="1" lang="en-US" sz="2400" spc="-1" strike="noStrike">
+              <a:rPr b="1" lang="en-US" sz="2400" spc="-1" strike="noStrike" u="sng">
                 <a:solidFill>
-                  <a:srgbClr val="2c3e50"/>
+                  <a:srgbClr val="0000ff"/>
                 </a:solidFill>
+                <a:uFillTx/>
                 <a:latin typeface="Noto Sans"/>
-              </a:rPr>
-              <a:t>Distribute the load over multiple network interfaces</a:t>
+                <a:hlinkClick r:id="rId1"/>
+              </a:rPr>
+              <a:t>https://shorturl.at/E1Nik</a:t>
             </a:r>
             <a:endParaRPr b="0" lang="en-US" sz="2400" spc="-1" strike="noStrike">
               <a:latin typeface="Arial"/>
@@ -13924,13 +13352,15 @@
               <a:buChar char=""/>
             </a:pPr>
             <a:r>
-              <a:rPr b="1" lang="en-US" sz="2400" spc="-1" strike="noStrike">
+              <a:rPr b="1" lang="en-US" sz="2400" spc="-1" strike="noStrike" u="sng">
                 <a:solidFill>
-                  <a:srgbClr val="2c3e50"/>
+                  <a:srgbClr val="0000ff"/>
                 </a:solidFill>
+                <a:uFillTx/>
                 <a:latin typeface="Noto Sans"/>
-              </a:rPr>
-              <a:t>Any of the interfaces can send or accept network traffic as if it were the same interface</a:t>
+                <a:hlinkClick r:id="rId2"/>
+              </a:rPr>
+              <a:t>https://shorturl.at/KL0zM</a:t>
             </a:r>
             <a:endParaRPr b="0" lang="en-US" sz="2400" spc="-1" strike="noStrike">
               <a:latin typeface="Arial"/>
